--- a/presentation.pptx
+++ b/presentation.pptx
@@ -5,10 +5,10 @@
     <p:sldMasterId id="2147483648" r:id="rId1"/>
   </p:sldMasterIdLst>
   <p:notesMasterIdLst>
-    <p:notesMasterId r:id="rId15"/>
+    <p:notesMasterId r:id="rId23"/>
   </p:notesMasterIdLst>
   <p:handoutMasterIdLst>
-    <p:handoutMasterId r:id="rId16"/>
+    <p:handoutMasterId r:id="rId24"/>
   </p:handoutMasterIdLst>
   <p:sldIdLst>
     <p:sldId id="256" r:id="rId2"/>
@@ -20,10 +20,18 @@
     <p:sldId id="263" r:id="rId8"/>
     <p:sldId id="264" r:id="rId9"/>
     <p:sldId id="262" r:id="rId10"/>
-    <p:sldId id="265" r:id="rId11"/>
-    <p:sldId id="266" r:id="rId12"/>
-    <p:sldId id="267" r:id="rId13"/>
-    <p:sldId id="268" r:id="rId14"/>
+    <p:sldId id="271" r:id="rId11"/>
+    <p:sldId id="273" r:id="rId12"/>
+    <p:sldId id="266" r:id="rId13"/>
+    <p:sldId id="274" r:id="rId14"/>
+    <p:sldId id="267" r:id="rId15"/>
+    <p:sldId id="275" r:id="rId16"/>
+    <p:sldId id="276" r:id="rId17"/>
+    <p:sldId id="268" r:id="rId18"/>
+    <p:sldId id="272" r:id="rId19"/>
+    <p:sldId id="265" r:id="rId20"/>
+    <p:sldId id="270" r:id="rId21"/>
+    <p:sldId id="269" r:id="rId22"/>
   </p:sldIdLst>
   <p:sldSz cx="12192000" cy="6858000"/>
   <p:notesSz cx="6858000" cy="9144000"/>
@@ -136,10 +144,22 @@
             <p14:sldId id="263"/>
             <p14:sldId id="264"/>
             <p14:sldId id="262"/>
+            <p14:sldId id="271"/>
+            <p14:sldId id="273"/>
+            <p14:sldId id="266"/>
+            <p14:sldId id="274"/>
+            <p14:sldId id="267"/>
+            <p14:sldId id="275"/>
+            <p14:sldId id="276"/>
+            <p14:sldId id="268"/>
+          </p14:sldIdLst>
+        </p14:section>
+        <p14:section name="WIP" id="{B24BC9DF-86AB-4A43-B418-39264E38472B}">
+          <p14:sldIdLst>
+            <p14:sldId id="272"/>
             <p14:sldId id="265"/>
-            <p14:sldId id="266"/>
-            <p14:sldId id="267"/>
-            <p14:sldId id="268"/>
+            <p14:sldId id="270"/>
+            <p14:sldId id="269"/>
           </p14:sldIdLst>
         </p14:section>
       </p14:sectionLst>
@@ -158,58 +178,215 @@
 <pc:chgInfo xmlns:a="http://schemas.openxmlformats.org/drawingml/2006/main" xmlns:r="http://schemas.openxmlformats.org/officeDocument/2006/relationships" xmlns:ac="http://schemas.microsoft.com/office/drawing/2013/main/command" xmlns:pc="http://schemas.microsoft.com/office/powerpoint/2013/main/command">
   <pc:docChgLst>
     <pc:chgData name="Lyo Nguyễn" userId="6265a5ad646d5517" providerId="LiveId" clId="{65287310-CD97-4092-B710-B6FE296C7AC0}"/>
-    <pc:docChg chg="undo custSel addSld modSld">
-      <pc:chgData name="Lyo Nguyễn" userId="6265a5ad646d5517" providerId="LiveId" clId="{65287310-CD97-4092-B710-B6FE296C7AC0}" dt="2018-10-25T09:05:58.426" v="2870" actId="20577"/>
+    <pc:docChg chg="undo redo custSel addSld modSld sldOrd modMainMaster">
+      <pc:chgData name="Lyo Nguyễn" userId="6265a5ad646d5517" providerId="LiveId" clId="{65287310-CD97-4092-B710-B6FE296C7AC0}" dt="2018-11-01T08:34:14.175" v="5259"/>
       <pc:docMkLst>
         <pc:docMk/>
       </pc:docMkLst>
       <pc:sldChg chg="modSp">
-        <pc:chgData name="Lyo Nguyễn" userId="6265a5ad646d5517" providerId="LiveId" clId="{65287310-CD97-4092-B710-B6FE296C7AC0}" dt="2018-10-25T09:04:49.096" v="2859" actId="20577"/>
+        <pc:chgData name="Lyo Nguyễn" userId="6265a5ad646d5517" providerId="LiveId" clId="{65287310-CD97-4092-B710-B6FE296C7AC0}" dt="2018-10-28T15:07:31.031" v="2925" actId="20577"/>
+        <pc:sldMkLst>
+          <pc:docMk/>
+          <pc:sldMk cId="4207685655" sldId="256"/>
+        </pc:sldMkLst>
+        <pc:spChg chg="mod">
+          <ac:chgData name="Lyo Nguyễn" userId="6265a5ad646d5517" providerId="LiveId" clId="{65287310-CD97-4092-B710-B6FE296C7AC0}" dt="2018-10-28T14:59:50.359" v="2886" actId="20577"/>
+          <ac:spMkLst>
+            <pc:docMk/>
+            <pc:sldMk cId="4207685655" sldId="256"/>
+            <ac:spMk id="2" creationId="{9545B5FB-D899-45BE-9CC8-1D0624875AC5}"/>
+          </ac:spMkLst>
+        </pc:spChg>
+        <pc:spChg chg="mod">
+          <ac:chgData name="Lyo Nguyễn" userId="6265a5ad646d5517" providerId="LiveId" clId="{65287310-CD97-4092-B710-B6FE296C7AC0}" dt="2018-10-28T15:07:31.031" v="2925" actId="20577"/>
+          <ac:spMkLst>
+            <pc:docMk/>
+            <pc:sldMk cId="4207685655" sldId="256"/>
+            <ac:spMk id="3" creationId="{3A1BE147-C90A-46F9-90E0-7F482B7B564A}"/>
+          </ac:spMkLst>
+        </pc:spChg>
+      </pc:sldChg>
+      <pc:sldChg chg="modSp">
+        <pc:chgData name="Lyo Nguyễn" userId="6265a5ad646d5517" providerId="LiveId" clId="{65287310-CD97-4092-B710-B6FE296C7AC0}" dt="2018-11-01T08:34:04.082" v="5258" actId="27636"/>
+        <pc:sldMkLst>
+          <pc:docMk/>
+          <pc:sldMk cId="680522853" sldId="257"/>
+        </pc:sldMkLst>
+        <pc:spChg chg="mod">
+          <ac:chgData name="Lyo Nguyễn" userId="6265a5ad646d5517" providerId="LiveId" clId="{65287310-CD97-4092-B710-B6FE296C7AC0}" dt="2018-10-28T15:07:38.796" v="2935" actId="20577"/>
+          <ac:spMkLst>
+            <pc:docMk/>
+            <pc:sldMk cId="680522853" sldId="257"/>
+            <ac:spMk id="2" creationId="{DD8C2572-D32E-4DA3-81B4-89F7EBD4C5C7}"/>
+          </ac:spMkLst>
+        </pc:spChg>
+        <pc:spChg chg="mod">
+          <ac:chgData name="Lyo Nguyễn" userId="6265a5ad646d5517" providerId="LiveId" clId="{65287310-CD97-4092-B710-B6FE296C7AC0}" dt="2018-11-01T08:34:04.082" v="5258" actId="27636"/>
+          <ac:spMkLst>
+            <pc:docMk/>
+            <pc:sldMk cId="680522853" sldId="257"/>
+            <ac:spMk id="3" creationId="{E8B7A255-3CCC-4074-A67F-5D3967856A77}"/>
+          </ac:spMkLst>
+        </pc:spChg>
+        <pc:spChg chg="mod">
+          <ac:chgData name="Lyo Nguyễn" userId="6265a5ad646d5517" providerId="LiveId" clId="{65287310-CD97-4092-B710-B6FE296C7AC0}" dt="2018-10-28T15:13:43.883" v="3134"/>
+          <ac:spMkLst>
+            <pc:docMk/>
+            <pc:sldMk cId="680522853" sldId="257"/>
+            <ac:spMk id="6" creationId="{6EC6B209-0E24-4225-A5AE-57A8DF0C4F3D}"/>
+          </ac:spMkLst>
+        </pc:spChg>
+      </pc:sldChg>
+      <pc:sldChg chg="modSp">
+        <pc:chgData name="Lyo Nguyễn" userId="6265a5ad646d5517" providerId="LiveId" clId="{65287310-CD97-4092-B710-B6FE296C7AC0}" dt="2018-10-28T15:49:03.968" v="3574" actId="20577"/>
         <pc:sldMkLst>
           <pc:docMk/>
           <pc:sldMk cId="3782952663" sldId="258"/>
         </pc:sldMkLst>
         <pc:spChg chg="mod">
-          <ac:chgData name="Lyo Nguyễn" userId="6265a5ad646d5517" providerId="LiveId" clId="{65287310-CD97-4092-B710-B6FE296C7AC0}" dt="2018-10-25T09:04:49.096" v="2859" actId="20577"/>
+          <ac:chgData name="Lyo Nguyễn" userId="6265a5ad646d5517" providerId="LiveId" clId="{65287310-CD97-4092-B710-B6FE296C7AC0}" dt="2018-10-28T15:14:57.512" v="3169" actId="20577"/>
+          <ac:spMkLst>
+            <pc:docMk/>
+            <pc:sldMk cId="3782952663" sldId="258"/>
+            <ac:spMk id="2" creationId="{E225452D-BD1A-4124-B249-A0BD07B087E0}"/>
+          </ac:spMkLst>
+        </pc:spChg>
+        <pc:spChg chg="mod">
+          <ac:chgData name="Lyo Nguyễn" userId="6265a5ad646d5517" providerId="LiveId" clId="{65287310-CD97-4092-B710-B6FE296C7AC0}" dt="2018-10-28T15:49:03.968" v="3574" actId="20577"/>
           <ac:spMkLst>
             <pc:docMk/>
             <pc:sldMk cId="3782952663" sldId="258"/>
             <ac:spMk id="3" creationId="{C61647F6-503B-40CA-81E7-680F6D30F8A4}"/>
           </ac:spMkLst>
         </pc:spChg>
+        <pc:spChg chg="mod">
+          <ac:chgData name="Lyo Nguyễn" userId="6265a5ad646d5517" providerId="LiveId" clId="{65287310-CD97-4092-B710-B6FE296C7AC0}" dt="2018-10-28T15:13:47.360" v="3135"/>
+          <ac:spMkLst>
+            <pc:docMk/>
+            <pc:sldMk cId="3782952663" sldId="258"/>
+            <ac:spMk id="4" creationId="{F5575D90-31D0-4E38-8CE2-F438CA9F99F9}"/>
+          </ac:spMkLst>
+        </pc:spChg>
       </pc:sldChg>
       <pc:sldChg chg="modSp">
-        <pc:chgData name="Lyo Nguyễn" userId="6265a5ad646d5517" providerId="LiveId" clId="{65287310-CD97-4092-B710-B6FE296C7AC0}" dt="2018-10-25T09:05:58.426" v="2870" actId="20577"/>
+        <pc:chgData name="Lyo Nguyễn" userId="6265a5ad646d5517" providerId="LiveId" clId="{65287310-CD97-4092-B710-B6FE296C7AC0}" dt="2018-10-28T15:30:14.920" v="3467" actId="20577"/>
         <pc:sldMkLst>
           <pc:docMk/>
           <pc:sldMk cId="3018888457" sldId="259"/>
         </pc:sldMkLst>
         <pc:spChg chg="mod">
-          <ac:chgData name="Lyo Nguyễn" userId="6265a5ad646d5517" providerId="LiveId" clId="{65287310-CD97-4092-B710-B6FE296C7AC0}" dt="2018-10-25T09:05:58.426" v="2870" actId="20577"/>
+          <ac:chgData name="Lyo Nguyễn" userId="6265a5ad646d5517" providerId="LiveId" clId="{65287310-CD97-4092-B710-B6FE296C7AC0}" dt="2018-10-28T15:15:59.360" v="3238" actId="20577"/>
+          <ac:spMkLst>
+            <pc:docMk/>
+            <pc:sldMk cId="3018888457" sldId="259"/>
+            <ac:spMk id="2" creationId="{CD384807-524D-4D71-8F79-2BAA4B5723F1}"/>
+          </ac:spMkLst>
+        </pc:spChg>
+        <pc:spChg chg="mod">
+          <ac:chgData name="Lyo Nguyễn" userId="6265a5ad646d5517" providerId="LiveId" clId="{65287310-CD97-4092-B710-B6FE296C7AC0}" dt="2018-10-28T15:30:14.920" v="3467" actId="20577"/>
           <ac:spMkLst>
             <pc:docMk/>
             <pc:sldMk cId="3018888457" sldId="259"/>
             <ac:spMk id="3" creationId="{368C6147-CFCC-42C3-8557-D385AB845A7A}"/>
           </ac:spMkLst>
         </pc:spChg>
+        <pc:spChg chg="mod">
+          <ac:chgData name="Lyo Nguyễn" userId="6265a5ad646d5517" providerId="LiveId" clId="{65287310-CD97-4092-B710-B6FE296C7AC0}" dt="2018-10-28T15:13:49.871" v="3136"/>
+          <ac:spMkLst>
+            <pc:docMk/>
+            <pc:sldMk cId="3018888457" sldId="259"/>
+            <ac:spMk id="4" creationId="{D79CBB6E-9B96-4075-B683-BAB2A5A7ECC5}"/>
+          </ac:spMkLst>
+        </pc:spChg>
       </pc:sldChg>
-      <pc:sldChg chg="modSp">
-        <pc:chgData name="Lyo Nguyễn" userId="6265a5ad646d5517" providerId="LiveId" clId="{65287310-CD97-4092-B710-B6FE296C7AC0}" dt="2018-10-22T02:31:28.242" v="524" actId="20577"/>
+      <pc:sldChg chg="addSp delSp modSp">
+        <pc:chgData name="Lyo Nguyễn" userId="6265a5ad646d5517" providerId="LiveId" clId="{65287310-CD97-4092-B710-B6FE296C7AC0}" dt="2018-10-28T16:09:49.424" v="3655" actId="20577"/>
+        <pc:sldMkLst>
+          <pc:docMk/>
+          <pc:sldMk cId="1769267957" sldId="260"/>
+        </pc:sldMkLst>
+        <pc:spChg chg="mod">
+          <ac:chgData name="Lyo Nguyễn" userId="6265a5ad646d5517" providerId="LiveId" clId="{65287310-CD97-4092-B710-B6FE296C7AC0}" dt="2018-10-28T15:15:10.057" v="3193" actId="20577"/>
+          <ac:spMkLst>
+            <pc:docMk/>
+            <pc:sldMk cId="1769267957" sldId="260"/>
+            <ac:spMk id="2" creationId="{B5A413F3-B693-4BD5-965A-C40AE0821228}"/>
+          </ac:spMkLst>
+        </pc:spChg>
+        <pc:spChg chg="add del">
+          <ac:chgData name="Lyo Nguyễn" userId="6265a5ad646d5517" providerId="LiveId" clId="{65287310-CD97-4092-B710-B6FE296C7AC0}" dt="2018-10-28T16:09:14.817" v="3649"/>
+          <ac:spMkLst>
+            <pc:docMk/>
+            <pc:sldMk cId="1769267957" sldId="260"/>
+            <ac:spMk id="3" creationId="{855287F6-BC75-4F2D-AA45-9A7643CBE40B}"/>
+          </ac:spMkLst>
+        </pc:spChg>
+        <pc:spChg chg="mod">
+          <ac:chgData name="Lyo Nguyễn" userId="6265a5ad646d5517" providerId="LiveId" clId="{65287310-CD97-4092-B710-B6FE296C7AC0}" dt="2018-10-28T15:13:53.497" v="3137"/>
+          <ac:spMkLst>
+            <pc:docMk/>
+            <pc:sldMk cId="1769267957" sldId="260"/>
+            <ac:spMk id="4" creationId="{370B7626-F4EE-489A-A94D-AE9B33D88D83}"/>
+          </ac:spMkLst>
+        </pc:spChg>
+        <pc:spChg chg="add del">
+          <ac:chgData name="Lyo Nguyễn" userId="6265a5ad646d5517" providerId="LiveId" clId="{65287310-CD97-4092-B710-B6FE296C7AC0}" dt="2018-10-28T16:09:18.426" v="3651"/>
+          <ac:spMkLst>
+            <pc:docMk/>
+            <pc:sldMk cId="1769267957" sldId="260"/>
+            <ac:spMk id="6" creationId="{06678FF4-D314-44EC-9916-5B22F299CC41}"/>
+          </ac:spMkLst>
+        </pc:spChg>
+        <pc:spChg chg="mod">
+          <ac:chgData name="Lyo Nguyễn" userId="6265a5ad646d5517" providerId="LiveId" clId="{65287310-CD97-4092-B710-B6FE296C7AC0}" dt="2018-10-28T16:09:49.424" v="3655" actId="20577"/>
+          <ac:spMkLst>
+            <pc:docMk/>
+            <pc:sldMk cId="1769267957" sldId="260"/>
+            <ac:spMk id="7" creationId="{B0402949-D47F-4B74-981B-5041EC56C555}"/>
+          </ac:spMkLst>
+        </pc:spChg>
+        <pc:spChg chg="add del">
+          <ac:chgData name="Lyo Nguyễn" userId="6265a5ad646d5517" providerId="LiveId" clId="{65287310-CD97-4092-B710-B6FE296C7AC0}" dt="2018-10-28T16:09:20.908" v="3653"/>
+          <ac:spMkLst>
+            <pc:docMk/>
+            <pc:sldMk cId="1769267957" sldId="260"/>
+            <ac:spMk id="9" creationId="{BA6945C5-1A34-410A-9E39-656326CBA66E}"/>
+          </ac:spMkLst>
+        </pc:spChg>
+      </pc:sldChg>
+      <pc:sldChg chg="addSp delSp modSp">
+        <pc:chgData name="Lyo Nguyễn" userId="6265a5ad646d5517" providerId="LiveId" clId="{65287310-CD97-4092-B710-B6FE296C7AC0}" dt="2018-10-28T16:22:42.107" v="3809" actId="20577"/>
         <pc:sldMkLst>
           <pc:docMk/>
           <pc:sldMk cId="1789595298" sldId="261"/>
         </pc:sldMkLst>
         <pc:spChg chg="mod">
-          <ac:chgData name="Lyo Nguyễn" userId="6265a5ad646d5517" providerId="LiveId" clId="{65287310-CD97-4092-B710-B6FE296C7AC0}" dt="2018-10-22T02:31:28.242" v="524" actId="20577"/>
+          <ac:chgData name="Lyo Nguyễn" userId="6265a5ad646d5517" providerId="LiveId" clId="{65287310-CD97-4092-B710-B6FE296C7AC0}" dt="2018-10-28T16:22:42.107" v="3809" actId="20577"/>
           <ac:spMkLst>
             <pc:docMk/>
             <pc:sldMk cId="1789595298" sldId="261"/>
             <ac:spMk id="3" creationId="{E57258FE-6B97-4A9B-A8F4-FA64160893D5}"/>
           </ac:spMkLst>
         </pc:spChg>
+        <pc:spChg chg="mod">
+          <ac:chgData name="Lyo Nguyễn" userId="6265a5ad646d5517" providerId="LiveId" clId="{65287310-CD97-4092-B710-B6FE296C7AC0}" dt="2018-10-28T15:13:57.279" v="3138"/>
+          <ac:spMkLst>
+            <pc:docMk/>
+            <pc:sldMk cId="1789595298" sldId="261"/>
+            <ac:spMk id="4" creationId="{4A5B9D07-ABDC-430C-840E-5C2BE020940C}"/>
+          </ac:spMkLst>
+        </pc:spChg>
+        <pc:spChg chg="add del">
+          <ac:chgData name="Lyo Nguyễn" userId="6265a5ad646d5517" providerId="LiveId" clId="{65287310-CD97-4092-B710-B6FE296C7AC0}" dt="2018-10-28T16:11:17.160" v="3657"/>
+          <ac:spMkLst>
+            <pc:docMk/>
+            <pc:sldMk cId="1789595298" sldId="261"/>
+            <ac:spMk id="6" creationId="{FE2280EE-C006-447C-8E3E-4125E0CEEE6F}"/>
+          </ac:spMkLst>
+        </pc:spChg>
       </pc:sldChg>
       <pc:sldChg chg="addSp delSp modSp">
-        <pc:chgData name="Lyo Nguyễn" userId="6265a5ad646d5517" providerId="LiveId" clId="{65287310-CD97-4092-B710-B6FE296C7AC0}" dt="2018-10-22T02:59:57.510" v="1319" actId="14100"/>
+        <pc:chgData name="Lyo Nguyễn" userId="6265a5ad646d5517" providerId="LiveId" clId="{65287310-CD97-4092-B710-B6FE296C7AC0}" dt="2018-10-28T16:52:01.708" v="4311" actId="14100"/>
         <pc:sldMkLst>
           <pc:docMk/>
           <pc:sldMk cId="2837383159" sldId="262"/>
@@ -222,6 +399,22 @@
             <ac:spMk id="3" creationId="{1298BF71-7F8F-461D-A2CC-A1A2643D07EF}"/>
           </ac:spMkLst>
         </pc:spChg>
+        <pc:spChg chg="add del">
+          <ac:chgData name="Lyo Nguyễn" userId="6265a5ad646d5517" providerId="LiveId" clId="{65287310-CD97-4092-B710-B6FE296C7AC0}" dt="2018-10-28T16:41:20.928" v="4133"/>
+          <ac:spMkLst>
+            <pc:docMk/>
+            <pc:sldMk cId="2837383159" sldId="262"/>
+            <ac:spMk id="3" creationId="{6F2CD88B-1341-4406-B549-8FF5F12DD208}"/>
+          </ac:spMkLst>
+        </pc:spChg>
+        <pc:spChg chg="mod">
+          <ac:chgData name="Lyo Nguyễn" userId="6265a5ad646d5517" providerId="LiveId" clId="{65287310-CD97-4092-B710-B6FE296C7AC0}" dt="2018-10-28T15:14:06.387" v="3141"/>
+          <ac:spMkLst>
+            <pc:docMk/>
+            <pc:sldMk cId="2837383159" sldId="262"/>
+            <ac:spMk id="4" creationId="{76E84E85-3056-47D5-8629-8AB42C06ABEE}"/>
+          </ac:spMkLst>
+        </pc:spChg>
         <pc:spChg chg="del">
           <ac:chgData name="Lyo Nguyễn" userId="6265a5ad646d5517" providerId="LiveId" clId="{65287310-CD97-4092-B710-B6FE296C7AC0}" dt="2018-10-22T02:37:32.856" v="676"/>
           <ac:spMkLst>
@@ -231,7 +424,7 @@
           </ac:spMkLst>
         </pc:spChg>
         <pc:spChg chg="add mod">
-          <ac:chgData name="Lyo Nguyễn" userId="6265a5ad646d5517" providerId="LiveId" clId="{65287310-CD97-4092-B710-B6FE296C7AC0}" dt="2018-10-22T02:59:57.510" v="1319" actId="14100"/>
+          <ac:chgData name="Lyo Nguyễn" userId="6265a5ad646d5517" providerId="LiveId" clId="{65287310-CD97-4092-B710-B6FE296C7AC0}" dt="2018-10-28T16:52:01.708" v="4311" actId="14100"/>
           <ac:spMkLst>
             <pc:docMk/>
             <pc:sldMk cId="2837383159" sldId="262"/>
@@ -240,7 +433,7 @@
         </pc:spChg>
       </pc:sldChg>
       <pc:sldChg chg="addSp delSp modSp add">
-        <pc:chgData name="Lyo Nguyễn" userId="6265a5ad646d5517" providerId="LiveId" clId="{65287310-CD97-4092-B710-B6FE296C7AC0}" dt="2018-10-22T02:30:37.609" v="504" actId="20577"/>
+        <pc:chgData name="Lyo Nguyễn" userId="6265a5ad646d5517" providerId="LiveId" clId="{65287310-CD97-4092-B710-B6FE296C7AC0}" dt="2018-10-28T16:32:26.944" v="4013" actId="20577"/>
         <pc:sldMkLst>
           <pc:docMk/>
           <pc:sldMk cId="970835701" sldId="263"/>
@@ -254,11 +447,19 @@
           </ac:spMkLst>
         </pc:spChg>
         <pc:spChg chg="mod">
-          <ac:chgData name="Lyo Nguyễn" userId="6265a5ad646d5517" providerId="LiveId" clId="{65287310-CD97-4092-B710-B6FE296C7AC0}" dt="2018-10-22T02:30:37.609" v="504" actId="20577"/>
+          <ac:chgData name="Lyo Nguyễn" userId="6265a5ad646d5517" providerId="LiveId" clId="{65287310-CD97-4092-B710-B6FE296C7AC0}" dt="2018-10-28T16:32:26.944" v="4013" actId="20577"/>
           <ac:spMkLst>
             <pc:docMk/>
             <pc:sldMk cId="970835701" sldId="263"/>
             <ac:spMk id="3" creationId="{40D73B06-4B00-4633-BBA0-3786B7AAA91B}"/>
+          </ac:spMkLst>
+        </pc:spChg>
+        <pc:spChg chg="mod">
+          <ac:chgData name="Lyo Nguyễn" userId="6265a5ad646d5517" providerId="LiveId" clId="{65287310-CD97-4092-B710-B6FE296C7AC0}" dt="2018-10-28T15:14:01.686" v="3139"/>
+          <ac:spMkLst>
+            <pc:docMk/>
+            <pc:sldMk cId="970835701" sldId="263"/>
+            <ac:spMk id="4" creationId="{69AAF1E7-A948-41D3-ADB7-72AAF9EB5F85}"/>
           </ac:spMkLst>
         </pc:spChg>
         <pc:spChg chg="del">
@@ -267,6 +468,14 @@
             <pc:docMk/>
             <pc:sldMk cId="970835701" sldId="263"/>
             <ac:spMk id="6" creationId="{1E8953A7-AC27-42B8-B220-8A815288D676}"/>
+          </ac:spMkLst>
+        </pc:spChg>
+        <pc:spChg chg="add del">
+          <ac:chgData name="Lyo Nguyễn" userId="6265a5ad646d5517" providerId="LiveId" clId="{65287310-CD97-4092-B710-B6FE296C7AC0}" dt="2018-10-28T16:27:05.877" v="3904"/>
+          <ac:spMkLst>
+            <pc:docMk/>
+            <pc:sldMk cId="970835701" sldId="263"/>
+            <ac:spMk id="6" creationId="{4CB600E2-CF23-4340-BE5E-8BEFEC257F4F}"/>
           </ac:spMkLst>
         </pc:spChg>
         <pc:spChg chg="add del mod">
@@ -319,7 +528,7 @@
         </pc:picChg>
       </pc:sldChg>
       <pc:sldChg chg="addSp delSp modSp add">
-        <pc:chgData name="Lyo Nguyễn" userId="6265a5ad646d5517" providerId="LiveId" clId="{65287310-CD97-4092-B710-B6FE296C7AC0}" dt="2018-10-22T02:35:41.240" v="668" actId="20577"/>
+        <pc:chgData name="Lyo Nguyễn" userId="6265a5ad646d5517" providerId="LiveId" clId="{65287310-CD97-4092-B710-B6FE296C7AC0}" dt="2018-10-28T16:36:31.827" v="4037" actId="5793"/>
         <pc:sldMkLst>
           <pc:docMk/>
           <pc:sldMk cId="1776047949" sldId="264"/>
@@ -340,6 +549,14 @@
             <ac:spMk id="3" creationId="{0D3586D9-B61F-43BF-970D-8E1E9F1E8A6B}"/>
           </ac:spMkLst>
         </pc:spChg>
+        <pc:spChg chg="mod">
+          <ac:chgData name="Lyo Nguyễn" userId="6265a5ad646d5517" providerId="LiveId" clId="{65287310-CD97-4092-B710-B6FE296C7AC0}" dt="2018-10-28T15:14:03.904" v="3140"/>
+          <ac:spMkLst>
+            <pc:docMk/>
+            <pc:sldMk cId="1776047949" sldId="264"/>
+            <ac:spMk id="4" creationId="{999CDFB0-9D2E-4FD7-B294-72FC42117F63}"/>
+          </ac:spMkLst>
+        </pc:spChg>
         <pc:spChg chg="del">
           <ac:chgData name="Lyo Nguyễn" userId="6265a5ad646d5517" providerId="LiveId" clId="{65287310-CD97-4092-B710-B6FE296C7AC0}" dt="2018-10-22T02:32:04.139" v="533"/>
           <ac:spMkLst>
@@ -349,7 +566,7 @@
           </ac:spMkLst>
         </pc:spChg>
         <pc:spChg chg="add mod">
-          <ac:chgData name="Lyo Nguyễn" userId="6265a5ad646d5517" providerId="LiveId" clId="{65287310-CD97-4092-B710-B6FE296C7AC0}" dt="2018-10-22T02:35:41.240" v="668" actId="20577"/>
+          <ac:chgData name="Lyo Nguyễn" userId="6265a5ad646d5517" providerId="LiveId" clId="{65287310-CD97-4092-B710-B6FE296C7AC0}" dt="2018-10-28T16:36:31.827" v="4037" actId="5793"/>
           <ac:spMkLst>
             <pc:docMk/>
             <pc:sldMk cId="1776047949" sldId="264"/>
@@ -357,14 +574,14 @@
           </ac:spMkLst>
         </pc:spChg>
       </pc:sldChg>
-      <pc:sldChg chg="addSp delSp modSp add">
-        <pc:chgData name="Lyo Nguyễn" userId="6265a5ad646d5517" providerId="LiveId" clId="{65287310-CD97-4092-B710-B6FE296C7AC0}" dt="2018-10-22T05:25:41.914" v="1951" actId="1036"/>
+      <pc:sldChg chg="addSp delSp modSp add ord">
+        <pc:chgData name="Lyo Nguyễn" userId="6265a5ad646d5517" providerId="LiveId" clId="{65287310-CD97-4092-B710-B6FE296C7AC0}" dt="2018-11-01T03:46:45.299" v="4958"/>
         <pc:sldMkLst>
           <pc:docMk/>
           <pc:sldMk cId="2219005252" sldId="265"/>
         </pc:sldMkLst>
         <pc:spChg chg="mod">
-          <ac:chgData name="Lyo Nguyễn" userId="6265a5ad646d5517" providerId="LiveId" clId="{65287310-CD97-4092-B710-B6FE296C7AC0}" dt="2018-10-22T03:14:51.268" v="1358" actId="20577"/>
+          <ac:chgData name="Lyo Nguyễn" userId="6265a5ad646d5517" providerId="LiveId" clId="{65287310-CD97-4092-B710-B6FE296C7AC0}" dt="2018-10-28T15:15:19.883" v="3202" actId="20577"/>
           <ac:spMkLst>
             <pc:docMk/>
             <pc:sldMk cId="2219005252" sldId="265"/>
@@ -379,8 +596,16 @@
             <ac:spMk id="3" creationId="{0CB3C9D3-D781-4913-9051-B5881ABDC91C}"/>
           </ac:spMkLst>
         </pc:spChg>
+        <pc:spChg chg="mod">
+          <ac:chgData name="Lyo Nguyễn" userId="6265a5ad646d5517" providerId="LiveId" clId="{65287310-CD97-4092-B710-B6FE296C7AC0}" dt="2018-10-28T15:14:08.830" v="3142"/>
+          <ac:spMkLst>
+            <pc:docMk/>
+            <pc:sldMk cId="2219005252" sldId="265"/>
+            <ac:spMk id="4" creationId="{AA15A1E0-B0D3-45F3-BE8D-5F6C9C67AC7A}"/>
+          </ac:spMkLst>
+        </pc:spChg>
         <pc:spChg chg="add mod">
-          <ac:chgData name="Lyo Nguyễn" userId="6265a5ad646d5517" providerId="LiveId" clId="{65287310-CD97-4092-B710-B6FE296C7AC0}" dt="2018-10-22T05:22:56.602" v="1928" actId="20577"/>
+          <ac:chgData name="Lyo Nguyễn" userId="6265a5ad646d5517" providerId="LiveId" clId="{65287310-CD97-4092-B710-B6FE296C7AC0}" dt="2018-10-29T16:32:10.704" v="4339" actId="20577"/>
           <ac:spMkLst>
             <pc:docMk/>
             <pc:sldMk cId="2219005252" sldId="265"/>
@@ -405,13 +630,13 @@
         </pc:picChg>
       </pc:sldChg>
       <pc:sldChg chg="addSp delSp modSp add">
-        <pc:chgData name="Lyo Nguyễn" userId="6265a5ad646d5517" providerId="LiveId" clId="{65287310-CD97-4092-B710-B6FE296C7AC0}" dt="2018-10-22T06:21:29.256" v="2425" actId="478"/>
+        <pc:chgData name="Lyo Nguyễn" userId="6265a5ad646d5517" providerId="LiveId" clId="{65287310-CD97-4092-B710-B6FE296C7AC0}" dt="2018-11-01T03:48:01.178" v="5009" actId="1036"/>
         <pc:sldMkLst>
           <pc:docMk/>
           <pc:sldMk cId="3159845993" sldId="266"/>
         </pc:sldMkLst>
         <pc:spChg chg="mod">
-          <ac:chgData name="Lyo Nguyễn" userId="6265a5ad646d5517" providerId="LiveId" clId="{65287310-CD97-4092-B710-B6FE296C7AC0}" dt="2018-10-22T05:25:53.415" v="1978" actId="20577"/>
+          <ac:chgData name="Lyo Nguyễn" userId="6265a5ad646d5517" providerId="LiveId" clId="{65287310-CD97-4092-B710-B6FE296C7AC0}" dt="2018-10-28T15:15:30.686" v="3211" actId="20577"/>
           <ac:spMkLst>
             <pc:docMk/>
             <pc:sldMk cId="3159845993" sldId="266"/>
@@ -419,11 +644,19 @@
           </ac:spMkLst>
         </pc:spChg>
         <pc:spChg chg="mod">
-          <ac:chgData name="Lyo Nguyễn" userId="6265a5ad646d5517" providerId="LiveId" clId="{65287310-CD97-4092-B710-B6FE296C7AC0}" dt="2018-10-22T06:21:26.329" v="2424" actId="27636"/>
+          <ac:chgData name="Lyo Nguyễn" userId="6265a5ad646d5517" providerId="LiveId" clId="{65287310-CD97-4092-B710-B6FE296C7AC0}" dt="2018-11-01T03:48:01.178" v="5009" actId="1036"/>
           <ac:spMkLst>
             <pc:docMk/>
             <pc:sldMk cId="3159845993" sldId="266"/>
             <ac:spMk id="3" creationId="{A528CFD0-D699-46E1-956B-18994D91810E}"/>
+          </ac:spMkLst>
+        </pc:spChg>
+        <pc:spChg chg="mod">
+          <ac:chgData name="Lyo Nguyễn" userId="6265a5ad646d5517" providerId="LiveId" clId="{65287310-CD97-4092-B710-B6FE296C7AC0}" dt="2018-10-28T15:14:11.218" v="3143"/>
+          <ac:spMkLst>
+            <pc:docMk/>
+            <pc:sldMk cId="3159845993" sldId="266"/>
+            <ac:spMk id="4" creationId="{43980689-766F-4E26-9F83-AE5EFA7C61A6}"/>
           </ac:spMkLst>
         </pc:spChg>
         <pc:spChg chg="del">
@@ -444,13 +677,13 @@
         </pc:spChg>
       </pc:sldChg>
       <pc:sldChg chg="addSp delSp modSp add">
-        <pc:chgData name="Lyo Nguyễn" userId="6265a5ad646d5517" providerId="LiveId" clId="{65287310-CD97-4092-B710-B6FE296C7AC0}" dt="2018-10-22T06:29:02.608" v="2459" actId="18131"/>
+        <pc:chgData name="Lyo Nguyễn" userId="6265a5ad646d5517" providerId="LiveId" clId="{65287310-CD97-4092-B710-B6FE296C7AC0}" dt="2018-11-01T07:50:57.446" v="5173" actId="14100"/>
         <pc:sldMkLst>
           <pc:docMk/>
           <pc:sldMk cId="3939415803" sldId="267"/>
         </pc:sldMkLst>
         <pc:spChg chg="mod">
-          <ac:chgData name="Lyo Nguyễn" userId="6265a5ad646d5517" providerId="LiveId" clId="{65287310-CD97-4092-B710-B6FE296C7AC0}" dt="2018-10-22T06:21:41.893" v="2444" actId="20577"/>
+          <ac:chgData name="Lyo Nguyễn" userId="6265a5ad646d5517" providerId="LiveId" clId="{65287310-CD97-4092-B710-B6FE296C7AC0}" dt="2018-11-01T07:50:51.979" v="5171" actId="1035"/>
           <ac:spMkLst>
             <pc:docMk/>
             <pc:sldMk cId="3939415803" sldId="267"/>
@@ -458,11 +691,19 @@
           </ac:spMkLst>
         </pc:spChg>
         <pc:spChg chg="add del mod">
-          <ac:chgData name="Lyo Nguyễn" userId="6265a5ad646d5517" providerId="LiveId" clId="{65287310-CD97-4092-B710-B6FE296C7AC0}" dt="2018-10-22T06:25:09.619" v="2456" actId="20577"/>
+          <ac:chgData name="Lyo Nguyễn" userId="6265a5ad646d5517" providerId="LiveId" clId="{65287310-CD97-4092-B710-B6FE296C7AC0}" dt="2018-11-01T05:56:01.649" v="5011" actId="478"/>
           <ac:spMkLst>
             <pc:docMk/>
             <pc:sldMk cId="3939415803" sldId="267"/>
             <ac:spMk id="3" creationId="{9931A87D-2BBD-4057-8D1B-6003F8C579A2}"/>
+          </ac:spMkLst>
+        </pc:spChg>
+        <pc:spChg chg="mod">
+          <ac:chgData name="Lyo Nguyễn" userId="6265a5ad646d5517" providerId="LiveId" clId="{65287310-CD97-4092-B710-B6FE296C7AC0}" dt="2018-10-28T15:14:13.748" v="3144"/>
+          <ac:spMkLst>
+            <pc:docMk/>
+            <pc:sldMk cId="3939415803" sldId="267"/>
+            <ac:spMk id="4" creationId="{0E14B12E-A325-4570-A0F3-FC9B253151AF}"/>
           </ac:spMkLst>
         </pc:spChg>
         <pc:spChg chg="add del">
@@ -481,27 +722,115 @@
             <ac:spMk id="7" creationId="{85AD8E86-3D29-4637-832F-6308BDF1F042}"/>
           </ac:spMkLst>
         </pc:spChg>
-        <pc:picChg chg="add mod modCrop">
-          <ac:chgData name="Lyo Nguyễn" userId="6265a5ad646d5517" providerId="LiveId" clId="{65287310-CD97-4092-B710-B6FE296C7AC0}" dt="2018-10-22T06:29:02.608" v="2459" actId="18131"/>
+        <pc:spChg chg="add del mod">
+          <ac:chgData name="Lyo Nguyễn" userId="6265a5ad646d5517" providerId="LiveId" clId="{65287310-CD97-4092-B710-B6FE296C7AC0}" dt="2018-11-01T05:56:02.937" v="5012" actId="478"/>
+          <ac:spMkLst>
+            <pc:docMk/>
+            <pc:sldMk cId="3939415803" sldId="267"/>
+            <ac:spMk id="7" creationId="{87796BCB-6C70-4618-B304-5A18E22D3EDF}"/>
+          </ac:spMkLst>
+        </pc:spChg>
+        <pc:spChg chg="add del mod">
+          <ac:chgData name="Lyo Nguyễn" userId="6265a5ad646d5517" providerId="LiveId" clId="{65287310-CD97-4092-B710-B6FE296C7AC0}" dt="2018-11-01T05:56:03.941" v="5013" actId="478"/>
+          <ac:spMkLst>
+            <pc:docMk/>
+            <pc:sldMk cId="3939415803" sldId="267"/>
+            <ac:spMk id="10" creationId="{645253E5-0A91-4B20-BF62-9E188D479112}"/>
+          </ac:spMkLst>
+        </pc:spChg>
+        <pc:picChg chg="add del mod modCrop">
+          <ac:chgData name="Lyo Nguyễn" userId="6265a5ad646d5517" providerId="LiveId" clId="{65287310-CD97-4092-B710-B6FE296C7AC0}" dt="2018-11-01T03:48:13.004" v="5010" actId="478"/>
           <ac:picMkLst>
             <pc:docMk/>
             <pc:sldMk cId="3939415803" sldId="267"/>
             <ac:picMk id="9" creationId="{3EFCABA5-9434-488B-A683-2883F41A9E64}"/>
           </ac:picMkLst>
         </pc:picChg>
+        <pc:picChg chg="add del mod">
+          <ac:chgData name="Lyo Nguyễn" userId="6265a5ad646d5517" providerId="LiveId" clId="{65287310-CD97-4092-B710-B6FE296C7AC0}" dt="2018-11-01T07:46:27.739" v="5118" actId="478"/>
+          <ac:picMkLst>
+            <pc:docMk/>
+            <pc:sldMk cId="3939415803" sldId="267"/>
+            <ac:picMk id="12" creationId="{6E8CEAB1-17BA-4823-9D11-C25CB8AE9DE5}"/>
+          </ac:picMkLst>
+        </pc:picChg>
+        <pc:picChg chg="add del mod">
+          <ac:chgData name="Lyo Nguyễn" userId="6265a5ad646d5517" providerId="LiveId" clId="{65287310-CD97-4092-B710-B6FE296C7AC0}" dt="2018-11-01T07:46:29.270" v="5121" actId="478"/>
+          <ac:picMkLst>
+            <pc:docMk/>
+            <pc:sldMk cId="3939415803" sldId="267"/>
+            <ac:picMk id="14" creationId="{2C601525-E047-4F4C-B047-0E76AE7600D4}"/>
+          </ac:picMkLst>
+        </pc:picChg>
+        <pc:picChg chg="add del mod">
+          <ac:chgData name="Lyo Nguyễn" userId="6265a5ad646d5517" providerId="LiveId" clId="{65287310-CD97-4092-B710-B6FE296C7AC0}" dt="2018-11-01T07:46:28.370" v="5119" actId="478"/>
+          <ac:picMkLst>
+            <pc:docMk/>
+            <pc:sldMk cId="3939415803" sldId="267"/>
+            <ac:picMk id="16" creationId="{2ECA478F-2D0C-4B0C-94D8-9E30C316635D}"/>
+          </ac:picMkLst>
+        </pc:picChg>
+        <pc:picChg chg="add del mod">
+          <ac:chgData name="Lyo Nguyễn" userId="6265a5ad646d5517" providerId="LiveId" clId="{65287310-CD97-4092-B710-B6FE296C7AC0}" dt="2018-11-01T07:46:28.814" v="5120" actId="478"/>
+          <ac:picMkLst>
+            <pc:docMk/>
+            <pc:sldMk cId="3939415803" sldId="267"/>
+            <ac:picMk id="18" creationId="{BF012358-8AC6-4129-845D-061FB6E5EB00}"/>
+          </ac:picMkLst>
+        </pc:picChg>
+        <pc:picChg chg="add del mod">
+          <ac:chgData name="Lyo Nguyễn" userId="6265a5ad646d5517" providerId="LiveId" clId="{65287310-CD97-4092-B710-B6FE296C7AC0}" dt="2018-11-01T07:47:06.371" v="5123" actId="478"/>
+          <ac:picMkLst>
+            <pc:docMk/>
+            <pc:sldMk cId="3939415803" sldId="267"/>
+            <ac:picMk id="20" creationId="{6ED8CC6D-E3F6-4F69-80FC-83855D379D54}"/>
+          </ac:picMkLst>
+        </pc:picChg>
+        <pc:picChg chg="add del mod">
+          <ac:chgData name="Lyo Nguyễn" userId="6265a5ad646d5517" providerId="LiveId" clId="{65287310-CD97-4092-B710-B6FE296C7AC0}" dt="2018-11-01T07:47:33.070" v="5126" actId="478"/>
+          <ac:picMkLst>
+            <pc:docMk/>
+            <pc:sldMk cId="3939415803" sldId="267"/>
+            <ac:picMk id="22" creationId="{0F6EFA49-E8F0-4505-AEDE-C23C29E9BE1F}"/>
+          </ac:picMkLst>
+        </pc:picChg>
+        <pc:picChg chg="add del mod">
+          <ac:chgData name="Lyo Nguyễn" userId="6265a5ad646d5517" providerId="LiveId" clId="{65287310-CD97-4092-B710-B6FE296C7AC0}" dt="2018-11-01T07:50:07.959" v="5130" actId="478"/>
+          <ac:picMkLst>
+            <pc:docMk/>
+            <pc:sldMk cId="3939415803" sldId="267"/>
+            <ac:picMk id="24" creationId="{27E0639B-6588-45B0-93C3-3AEE8E0A809A}"/>
+          </ac:picMkLst>
+        </pc:picChg>
+        <pc:picChg chg="add mod">
+          <ac:chgData name="Lyo Nguyễn" userId="6265a5ad646d5517" providerId="LiveId" clId="{65287310-CD97-4092-B710-B6FE296C7AC0}" dt="2018-11-01T07:50:57.446" v="5173" actId="14100"/>
+          <ac:picMkLst>
+            <pc:docMk/>
+            <pc:sldMk cId="3939415803" sldId="267"/>
+            <ac:picMk id="26" creationId="{262F80A8-4D47-4C7C-8D54-49A82D43E39A}"/>
+          </ac:picMkLst>
+        </pc:picChg>
       </pc:sldChg>
       <pc:sldChg chg="addSp delSp modSp add">
-        <pc:chgData name="Lyo Nguyễn" userId="6265a5ad646d5517" providerId="LiveId" clId="{65287310-CD97-4092-B710-B6FE296C7AC0}" dt="2018-10-22T06:39:17.137" v="2850" actId="20577"/>
+        <pc:chgData name="Lyo Nguyễn" userId="6265a5ad646d5517" providerId="LiveId" clId="{65287310-CD97-4092-B710-B6FE296C7AC0}" dt="2018-11-01T08:22:52.682" v="5205" actId="20577"/>
         <pc:sldMkLst>
           <pc:docMk/>
           <pc:sldMk cId="3038482617" sldId="268"/>
         </pc:sldMkLst>
         <pc:spChg chg="mod">
-          <ac:chgData name="Lyo Nguyễn" userId="6265a5ad646d5517" providerId="LiveId" clId="{65287310-CD97-4092-B710-B6FE296C7AC0}" dt="2018-10-22T06:29:20.372" v="2487" actId="20577"/>
+          <ac:chgData name="Lyo Nguyễn" userId="6265a5ad646d5517" providerId="LiveId" clId="{65287310-CD97-4092-B710-B6FE296C7AC0}" dt="2018-10-28T15:15:50.294" v="3234" actId="20577"/>
           <ac:spMkLst>
             <pc:docMk/>
             <pc:sldMk cId="3038482617" sldId="268"/>
             <ac:spMk id="2" creationId="{29F7495C-8848-477C-A949-CFCB957F2740}"/>
+          </ac:spMkLst>
+        </pc:spChg>
+        <pc:spChg chg="add del mod">
+          <ac:chgData name="Lyo Nguyễn" userId="6265a5ad646d5517" providerId="LiveId" clId="{65287310-CD97-4092-B710-B6FE296C7AC0}" dt="2018-11-01T08:21:03.164" v="5186"/>
+          <ac:spMkLst>
+            <pc:docMk/>
+            <pc:sldMk cId="3038482617" sldId="268"/>
+            <ac:spMk id="3" creationId="{4BBAB027-230C-4F89-AC43-1BD45D35ED31}"/>
           </ac:spMkLst>
         </pc:spChg>
         <pc:spChg chg="del">
@@ -510,6 +839,14 @@
             <pc:docMk/>
             <pc:sldMk cId="3038482617" sldId="268"/>
             <ac:spMk id="3" creationId="{DF167D5D-D952-4208-8C1C-C11D3A3BB84A}"/>
+          </ac:spMkLst>
+        </pc:spChg>
+        <pc:spChg chg="mod">
+          <ac:chgData name="Lyo Nguyễn" userId="6265a5ad646d5517" providerId="LiveId" clId="{65287310-CD97-4092-B710-B6FE296C7AC0}" dt="2018-10-28T15:14:16.735" v="3145"/>
+          <ac:spMkLst>
+            <pc:docMk/>
+            <pc:sldMk cId="3038482617" sldId="268"/>
+            <ac:spMk id="4" creationId="{EF6BEE92-21CB-4911-BE16-60419AC3D056}"/>
           </ac:spMkLst>
         </pc:spChg>
         <pc:spChg chg="del">
@@ -521,14 +858,553 @@
           </ac:spMkLst>
         </pc:spChg>
         <pc:spChg chg="add mod">
-          <ac:chgData name="Lyo Nguyễn" userId="6265a5ad646d5517" providerId="LiveId" clId="{65287310-CD97-4092-B710-B6FE296C7AC0}" dt="2018-10-22T06:39:17.137" v="2850" actId="20577"/>
+          <ac:chgData name="Lyo Nguyễn" userId="6265a5ad646d5517" providerId="LiveId" clId="{65287310-CD97-4092-B710-B6FE296C7AC0}" dt="2018-11-01T08:22:52.682" v="5205" actId="20577"/>
           <ac:spMkLst>
             <pc:docMk/>
             <pc:sldMk cId="3038482617" sldId="268"/>
             <ac:spMk id="7" creationId="{4632AF70-85C8-436E-A67C-8D2A95CDA42D}"/>
           </ac:spMkLst>
         </pc:spChg>
+        <pc:picChg chg="add mod modCrop">
+          <ac:chgData name="Lyo Nguyễn" userId="6265a5ad646d5517" providerId="LiveId" clId="{65287310-CD97-4092-B710-B6FE296C7AC0}" dt="2018-11-01T08:21:27.680" v="5193" actId="14100"/>
+          <ac:picMkLst>
+            <pc:docMk/>
+            <pc:sldMk cId="3038482617" sldId="268"/>
+            <ac:picMk id="6" creationId="{2ECF5B08-D60A-4BAA-AE93-5F9428D663CD}"/>
+          </ac:picMkLst>
+        </pc:picChg>
       </pc:sldChg>
+      <pc:sldChg chg="modSp add">
+        <pc:chgData name="Lyo Nguyễn" userId="6265a5ad646d5517" providerId="LiveId" clId="{65287310-CD97-4092-B710-B6FE296C7AC0}" dt="2018-10-28T15:23:40.865" v="3323" actId="20577"/>
+        <pc:sldMkLst>
+          <pc:docMk/>
+          <pc:sldMk cId="3990626404" sldId="269"/>
+        </pc:sldMkLst>
+        <pc:spChg chg="mod">
+          <ac:chgData name="Lyo Nguyễn" userId="6265a5ad646d5517" providerId="LiveId" clId="{65287310-CD97-4092-B710-B6FE296C7AC0}" dt="2018-10-28T15:23:40.865" v="3323" actId="20577"/>
+          <ac:spMkLst>
+            <pc:docMk/>
+            <pc:sldMk cId="3990626404" sldId="269"/>
+            <ac:spMk id="2" creationId="{144A5509-6878-4C39-8972-2EF64BF17E2F}"/>
+          </ac:spMkLst>
+        </pc:spChg>
+      </pc:sldChg>
+      <pc:sldChg chg="addSp delSp modSp add ord">
+        <pc:chgData name="Lyo Nguyễn" userId="6265a5ad646d5517" providerId="LiveId" clId="{65287310-CD97-4092-B710-B6FE296C7AC0}" dt="2018-11-01T08:23:09.045" v="5206"/>
+        <pc:sldMkLst>
+          <pc:docMk/>
+          <pc:sldMk cId="1459505170" sldId="270"/>
+        </pc:sldMkLst>
+        <pc:spChg chg="del">
+          <ac:chgData name="Lyo Nguyễn" userId="6265a5ad646d5517" providerId="LiveId" clId="{65287310-CD97-4092-B710-B6FE296C7AC0}" dt="2018-10-29T16:33:02.426" v="4341"/>
+          <ac:spMkLst>
+            <pc:docMk/>
+            <pc:sldMk cId="1459505170" sldId="270"/>
+            <ac:spMk id="2" creationId="{1226782C-45E0-489C-95A3-88B30A0C72B7}"/>
+          </ac:spMkLst>
+        </pc:spChg>
+        <pc:spChg chg="del">
+          <ac:chgData name="Lyo Nguyễn" userId="6265a5ad646d5517" providerId="LiveId" clId="{65287310-CD97-4092-B710-B6FE296C7AC0}" dt="2018-10-29T16:33:02.426" v="4341"/>
+          <ac:spMkLst>
+            <pc:docMk/>
+            <pc:sldMk cId="1459505170" sldId="270"/>
+            <ac:spMk id="3" creationId="{D8549ECB-ED2D-4CFA-9ABB-B8E07394A564}"/>
+          </ac:spMkLst>
+        </pc:spChg>
+        <pc:spChg chg="del">
+          <ac:chgData name="Lyo Nguyễn" userId="6265a5ad646d5517" providerId="LiveId" clId="{65287310-CD97-4092-B710-B6FE296C7AC0}" dt="2018-10-29T16:33:02.426" v="4341"/>
+          <ac:spMkLst>
+            <pc:docMk/>
+            <pc:sldMk cId="1459505170" sldId="270"/>
+            <ac:spMk id="6" creationId="{CF0B0C4A-B0B9-47CA-9989-AEE63252A8A8}"/>
+          </ac:spMkLst>
+        </pc:spChg>
+        <pc:spChg chg="add mod">
+          <ac:chgData name="Lyo Nguyễn" userId="6265a5ad646d5517" providerId="LiveId" clId="{65287310-CD97-4092-B710-B6FE296C7AC0}" dt="2018-10-29T16:33:08.186" v="4351" actId="20577"/>
+          <ac:spMkLst>
+            <pc:docMk/>
+            <pc:sldMk cId="1459505170" sldId="270"/>
+            <ac:spMk id="7" creationId="{2ABCF356-5C84-4101-AE09-2A92407EC396}"/>
+          </ac:spMkLst>
+        </pc:spChg>
+        <pc:spChg chg="add mod">
+          <ac:chgData name="Lyo Nguyễn" userId="6265a5ad646d5517" providerId="LiveId" clId="{65287310-CD97-4092-B710-B6FE296C7AC0}" dt="2018-10-29T16:33:02.426" v="4341"/>
+          <ac:spMkLst>
+            <pc:docMk/>
+            <pc:sldMk cId="1459505170" sldId="270"/>
+            <ac:spMk id="8" creationId="{E62C4378-4DF3-4873-ADB4-69450C91205D}"/>
+          </ac:spMkLst>
+        </pc:spChg>
+      </pc:sldChg>
+      <pc:sldChg chg="addSp delSp modSp add">
+        <pc:chgData name="Lyo Nguyễn" userId="6265a5ad646d5517" providerId="LiveId" clId="{65287310-CD97-4092-B710-B6FE296C7AC0}" dt="2018-11-01T03:45:45.060" v="4957" actId="20577"/>
+        <pc:sldMkLst>
+          <pc:docMk/>
+          <pc:sldMk cId="2946892101" sldId="271"/>
+        </pc:sldMkLst>
+        <pc:spChg chg="mod">
+          <ac:chgData name="Lyo Nguyễn" userId="6265a5ad646d5517" providerId="LiveId" clId="{65287310-CD97-4092-B710-B6FE296C7AC0}" dt="2018-10-29T16:33:33.961" v="4364" actId="20577"/>
+          <ac:spMkLst>
+            <pc:docMk/>
+            <pc:sldMk cId="2946892101" sldId="271"/>
+            <ac:spMk id="2" creationId="{7A1B0B56-8AE2-42C1-BA09-3B962C13B7CB}"/>
+          </ac:spMkLst>
+        </pc:spChg>
+        <pc:spChg chg="mod">
+          <ac:chgData name="Lyo Nguyễn" userId="6265a5ad646d5517" providerId="LiveId" clId="{65287310-CD97-4092-B710-B6FE296C7AC0}" dt="2018-11-01T03:45:45.060" v="4957" actId="20577"/>
+          <ac:spMkLst>
+            <pc:docMk/>
+            <pc:sldMk cId="2946892101" sldId="271"/>
+            <ac:spMk id="3" creationId="{0FC6A03C-B9BD-4064-949C-2F81B977CE6D}"/>
+          </ac:spMkLst>
+        </pc:spChg>
+        <pc:spChg chg="del">
+          <ac:chgData name="Lyo Nguyễn" userId="6265a5ad646d5517" providerId="LiveId" clId="{65287310-CD97-4092-B710-B6FE296C7AC0}" dt="2018-10-31T17:00:02.235" v="4409"/>
+          <ac:spMkLst>
+            <pc:docMk/>
+            <pc:sldMk cId="2946892101" sldId="271"/>
+            <ac:spMk id="6" creationId="{E82AA312-F68B-4800-B1CB-F26C52A10B90}"/>
+          </ac:spMkLst>
+        </pc:spChg>
+        <pc:picChg chg="add mod modCrop">
+          <ac:chgData name="Lyo Nguyễn" userId="6265a5ad646d5517" providerId="LiveId" clId="{65287310-CD97-4092-B710-B6FE296C7AC0}" dt="2018-10-31T17:00:13.600" v="4410" actId="18131"/>
+          <ac:picMkLst>
+            <pc:docMk/>
+            <pc:sldMk cId="2946892101" sldId="271"/>
+            <ac:picMk id="7" creationId="{E8810BB1-5ADB-4F02-8CEC-83F600216FF3}"/>
+          </ac:picMkLst>
+        </pc:picChg>
+      </pc:sldChg>
+      <pc:sldChg chg="modSp add ord">
+        <pc:chgData name="Lyo Nguyễn" userId="6265a5ad646d5517" providerId="LiveId" clId="{65287310-CD97-4092-B710-B6FE296C7AC0}" dt="2018-11-01T08:34:14.175" v="5259"/>
+        <pc:sldMkLst>
+          <pc:docMk/>
+          <pc:sldMk cId="4087236110" sldId="272"/>
+        </pc:sldMkLst>
+        <pc:spChg chg="mod">
+          <ac:chgData name="Lyo Nguyễn" userId="6265a5ad646d5517" providerId="LiveId" clId="{65287310-CD97-4092-B710-B6FE296C7AC0}" dt="2018-10-29T16:39:36.498" v="4377" actId="20577"/>
+          <ac:spMkLst>
+            <pc:docMk/>
+            <pc:sldMk cId="4087236110" sldId="272"/>
+            <ac:spMk id="2" creationId="{8DE592AC-DACC-4F50-8BB3-E1A01DED7F8A}"/>
+          </ac:spMkLst>
+        </pc:spChg>
+      </pc:sldChg>
+      <pc:sldChg chg="addSp delSp modSp add">
+        <pc:chgData name="Lyo Nguyễn" userId="6265a5ad646d5517" providerId="LiveId" clId="{65287310-CD97-4092-B710-B6FE296C7AC0}" dt="2018-11-01T02:47:16.196" v="4420" actId="14100"/>
+        <pc:sldMkLst>
+          <pc:docMk/>
+          <pc:sldMk cId="3892178651" sldId="273"/>
+        </pc:sldMkLst>
+        <pc:spChg chg="mod">
+          <ac:chgData name="Lyo Nguyễn" userId="6265a5ad646d5517" providerId="LiveId" clId="{65287310-CD97-4092-B710-B6FE296C7AC0}" dt="2018-10-29T16:41:58.958" v="4383" actId="20577"/>
+          <ac:spMkLst>
+            <pc:docMk/>
+            <pc:sldMk cId="3892178651" sldId="273"/>
+            <ac:spMk id="2" creationId="{409DA698-6FD9-4A74-BA88-D86F44006BDA}"/>
+          </ac:spMkLst>
+        </pc:spChg>
+        <pc:spChg chg="del">
+          <ac:chgData name="Lyo Nguyễn" userId="6265a5ad646d5517" providerId="LiveId" clId="{65287310-CD97-4092-B710-B6FE296C7AC0}" dt="2018-10-31T16:28:56.548" v="4384"/>
+          <ac:spMkLst>
+            <pc:docMk/>
+            <pc:sldMk cId="3892178651" sldId="273"/>
+            <ac:spMk id="3" creationId="{4A32B108-7F9E-4A8D-9479-A832B726041C}"/>
+          </ac:spMkLst>
+        </pc:spChg>
+        <pc:spChg chg="del">
+          <ac:chgData name="Lyo Nguyễn" userId="6265a5ad646d5517" providerId="LiveId" clId="{65287310-CD97-4092-B710-B6FE296C7AC0}" dt="2018-10-31T16:28:56.548" v="4384"/>
+          <ac:spMkLst>
+            <pc:docMk/>
+            <pc:sldMk cId="3892178651" sldId="273"/>
+            <ac:spMk id="6" creationId="{94503F23-11FC-486F-A915-F0BA6B530209}"/>
+          </ac:spMkLst>
+        </pc:spChg>
+        <pc:picChg chg="add del mod">
+          <ac:chgData name="Lyo Nguyễn" userId="6265a5ad646d5517" providerId="LiveId" clId="{65287310-CD97-4092-B710-B6FE296C7AC0}" dt="2018-10-31T16:48:07.270" v="4391" actId="478"/>
+          <ac:picMkLst>
+            <pc:docMk/>
+            <pc:sldMk cId="3892178651" sldId="273"/>
+            <ac:picMk id="8" creationId="{B88E3F4C-8DCD-4C36-A452-C1134EB17592}"/>
+          </ac:picMkLst>
+        </pc:picChg>
+        <pc:picChg chg="add del mod">
+          <ac:chgData name="Lyo Nguyễn" userId="6265a5ad646d5517" providerId="LiveId" clId="{65287310-CD97-4092-B710-B6FE296C7AC0}" dt="2018-11-01T02:44:06.312" v="4411" actId="478"/>
+          <ac:picMkLst>
+            <pc:docMk/>
+            <pc:sldMk cId="3892178651" sldId="273"/>
+            <ac:picMk id="10" creationId="{2CE7325A-F9D6-41C7-B605-84ABE51E1E18}"/>
+          </ac:picMkLst>
+        </pc:picChg>
+        <pc:picChg chg="add del mod">
+          <ac:chgData name="Lyo Nguyễn" userId="6265a5ad646d5517" providerId="LiveId" clId="{65287310-CD97-4092-B710-B6FE296C7AC0}" dt="2018-11-01T02:46:53.233" v="4416" actId="478"/>
+          <ac:picMkLst>
+            <pc:docMk/>
+            <pc:sldMk cId="3892178651" sldId="273"/>
+            <ac:picMk id="12" creationId="{FCA2EA89-59A5-4F44-BEB2-21E460AB3788}"/>
+          </ac:picMkLst>
+        </pc:picChg>
+        <pc:picChg chg="add mod">
+          <ac:chgData name="Lyo Nguyễn" userId="6265a5ad646d5517" providerId="LiveId" clId="{65287310-CD97-4092-B710-B6FE296C7AC0}" dt="2018-11-01T02:47:16.196" v="4420" actId="14100"/>
+          <ac:picMkLst>
+            <pc:docMk/>
+            <pc:sldMk cId="3892178651" sldId="273"/>
+            <ac:picMk id="14" creationId="{57ED351F-C527-4866-9318-9AE1BD89889E}"/>
+          </ac:picMkLst>
+        </pc:picChg>
+      </pc:sldChg>
+      <pc:sldChg chg="addSp delSp modSp add">
+        <pc:chgData name="Lyo Nguyễn" userId="6265a5ad646d5517" providerId="LiveId" clId="{65287310-CD97-4092-B710-B6FE296C7AC0}" dt="2018-11-01T03:43:52.307" v="4865" actId="20577"/>
+        <pc:sldMkLst>
+          <pc:docMk/>
+          <pc:sldMk cId="2668322821" sldId="274"/>
+        </pc:sldMkLst>
+        <pc:spChg chg="mod">
+          <ac:chgData name="Lyo Nguyễn" userId="6265a5ad646d5517" providerId="LiveId" clId="{65287310-CD97-4092-B710-B6FE296C7AC0}" dt="2018-11-01T03:28:34.382" v="4652" actId="20577"/>
+          <ac:spMkLst>
+            <pc:docMk/>
+            <pc:sldMk cId="2668322821" sldId="274"/>
+            <ac:spMk id="2" creationId="{CAF35485-FB8A-4B49-AF86-336ADF38D9E8}"/>
+          </ac:spMkLst>
+        </pc:spChg>
+        <pc:spChg chg="del">
+          <ac:chgData name="Lyo Nguyễn" userId="6265a5ad646d5517" providerId="LiveId" clId="{65287310-CD97-4092-B710-B6FE296C7AC0}" dt="2018-11-01T03:28:46.896" v="4653"/>
+          <ac:spMkLst>
+            <pc:docMk/>
+            <pc:sldMk cId="2668322821" sldId="274"/>
+            <ac:spMk id="3" creationId="{D7181B11-5639-41E4-B63F-69A895413075}"/>
+          </ac:spMkLst>
+        </pc:spChg>
+        <pc:spChg chg="add mod">
+          <ac:chgData name="Lyo Nguyễn" userId="6265a5ad646d5517" providerId="LiveId" clId="{65287310-CD97-4092-B710-B6FE296C7AC0}" dt="2018-11-01T03:43:52.307" v="4865" actId="20577"/>
+          <ac:spMkLst>
+            <pc:docMk/>
+            <pc:sldMk cId="2668322821" sldId="274"/>
+            <ac:spMk id="6" creationId="{05DBF8C5-A6FC-4A46-9E4B-CB1447EABB41}"/>
+          </ac:spMkLst>
+        </pc:spChg>
+        <pc:spChg chg="add del mod">
+          <ac:chgData name="Lyo Nguyễn" userId="6265a5ad646d5517" providerId="LiveId" clId="{65287310-CD97-4092-B710-B6FE296C7AC0}" dt="2018-11-01T03:36:23.762" v="4798" actId="931"/>
+          <ac:spMkLst>
+            <pc:docMk/>
+            <pc:sldMk cId="2668322821" sldId="274"/>
+            <ac:spMk id="7" creationId="{15FEE223-0939-47F6-9E21-0DDC8023C3E1}"/>
+          </ac:spMkLst>
+        </pc:spChg>
+        <pc:picChg chg="add mod modCrop">
+          <ac:chgData name="Lyo Nguyễn" userId="6265a5ad646d5517" providerId="LiveId" clId="{65287310-CD97-4092-B710-B6FE296C7AC0}" dt="2018-11-01T03:36:48.088" v="4802" actId="18131"/>
+          <ac:picMkLst>
+            <pc:docMk/>
+            <pc:sldMk cId="2668322821" sldId="274"/>
+            <ac:picMk id="9" creationId="{B225BEAC-A01E-461A-AD8F-3B9C2B05D5BF}"/>
+          </ac:picMkLst>
+        </pc:picChg>
+      </pc:sldChg>
+      <pc:sldChg chg="addSp delSp modSp add">
+        <pc:chgData name="Lyo Nguyễn" userId="6265a5ad646d5517" providerId="LiveId" clId="{65287310-CD97-4092-B710-B6FE296C7AC0}" dt="2018-11-01T08:30:31.224" v="5213" actId="1076"/>
+        <pc:sldMkLst>
+          <pc:docMk/>
+          <pc:sldMk cId="1682451747" sldId="275"/>
+        </pc:sldMkLst>
+        <pc:spChg chg="mod">
+          <ac:chgData name="Lyo Nguyễn" userId="6265a5ad646d5517" providerId="LiveId" clId="{65287310-CD97-4092-B710-B6FE296C7AC0}" dt="2018-11-01T07:53:59.277" v="5184" actId="20577"/>
+          <ac:spMkLst>
+            <pc:docMk/>
+            <pc:sldMk cId="1682451747" sldId="275"/>
+            <ac:spMk id="2" creationId="{F58C4021-B47E-4307-ADC1-DAEB660662EF}"/>
+          </ac:spMkLst>
+        </pc:spChg>
+        <pc:spChg chg="del">
+          <ac:chgData name="Lyo Nguyễn" userId="6265a5ad646d5517" providerId="LiveId" clId="{65287310-CD97-4092-B710-B6FE296C7AC0}" dt="2018-11-01T08:30:21.972" v="5207" actId="478"/>
+          <ac:spMkLst>
+            <pc:docMk/>
+            <pc:sldMk cId="1682451747" sldId="275"/>
+            <ac:spMk id="3" creationId="{1949688C-DDFF-47C0-8F7E-D02DD455BC7A}"/>
+          </ac:spMkLst>
+        </pc:spChg>
+        <pc:spChg chg="del">
+          <ac:chgData name="Lyo Nguyễn" userId="6265a5ad646d5517" providerId="LiveId" clId="{65287310-CD97-4092-B710-B6FE296C7AC0}" dt="2018-11-01T08:30:22.943" v="5208" actId="478"/>
+          <ac:spMkLst>
+            <pc:docMk/>
+            <pc:sldMk cId="1682451747" sldId="275"/>
+            <ac:spMk id="6" creationId="{12FF1C78-56E7-4ACE-BCD0-ADB8CDE34776}"/>
+          </ac:spMkLst>
+        </pc:spChg>
+        <pc:picChg chg="add mod">
+          <ac:chgData name="Lyo Nguyễn" userId="6265a5ad646d5517" providerId="LiveId" clId="{65287310-CD97-4092-B710-B6FE296C7AC0}" dt="2018-11-01T08:30:31.224" v="5213" actId="1076"/>
+          <ac:picMkLst>
+            <pc:docMk/>
+            <pc:sldMk cId="1682451747" sldId="275"/>
+            <ac:picMk id="7" creationId="{A2996C78-F9F3-4CB7-A323-12684DB1304D}"/>
+          </ac:picMkLst>
+        </pc:picChg>
+      </pc:sldChg>
+      <pc:sldChg chg="addSp delSp modSp add">
+        <pc:chgData name="Lyo Nguyễn" userId="6265a5ad646d5517" providerId="LiveId" clId="{65287310-CD97-4092-B710-B6FE296C7AC0}" dt="2018-11-01T08:33:35.950" v="5233" actId="1076"/>
+        <pc:sldMkLst>
+          <pc:docMk/>
+          <pc:sldMk cId="1329851625" sldId="276"/>
+        </pc:sldMkLst>
+        <pc:spChg chg="mod">
+          <ac:chgData name="Lyo Nguyễn" userId="6265a5ad646d5517" providerId="LiveId" clId="{65287310-CD97-4092-B710-B6FE296C7AC0}" dt="2018-11-01T08:30:37.284" v="5224" actId="20577"/>
+          <ac:spMkLst>
+            <pc:docMk/>
+            <pc:sldMk cId="1329851625" sldId="276"/>
+            <ac:spMk id="2" creationId="{CA7B9D2D-CAF0-426D-9C04-EF86EDCF2DB8}"/>
+          </ac:spMkLst>
+        </pc:spChg>
+        <pc:spChg chg="del">
+          <ac:chgData name="Lyo Nguyễn" userId="6265a5ad646d5517" providerId="LiveId" clId="{65287310-CD97-4092-B710-B6FE296C7AC0}" dt="2018-11-01T08:31:16.058" v="5225" actId="478"/>
+          <ac:spMkLst>
+            <pc:docMk/>
+            <pc:sldMk cId="1329851625" sldId="276"/>
+            <ac:spMk id="3" creationId="{D1895FE0-7C78-493A-8D8D-38AE78F6E452}"/>
+          </ac:spMkLst>
+        </pc:spChg>
+        <pc:spChg chg="del">
+          <ac:chgData name="Lyo Nguyễn" userId="6265a5ad646d5517" providerId="LiveId" clId="{65287310-CD97-4092-B710-B6FE296C7AC0}" dt="2018-11-01T08:31:17.055" v="5226" actId="478"/>
+          <ac:spMkLst>
+            <pc:docMk/>
+            <pc:sldMk cId="1329851625" sldId="276"/>
+            <ac:spMk id="6" creationId="{D1C2432B-BC38-4F98-A44D-1DC230D4599F}"/>
+          </ac:spMkLst>
+        </pc:spChg>
+        <pc:picChg chg="add del">
+          <ac:chgData name="Lyo Nguyễn" userId="6265a5ad646d5517" providerId="LiveId" clId="{65287310-CD97-4092-B710-B6FE296C7AC0}" dt="2018-11-01T08:31:19.916" v="5228" actId="478"/>
+          <ac:picMkLst>
+            <pc:docMk/>
+            <pc:sldMk cId="1329851625" sldId="276"/>
+            <ac:picMk id="7" creationId="{A2B3DAF4-520F-452A-AE71-6378CA131332}"/>
+          </ac:picMkLst>
+        </pc:picChg>
+        <pc:picChg chg="add mod">
+          <ac:chgData name="Lyo Nguyễn" userId="6265a5ad646d5517" providerId="LiveId" clId="{65287310-CD97-4092-B710-B6FE296C7AC0}" dt="2018-11-01T08:33:35.950" v="5233" actId="1076"/>
+          <ac:picMkLst>
+            <pc:docMk/>
+            <pc:sldMk cId="1329851625" sldId="276"/>
+            <ac:picMk id="8" creationId="{D684529E-7FDF-4AF3-803A-407A8E6CC340}"/>
+          </ac:picMkLst>
+        </pc:picChg>
+      </pc:sldChg>
+      <pc:sldMasterChg chg="modSp modSldLayout">
+        <pc:chgData name="Lyo Nguyễn" userId="6265a5ad646d5517" providerId="LiveId" clId="{65287310-CD97-4092-B710-B6FE296C7AC0}" dt="2018-10-28T15:13:22.886" v="3133"/>
+        <pc:sldMasterMkLst>
+          <pc:docMk/>
+          <pc:sldMasterMk cId="0" sldId="2147483648"/>
+        </pc:sldMasterMkLst>
+        <pc:spChg chg="mod">
+          <ac:chgData name="Lyo Nguyễn" userId="6265a5ad646d5517" providerId="LiveId" clId="{65287310-CD97-4092-B710-B6FE296C7AC0}" dt="2018-10-28T15:12:41.246" v="3122"/>
+          <ac:spMkLst>
+            <pc:docMk/>
+            <pc:sldMasterMk cId="0" sldId="2147483648"/>
+            <ac:spMk id="5" creationId="{00000000-0000-0000-0000-000000000000}"/>
+          </ac:spMkLst>
+        </pc:spChg>
+        <pc:sldLayoutChg chg="modSp">
+          <pc:chgData name="Lyo Nguyễn" userId="6265a5ad646d5517" providerId="LiveId" clId="{65287310-CD97-4092-B710-B6FE296C7AC0}" dt="2018-10-28T15:12:52.546" v="3123"/>
+          <pc:sldLayoutMkLst>
+            <pc:docMk/>
+            <pc:sldMasterMk cId="0" sldId="2147483648"/>
+            <pc:sldLayoutMk cId="0" sldId="2147483649"/>
+          </pc:sldLayoutMkLst>
+          <pc:spChg chg="mod">
+            <ac:chgData name="Lyo Nguyễn" userId="6265a5ad646d5517" providerId="LiveId" clId="{65287310-CD97-4092-B710-B6FE296C7AC0}" dt="2018-10-28T15:12:52.546" v="3123"/>
+            <ac:spMkLst>
+              <pc:docMk/>
+              <pc:sldMasterMk cId="0" sldId="2147483648"/>
+              <pc:sldLayoutMk cId="0" sldId="2147483649"/>
+              <ac:spMk id="5" creationId="{00000000-0000-0000-0000-000000000000}"/>
+            </ac:spMkLst>
+          </pc:spChg>
+        </pc:sldLayoutChg>
+        <pc:sldLayoutChg chg="modSp">
+          <pc:chgData name="Lyo Nguyễn" userId="6265a5ad646d5517" providerId="LiveId" clId="{65287310-CD97-4092-B710-B6FE296C7AC0}" dt="2018-10-28T15:12:04.242" v="3121" actId="20577"/>
+          <pc:sldLayoutMkLst>
+            <pc:docMk/>
+            <pc:sldMasterMk cId="0" sldId="2147483648"/>
+            <pc:sldLayoutMk cId="0" sldId="2147483650"/>
+          </pc:sldLayoutMkLst>
+          <pc:spChg chg="mod">
+            <ac:chgData name="Lyo Nguyễn" userId="6265a5ad646d5517" providerId="LiveId" clId="{65287310-CD97-4092-B710-B6FE296C7AC0}" dt="2018-10-28T15:12:04.242" v="3121" actId="20577"/>
+            <ac:spMkLst>
+              <pc:docMk/>
+              <pc:sldMasterMk cId="0" sldId="2147483648"/>
+              <pc:sldLayoutMk cId="0" sldId="2147483650"/>
+              <ac:spMk id="5" creationId="{00000000-0000-0000-0000-000000000000}"/>
+            </ac:spMkLst>
+          </pc:spChg>
+        </pc:sldLayoutChg>
+        <pc:sldLayoutChg chg="modSp">
+          <pc:chgData name="Lyo Nguyễn" userId="6265a5ad646d5517" providerId="LiveId" clId="{65287310-CD97-4092-B710-B6FE296C7AC0}" dt="2018-10-28T15:13:00.400" v="3125"/>
+          <pc:sldLayoutMkLst>
+            <pc:docMk/>
+            <pc:sldMasterMk cId="0" sldId="2147483648"/>
+            <pc:sldLayoutMk cId="0" sldId="2147483651"/>
+          </pc:sldLayoutMkLst>
+          <pc:spChg chg="mod">
+            <ac:chgData name="Lyo Nguyễn" userId="6265a5ad646d5517" providerId="LiveId" clId="{65287310-CD97-4092-B710-B6FE296C7AC0}" dt="2018-10-28T15:13:00.400" v="3125"/>
+            <ac:spMkLst>
+              <pc:docMk/>
+              <pc:sldMasterMk cId="0" sldId="2147483648"/>
+              <pc:sldLayoutMk cId="0" sldId="2147483651"/>
+              <ac:spMk id="5" creationId="{00000000-0000-0000-0000-000000000000}"/>
+            </ac:spMkLst>
+          </pc:spChg>
+        </pc:sldLayoutChg>
+        <pc:sldLayoutChg chg="modSp">
+          <pc:chgData name="Lyo Nguyễn" userId="6265a5ad646d5517" providerId="LiveId" clId="{65287310-CD97-4092-B710-B6FE296C7AC0}" dt="2018-10-28T15:13:04.259" v="3126"/>
+          <pc:sldLayoutMkLst>
+            <pc:docMk/>
+            <pc:sldMasterMk cId="0" sldId="2147483648"/>
+            <pc:sldLayoutMk cId="0" sldId="2147483652"/>
+          </pc:sldLayoutMkLst>
+          <pc:spChg chg="mod">
+            <ac:chgData name="Lyo Nguyễn" userId="6265a5ad646d5517" providerId="LiveId" clId="{65287310-CD97-4092-B710-B6FE296C7AC0}" dt="2018-10-28T15:13:04.259" v="3126"/>
+            <ac:spMkLst>
+              <pc:docMk/>
+              <pc:sldMasterMk cId="0" sldId="2147483648"/>
+              <pc:sldLayoutMk cId="0" sldId="2147483652"/>
+              <ac:spMk id="6" creationId="{00000000-0000-0000-0000-000000000000}"/>
+            </ac:spMkLst>
+          </pc:spChg>
+        </pc:sldLayoutChg>
+        <pc:sldLayoutChg chg="modSp">
+          <pc:chgData name="Lyo Nguyễn" userId="6265a5ad646d5517" providerId="LiveId" clId="{65287310-CD97-4092-B710-B6FE296C7AC0}" dt="2018-10-28T15:13:06.947" v="3127"/>
+          <pc:sldLayoutMkLst>
+            <pc:docMk/>
+            <pc:sldMasterMk cId="0" sldId="2147483648"/>
+            <pc:sldLayoutMk cId="0" sldId="2147483653"/>
+          </pc:sldLayoutMkLst>
+          <pc:spChg chg="mod">
+            <ac:chgData name="Lyo Nguyễn" userId="6265a5ad646d5517" providerId="LiveId" clId="{65287310-CD97-4092-B710-B6FE296C7AC0}" dt="2018-10-28T15:13:06.947" v="3127"/>
+            <ac:spMkLst>
+              <pc:docMk/>
+              <pc:sldMasterMk cId="0" sldId="2147483648"/>
+              <pc:sldLayoutMk cId="0" sldId="2147483653"/>
+              <ac:spMk id="8" creationId="{00000000-0000-0000-0000-000000000000}"/>
+            </ac:spMkLst>
+          </pc:spChg>
+        </pc:sldLayoutChg>
+        <pc:sldLayoutChg chg="modSp">
+          <pc:chgData name="Lyo Nguyễn" userId="6265a5ad646d5517" providerId="LiveId" clId="{65287310-CD97-4092-B710-B6FE296C7AC0}" dt="2018-10-28T15:13:09.813" v="3128"/>
+          <pc:sldLayoutMkLst>
+            <pc:docMk/>
+            <pc:sldMasterMk cId="0" sldId="2147483648"/>
+            <pc:sldLayoutMk cId="0" sldId="2147483654"/>
+          </pc:sldLayoutMkLst>
+          <pc:spChg chg="mod">
+            <ac:chgData name="Lyo Nguyễn" userId="6265a5ad646d5517" providerId="LiveId" clId="{65287310-CD97-4092-B710-B6FE296C7AC0}" dt="2018-10-28T15:13:09.813" v="3128"/>
+            <ac:spMkLst>
+              <pc:docMk/>
+              <pc:sldMasterMk cId="0" sldId="2147483648"/>
+              <pc:sldLayoutMk cId="0" sldId="2147483654"/>
+              <ac:spMk id="4" creationId="{00000000-0000-0000-0000-000000000000}"/>
+            </ac:spMkLst>
+          </pc:spChg>
+        </pc:sldLayoutChg>
+        <pc:sldLayoutChg chg="modSp">
+          <pc:chgData name="Lyo Nguyễn" userId="6265a5ad646d5517" providerId="LiveId" clId="{65287310-CD97-4092-B710-B6FE296C7AC0}" dt="2018-10-28T15:13:12.443" v="3129"/>
+          <pc:sldLayoutMkLst>
+            <pc:docMk/>
+            <pc:sldMasterMk cId="0" sldId="2147483648"/>
+            <pc:sldLayoutMk cId="0" sldId="2147483655"/>
+          </pc:sldLayoutMkLst>
+          <pc:spChg chg="mod">
+            <ac:chgData name="Lyo Nguyễn" userId="6265a5ad646d5517" providerId="LiveId" clId="{65287310-CD97-4092-B710-B6FE296C7AC0}" dt="2018-10-28T15:13:12.443" v="3129"/>
+            <ac:spMkLst>
+              <pc:docMk/>
+              <pc:sldMasterMk cId="0" sldId="2147483648"/>
+              <pc:sldLayoutMk cId="0" sldId="2147483655"/>
+              <ac:spMk id="3" creationId="{00000000-0000-0000-0000-000000000000}"/>
+            </ac:spMkLst>
+          </pc:spChg>
+        </pc:sldLayoutChg>
+        <pc:sldLayoutChg chg="modSp">
+          <pc:chgData name="Lyo Nguyễn" userId="6265a5ad646d5517" providerId="LiveId" clId="{65287310-CD97-4092-B710-B6FE296C7AC0}" dt="2018-10-28T15:13:15.264" v="3130"/>
+          <pc:sldLayoutMkLst>
+            <pc:docMk/>
+            <pc:sldMasterMk cId="0" sldId="2147483648"/>
+            <pc:sldLayoutMk cId="0" sldId="2147483656"/>
+          </pc:sldLayoutMkLst>
+          <pc:spChg chg="mod">
+            <ac:chgData name="Lyo Nguyễn" userId="6265a5ad646d5517" providerId="LiveId" clId="{65287310-CD97-4092-B710-B6FE296C7AC0}" dt="2018-10-28T15:13:15.264" v="3130"/>
+            <ac:spMkLst>
+              <pc:docMk/>
+              <pc:sldMasterMk cId="0" sldId="2147483648"/>
+              <pc:sldLayoutMk cId="0" sldId="2147483656"/>
+              <ac:spMk id="6" creationId="{00000000-0000-0000-0000-000000000000}"/>
+            </ac:spMkLst>
+          </pc:spChg>
+        </pc:sldLayoutChg>
+        <pc:sldLayoutChg chg="modSp">
+          <pc:chgData name="Lyo Nguyễn" userId="6265a5ad646d5517" providerId="LiveId" clId="{65287310-CD97-4092-B710-B6FE296C7AC0}" dt="2018-10-28T15:13:17.857" v="3131"/>
+          <pc:sldLayoutMkLst>
+            <pc:docMk/>
+            <pc:sldMasterMk cId="0" sldId="2147483648"/>
+            <pc:sldLayoutMk cId="0" sldId="2147483657"/>
+          </pc:sldLayoutMkLst>
+          <pc:spChg chg="mod">
+            <ac:chgData name="Lyo Nguyễn" userId="6265a5ad646d5517" providerId="LiveId" clId="{65287310-CD97-4092-B710-B6FE296C7AC0}" dt="2018-10-28T15:13:17.857" v="3131"/>
+            <ac:spMkLst>
+              <pc:docMk/>
+              <pc:sldMasterMk cId="0" sldId="2147483648"/>
+              <pc:sldLayoutMk cId="0" sldId="2147483657"/>
+              <ac:spMk id="6" creationId="{00000000-0000-0000-0000-000000000000}"/>
+            </ac:spMkLst>
+          </pc:spChg>
+        </pc:sldLayoutChg>
+        <pc:sldLayoutChg chg="modSp">
+          <pc:chgData name="Lyo Nguyễn" userId="6265a5ad646d5517" providerId="LiveId" clId="{65287310-CD97-4092-B710-B6FE296C7AC0}" dt="2018-10-28T15:13:20.320" v="3132"/>
+          <pc:sldLayoutMkLst>
+            <pc:docMk/>
+            <pc:sldMasterMk cId="0" sldId="2147483648"/>
+            <pc:sldLayoutMk cId="0" sldId="2147483658"/>
+          </pc:sldLayoutMkLst>
+          <pc:spChg chg="mod">
+            <ac:chgData name="Lyo Nguyễn" userId="6265a5ad646d5517" providerId="LiveId" clId="{65287310-CD97-4092-B710-B6FE296C7AC0}" dt="2018-10-28T15:13:20.320" v="3132"/>
+            <ac:spMkLst>
+              <pc:docMk/>
+              <pc:sldMasterMk cId="0" sldId="2147483648"/>
+              <pc:sldLayoutMk cId="0" sldId="2147483658"/>
+              <ac:spMk id="5" creationId="{00000000-0000-0000-0000-000000000000}"/>
+            </ac:spMkLst>
+          </pc:spChg>
+        </pc:sldLayoutChg>
+        <pc:sldLayoutChg chg="modSp">
+          <pc:chgData name="Lyo Nguyễn" userId="6265a5ad646d5517" providerId="LiveId" clId="{65287310-CD97-4092-B710-B6FE296C7AC0}" dt="2018-10-28T15:13:22.886" v="3133"/>
+          <pc:sldLayoutMkLst>
+            <pc:docMk/>
+            <pc:sldMasterMk cId="0" sldId="2147483648"/>
+            <pc:sldLayoutMk cId="0" sldId="2147483659"/>
+          </pc:sldLayoutMkLst>
+          <pc:spChg chg="mod">
+            <ac:chgData name="Lyo Nguyễn" userId="6265a5ad646d5517" providerId="LiveId" clId="{65287310-CD97-4092-B710-B6FE296C7AC0}" dt="2018-10-28T15:13:22.886" v="3133"/>
+            <ac:spMkLst>
+              <pc:docMk/>
+              <pc:sldMasterMk cId="0" sldId="2147483648"/>
+              <pc:sldLayoutMk cId="0" sldId="2147483659"/>
+              <ac:spMk id="5" creationId="{00000000-0000-0000-0000-000000000000}"/>
+            </ac:spMkLst>
+          </pc:spChg>
+        </pc:sldLayoutChg>
+        <pc:sldLayoutChg chg="modSp">
+          <pc:chgData name="Lyo Nguyễn" userId="6265a5ad646d5517" providerId="LiveId" clId="{65287310-CD97-4092-B710-B6FE296C7AC0}" dt="2018-10-28T15:12:56.874" v="3124"/>
+          <pc:sldLayoutMkLst>
+            <pc:docMk/>
+            <pc:sldMasterMk cId="0" sldId="2147483648"/>
+            <pc:sldLayoutMk cId="3483567262" sldId="2147483661"/>
+          </pc:sldLayoutMkLst>
+          <pc:spChg chg="mod">
+            <ac:chgData name="Lyo Nguyễn" userId="6265a5ad646d5517" providerId="LiveId" clId="{65287310-CD97-4092-B710-B6FE296C7AC0}" dt="2018-10-28T15:12:56.874" v="3124"/>
+            <ac:spMkLst>
+              <pc:docMk/>
+              <pc:sldMasterMk cId="0" sldId="2147483648"/>
+              <pc:sldLayoutMk cId="3483567262" sldId="2147483661"/>
+              <ac:spMk id="5" creationId="{00000000-0000-0000-0000-000000000000}"/>
+            </ac:spMkLst>
+          </pc:spChg>
+        </pc:sldLayoutChg>
+      </pc:sldMasterChg>
     </pc:docChg>
   </pc:docChgLst>
 </pc:chgInfo>
@@ -628,7 +1504,7 @@
           <a:p>
             <a:fld id="{D6147D93-A8E2-456C-AA1B-408479C8DD1F}" type="datetimeFigureOut">
               <a:rPr lang="en-US" smtClean="0"/>
-              <a:t>25-Oct-18</a:t>
+              <a:t>31-Oct-18</a:t>
             </a:fld>
             <a:endParaRPr lang="en-US"/>
           </a:p>
@@ -805,7 +1681,7 @@
           <a:p>
             <a:fld id="{B01ACF5F-EBBD-4B3D-B5CD-FA43CA348E40}" type="datetimeFigureOut">
               <a:rPr lang="en-US" smtClean="0"/>
-              <a:t>25-Oct-18</a:t>
+              <a:t>30-Oct-18</a:t>
             </a:fld>
             <a:endParaRPr lang="en-US"/>
           </a:p>
@@ -1408,7 +2284,7 @@
           <a:p>
             <a:fld id="{54A9FF1C-3F9C-4009-8F70-4E6E907343D3}" type="datetime1">
               <a:rPr lang="en-US" smtClean="0"/>
-              <a:t>25-Oct-18</a:t>
+              <a:t>30-Oct-18</a:t>
             </a:fld>
             <a:endParaRPr lang="en-US"/>
           </a:p>
@@ -1443,10 +2319,9 @@
           </a:lstStyle>
           <a:p>
             <a:r>
-              <a:rPr lang="vi-VN"/>
-              <a:t>Đại học Sư phạm Kỹ thuật thành phố Hồ Chí Minh</a:t>
-            </a:r>
-            <a:endParaRPr lang="en-US"/>
+              <a:rPr lang="en-US"/>
+              <a:t>Ho Chi Minh University of Technology and Education</a:t>
+            </a:r>
           </a:p>
         </p:txBody>
       </p:sp>
@@ -1886,7 +2761,7 @@
           <a:p>
             <a:fld id="{F83C8BBB-3807-48C2-B309-0409D0C827B0}" type="datetime1">
               <a:rPr lang="en-US" smtClean="0"/>
-              <a:t>25-Oct-18</a:t>
+              <a:t>30-Oct-18</a:t>
             </a:fld>
             <a:endParaRPr lang="en-US"/>
           </a:p>
@@ -1921,10 +2796,9 @@
           </a:lstStyle>
           <a:p>
             <a:r>
-              <a:rPr lang="vi-VN"/>
-              <a:t>Đại học Sư phạm Kỹ thuật thành phố Hồ Chí Minh</a:t>
-            </a:r>
-            <a:endParaRPr lang="en-US"/>
+              <a:rPr lang="en-US"/>
+              <a:t>Ho Chi Minh University of Technology and Education</a:t>
+            </a:r>
           </a:p>
         </p:txBody>
       </p:sp>
@@ -2125,7 +2999,7 @@
           <a:p>
             <a:fld id="{7F6F3F03-DC69-4758-8847-E65C8E67C9E5}" type="datetime1">
               <a:rPr lang="en-US" smtClean="0"/>
-              <a:t>25-Oct-18</a:t>
+              <a:t>30-Oct-18</a:t>
             </a:fld>
             <a:endParaRPr lang="en-US"/>
           </a:p>
@@ -2144,13 +3018,16 @@
         <p:spPr/>
         <p:txBody>
           <a:bodyPr/>
-          <a:lstStyle/>
-          <a:p>
-            <a:r>
-              <a:rPr lang="vi-VN"/>
-              <a:t>Đại học Sư phạm Kỹ thuật thành phố Hồ Chí Minh</a:t>
-            </a:r>
-            <a:endParaRPr lang="en-US"/>
+          <a:lstStyle>
+            <a:lvl1pPr>
+              <a:defRPr/>
+            </a:lvl1pPr>
+          </a:lstStyle>
+          <a:p>
+            <a:r>
+              <a:rPr lang="en-US"/>
+              <a:t>Ho Chi Minh University of Technology and Education</a:t>
+            </a:r>
           </a:p>
         </p:txBody>
       </p:sp>
@@ -2304,7 +3181,7 @@
           <a:p>
             <a:fld id="{5FEB175B-51D6-4DD1-9D94-C09E8B6F7D98}" type="datetime1">
               <a:rPr lang="en-US" smtClean="0"/>
-              <a:t>25-Oct-18</a:t>
+              <a:t>30-Oct-18</a:t>
             </a:fld>
             <a:endParaRPr lang="en-US"/>
           </a:p>
@@ -2323,13 +3200,16 @@
         <p:spPr/>
         <p:txBody>
           <a:bodyPr/>
-          <a:lstStyle/>
-          <a:p>
-            <a:r>
-              <a:rPr lang="vi-VN"/>
-              <a:t>Đại học Sư phạm Kỹ thuật thành phố Hồ Chí Minh</a:t>
-            </a:r>
-            <a:endParaRPr lang="en-US"/>
+          <a:lstStyle>
+            <a:lvl1pPr>
+              <a:defRPr/>
+            </a:lvl1pPr>
+          </a:lstStyle>
+          <a:p>
+            <a:r>
+              <a:rPr lang="en-US"/>
+              <a:t>Ho Chi Minh University of Technology and Education</a:t>
+            </a:r>
           </a:p>
         </p:txBody>
       </p:sp>
@@ -2472,7 +3352,7 @@
           <a:p>
             <a:fld id="{F98D8A0F-328F-4D26-826E-0829A4061CED}" type="datetime1">
               <a:rPr lang="en-US" smtClean="0"/>
-              <a:t>25-Oct-18</a:t>
+              <a:t>30-Oct-18</a:t>
             </a:fld>
             <a:endParaRPr lang="en-US"/>
           </a:p>
@@ -2494,10 +3374,9 @@
           <a:lstStyle/>
           <a:p>
             <a:r>
-              <a:rPr lang="vi-VN"/>
-              <a:t>Đại học Sư phạm Kỹ thuật thành phố Hồ Chí Minh</a:t>
-            </a:r>
-            <a:endParaRPr lang="en-US"/>
+              <a:rPr lang="en-US"/>
+              <a:t>Ho Chi Minh University of Technology and Education</a:t>
+            </a:r>
           </a:p>
         </p:txBody>
       </p:sp>
@@ -2697,7 +3576,7 @@
                 <a:tabLst/>
                 <a:defRPr/>
               </a:pPr>
-              <a:t>25-Oct-18</a:t>
+              <a:t>30-Oct-18</a:t>
             </a:fld>
             <a:endParaRPr kumimoji="0" lang="en-US" sz="1200" b="0" i="0" u="none" strike="noStrike" kern="1200" cap="none" spc="0" normalizeH="0" baseline="0" noProof="0">
               <a:ln>
@@ -2729,56 +3608,16 @@
         <p:spPr/>
         <p:txBody>
           <a:bodyPr/>
-          <a:lstStyle/>
-          <a:p>
-            <a:pPr marL="0" marR="0" lvl="0" indent="0" algn="l" defTabSz="457200" rtl="0" eaLnBrk="1" fontAlgn="auto" latinLnBrk="0" hangingPunct="1">
-              <a:lnSpc>
-                <a:spcPct val="100000"/>
-              </a:lnSpc>
-              <a:spcBef>
-                <a:spcPts val="0"/>
-              </a:spcBef>
-              <a:spcAft>
-                <a:spcPts val="0"/>
-              </a:spcAft>
-              <a:buClrTx/>
-              <a:buSzTx/>
-              <a:buFontTx/>
-              <a:buNone/>
-              <a:tabLst/>
+          <a:lstStyle>
+            <a:lvl1pPr>
               <a:defRPr/>
-            </a:pPr>
-            <a:r>
-              <a:rPr kumimoji="0" lang="vi-VN" sz="1200" b="0" i="0" u="none" strike="noStrike" kern="1200" cap="none" spc="0" normalizeH="0" baseline="0" noProof="0">
-                <a:ln>
-                  <a:noFill/>
-                </a:ln>
-                <a:solidFill>
-                  <a:srgbClr val="191B0E"/>
-                </a:solidFill>
-                <a:effectLst/>
-                <a:uLnTx/>
-                <a:uFillTx/>
-                <a:latin typeface="Arial" panose="020B0604020202020204" pitchFamily="34" charset="0"/>
-                <a:ea typeface="+mn-ea"/>
-                <a:cs typeface="Arial" panose="020B0604020202020204" pitchFamily="34" charset="0"/>
-              </a:rPr>
-              <a:t>Đại học Sư phạm Kỹ thuật thành phố Hồ Chí Minh</a:t>
-            </a:r>
-            <a:endParaRPr kumimoji="0" lang="en-US" sz="1200" b="0" i="0" u="none" strike="noStrike" kern="1200" cap="none" spc="0" normalizeH="0" baseline="0" noProof="0">
-              <a:ln>
-                <a:noFill/>
-              </a:ln>
-              <a:solidFill>
-                <a:srgbClr val="191B0E"/>
-              </a:solidFill>
-              <a:effectLst/>
-              <a:uLnTx/>
-              <a:uFillTx/>
-              <a:latin typeface="Arial" panose="020B0604020202020204" pitchFamily="34" charset="0"/>
-              <a:ea typeface="+mn-ea"/>
-              <a:cs typeface="Arial" panose="020B0604020202020204" pitchFamily="34" charset="0"/>
-            </a:endParaRPr>
+            </a:lvl1pPr>
+          </a:lstStyle>
+          <a:p>
+            <a:r>
+              <a:rPr lang="en-US"/>
+              <a:t>Ho Chi Minh University of Technology and Education</a:t>
+            </a:r>
           </a:p>
         </p:txBody>
       </p:sp>
@@ -3124,7 +3963,7 @@
           <a:p>
             <a:fld id="{3C14CD21-8426-493F-BFDC-F41841B82A6D}" type="datetime1">
               <a:rPr lang="en-US" smtClean="0"/>
-              <a:t>25-Oct-18</a:t>
+              <a:t>30-Oct-18</a:t>
             </a:fld>
             <a:endParaRPr lang="en-US"/>
           </a:p>
@@ -3159,10 +3998,9 @@
           </a:lstStyle>
           <a:p>
             <a:r>
-              <a:rPr lang="vi-VN"/>
-              <a:t>Đại học Sư phạm Kỹ thuật thành phố Hồ Chí Minh</a:t>
-            </a:r>
-            <a:endParaRPr lang="en-US"/>
+              <a:rPr lang="en-US"/>
+              <a:t>Ho Chi Minh University of Technology and Education</a:t>
+            </a:r>
           </a:p>
         </p:txBody>
       </p:sp>
@@ -3517,7 +4355,7 @@
           <a:p>
             <a:fld id="{BEE0EC9F-89AE-4DEA-A3A4-990676041FBE}" type="datetime1">
               <a:rPr lang="en-US" smtClean="0"/>
-              <a:t>25-Oct-18</a:t>
+              <a:t>30-Oct-18</a:t>
             </a:fld>
             <a:endParaRPr lang="en-US"/>
           </a:p>
@@ -3536,13 +4374,16 @@
         <p:spPr/>
         <p:txBody>
           <a:bodyPr/>
-          <a:lstStyle/>
-          <a:p>
-            <a:r>
-              <a:rPr lang="vi-VN"/>
-              <a:t>Đại học Sư phạm Kỹ thuật thành phố Hồ Chí Minh</a:t>
-            </a:r>
-            <a:endParaRPr lang="en-US"/>
+          <a:lstStyle>
+            <a:lvl1pPr>
+              <a:defRPr/>
+            </a:lvl1pPr>
+          </a:lstStyle>
+          <a:p>
+            <a:r>
+              <a:rPr lang="en-US"/>
+              <a:t>Ho Chi Minh University of Technology and Education</a:t>
+            </a:r>
           </a:p>
         </p:txBody>
       </p:sp>
@@ -3993,7 +4834,7 @@
           <a:p>
             <a:fld id="{3D79E89C-B127-4A12-BC9B-76027AC62090}" type="datetime1">
               <a:rPr lang="en-US" smtClean="0"/>
-              <a:t>25-Oct-18</a:t>
+              <a:t>30-Oct-18</a:t>
             </a:fld>
             <a:endParaRPr lang="en-US"/>
           </a:p>
@@ -4012,13 +4853,16 @@
         <p:spPr/>
         <p:txBody>
           <a:bodyPr/>
-          <a:lstStyle/>
-          <a:p>
-            <a:r>
-              <a:rPr lang="vi-VN"/>
-              <a:t>Đại học Sư phạm Kỹ thuật thành phố Hồ Chí Minh</a:t>
-            </a:r>
-            <a:endParaRPr lang="en-US"/>
+          <a:lstStyle>
+            <a:lvl1pPr>
+              <a:defRPr/>
+            </a:lvl1pPr>
+          </a:lstStyle>
+          <a:p>
+            <a:r>
+              <a:rPr lang="en-US"/>
+              <a:t>Ho Chi Minh University of Technology and Education</a:t>
+            </a:r>
           </a:p>
         </p:txBody>
       </p:sp>
@@ -4110,7 +4954,7 @@
           <a:p>
             <a:fld id="{F2588842-8899-4504-B9C3-5EF51C240BF3}" type="datetime1">
               <a:rPr lang="en-US" smtClean="0"/>
-              <a:t>25-Oct-18</a:t>
+              <a:t>30-Oct-18</a:t>
             </a:fld>
             <a:endParaRPr lang="en-US"/>
           </a:p>
@@ -4129,13 +4973,16 @@
         <p:spPr/>
         <p:txBody>
           <a:bodyPr/>
-          <a:lstStyle/>
-          <a:p>
-            <a:r>
-              <a:rPr lang="vi-VN"/>
-              <a:t>Đại học Sư phạm Kỹ thuật thành phố Hồ Chí Minh</a:t>
-            </a:r>
-            <a:endParaRPr lang="en-US"/>
+          <a:lstStyle>
+            <a:lvl1pPr>
+              <a:defRPr/>
+            </a:lvl1pPr>
+          </a:lstStyle>
+          <a:p>
+            <a:r>
+              <a:rPr lang="en-US"/>
+              <a:t>Ho Chi Minh University of Technology and Education</a:t>
+            </a:r>
           </a:p>
         </p:txBody>
       </p:sp>
@@ -4204,7 +5051,7 @@
           <a:p>
             <a:fld id="{8B565DDA-9A87-4C7C-8FEE-BFA91BDDC2B0}" type="datetime1">
               <a:rPr lang="en-US" smtClean="0"/>
-              <a:t>25-Oct-18</a:t>
+              <a:t>30-Oct-18</a:t>
             </a:fld>
             <a:endParaRPr lang="en-US"/>
           </a:p>
@@ -4223,13 +5070,16 @@
         <p:spPr/>
         <p:txBody>
           <a:bodyPr/>
-          <a:lstStyle/>
-          <a:p>
-            <a:r>
-              <a:rPr lang="vi-VN"/>
-              <a:t>Đại học Sư phạm Kỹ thuật thành phố Hồ Chí Minh</a:t>
-            </a:r>
-            <a:endParaRPr lang="en-US"/>
+          <a:lstStyle>
+            <a:lvl1pPr>
+              <a:defRPr/>
+            </a:lvl1pPr>
+          </a:lstStyle>
+          <a:p>
+            <a:r>
+              <a:rPr lang="en-US"/>
+              <a:t>Ho Chi Minh University of Technology and Education</a:t>
+            </a:r>
           </a:p>
         </p:txBody>
       </p:sp>
@@ -4549,7 +5399,7 @@
           <a:p>
             <a:fld id="{2167AF99-787A-4967-9604-A13162BD44E0}" type="datetime1">
               <a:rPr lang="en-US" smtClean="0"/>
-              <a:t>25-Oct-18</a:t>
+              <a:t>30-Oct-18</a:t>
             </a:fld>
             <a:endParaRPr lang="en-US"/>
           </a:p>
@@ -4584,10 +5434,9 @@
           </a:lstStyle>
           <a:p>
             <a:r>
-              <a:rPr lang="vi-VN"/>
-              <a:t>Đại học Sư phạm Kỹ thuật thành phố Hồ Chí Minh</a:t>
-            </a:r>
-            <a:endParaRPr lang="en-US"/>
+              <a:rPr lang="en-US"/>
+              <a:t>Ho Chi Minh University of Technology and Education</a:t>
+            </a:r>
           </a:p>
         </p:txBody>
       </p:sp>
@@ -4828,7 +5677,7 @@
           <a:p>
             <a:fld id="{AE5B5A36-10B2-4423-B551-341A6B58D5B9}" type="datetime1">
               <a:rPr lang="en-US" smtClean="0"/>
-              <a:t>25-Oct-18</a:t>
+              <a:t>30-Oct-18</a:t>
             </a:fld>
             <a:endParaRPr lang="en-US"/>
           </a:p>
@@ -4869,15 +5718,7 @@
           <a:p>
             <a:r>
               <a:rPr lang="en-US"/>
-              <a:t>Đại học S</a:t>
-            </a:r>
-            <a:r>
-              <a:rPr lang="vi-VN"/>
-              <a:t>ư</a:t>
-            </a:r>
-            <a:r>
-              <a:rPr lang="en-US"/>
-              <a:t> phạm Kỹ thuật thành phố Hồ Chí Minh</a:t>
+              <a:t>Ho Chi Minh University of Technology and Education</a:t>
             </a:r>
           </a:p>
         </p:txBody>
@@ -5382,66 +6223,9 @@
           <a:lstStyle/>
           <a:p>
             <a:r>
-              <a:rPr lang="en-US" sz="4800" err="1"/>
-              <a:t>Tìm</a:t>
-            </a:r>
-            <a:r>
               <a:rPr lang="en-US" sz="4800"/>
-              <a:t> </a:t>
-            </a:r>
-            <a:r>
-              <a:rPr lang="en-US" sz="4800" err="1"/>
-              <a:t>hiểu</a:t>
-            </a:r>
-            <a:r>
-              <a:rPr lang="en-US" sz="4800"/>
-              <a:t> </a:t>
-            </a:r>
-            <a:r>
-              <a:rPr lang="en-US" sz="4800" err="1"/>
-              <a:t>bài</a:t>
-            </a:r>
-            <a:r>
-              <a:rPr lang="en-US" sz="4800"/>
-              <a:t> </a:t>
-            </a:r>
-            <a:r>
-              <a:rPr lang="en-US" sz="4800" err="1"/>
-              <a:t>toán</a:t>
-            </a:r>
-            <a:r>
-              <a:rPr lang="en-US" sz="4800"/>
-              <a:t> </a:t>
-            </a:r>
-            <a:r>
-              <a:rPr lang="en-US" sz="4800" err="1"/>
-              <a:t>mô</a:t>
-            </a:r>
-            <a:r>
-              <a:rPr lang="en-US" sz="4800"/>
-              <a:t> </a:t>
-            </a:r>
-            <a:r>
-              <a:rPr lang="en-US" sz="4800" err="1"/>
-              <a:t>tả</a:t>
-            </a:r>
-            <a:r>
-              <a:rPr lang="en-US" sz="4800"/>
-              <a:t> </a:t>
-            </a:r>
-            <a:r>
-              <a:rPr lang="en-US" sz="4800" err="1"/>
-              <a:t>nội</a:t>
-            </a:r>
-            <a:r>
-              <a:rPr lang="en-US" sz="4800"/>
-              <a:t> dung </a:t>
-            </a:r>
-            <a:r>
-              <a:rPr lang="en-US" sz="4800" err="1"/>
-              <a:t>ảnh</a:t>
-            </a:r>
-            <a:endParaRPr lang="en-US" sz="4800"/>
+              <a:t>Image Captioning</a:t>
+            </a:r>
           </a:p>
         </p:txBody>
       </p:sp>
@@ -5475,7 +6259,7 @@
           <a:p>
             <a:r>
               <a:rPr lang="en-US"/>
-              <a:t>GVHD: TS. Nguyễn </a:t>
+              <a:t>Instructor: Ph.D Nguyễn </a:t>
             </a:r>
             <a:r>
               <a:rPr lang="en-US" err="1"/>
@@ -5492,13 +6276,13 @@
           <a:p>
             <a:r>
               <a:rPr lang="en-US"/>
-              <a:t>Thành viên: Nguyễn Đình Lộc</a:t>
-            </a:r>
-          </a:p>
-          <a:p>
-            <a:r>
-              <a:rPr lang="en-US"/>
-              <a:t>	       Phạm Quốc Bảo</a:t>
+              <a:t>Students: Nguyễn Đình Lộc</a:t>
+            </a:r>
+          </a:p>
+          <a:p>
+            <a:r>
+              <a:rPr lang="en-US"/>
+              <a:t>	    Phạm Quốc Bảo</a:t>
             </a:r>
           </a:p>
           <a:p>
@@ -5541,7 +6325,7 @@
           <p:cNvPr id="2" name="Title 1">
             <a:extLst>
               <a:ext uri="{FF2B5EF4-FFF2-40B4-BE49-F238E27FC236}">
-                <a16:creationId xmlns:a16="http://schemas.microsoft.com/office/drawing/2014/main" id="{83D5EF7C-F768-416D-A178-1EBE8476EA2D}"/>
+                <a16:creationId xmlns:a16="http://schemas.microsoft.com/office/drawing/2014/main" id="{7A1B0B56-8AE2-42C1-BA09-3B962C13B7CB}"/>
               </a:ext>
             </a:extLst>
           </p:cNvPr>
@@ -5559,17 +6343,17 @@
           <a:p>
             <a:r>
               <a:rPr lang="en-US"/>
-              <a:t>Tập dữ liệu Flickr8k</a:t>
-            </a:r>
-          </a:p>
-        </p:txBody>
-      </p:sp>
-      <p:sp>
-        <p:nvSpPr>
-          <p:cNvPr id="6" name="Content Placeholder 5">
+              <a:t>Etsy Dataset</a:t>
+            </a:r>
+          </a:p>
+        </p:txBody>
+      </p:sp>
+      <p:sp>
+        <p:nvSpPr>
+          <p:cNvPr id="3" name="Content Placeholder 2">
             <a:extLst>
               <a:ext uri="{FF2B5EF4-FFF2-40B4-BE49-F238E27FC236}">
-                <a16:creationId xmlns:a16="http://schemas.microsoft.com/office/drawing/2014/main" id="{AAB986E5-29CE-4FC4-B3FC-E0F262D27258}"/>
+                <a16:creationId xmlns:a16="http://schemas.microsoft.com/office/drawing/2014/main" id="{0FC6A03C-B9BD-4064-949C-2F81B977CE6D}"/>
               </a:ext>
             </a:extLst>
           </p:cNvPr>
@@ -5587,43 +6371,29 @@
           <a:p>
             <a:r>
               <a:rPr lang="en-US"/>
-              <a:t>Bao gồm 8092 bức ảnh đ</a:t>
-            </a:r>
-            <a:r>
-              <a:rPr lang="vi-VN"/>
-              <a:t>ư</a:t>
-            </a:r>
-            <a:r>
-              <a:rPr lang="en-US"/>
-              <a:t>ợc lấy từ trang chia sẽ hình ảnh Flickr.</a:t>
-            </a:r>
-          </a:p>
-          <a:p>
-            <a:r>
-              <a:rPr lang="en-US"/>
-              <a:t>Các bức ảnh đ</a:t>
-            </a:r>
-            <a:r>
-              <a:rPr lang="vi-VN"/>
-              <a:t>ư</a:t>
-            </a:r>
-            <a:r>
-              <a:rPr lang="en-US"/>
-              <a:t>ợc cắt theo các tỷ lệ khác nhau mục đích tập trung vào chủ thể chính của bức ảnh.</a:t>
-            </a:r>
-          </a:p>
-          <a:p>
-            <a:r>
-              <a:rPr lang="en-US"/>
-              <a:t>Mỗi bức ảnh đi kèm với 5 câu mô tả nội dung từ 5 ng</a:t>
-            </a:r>
-            <a:r>
-              <a:rPr lang="vi-VN"/>
-              <a:t>ư</a:t>
-            </a:r>
-            <a:r>
-              <a:rPr lang="en-US"/>
-              <a:t>ời khác nhau.</a:t>
+              <a:t>A fashion dataset consisting of </a:t>
+            </a:r>
+            <a:r>
+              <a:rPr lang="en-US" b="1"/>
+              <a:t>5,000 images </a:t>
+            </a:r>
+            <a:r>
+              <a:rPr lang="en-US"/>
+              <a:t>that are each paired with </a:t>
+            </a:r>
+            <a:r>
+              <a:rPr lang="en-US" b="1"/>
+              <a:t>three different captions </a:t>
+            </a:r>
+            <a:r>
+              <a:rPr lang="en-US"/>
+              <a:t>which provide clear descriptions of the types, styles and attributes.</a:t>
+            </a:r>
+          </a:p>
+          <a:p>
+            <a:r>
+              <a:rPr lang="en-US"/>
+              <a:t>Dataset comes with 3000 images for training, 1000 validation and 1000 testing.</a:t>
             </a:r>
           </a:p>
         </p:txBody>
@@ -5633,7 +6403,7 @@
           <p:cNvPr id="4" name="Footer Placeholder 3">
             <a:extLst>
               <a:ext uri="{FF2B5EF4-FFF2-40B4-BE49-F238E27FC236}">
-                <a16:creationId xmlns:a16="http://schemas.microsoft.com/office/drawing/2014/main" id="{AA15A1E0-B0D3-45F3-BE8D-5F6C9C67AC7A}"/>
+                <a16:creationId xmlns:a16="http://schemas.microsoft.com/office/drawing/2014/main" id="{70708D30-D9E1-4D46-8A6F-39C8D9C6DF1B}"/>
               </a:ext>
             </a:extLst>
           </p:cNvPr>
@@ -5650,10 +6420,9 @@
           <a:lstStyle/>
           <a:p>
             <a:r>
-              <a:rPr lang="vi-VN"/>
-              <a:t>Đại học Sư phạm Kỹ thuật thành phố Hồ Chí Minh</a:t>
-            </a:r>
-            <a:endParaRPr lang="en-US"/>
+              <a:rPr lang="en-US"/>
+              <a:t>Ho Chi Minh University of Technology and Education</a:t>
+            </a:r>
           </a:p>
         </p:txBody>
       </p:sp>
@@ -5662,7 +6431,7 @@
           <p:cNvPr id="5" name="Slide Number Placeholder 4">
             <a:extLst>
               <a:ext uri="{FF2B5EF4-FFF2-40B4-BE49-F238E27FC236}">
-                <a16:creationId xmlns:a16="http://schemas.microsoft.com/office/drawing/2014/main" id="{67967A7C-8B5D-4CE5-ABA4-3C31E327F330}"/>
+                <a16:creationId xmlns:a16="http://schemas.microsoft.com/office/drawing/2014/main" id="{AEFA3E9E-4DBB-448E-8CBD-423C6D30E78A}"/>
               </a:ext>
             </a:extLst>
           </p:cNvPr>
@@ -5678,20 +6447,80 @@
           <a:bodyPr/>
           <a:lstStyle/>
           <a:p>
+            <a:pPr marL="0" marR="0" lvl="0" indent="0" algn="r" defTabSz="457200" rtl="0" eaLnBrk="1" fontAlgn="auto" latinLnBrk="0" hangingPunct="1">
+              <a:lnSpc>
+                <a:spcPct val="100000"/>
+              </a:lnSpc>
+              <a:spcBef>
+                <a:spcPts val="0"/>
+              </a:spcBef>
+              <a:spcAft>
+                <a:spcPts val="0"/>
+              </a:spcAft>
+              <a:buClrTx/>
+              <a:buSzTx/>
+              <a:buFontTx/>
+              <a:buNone/>
+              <a:tabLst/>
+              <a:defRPr/>
+            </a:pPr>
             <a:fld id="{69E57DC2-970A-4B3E-BB1C-7A09969E49DF}" type="slidenum">
-              <a:rPr lang="en-US" smtClean="0"/>
+              <a:rPr kumimoji="0" lang="en-US" sz="1200" b="0" i="0" u="none" strike="noStrike" kern="1200" cap="none" spc="0" normalizeH="0" baseline="0" noProof="0" smtClean="0">
+                <a:ln>
+                  <a:noFill/>
+                </a:ln>
+                <a:solidFill>
+                  <a:srgbClr val="191B0E"/>
+                </a:solidFill>
+                <a:effectLst/>
+                <a:uLnTx/>
+                <a:uFillTx/>
+                <a:latin typeface="Arial" panose="020B0604020202020204" pitchFamily="34" charset="0"/>
+                <a:ea typeface="+mn-ea"/>
+                <a:cs typeface="Arial" panose="020B0604020202020204" pitchFamily="34" charset="0"/>
+              </a:rPr>
+              <a:pPr marL="0" marR="0" lvl="0" indent="0" algn="r" defTabSz="457200" rtl="0" eaLnBrk="1" fontAlgn="auto" latinLnBrk="0" hangingPunct="1">
+                <a:lnSpc>
+                  <a:spcPct val="100000"/>
+                </a:lnSpc>
+                <a:spcBef>
+                  <a:spcPts val="0"/>
+                </a:spcBef>
+                <a:spcAft>
+                  <a:spcPts val="0"/>
+                </a:spcAft>
+                <a:buClrTx/>
+                <a:buSzTx/>
+                <a:buFontTx/>
+                <a:buNone/>
+                <a:tabLst/>
+                <a:defRPr/>
+              </a:pPr>
               <a:t>10</a:t>
             </a:fld>
-            <a:endParaRPr lang="en-US"/>
+            <a:endParaRPr kumimoji="0" lang="en-US" sz="1200" b="0" i="0" u="none" strike="noStrike" kern="1200" cap="none" spc="0" normalizeH="0" baseline="0" noProof="0">
+              <a:ln>
+                <a:noFill/>
+              </a:ln>
+              <a:solidFill>
+                <a:srgbClr val="191B0E"/>
+              </a:solidFill>
+              <a:effectLst/>
+              <a:uLnTx/>
+              <a:uFillTx/>
+              <a:latin typeface="Arial" panose="020B0604020202020204" pitchFamily="34" charset="0"/>
+              <a:ea typeface="+mn-ea"/>
+              <a:cs typeface="Arial" panose="020B0604020202020204" pitchFamily="34" charset="0"/>
+            </a:endParaRPr>
           </a:p>
         </p:txBody>
       </p:sp>
       <p:pic>
         <p:nvPicPr>
-          <p:cNvPr id="9" name="Picture Placeholder 8">
+          <p:cNvPr id="7" name="Picture Placeholder 6">
             <a:extLst>
               <a:ext uri="{FF2B5EF4-FFF2-40B4-BE49-F238E27FC236}">
-                <a16:creationId xmlns:a16="http://schemas.microsoft.com/office/drawing/2014/main" id="{C2689924-1823-4409-8459-EEE9B4B77052}"/>
+                <a16:creationId xmlns:a16="http://schemas.microsoft.com/office/drawing/2014/main" id="{E8810BB1-5ADB-4F02-8CEC-83F600216FF3}"/>
               </a:ext>
             </a:extLst>
           </p:cNvPr>
@@ -5704,20 +6533,23 @@
         </p:nvPicPr>
         <p:blipFill rotWithShape="1">
           <a:blip r:embed="rId2"/>
-          <a:srcRect l="24385" r="25876" b="4832"/>
+          <a:srcRect l="4993" r="7135"/>
           <a:stretch/>
         </p:blipFill>
         <p:spPr>
           <a:xfrm>
-            <a:off x="7325607" y="891077"/>
-            <a:ext cx="4123055" cy="4931229"/>
+            <a:off x="7297614" y="685800"/>
+            <a:ext cx="4246685" cy="5181600"/>
           </a:xfrm>
+          <a:prstGeom prst="rect">
+            <a:avLst/>
+          </a:prstGeom>
         </p:spPr>
       </p:pic>
     </p:spTree>
     <p:extLst>
       <p:ext uri="{BB962C8B-B14F-4D97-AF65-F5344CB8AC3E}">
-        <p14:creationId xmlns:p14="http://schemas.microsoft.com/office/powerpoint/2010/main" val="2219005252"/>
+        <p14:creationId xmlns:p14="http://schemas.microsoft.com/office/powerpoint/2010/main" val="2946892101"/>
       </p:ext>
     </p:extLst>
   </p:cSld>
@@ -5749,7 +6581,7 @@
           <p:cNvPr id="2" name="Title 1">
             <a:extLst>
               <a:ext uri="{FF2B5EF4-FFF2-40B4-BE49-F238E27FC236}">
-                <a16:creationId xmlns:a16="http://schemas.microsoft.com/office/drawing/2014/main" id="{786B237E-0529-4F2C-8000-01DAA4C2B73F}"/>
+                <a16:creationId xmlns:a16="http://schemas.microsoft.com/office/drawing/2014/main" id="{409DA698-6FD9-4A74-BA88-D86F44006BDA}"/>
               </a:ext>
             </a:extLst>
           </p:cNvPr>
@@ -5767,17 +6599,17 @@
           <a:p>
             <a:r>
               <a:rPr lang="en-US"/>
-              <a:t>Huấn luyện</a:t>
-            </a:r>
-          </a:p>
-        </p:txBody>
-      </p:sp>
-      <p:sp>
-        <p:nvSpPr>
-          <p:cNvPr id="3" name="Content Placeholder 2">
+              <a:t>Model</a:t>
+            </a:r>
+          </a:p>
+        </p:txBody>
+      </p:sp>
+      <p:sp>
+        <p:nvSpPr>
+          <p:cNvPr id="4" name="Footer Placeholder 3">
             <a:extLst>
               <a:ext uri="{FF2B5EF4-FFF2-40B4-BE49-F238E27FC236}">
-                <a16:creationId xmlns:a16="http://schemas.microsoft.com/office/drawing/2014/main" id="{A528CFD0-D699-46E1-956B-18994D91810E}"/>
+                <a16:creationId xmlns:a16="http://schemas.microsoft.com/office/drawing/2014/main" id="{D833FE09-BBCB-4CE6-94D3-A29B7109E34C}"/>
               </a:ext>
             </a:extLst>
           </p:cNvPr>
@@ -5785,98 +6617,6 @@
             <a:spLocks noGrp="1"/>
           </p:cNvSpPr>
           <p:nvPr>
-            <p:ph idx="1"/>
-          </p:nvPr>
-        </p:nvSpPr>
-        <p:spPr/>
-        <p:txBody>
-          <a:bodyPr>
-            <a:normAutofit fontScale="92500" lnSpcReduction="10000"/>
-          </a:bodyPr>
-          <a:lstStyle/>
-          <a:p>
-            <a:r>
-              <a:rPr lang="en-US"/>
-              <a:t>Dữ liệu đ</a:t>
-            </a:r>
-            <a:r>
-              <a:rPr lang="vi-VN"/>
-              <a:t>ư</a:t>
-            </a:r>
-            <a:r>
-              <a:rPr lang="en-US"/>
-              <a:t>ợc chia làm ba tập: Train – 6000k, Validate – 1000k, Test – 1000k</a:t>
-            </a:r>
-          </a:p>
-          <a:p>
-            <a:r>
-              <a:rPr lang="en-US"/>
-              <a:t>Embeding dimension 512</a:t>
-            </a:r>
-          </a:p>
-          <a:p>
-            <a:r>
-              <a:rPr lang="en-US"/>
-              <a:t>Batch size 32</a:t>
-            </a:r>
-          </a:p>
-          <a:p>
-            <a:r>
-              <a:rPr lang="en-US"/>
-              <a:t>Input Normalization</a:t>
-            </a:r>
-          </a:p>
-          <a:p>
-            <a:r>
-              <a:rPr lang="en-US"/>
-              <a:t>Dropout</a:t>
-            </a:r>
-          </a:p>
-          <a:p>
-            <a:r>
-              <a:rPr lang="en-US"/>
-              <a:t>Learning rate decay</a:t>
-            </a:r>
-          </a:p>
-          <a:p>
-            <a:r>
-              <a:rPr lang="en-US"/>
-              <a:t>Clip gradient</a:t>
-            </a:r>
-          </a:p>
-          <a:p>
-            <a:r>
-              <a:rPr lang="en-US"/>
-              <a:t>Cross entropy coss</a:t>
-            </a:r>
-          </a:p>
-          <a:p>
-            <a:r>
-              <a:rPr lang="en-US"/>
-              <a:t>Adam optimizer</a:t>
-            </a:r>
-          </a:p>
-          <a:p>
-            <a:endParaRPr lang="en-US"/>
-          </a:p>
-          <a:p>
-            <a:endParaRPr lang="en-US"/>
-          </a:p>
-        </p:txBody>
-      </p:sp>
-      <p:sp>
-        <p:nvSpPr>
-          <p:cNvPr id="4" name="Footer Placeholder 3">
-            <a:extLst>
-              <a:ext uri="{FF2B5EF4-FFF2-40B4-BE49-F238E27FC236}">
-                <a16:creationId xmlns:a16="http://schemas.microsoft.com/office/drawing/2014/main" id="{43980689-766F-4E26-9F83-AE5EFA7C61A6}"/>
-              </a:ext>
-            </a:extLst>
-          </p:cNvPr>
-          <p:cNvSpPr>
-            <a:spLocks noGrp="1"/>
-          </p:cNvSpPr>
-          <p:nvPr>
             <p:ph type="ftr" sz="quarter" idx="11"/>
           </p:nvPr>
         </p:nvSpPr>
@@ -5885,54 +6625,10 @@
           <a:bodyPr/>
           <a:lstStyle/>
           <a:p>
-            <a:pPr marL="0" marR="0" lvl="0" indent="0" algn="l" defTabSz="457200" rtl="0" eaLnBrk="1" fontAlgn="auto" latinLnBrk="0" hangingPunct="1">
-              <a:lnSpc>
-                <a:spcPct val="100000"/>
-              </a:lnSpc>
-              <a:spcBef>
-                <a:spcPts val="0"/>
-              </a:spcBef>
-              <a:spcAft>
-                <a:spcPts val="0"/>
-              </a:spcAft>
-              <a:buClrTx/>
-              <a:buSzTx/>
-              <a:buFontTx/>
-              <a:buNone/>
-              <a:tabLst/>
-              <a:defRPr/>
-            </a:pPr>
-            <a:r>
-              <a:rPr kumimoji="0" lang="vi-VN" sz="1200" b="0" i="0" u="none" strike="noStrike" kern="1200" cap="none" spc="0" normalizeH="0" baseline="0" noProof="0">
-                <a:ln>
-                  <a:noFill/>
-                </a:ln>
-                <a:solidFill>
-                  <a:srgbClr val="191B0E"/>
-                </a:solidFill>
-                <a:effectLst/>
-                <a:uLnTx/>
-                <a:uFillTx/>
-                <a:latin typeface="Arial" panose="020B0604020202020204" pitchFamily="34" charset="0"/>
-                <a:ea typeface="+mn-ea"/>
-                <a:cs typeface="Arial" panose="020B0604020202020204" pitchFamily="34" charset="0"/>
-              </a:rPr>
-              <a:t>Đại học Sư phạm Kỹ thuật thành phố Hồ Chí Minh</a:t>
-            </a:r>
-            <a:endParaRPr kumimoji="0" lang="en-US" sz="1200" b="0" i="0" u="none" strike="noStrike" kern="1200" cap="none" spc="0" normalizeH="0" baseline="0" noProof="0">
-              <a:ln>
-                <a:noFill/>
-              </a:ln>
-              <a:solidFill>
-                <a:srgbClr val="191B0E"/>
-              </a:solidFill>
-              <a:effectLst/>
-              <a:uLnTx/>
-              <a:uFillTx/>
-              <a:latin typeface="Arial" panose="020B0604020202020204" pitchFamily="34" charset="0"/>
-              <a:ea typeface="+mn-ea"/>
-              <a:cs typeface="Arial" panose="020B0604020202020204" pitchFamily="34" charset="0"/>
-            </a:endParaRPr>
+            <a:r>
+              <a:rPr lang="en-US"/>
+              <a:t>Ho Chi Minh University of Technology and Education</a:t>
+            </a:r>
           </a:p>
         </p:txBody>
       </p:sp>
@@ -5941,7 +6637,7 @@
           <p:cNvPr id="5" name="Slide Number Placeholder 4">
             <a:extLst>
               <a:ext uri="{FF2B5EF4-FFF2-40B4-BE49-F238E27FC236}">
-                <a16:creationId xmlns:a16="http://schemas.microsoft.com/office/drawing/2014/main" id="{BBDF3531-7AB0-4AB8-9B25-722FEE7D7993}"/>
+                <a16:creationId xmlns:a16="http://schemas.microsoft.com/office/drawing/2014/main" id="{5CD1D02A-7D79-47ED-8B1C-E31BA50018F4}"/>
               </a:ext>
             </a:extLst>
           </p:cNvPr>
@@ -6025,10 +6721,40 @@
           </a:p>
         </p:txBody>
       </p:sp>
+      <p:pic>
+        <p:nvPicPr>
+          <p:cNvPr id="14" name="Picture 13">
+            <a:extLst>
+              <a:ext uri="{FF2B5EF4-FFF2-40B4-BE49-F238E27FC236}">
+                <a16:creationId xmlns:a16="http://schemas.microsoft.com/office/drawing/2014/main" id="{57ED351F-C527-4866-9318-9AE1BD89889E}"/>
+              </a:ext>
+            </a:extLst>
+          </p:cNvPr>
+          <p:cNvPicPr>
+            <a:picLocks noChangeAspect="1"/>
+          </p:cNvPicPr>
+          <p:nvPr/>
+        </p:nvPicPr>
+        <p:blipFill>
+          <a:blip r:embed="rId2"/>
+          <a:stretch>
+            <a:fillRect/>
+          </a:stretch>
+        </p:blipFill>
+        <p:spPr>
+          <a:xfrm>
+            <a:off x="710855" y="1428654"/>
+            <a:ext cx="11481145" cy="4652549"/>
+          </a:xfrm>
+          <a:prstGeom prst="rect">
+            <a:avLst/>
+          </a:prstGeom>
+        </p:spPr>
+      </p:pic>
     </p:spTree>
     <p:extLst>
       <p:ext uri="{BB962C8B-B14F-4D97-AF65-F5344CB8AC3E}">
-        <p14:creationId xmlns:p14="http://schemas.microsoft.com/office/powerpoint/2010/main" val="3159845993"/>
+        <p14:creationId xmlns:p14="http://schemas.microsoft.com/office/powerpoint/2010/main" val="3892178651"/>
       </p:ext>
     </p:extLst>
   </p:cSld>
@@ -6060,7 +6786,7 @@
           <p:cNvPr id="2" name="Title 1">
             <a:extLst>
               <a:ext uri="{FF2B5EF4-FFF2-40B4-BE49-F238E27FC236}">
-                <a16:creationId xmlns:a16="http://schemas.microsoft.com/office/drawing/2014/main" id="{6DBE88A1-E480-47C2-846F-41294045AAE4}"/>
+                <a16:creationId xmlns:a16="http://schemas.microsoft.com/office/drawing/2014/main" id="{786B237E-0529-4F2C-8000-01DAA4C2B73F}"/>
               </a:ext>
             </a:extLst>
           </p:cNvPr>
@@ -6078,7 +6804,7 @@
           <a:p>
             <a:r>
               <a:rPr lang="en-US"/>
-              <a:t>Đánh giá</a:t>
+              <a:t>Training</a:t>
             </a:r>
           </a:p>
         </p:txBody>
@@ -6088,7 +6814,7 @@
           <p:cNvPr id="3" name="Content Placeholder 2">
             <a:extLst>
               <a:ext uri="{FF2B5EF4-FFF2-40B4-BE49-F238E27FC236}">
-                <a16:creationId xmlns:a16="http://schemas.microsoft.com/office/drawing/2014/main" id="{9931A87D-2BBD-4057-8D1B-6003F8C579A2}"/>
+                <a16:creationId xmlns:a16="http://schemas.microsoft.com/office/drawing/2014/main" id="{A528CFD0-D699-46E1-956B-18994D91810E}"/>
               </a:ext>
             </a:extLst>
           </p:cNvPr>
@@ -6099,33 +6825,73 @@
             <p:ph idx="1"/>
           </p:nvPr>
         </p:nvSpPr>
-        <p:spPr/>
-        <p:txBody>
-          <a:bodyPr/>
+        <p:spPr>
+          <a:xfrm>
+            <a:off x="1371600" y="1899825"/>
+            <a:ext cx="9601200" cy="4065233"/>
+          </a:xfrm>
+        </p:spPr>
+        <p:txBody>
+          <a:bodyPr>
+            <a:normAutofit/>
+          </a:bodyPr>
           <a:lstStyle/>
           <a:p>
             <a:r>
               <a:rPr lang="en-US"/>
-              <a:t>Bleu 1: 0.663</a:t>
-            </a:r>
-          </a:p>
-          <a:p>
-            <a:r>
-              <a:rPr lang="en-US"/>
-              <a:t>Bleu 2: 0.491</a:t>
-            </a:r>
-          </a:p>
-          <a:p>
-            <a:r>
-              <a:rPr lang="en-US"/>
-              <a:t>Bleu 3: 0.350</a:t>
-            </a:r>
-          </a:p>
-          <a:p>
-            <a:r>
-              <a:rPr lang="en-US"/>
-              <a:t>Bleu 4: 0.245</a:t>
-            </a:r>
+              <a:t>Cross entropy loss</a:t>
+            </a:r>
+          </a:p>
+          <a:p>
+            <a:r>
+              <a:rPr lang="en-US"/>
+              <a:t>Adam optimizer</a:t>
+            </a:r>
+          </a:p>
+          <a:p>
+            <a:r>
+              <a:rPr lang="en-US"/>
+              <a:t>Learning rate decay</a:t>
+            </a:r>
+          </a:p>
+          <a:p>
+            <a:r>
+              <a:rPr lang="en-US"/>
+              <a:t>Batch size 32</a:t>
+            </a:r>
+          </a:p>
+          <a:p>
+            <a:r>
+              <a:rPr lang="en-US"/>
+              <a:t>Input Normalization</a:t>
+            </a:r>
+          </a:p>
+          <a:p>
+            <a:r>
+              <a:rPr lang="en-US"/>
+              <a:t>Image Distortion</a:t>
+            </a:r>
+          </a:p>
+          <a:p>
+            <a:r>
+              <a:rPr lang="en-US"/>
+              <a:t>Dropout Regularization</a:t>
+            </a:r>
+          </a:p>
+          <a:p>
+            <a:r>
+              <a:rPr lang="en-US"/>
+              <a:t>L2 Regularization</a:t>
+            </a:r>
+          </a:p>
+          <a:p>
+            <a:r>
+              <a:rPr lang="en-US"/>
+              <a:t>Clip gradient</a:t>
+            </a:r>
+          </a:p>
+          <a:p>
+            <a:endParaRPr lang="en-US"/>
           </a:p>
         </p:txBody>
       </p:sp>
@@ -6134,7 +6900,7 @@
           <p:cNvPr id="4" name="Footer Placeholder 3">
             <a:extLst>
               <a:ext uri="{FF2B5EF4-FFF2-40B4-BE49-F238E27FC236}">
-                <a16:creationId xmlns:a16="http://schemas.microsoft.com/office/drawing/2014/main" id="{0E14B12E-A325-4570-A0F3-FC9B253151AF}"/>
+                <a16:creationId xmlns:a16="http://schemas.microsoft.com/office/drawing/2014/main" id="{43980689-766F-4E26-9F83-AE5EFA7C61A6}"/>
               </a:ext>
             </a:extLst>
           </p:cNvPr>
@@ -6151,10 +6917,9 @@
           <a:lstStyle/>
           <a:p>
             <a:r>
-              <a:rPr lang="vi-VN"/>
-              <a:t>Đại học Sư phạm Kỹ thuật thành phố Hồ Chí Minh</a:t>
-            </a:r>
-            <a:endParaRPr lang="en-US"/>
+              <a:rPr lang="en-US"/>
+              <a:t>Ho Chi Minh University of Technology and Education</a:t>
+            </a:r>
           </a:p>
         </p:txBody>
       </p:sp>
@@ -6163,247 +6928,7 @@
           <p:cNvPr id="5" name="Slide Number Placeholder 4">
             <a:extLst>
               <a:ext uri="{FF2B5EF4-FFF2-40B4-BE49-F238E27FC236}">
-                <a16:creationId xmlns:a16="http://schemas.microsoft.com/office/drawing/2014/main" id="{5AE5467F-BB49-4F74-8D57-DED4AA8D1C28}"/>
-              </a:ext>
-            </a:extLst>
-          </p:cNvPr>
-          <p:cNvSpPr>
-            <a:spLocks noGrp="1"/>
-          </p:cNvSpPr>
-          <p:nvPr>
-            <p:ph type="sldNum" sz="quarter" idx="12"/>
-          </p:nvPr>
-        </p:nvSpPr>
-        <p:spPr/>
-        <p:txBody>
-          <a:bodyPr/>
-          <a:lstStyle/>
-          <a:p>
-            <a:fld id="{69E57DC2-970A-4B3E-BB1C-7A09969E49DF}" type="slidenum">
-              <a:rPr lang="en-US" smtClean="0"/>
-              <a:t>12</a:t>
-            </a:fld>
-            <a:endParaRPr lang="en-US"/>
-          </a:p>
-        </p:txBody>
-      </p:sp>
-      <p:pic>
-        <p:nvPicPr>
-          <p:cNvPr id="9" name="Picture Placeholder 8">
-            <a:extLst>
-              <a:ext uri="{FF2B5EF4-FFF2-40B4-BE49-F238E27FC236}">
-                <a16:creationId xmlns:a16="http://schemas.microsoft.com/office/drawing/2014/main" id="{3EFCABA5-9434-488B-A683-2883F41A9E64}"/>
-              </a:ext>
-            </a:extLst>
-          </p:cNvPr>
-          <p:cNvPicPr>
-            <a:picLocks noGrp="1" noChangeAspect="1"/>
-          </p:cNvPicPr>
-          <p:nvPr>
-            <p:ph type="pic" sz="quarter" idx="13"/>
-          </p:nvPr>
-        </p:nvPicPr>
-        <p:blipFill rotWithShape="1">
-          <a:blip r:embed="rId2"/>
-          <a:srcRect l="16030" t="-9391" r="11112" b="-9143"/>
-          <a:stretch/>
-        </p:blipFill>
-        <p:spPr>
-          <a:xfrm>
-            <a:off x="7297614" y="685800"/>
-            <a:ext cx="4246685" cy="5181600"/>
-          </a:xfrm>
-        </p:spPr>
-      </p:pic>
-    </p:spTree>
-    <p:extLst>
-      <p:ext uri="{BB962C8B-B14F-4D97-AF65-F5344CB8AC3E}">
-        <p14:creationId xmlns:p14="http://schemas.microsoft.com/office/powerpoint/2010/main" val="3939415803"/>
-      </p:ext>
-    </p:extLst>
-  </p:cSld>
-  <p:clrMapOvr>
-    <a:masterClrMapping/>
-  </p:clrMapOvr>
-</p:sld>
-</file>
-
-<file path=ppt/slides/slide13.xml><?xml version="1.0" encoding="utf-8"?>
-<p:sld xmlns:a="http://schemas.openxmlformats.org/drawingml/2006/main" xmlns:r="http://schemas.openxmlformats.org/officeDocument/2006/relationships" xmlns:p="http://schemas.openxmlformats.org/presentationml/2006/main">
-  <p:cSld>
-    <p:spTree>
-      <p:nvGrpSpPr>
-        <p:cNvPr id="1" name=""/>
-        <p:cNvGrpSpPr/>
-        <p:nvPr/>
-      </p:nvGrpSpPr>
-      <p:grpSpPr>
-        <a:xfrm>
-          <a:off x="0" y="0"/>
-          <a:ext cx="0" cy="0"/>
-          <a:chOff x="0" y="0"/>
-          <a:chExt cx="0" cy="0"/>
-        </a:xfrm>
-      </p:grpSpPr>
-      <p:sp>
-        <p:nvSpPr>
-          <p:cNvPr id="2" name="Title 1">
-            <a:extLst>
-              <a:ext uri="{FF2B5EF4-FFF2-40B4-BE49-F238E27FC236}">
-                <a16:creationId xmlns:a16="http://schemas.microsoft.com/office/drawing/2014/main" id="{29F7495C-8848-477C-A949-CFCB957F2740}"/>
-              </a:ext>
-            </a:extLst>
-          </p:cNvPr>
-          <p:cNvSpPr>
-            <a:spLocks noGrp="1"/>
-          </p:cNvSpPr>
-          <p:nvPr>
-            <p:ph type="title"/>
-          </p:nvPr>
-        </p:nvSpPr>
-        <p:spPr/>
-        <p:txBody>
-          <a:bodyPr/>
-          <a:lstStyle/>
-          <a:p>
-            <a:r>
-              <a:rPr lang="en-US"/>
-              <a:t>Feature works</a:t>
-            </a:r>
-          </a:p>
-        </p:txBody>
-      </p:sp>
-      <p:sp>
-        <p:nvSpPr>
-          <p:cNvPr id="7" name="Content Placeholder 6">
-            <a:extLst>
-              <a:ext uri="{FF2B5EF4-FFF2-40B4-BE49-F238E27FC236}">
-                <a16:creationId xmlns:a16="http://schemas.microsoft.com/office/drawing/2014/main" id="{4632AF70-85C8-436E-A67C-8D2A95CDA42D}"/>
-              </a:ext>
-            </a:extLst>
-          </p:cNvPr>
-          <p:cNvSpPr>
-            <a:spLocks noGrp="1"/>
-          </p:cNvSpPr>
-          <p:nvPr>
-            <p:ph idx="1"/>
-          </p:nvPr>
-        </p:nvSpPr>
-        <p:spPr/>
-        <p:txBody>
-          <a:bodyPr/>
-          <a:lstStyle/>
-          <a:p>
-            <a:r>
-              <a:rPr lang="en-US"/>
-              <a:t>Constrained beam search</a:t>
-            </a:r>
-          </a:p>
-          <a:p>
-            <a:r>
-              <a:rPr lang="en-US"/>
-              <a:t>Thanh thế Embeding matrix và Decoder đã đ</a:t>
-            </a:r>
-            <a:r>
-              <a:rPr lang="vi-VN"/>
-              <a:t>ư</a:t>
-            </a:r>
-            <a:r>
-              <a:rPr lang="en-US"/>
-              <a:t>ợc train mạnh h</a:t>
-            </a:r>
-            <a:r>
-              <a:rPr lang="vi-VN"/>
-              <a:t>ơ</a:t>
-            </a:r>
-            <a:r>
-              <a:rPr lang="en-US"/>
-              <a:t>n</a:t>
-            </a:r>
-          </a:p>
-          <a:p>
-            <a:endParaRPr lang="en-US"/>
-          </a:p>
-        </p:txBody>
-      </p:sp>
-      <p:sp>
-        <p:nvSpPr>
-          <p:cNvPr id="4" name="Footer Placeholder 3">
-            <a:extLst>
-              <a:ext uri="{FF2B5EF4-FFF2-40B4-BE49-F238E27FC236}">
-                <a16:creationId xmlns:a16="http://schemas.microsoft.com/office/drawing/2014/main" id="{EF6BEE92-21CB-4911-BE16-60419AC3D056}"/>
-              </a:ext>
-            </a:extLst>
-          </p:cNvPr>
-          <p:cNvSpPr>
-            <a:spLocks noGrp="1"/>
-          </p:cNvSpPr>
-          <p:nvPr>
-            <p:ph type="ftr" sz="quarter" idx="11"/>
-          </p:nvPr>
-        </p:nvSpPr>
-        <p:spPr/>
-        <p:txBody>
-          <a:bodyPr/>
-          <a:lstStyle/>
-          <a:p>
-            <a:pPr marL="0" marR="0" lvl="0" indent="0" algn="l" defTabSz="457200" rtl="0" eaLnBrk="1" fontAlgn="auto" latinLnBrk="0" hangingPunct="1">
-              <a:lnSpc>
-                <a:spcPct val="100000"/>
-              </a:lnSpc>
-              <a:spcBef>
-                <a:spcPts val="0"/>
-              </a:spcBef>
-              <a:spcAft>
-                <a:spcPts val="0"/>
-              </a:spcAft>
-              <a:buClrTx/>
-              <a:buSzTx/>
-              <a:buFontTx/>
-              <a:buNone/>
-              <a:tabLst/>
-              <a:defRPr/>
-            </a:pPr>
-            <a:r>
-              <a:rPr kumimoji="0" lang="vi-VN" sz="1200" b="0" i="0" u="none" strike="noStrike" kern="1200" cap="none" spc="0" normalizeH="0" baseline="0" noProof="0">
-                <a:ln>
-                  <a:noFill/>
-                </a:ln>
-                <a:solidFill>
-                  <a:srgbClr val="191B0E"/>
-                </a:solidFill>
-                <a:effectLst/>
-                <a:uLnTx/>
-                <a:uFillTx/>
-                <a:latin typeface="Arial" panose="020B0604020202020204" pitchFamily="34" charset="0"/>
-                <a:ea typeface="+mn-ea"/>
-                <a:cs typeface="Arial" panose="020B0604020202020204" pitchFamily="34" charset="0"/>
-              </a:rPr>
-              <a:t>Đại học Sư phạm Kỹ thuật thành phố Hồ Chí Minh</a:t>
-            </a:r>
-            <a:endParaRPr kumimoji="0" lang="en-US" sz="1200" b="0" i="0" u="none" strike="noStrike" kern="1200" cap="none" spc="0" normalizeH="0" baseline="0" noProof="0">
-              <a:ln>
-                <a:noFill/>
-              </a:ln>
-              <a:solidFill>
-                <a:srgbClr val="191B0E"/>
-              </a:solidFill>
-              <a:effectLst/>
-              <a:uLnTx/>
-              <a:uFillTx/>
-              <a:latin typeface="Arial" panose="020B0604020202020204" pitchFamily="34" charset="0"/>
-              <a:ea typeface="+mn-ea"/>
-              <a:cs typeface="Arial" panose="020B0604020202020204" pitchFamily="34" charset="0"/>
-            </a:endParaRPr>
-          </a:p>
-        </p:txBody>
-      </p:sp>
-      <p:sp>
-        <p:nvSpPr>
-          <p:cNvPr id="5" name="Slide Number Placeholder 4">
-            <a:extLst>
-              <a:ext uri="{FF2B5EF4-FFF2-40B4-BE49-F238E27FC236}">
-                <a16:creationId xmlns:a16="http://schemas.microsoft.com/office/drawing/2014/main" id="{39683ED3-4BB2-4F9F-B9B3-A3F60D88E549}"/>
+                <a16:creationId xmlns:a16="http://schemas.microsoft.com/office/drawing/2014/main" id="{BBDF3531-7AB0-4AB8-9B25-722FEE7D7993}"/>
               </a:ext>
             </a:extLst>
           </p:cNvPr>
@@ -6468,7 +6993,7 @@
                 <a:tabLst/>
                 <a:defRPr/>
               </a:pPr>
-              <a:t>13</a:t>
+              <a:t>12</a:t>
             </a:fld>
             <a:endParaRPr kumimoji="0" lang="en-US" sz="1200" b="0" i="0" u="none" strike="noStrike" kern="1200" cap="none" spc="0" normalizeH="0" baseline="0" noProof="0">
               <a:ln>
@@ -6490,7 +7015,1410 @@
     </p:spTree>
     <p:extLst>
       <p:ext uri="{BB962C8B-B14F-4D97-AF65-F5344CB8AC3E}">
+        <p14:creationId xmlns:p14="http://schemas.microsoft.com/office/powerpoint/2010/main" val="3159845993"/>
+      </p:ext>
+    </p:extLst>
+  </p:cSld>
+  <p:clrMapOvr>
+    <a:masterClrMapping/>
+  </p:clrMapOvr>
+</p:sld>
+</file>
+
+<file path=ppt/slides/slide13.xml><?xml version="1.0" encoding="utf-8"?>
+<p:sld xmlns:a="http://schemas.openxmlformats.org/drawingml/2006/main" xmlns:r="http://schemas.openxmlformats.org/officeDocument/2006/relationships" xmlns:p="http://schemas.openxmlformats.org/presentationml/2006/main">
+  <p:cSld>
+    <p:spTree>
+      <p:nvGrpSpPr>
+        <p:cNvPr id="1" name=""/>
+        <p:cNvGrpSpPr/>
+        <p:nvPr/>
+      </p:nvGrpSpPr>
+      <p:grpSpPr>
+        <a:xfrm>
+          <a:off x="0" y="0"/>
+          <a:ext cx="0" cy="0"/>
+          <a:chOff x="0" y="0"/>
+          <a:chExt cx="0" cy="0"/>
+        </a:xfrm>
+      </p:grpSpPr>
+      <p:sp>
+        <p:nvSpPr>
+          <p:cNvPr id="2" name="Title 1">
+            <a:extLst>
+              <a:ext uri="{FF2B5EF4-FFF2-40B4-BE49-F238E27FC236}">
+                <a16:creationId xmlns:a16="http://schemas.microsoft.com/office/drawing/2014/main" id="{CAF35485-FB8A-4B49-AF86-336ADF38D9E8}"/>
+              </a:ext>
+            </a:extLst>
+          </p:cNvPr>
+          <p:cNvSpPr>
+            <a:spLocks noGrp="1"/>
+          </p:cNvSpPr>
+          <p:nvPr>
+            <p:ph type="title"/>
+          </p:nvPr>
+        </p:nvSpPr>
+        <p:spPr/>
+        <p:txBody>
+          <a:bodyPr/>
+          <a:lstStyle/>
+          <a:p>
+            <a:r>
+              <a:rPr lang="en-US"/>
+              <a:t>Prediction</a:t>
+            </a:r>
+          </a:p>
+        </p:txBody>
+      </p:sp>
+      <p:sp>
+        <p:nvSpPr>
+          <p:cNvPr id="6" name="Content Placeholder 5">
+            <a:extLst>
+              <a:ext uri="{FF2B5EF4-FFF2-40B4-BE49-F238E27FC236}">
+                <a16:creationId xmlns:a16="http://schemas.microsoft.com/office/drawing/2014/main" id="{05DBF8C5-A6FC-4A46-9E4B-CB1447EABB41}"/>
+              </a:ext>
+            </a:extLst>
+          </p:cNvPr>
+          <p:cNvSpPr>
+            <a:spLocks noGrp="1"/>
+          </p:cNvSpPr>
+          <p:nvPr>
+            <p:ph idx="1"/>
+          </p:nvPr>
+        </p:nvSpPr>
+        <p:spPr/>
+        <p:txBody>
+          <a:bodyPr/>
+          <a:lstStyle/>
+          <a:p>
+            <a:r>
+              <a:rPr lang="en-US"/>
+              <a:t>At the prediction, generating caption using </a:t>
+            </a:r>
+            <a:r>
+              <a:rPr lang="en-US" b="1"/>
+              <a:t>beam search </a:t>
+            </a:r>
+            <a:r>
+              <a:rPr lang="en-US"/>
+              <a:t>to find </a:t>
+            </a:r>
+            <a:r>
+              <a:rPr lang="en-US" b="1"/>
+              <a:t>high-probability caption</a:t>
+            </a:r>
+            <a:r>
+              <a:rPr lang="en-US"/>
+              <a:t>.</a:t>
+            </a:r>
+          </a:p>
+          <a:p>
+            <a:r>
+              <a:rPr lang="en-US"/>
+              <a:t>Beam search is an optimization of best-first search that reduces its memory requirements, only a predetermined number of best partial solutions are kept as candidates in beam search.</a:t>
+            </a:r>
+          </a:p>
+        </p:txBody>
+      </p:sp>
+      <p:sp>
+        <p:nvSpPr>
+          <p:cNvPr id="4" name="Footer Placeholder 3">
+            <a:extLst>
+              <a:ext uri="{FF2B5EF4-FFF2-40B4-BE49-F238E27FC236}">
+                <a16:creationId xmlns:a16="http://schemas.microsoft.com/office/drawing/2014/main" id="{0B6D3677-56F2-4B24-97F5-ADAEFB3A17A8}"/>
+              </a:ext>
+            </a:extLst>
+          </p:cNvPr>
+          <p:cNvSpPr>
+            <a:spLocks noGrp="1"/>
+          </p:cNvSpPr>
+          <p:nvPr>
+            <p:ph type="ftr" sz="quarter" idx="11"/>
+          </p:nvPr>
+        </p:nvSpPr>
+        <p:spPr/>
+        <p:txBody>
+          <a:bodyPr/>
+          <a:lstStyle/>
+          <a:p>
+            <a:r>
+              <a:rPr lang="en-US"/>
+              <a:t>Ho Chi Minh University of Technology and Education</a:t>
+            </a:r>
+          </a:p>
+        </p:txBody>
+      </p:sp>
+      <p:sp>
+        <p:nvSpPr>
+          <p:cNvPr id="5" name="Slide Number Placeholder 4">
+            <a:extLst>
+              <a:ext uri="{FF2B5EF4-FFF2-40B4-BE49-F238E27FC236}">
+                <a16:creationId xmlns:a16="http://schemas.microsoft.com/office/drawing/2014/main" id="{56B6057E-B21C-4862-9F15-A466F5C141F0}"/>
+              </a:ext>
+            </a:extLst>
+          </p:cNvPr>
+          <p:cNvSpPr>
+            <a:spLocks noGrp="1"/>
+          </p:cNvSpPr>
+          <p:nvPr>
+            <p:ph type="sldNum" sz="quarter" idx="12"/>
+          </p:nvPr>
+        </p:nvSpPr>
+        <p:spPr/>
+        <p:txBody>
+          <a:bodyPr/>
+          <a:lstStyle/>
+          <a:p>
+            <a:fld id="{69E57DC2-970A-4B3E-BB1C-7A09969E49DF}" type="slidenum">
+              <a:rPr lang="en-US" smtClean="0"/>
+              <a:t>13</a:t>
+            </a:fld>
+            <a:endParaRPr lang="en-US"/>
+          </a:p>
+        </p:txBody>
+      </p:sp>
+      <p:pic>
+        <p:nvPicPr>
+          <p:cNvPr id="9" name="Picture Placeholder 8">
+            <a:extLst>
+              <a:ext uri="{FF2B5EF4-FFF2-40B4-BE49-F238E27FC236}">
+                <a16:creationId xmlns:a16="http://schemas.microsoft.com/office/drawing/2014/main" id="{B225BEAC-A01E-461A-AD8F-3B9C2B05D5BF}"/>
+              </a:ext>
+            </a:extLst>
+          </p:cNvPr>
+          <p:cNvPicPr>
+            <a:picLocks noGrp="1" noChangeAspect="1"/>
+          </p:cNvPicPr>
+          <p:nvPr>
+            <p:ph type="pic" sz="quarter" idx="13"/>
+          </p:nvPr>
+        </p:nvPicPr>
+        <p:blipFill rotWithShape="1">
+          <a:blip r:embed="rId2"/>
+          <a:srcRect l="94" t="-18934" r="-184" b="-13118"/>
+          <a:stretch/>
+        </p:blipFill>
+        <p:spPr>
+          <a:xfrm>
+            <a:off x="7297614" y="685800"/>
+            <a:ext cx="4740506" cy="5181600"/>
+          </a:xfrm>
+        </p:spPr>
+      </p:pic>
+    </p:spTree>
+    <p:extLst>
+      <p:ext uri="{BB962C8B-B14F-4D97-AF65-F5344CB8AC3E}">
+        <p14:creationId xmlns:p14="http://schemas.microsoft.com/office/powerpoint/2010/main" val="2668322821"/>
+      </p:ext>
+    </p:extLst>
+  </p:cSld>
+  <p:clrMapOvr>
+    <a:masterClrMapping/>
+  </p:clrMapOvr>
+</p:sld>
+</file>
+
+<file path=ppt/slides/slide14.xml><?xml version="1.0" encoding="utf-8"?>
+<p:sld xmlns:a="http://schemas.openxmlformats.org/drawingml/2006/main" xmlns:r="http://schemas.openxmlformats.org/officeDocument/2006/relationships" xmlns:p="http://schemas.openxmlformats.org/presentationml/2006/main">
+  <p:cSld>
+    <p:spTree>
+      <p:nvGrpSpPr>
+        <p:cNvPr id="1" name=""/>
+        <p:cNvGrpSpPr/>
+        <p:nvPr/>
+      </p:nvGrpSpPr>
+      <p:grpSpPr>
+        <a:xfrm>
+          <a:off x="0" y="0"/>
+          <a:ext cx="0" cy="0"/>
+          <a:chOff x="0" y="0"/>
+          <a:chExt cx="0" cy="0"/>
+        </a:xfrm>
+      </p:grpSpPr>
+      <p:sp>
+        <p:nvSpPr>
+          <p:cNvPr id="2" name="Title 1">
+            <a:extLst>
+              <a:ext uri="{FF2B5EF4-FFF2-40B4-BE49-F238E27FC236}">
+                <a16:creationId xmlns:a16="http://schemas.microsoft.com/office/drawing/2014/main" id="{6DBE88A1-E480-47C2-846F-41294045AAE4}"/>
+              </a:ext>
+            </a:extLst>
+          </p:cNvPr>
+          <p:cNvSpPr>
+            <a:spLocks noGrp="1"/>
+          </p:cNvSpPr>
+          <p:nvPr>
+            <p:ph type="title"/>
+          </p:nvPr>
+        </p:nvSpPr>
+        <p:spPr>
+          <a:xfrm>
+            <a:off x="1371601" y="90993"/>
+            <a:ext cx="5811714" cy="1485900"/>
+          </a:xfrm>
+        </p:spPr>
+        <p:txBody>
+          <a:bodyPr/>
+          <a:lstStyle/>
+          <a:p>
+            <a:r>
+              <a:rPr lang="en-US"/>
+              <a:t>Evaluation</a:t>
+            </a:r>
+          </a:p>
+        </p:txBody>
+      </p:sp>
+      <p:sp>
+        <p:nvSpPr>
+          <p:cNvPr id="4" name="Footer Placeholder 3">
+            <a:extLst>
+              <a:ext uri="{FF2B5EF4-FFF2-40B4-BE49-F238E27FC236}">
+                <a16:creationId xmlns:a16="http://schemas.microsoft.com/office/drawing/2014/main" id="{0E14B12E-A325-4570-A0F3-FC9B253151AF}"/>
+              </a:ext>
+            </a:extLst>
+          </p:cNvPr>
+          <p:cNvSpPr>
+            <a:spLocks noGrp="1"/>
+          </p:cNvSpPr>
+          <p:nvPr>
+            <p:ph type="ftr" sz="quarter" idx="11"/>
+          </p:nvPr>
+        </p:nvSpPr>
+        <p:spPr/>
+        <p:txBody>
+          <a:bodyPr/>
+          <a:lstStyle/>
+          <a:p>
+            <a:r>
+              <a:rPr lang="en-US"/>
+              <a:t>Ho Chi Minh University of Technology and Education</a:t>
+            </a:r>
+          </a:p>
+        </p:txBody>
+      </p:sp>
+      <p:sp>
+        <p:nvSpPr>
+          <p:cNvPr id="5" name="Slide Number Placeholder 4">
+            <a:extLst>
+              <a:ext uri="{FF2B5EF4-FFF2-40B4-BE49-F238E27FC236}">
+                <a16:creationId xmlns:a16="http://schemas.microsoft.com/office/drawing/2014/main" id="{5AE5467F-BB49-4F74-8D57-DED4AA8D1C28}"/>
+              </a:ext>
+            </a:extLst>
+          </p:cNvPr>
+          <p:cNvSpPr>
+            <a:spLocks noGrp="1"/>
+          </p:cNvSpPr>
+          <p:nvPr>
+            <p:ph type="sldNum" sz="quarter" idx="12"/>
+          </p:nvPr>
+        </p:nvSpPr>
+        <p:spPr/>
+        <p:txBody>
+          <a:bodyPr/>
+          <a:lstStyle/>
+          <a:p>
+            <a:fld id="{69E57DC2-970A-4B3E-BB1C-7A09969E49DF}" type="slidenum">
+              <a:rPr lang="en-US" smtClean="0"/>
+              <a:t>14</a:t>
+            </a:fld>
+            <a:endParaRPr lang="en-US"/>
+          </a:p>
+        </p:txBody>
+      </p:sp>
+      <p:pic>
+        <p:nvPicPr>
+          <p:cNvPr id="26" name="Picture 25">
+            <a:extLst>
+              <a:ext uri="{FF2B5EF4-FFF2-40B4-BE49-F238E27FC236}">
+                <a16:creationId xmlns:a16="http://schemas.microsoft.com/office/drawing/2014/main" id="{262F80A8-4D47-4C7C-8D54-49A82D43E39A}"/>
+              </a:ext>
+            </a:extLst>
+          </p:cNvPr>
+          <p:cNvPicPr>
+            <a:picLocks noChangeAspect="1"/>
+          </p:cNvPicPr>
+          <p:nvPr/>
+        </p:nvPicPr>
+        <p:blipFill>
+          <a:blip r:embed="rId2"/>
+          <a:stretch>
+            <a:fillRect/>
+          </a:stretch>
+        </p:blipFill>
+        <p:spPr>
+          <a:xfrm>
+            <a:off x="727969" y="719091"/>
+            <a:ext cx="11468590" cy="5734295"/>
+          </a:xfrm>
+          <a:prstGeom prst="rect">
+            <a:avLst/>
+          </a:prstGeom>
+        </p:spPr>
+      </p:pic>
+    </p:spTree>
+    <p:extLst>
+      <p:ext uri="{BB962C8B-B14F-4D97-AF65-F5344CB8AC3E}">
+        <p14:creationId xmlns:p14="http://schemas.microsoft.com/office/powerpoint/2010/main" val="3939415803"/>
+      </p:ext>
+    </p:extLst>
+  </p:cSld>
+  <p:clrMapOvr>
+    <a:masterClrMapping/>
+  </p:clrMapOvr>
+</p:sld>
+</file>
+
+<file path=ppt/slides/slide15.xml><?xml version="1.0" encoding="utf-8"?>
+<p:sld xmlns:a="http://schemas.openxmlformats.org/drawingml/2006/main" xmlns:r="http://schemas.openxmlformats.org/officeDocument/2006/relationships" xmlns:p="http://schemas.openxmlformats.org/presentationml/2006/main">
+  <p:cSld>
+    <p:spTree>
+      <p:nvGrpSpPr>
+        <p:cNvPr id="1" name=""/>
+        <p:cNvGrpSpPr/>
+        <p:nvPr/>
+      </p:nvGrpSpPr>
+      <p:grpSpPr>
+        <a:xfrm>
+          <a:off x="0" y="0"/>
+          <a:ext cx="0" cy="0"/>
+          <a:chOff x="0" y="0"/>
+          <a:chExt cx="0" cy="0"/>
+        </a:xfrm>
+      </p:grpSpPr>
+      <p:sp>
+        <p:nvSpPr>
+          <p:cNvPr id="2" name="Title 1">
+            <a:extLst>
+              <a:ext uri="{FF2B5EF4-FFF2-40B4-BE49-F238E27FC236}">
+                <a16:creationId xmlns:a16="http://schemas.microsoft.com/office/drawing/2014/main" id="{F58C4021-B47E-4307-ADC1-DAEB660662EF}"/>
+              </a:ext>
+            </a:extLst>
+          </p:cNvPr>
+          <p:cNvSpPr>
+            <a:spLocks noGrp="1"/>
+          </p:cNvSpPr>
+          <p:nvPr>
+            <p:ph type="title"/>
+          </p:nvPr>
+        </p:nvSpPr>
+        <p:spPr/>
+        <p:txBody>
+          <a:bodyPr/>
+          <a:lstStyle/>
+          <a:p>
+            <a:r>
+              <a:rPr lang="en-US"/>
+              <a:t>Evaluation</a:t>
+            </a:r>
+          </a:p>
+        </p:txBody>
+      </p:sp>
+      <p:sp>
+        <p:nvSpPr>
+          <p:cNvPr id="4" name="Footer Placeholder 3">
+            <a:extLst>
+              <a:ext uri="{FF2B5EF4-FFF2-40B4-BE49-F238E27FC236}">
+                <a16:creationId xmlns:a16="http://schemas.microsoft.com/office/drawing/2014/main" id="{0BF90B8E-DACC-4418-BE98-AFC57AE46AF5}"/>
+              </a:ext>
+            </a:extLst>
+          </p:cNvPr>
+          <p:cNvSpPr>
+            <a:spLocks noGrp="1"/>
+          </p:cNvSpPr>
+          <p:nvPr>
+            <p:ph type="ftr" sz="quarter" idx="11"/>
+          </p:nvPr>
+        </p:nvSpPr>
+        <p:spPr/>
+        <p:txBody>
+          <a:bodyPr/>
+          <a:lstStyle/>
+          <a:p>
+            <a:r>
+              <a:rPr lang="en-US"/>
+              <a:t>Ho Chi Minh University of Technology and Education</a:t>
+            </a:r>
+          </a:p>
+        </p:txBody>
+      </p:sp>
+      <p:sp>
+        <p:nvSpPr>
+          <p:cNvPr id="5" name="Slide Number Placeholder 4">
+            <a:extLst>
+              <a:ext uri="{FF2B5EF4-FFF2-40B4-BE49-F238E27FC236}">
+                <a16:creationId xmlns:a16="http://schemas.microsoft.com/office/drawing/2014/main" id="{FED65D28-F74F-455C-AACB-1859E5F0047A}"/>
+              </a:ext>
+            </a:extLst>
+          </p:cNvPr>
+          <p:cNvSpPr>
+            <a:spLocks noGrp="1"/>
+          </p:cNvSpPr>
+          <p:nvPr>
+            <p:ph type="sldNum" sz="quarter" idx="12"/>
+          </p:nvPr>
+        </p:nvSpPr>
+        <p:spPr/>
+        <p:txBody>
+          <a:bodyPr/>
+          <a:lstStyle/>
+          <a:p>
+            <a:pPr marL="0" marR="0" lvl="0" indent="0" algn="r" defTabSz="457200" rtl="0" eaLnBrk="1" fontAlgn="auto" latinLnBrk="0" hangingPunct="1">
+              <a:lnSpc>
+                <a:spcPct val="100000"/>
+              </a:lnSpc>
+              <a:spcBef>
+                <a:spcPts val="0"/>
+              </a:spcBef>
+              <a:spcAft>
+                <a:spcPts val="0"/>
+              </a:spcAft>
+              <a:buClrTx/>
+              <a:buSzTx/>
+              <a:buFontTx/>
+              <a:buNone/>
+              <a:tabLst/>
+              <a:defRPr/>
+            </a:pPr>
+            <a:fld id="{69E57DC2-970A-4B3E-BB1C-7A09969E49DF}" type="slidenum">
+              <a:rPr kumimoji="0" lang="en-US" sz="1200" b="0" i="0" u="none" strike="noStrike" kern="1200" cap="none" spc="0" normalizeH="0" baseline="0" noProof="0" smtClean="0">
+                <a:ln>
+                  <a:noFill/>
+                </a:ln>
+                <a:solidFill>
+                  <a:srgbClr val="191B0E"/>
+                </a:solidFill>
+                <a:effectLst/>
+                <a:uLnTx/>
+                <a:uFillTx/>
+                <a:latin typeface="Arial" panose="020B0604020202020204" pitchFamily="34" charset="0"/>
+                <a:ea typeface="+mn-ea"/>
+                <a:cs typeface="Arial" panose="020B0604020202020204" pitchFamily="34" charset="0"/>
+              </a:rPr>
+              <a:pPr marL="0" marR="0" lvl="0" indent="0" algn="r" defTabSz="457200" rtl="0" eaLnBrk="1" fontAlgn="auto" latinLnBrk="0" hangingPunct="1">
+                <a:lnSpc>
+                  <a:spcPct val="100000"/>
+                </a:lnSpc>
+                <a:spcBef>
+                  <a:spcPts val="0"/>
+                </a:spcBef>
+                <a:spcAft>
+                  <a:spcPts val="0"/>
+                </a:spcAft>
+                <a:buClrTx/>
+                <a:buSzTx/>
+                <a:buFontTx/>
+                <a:buNone/>
+                <a:tabLst/>
+                <a:defRPr/>
+              </a:pPr>
+              <a:t>15</a:t>
+            </a:fld>
+            <a:endParaRPr kumimoji="0" lang="en-US" sz="1200" b="0" i="0" u="none" strike="noStrike" kern="1200" cap="none" spc="0" normalizeH="0" baseline="0" noProof="0">
+              <a:ln>
+                <a:noFill/>
+              </a:ln>
+              <a:solidFill>
+                <a:srgbClr val="191B0E"/>
+              </a:solidFill>
+              <a:effectLst/>
+              <a:uLnTx/>
+              <a:uFillTx/>
+              <a:latin typeface="Arial" panose="020B0604020202020204" pitchFamily="34" charset="0"/>
+              <a:ea typeface="+mn-ea"/>
+              <a:cs typeface="Arial" panose="020B0604020202020204" pitchFamily="34" charset="0"/>
+            </a:endParaRPr>
+          </a:p>
+        </p:txBody>
+      </p:sp>
+      <p:pic>
+        <p:nvPicPr>
+          <p:cNvPr id="7" name="Picture 6">
+            <a:extLst>
+              <a:ext uri="{FF2B5EF4-FFF2-40B4-BE49-F238E27FC236}">
+                <a16:creationId xmlns:a16="http://schemas.microsoft.com/office/drawing/2014/main" id="{A2996C78-F9F3-4CB7-A323-12684DB1304D}"/>
+              </a:ext>
+            </a:extLst>
+          </p:cNvPr>
+          <p:cNvPicPr>
+            <a:picLocks noChangeAspect="1"/>
+          </p:cNvPicPr>
+          <p:nvPr/>
+        </p:nvPicPr>
+        <p:blipFill>
+          <a:blip r:embed="rId2"/>
+          <a:stretch>
+            <a:fillRect/>
+          </a:stretch>
+        </p:blipFill>
+        <p:spPr>
+          <a:xfrm>
+            <a:off x="1371601" y="1373757"/>
+            <a:ext cx="10435700" cy="5079629"/>
+          </a:xfrm>
+          <a:prstGeom prst="rect">
+            <a:avLst/>
+          </a:prstGeom>
+        </p:spPr>
+      </p:pic>
+    </p:spTree>
+    <p:extLst>
+      <p:ext uri="{BB962C8B-B14F-4D97-AF65-F5344CB8AC3E}">
+        <p14:creationId xmlns:p14="http://schemas.microsoft.com/office/powerpoint/2010/main" val="1682451747"/>
+      </p:ext>
+    </p:extLst>
+  </p:cSld>
+  <p:clrMapOvr>
+    <a:masterClrMapping/>
+  </p:clrMapOvr>
+</p:sld>
+</file>
+
+<file path=ppt/slides/slide16.xml><?xml version="1.0" encoding="utf-8"?>
+<p:sld xmlns:a="http://schemas.openxmlformats.org/drawingml/2006/main" xmlns:r="http://schemas.openxmlformats.org/officeDocument/2006/relationships" xmlns:p="http://schemas.openxmlformats.org/presentationml/2006/main">
+  <p:cSld>
+    <p:spTree>
+      <p:nvGrpSpPr>
+        <p:cNvPr id="1" name=""/>
+        <p:cNvGrpSpPr/>
+        <p:nvPr/>
+      </p:nvGrpSpPr>
+      <p:grpSpPr>
+        <a:xfrm>
+          <a:off x="0" y="0"/>
+          <a:ext cx="0" cy="0"/>
+          <a:chOff x="0" y="0"/>
+          <a:chExt cx="0" cy="0"/>
+        </a:xfrm>
+      </p:grpSpPr>
+      <p:sp>
+        <p:nvSpPr>
+          <p:cNvPr id="2" name="Title 1">
+            <a:extLst>
+              <a:ext uri="{FF2B5EF4-FFF2-40B4-BE49-F238E27FC236}">
+                <a16:creationId xmlns:a16="http://schemas.microsoft.com/office/drawing/2014/main" id="{CA7B9D2D-CAF0-426D-9C04-EF86EDCF2DB8}"/>
+              </a:ext>
+            </a:extLst>
+          </p:cNvPr>
+          <p:cNvSpPr>
+            <a:spLocks noGrp="1"/>
+          </p:cNvSpPr>
+          <p:nvPr>
+            <p:ph type="title"/>
+          </p:nvPr>
+        </p:nvSpPr>
+        <p:spPr/>
+        <p:txBody>
+          <a:bodyPr/>
+          <a:lstStyle/>
+          <a:p>
+            <a:r>
+              <a:rPr lang="en-US"/>
+              <a:t>Evaluation</a:t>
+            </a:r>
+          </a:p>
+        </p:txBody>
+      </p:sp>
+      <p:sp>
+        <p:nvSpPr>
+          <p:cNvPr id="4" name="Footer Placeholder 3">
+            <a:extLst>
+              <a:ext uri="{FF2B5EF4-FFF2-40B4-BE49-F238E27FC236}">
+                <a16:creationId xmlns:a16="http://schemas.microsoft.com/office/drawing/2014/main" id="{8B5FC521-E422-44A6-A581-6C4D3807A83D}"/>
+              </a:ext>
+            </a:extLst>
+          </p:cNvPr>
+          <p:cNvSpPr>
+            <a:spLocks noGrp="1"/>
+          </p:cNvSpPr>
+          <p:nvPr>
+            <p:ph type="ftr" sz="quarter" idx="11"/>
+          </p:nvPr>
+        </p:nvSpPr>
+        <p:spPr/>
+        <p:txBody>
+          <a:bodyPr/>
+          <a:lstStyle/>
+          <a:p>
+            <a:r>
+              <a:rPr lang="en-US"/>
+              <a:t>Ho Chi Minh University of Technology and Education</a:t>
+            </a:r>
+          </a:p>
+        </p:txBody>
+      </p:sp>
+      <p:sp>
+        <p:nvSpPr>
+          <p:cNvPr id="5" name="Slide Number Placeholder 4">
+            <a:extLst>
+              <a:ext uri="{FF2B5EF4-FFF2-40B4-BE49-F238E27FC236}">
+                <a16:creationId xmlns:a16="http://schemas.microsoft.com/office/drawing/2014/main" id="{E704470B-CDE3-47D0-8C3D-635A7AB442C7}"/>
+              </a:ext>
+            </a:extLst>
+          </p:cNvPr>
+          <p:cNvSpPr>
+            <a:spLocks noGrp="1"/>
+          </p:cNvSpPr>
+          <p:nvPr>
+            <p:ph type="sldNum" sz="quarter" idx="12"/>
+          </p:nvPr>
+        </p:nvSpPr>
+        <p:spPr/>
+        <p:txBody>
+          <a:bodyPr/>
+          <a:lstStyle/>
+          <a:p>
+            <a:pPr marL="0" marR="0" lvl="0" indent="0" algn="r" defTabSz="457200" rtl="0" eaLnBrk="1" fontAlgn="auto" latinLnBrk="0" hangingPunct="1">
+              <a:lnSpc>
+                <a:spcPct val="100000"/>
+              </a:lnSpc>
+              <a:spcBef>
+                <a:spcPts val="0"/>
+              </a:spcBef>
+              <a:spcAft>
+                <a:spcPts val="0"/>
+              </a:spcAft>
+              <a:buClrTx/>
+              <a:buSzTx/>
+              <a:buFontTx/>
+              <a:buNone/>
+              <a:tabLst/>
+              <a:defRPr/>
+            </a:pPr>
+            <a:fld id="{69E57DC2-970A-4B3E-BB1C-7A09969E49DF}" type="slidenum">
+              <a:rPr kumimoji="0" lang="en-US" sz="1200" b="0" i="0" u="none" strike="noStrike" kern="1200" cap="none" spc="0" normalizeH="0" baseline="0" noProof="0" smtClean="0">
+                <a:ln>
+                  <a:noFill/>
+                </a:ln>
+                <a:solidFill>
+                  <a:srgbClr val="191B0E"/>
+                </a:solidFill>
+                <a:effectLst/>
+                <a:uLnTx/>
+                <a:uFillTx/>
+                <a:latin typeface="Arial" panose="020B0604020202020204" pitchFamily="34" charset="0"/>
+                <a:ea typeface="+mn-ea"/>
+                <a:cs typeface="Arial" panose="020B0604020202020204" pitchFamily="34" charset="0"/>
+              </a:rPr>
+              <a:pPr marL="0" marR="0" lvl="0" indent="0" algn="r" defTabSz="457200" rtl="0" eaLnBrk="1" fontAlgn="auto" latinLnBrk="0" hangingPunct="1">
+                <a:lnSpc>
+                  <a:spcPct val="100000"/>
+                </a:lnSpc>
+                <a:spcBef>
+                  <a:spcPts val="0"/>
+                </a:spcBef>
+                <a:spcAft>
+                  <a:spcPts val="0"/>
+                </a:spcAft>
+                <a:buClrTx/>
+                <a:buSzTx/>
+                <a:buFontTx/>
+                <a:buNone/>
+                <a:tabLst/>
+                <a:defRPr/>
+              </a:pPr>
+              <a:t>16</a:t>
+            </a:fld>
+            <a:endParaRPr kumimoji="0" lang="en-US" sz="1200" b="0" i="0" u="none" strike="noStrike" kern="1200" cap="none" spc="0" normalizeH="0" baseline="0" noProof="0">
+              <a:ln>
+                <a:noFill/>
+              </a:ln>
+              <a:solidFill>
+                <a:srgbClr val="191B0E"/>
+              </a:solidFill>
+              <a:effectLst/>
+              <a:uLnTx/>
+              <a:uFillTx/>
+              <a:latin typeface="Arial" panose="020B0604020202020204" pitchFamily="34" charset="0"/>
+              <a:ea typeface="+mn-ea"/>
+              <a:cs typeface="Arial" panose="020B0604020202020204" pitchFamily="34" charset="0"/>
+            </a:endParaRPr>
+          </a:p>
+        </p:txBody>
+      </p:sp>
+      <p:pic>
+        <p:nvPicPr>
+          <p:cNvPr id="8" name="Picture 7">
+            <a:extLst>
+              <a:ext uri="{FF2B5EF4-FFF2-40B4-BE49-F238E27FC236}">
+                <a16:creationId xmlns:a16="http://schemas.microsoft.com/office/drawing/2014/main" id="{D684529E-7FDF-4AF3-803A-407A8E6CC340}"/>
+              </a:ext>
+            </a:extLst>
+          </p:cNvPr>
+          <p:cNvPicPr>
+            <a:picLocks noChangeAspect="1"/>
+          </p:cNvPicPr>
+          <p:nvPr/>
+        </p:nvPicPr>
+        <p:blipFill>
+          <a:blip r:embed="rId2"/>
+          <a:stretch>
+            <a:fillRect/>
+          </a:stretch>
+        </p:blipFill>
+        <p:spPr>
+          <a:xfrm>
+            <a:off x="1371601" y="1227580"/>
+            <a:ext cx="10036205" cy="5225806"/>
+          </a:xfrm>
+          <a:prstGeom prst="rect">
+            <a:avLst/>
+          </a:prstGeom>
+        </p:spPr>
+      </p:pic>
+    </p:spTree>
+    <p:extLst>
+      <p:ext uri="{BB962C8B-B14F-4D97-AF65-F5344CB8AC3E}">
+        <p14:creationId xmlns:p14="http://schemas.microsoft.com/office/powerpoint/2010/main" val="1329851625"/>
+      </p:ext>
+    </p:extLst>
+  </p:cSld>
+  <p:clrMapOvr>
+    <a:masterClrMapping/>
+  </p:clrMapOvr>
+</p:sld>
+</file>
+
+<file path=ppt/slides/slide17.xml><?xml version="1.0" encoding="utf-8"?>
+<p:sld xmlns:a="http://schemas.openxmlformats.org/drawingml/2006/main" xmlns:r="http://schemas.openxmlformats.org/officeDocument/2006/relationships" xmlns:p="http://schemas.openxmlformats.org/presentationml/2006/main">
+  <p:cSld>
+    <p:spTree>
+      <p:nvGrpSpPr>
+        <p:cNvPr id="1" name=""/>
+        <p:cNvGrpSpPr/>
+        <p:nvPr/>
+      </p:nvGrpSpPr>
+      <p:grpSpPr>
+        <a:xfrm>
+          <a:off x="0" y="0"/>
+          <a:ext cx="0" cy="0"/>
+          <a:chOff x="0" y="0"/>
+          <a:chExt cx="0" cy="0"/>
+        </a:xfrm>
+      </p:grpSpPr>
+      <p:sp>
+        <p:nvSpPr>
+          <p:cNvPr id="2" name="Title 1">
+            <a:extLst>
+              <a:ext uri="{FF2B5EF4-FFF2-40B4-BE49-F238E27FC236}">
+                <a16:creationId xmlns:a16="http://schemas.microsoft.com/office/drawing/2014/main" id="{29F7495C-8848-477C-A949-CFCB957F2740}"/>
+              </a:ext>
+            </a:extLst>
+          </p:cNvPr>
+          <p:cNvSpPr>
+            <a:spLocks noGrp="1"/>
+          </p:cNvSpPr>
+          <p:nvPr>
+            <p:ph type="title"/>
+          </p:nvPr>
+        </p:nvSpPr>
+        <p:spPr/>
+        <p:txBody>
+          <a:bodyPr/>
+          <a:lstStyle/>
+          <a:p>
+            <a:r>
+              <a:rPr lang="en-US"/>
+              <a:t>Future work</a:t>
+            </a:r>
+          </a:p>
+        </p:txBody>
+      </p:sp>
+      <p:sp>
+        <p:nvSpPr>
+          <p:cNvPr id="7" name="Content Placeholder 6">
+            <a:extLst>
+              <a:ext uri="{FF2B5EF4-FFF2-40B4-BE49-F238E27FC236}">
+                <a16:creationId xmlns:a16="http://schemas.microsoft.com/office/drawing/2014/main" id="{4632AF70-85C8-436E-A67C-8D2A95CDA42D}"/>
+              </a:ext>
+            </a:extLst>
+          </p:cNvPr>
+          <p:cNvSpPr>
+            <a:spLocks noGrp="1"/>
+          </p:cNvSpPr>
+          <p:nvPr>
+            <p:ph idx="1"/>
+          </p:nvPr>
+        </p:nvSpPr>
+        <p:spPr>
+          <a:xfrm>
+            <a:off x="1371600" y="2286000"/>
+            <a:ext cx="4724400" cy="3581400"/>
+          </a:xfrm>
+        </p:spPr>
+        <p:txBody>
+          <a:bodyPr/>
+          <a:lstStyle/>
+          <a:p>
+            <a:r>
+              <a:rPr lang="en-US"/>
+              <a:t>Constrained beam search: caption images containing previously unseen objects by incorporating semantic attributes (i.e., image tags) during RNN decoding.</a:t>
+            </a:r>
+            <a:br>
+              <a:rPr lang="en-US"/>
+            </a:br>
+            <a:endParaRPr lang="en-US"/>
+          </a:p>
+        </p:txBody>
+      </p:sp>
+      <p:sp>
+        <p:nvSpPr>
+          <p:cNvPr id="4" name="Footer Placeholder 3">
+            <a:extLst>
+              <a:ext uri="{FF2B5EF4-FFF2-40B4-BE49-F238E27FC236}">
+                <a16:creationId xmlns:a16="http://schemas.microsoft.com/office/drawing/2014/main" id="{EF6BEE92-21CB-4911-BE16-60419AC3D056}"/>
+              </a:ext>
+            </a:extLst>
+          </p:cNvPr>
+          <p:cNvSpPr>
+            <a:spLocks noGrp="1"/>
+          </p:cNvSpPr>
+          <p:nvPr>
+            <p:ph type="ftr" sz="quarter" idx="11"/>
+          </p:nvPr>
+        </p:nvSpPr>
+        <p:spPr/>
+        <p:txBody>
+          <a:bodyPr/>
+          <a:lstStyle/>
+          <a:p>
+            <a:r>
+              <a:rPr lang="en-US"/>
+              <a:t>Ho Chi Minh University of Technology and Education</a:t>
+            </a:r>
+          </a:p>
+        </p:txBody>
+      </p:sp>
+      <p:sp>
+        <p:nvSpPr>
+          <p:cNvPr id="5" name="Slide Number Placeholder 4">
+            <a:extLst>
+              <a:ext uri="{FF2B5EF4-FFF2-40B4-BE49-F238E27FC236}">
+                <a16:creationId xmlns:a16="http://schemas.microsoft.com/office/drawing/2014/main" id="{39683ED3-4BB2-4F9F-B9B3-A3F60D88E549}"/>
+              </a:ext>
+            </a:extLst>
+          </p:cNvPr>
+          <p:cNvSpPr>
+            <a:spLocks noGrp="1"/>
+          </p:cNvSpPr>
+          <p:nvPr>
+            <p:ph type="sldNum" sz="quarter" idx="12"/>
+          </p:nvPr>
+        </p:nvSpPr>
+        <p:spPr/>
+        <p:txBody>
+          <a:bodyPr/>
+          <a:lstStyle/>
+          <a:p>
+            <a:pPr marL="0" marR="0" lvl="0" indent="0" algn="r" defTabSz="457200" rtl="0" eaLnBrk="1" fontAlgn="auto" latinLnBrk="0" hangingPunct="1">
+              <a:lnSpc>
+                <a:spcPct val="100000"/>
+              </a:lnSpc>
+              <a:spcBef>
+                <a:spcPts val="0"/>
+              </a:spcBef>
+              <a:spcAft>
+                <a:spcPts val="0"/>
+              </a:spcAft>
+              <a:buClrTx/>
+              <a:buSzTx/>
+              <a:buFontTx/>
+              <a:buNone/>
+              <a:tabLst/>
+              <a:defRPr/>
+            </a:pPr>
+            <a:fld id="{69E57DC2-970A-4B3E-BB1C-7A09969E49DF}" type="slidenum">
+              <a:rPr kumimoji="0" lang="en-US" sz="1200" b="0" i="0" u="none" strike="noStrike" kern="1200" cap="none" spc="0" normalizeH="0" baseline="0" noProof="0" smtClean="0">
+                <a:ln>
+                  <a:noFill/>
+                </a:ln>
+                <a:solidFill>
+                  <a:srgbClr val="191B0E"/>
+                </a:solidFill>
+                <a:effectLst/>
+                <a:uLnTx/>
+                <a:uFillTx/>
+                <a:latin typeface="Arial" panose="020B0604020202020204" pitchFamily="34" charset="0"/>
+                <a:ea typeface="+mn-ea"/>
+                <a:cs typeface="Arial" panose="020B0604020202020204" pitchFamily="34" charset="0"/>
+              </a:rPr>
+              <a:pPr marL="0" marR="0" lvl="0" indent="0" algn="r" defTabSz="457200" rtl="0" eaLnBrk="1" fontAlgn="auto" latinLnBrk="0" hangingPunct="1">
+                <a:lnSpc>
+                  <a:spcPct val="100000"/>
+                </a:lnSpc>
+                <a:spcBef>
+                  <a:spcPts val="0"/>
+                </a:spcBef>
+                <a:spcAft>
+                  <a:spcPts val="0"/>
+                </a:spcAft>
+                <a:buClrTx/>
+                <a:buSzTx/>
+                <a:buFontTx/>
+                <a:buNone/>
+                <a:tabLst/>
+                <a:defRPr/>
+              </a:pPr>
+              <a:t>17</a:t>
+            </a:fld>
+            <a:endParaRPr kumimoji="0" lang="en-US" sz="1200" b="0" i="0" u="none" strike="noStrike" kern="1200" cap="none" spc="0" normalizeH="0" baseline="0" noProof="0">
+              <a:ln>
+                <a:noFill/>
+              </a:ln>
+              <a:solidFill>
+                <a:srgbClr val="191B0E"/>
+              </a:solidFill>
+              <a:effectLst/>
+              <a:uLnTx/>
+              <a:uFillTx/>
+              <a:latin typeface="Arial" panose="020B0604020202020204" pitchFamily="34" charset="0"/>
+              <a:ea typeface="+mn-ea"/>
+              <a:cs typeface="Arial" panose="020B0604020202020204" pitchFamily="34" charset="0"/>
+            </a:endParaRPr>
+          </a:p>
+        </p:txBody>
+      </p:sp>
+      <p:pic>
+        <p:nvPicPr>
+          <p:cNvPr id="6" name="Picture Placeholder 5">
+            <a:extLst>
+              <a:ext uri="{FF2B5EF4-FFF2-40B4-BE49-F238E27FC236}">
+                <a16:creationId xmlns:a16="http://schemas.microsoft.com/office/drawing/2014/main" id="{2ECF5B08-D60A-4BAA-AE93-5F9428D663CD}"/>
+              </a:ext>
+            </a:extLst>
+          </p:cNvPr>
+          <p:cNvPicPr>
+            <a:picLocks noGrp="1" noChangeAspect="1"/>
+          </p:cNvPicPr>
+          <p:nvPr>
+            <p:ph type="pic" sz="quarter" idx="13"/>
+          </p:nvPr>
+        </p:nvPicPr>
+        <p:blipFill rotWithShape="1">
+          <a:blip r:embed="rId2"/>
+          <a:srcRect l="-2481" t="-12005" r="-8776"/>
+          <a:stretch/>
+        </p:blipFill>
+        <p:spPr>
+          <a:xfrm>
+            <a:off x="6033979" y="685800"/>
+            <a:ext cx="6640498" cy="5181600"/>
+          </a:xfrm>
+          <a:prstGeom prst="rect">
+            <a:avLst/>
+          </a:prstGeom>
+        </p:spPr>
+      </p:pic>
+    </p:spTree>
+    <p:extLst>
+      <p:ext uri="{BB962C8B-B14F-4D97-AF65-F5344CB8AC3E}">
         <p14:creationId xmlns:p14="http://schemas.microsoft.com/office/powerpoint/2010/main" val="3038482617"/>
+      </p:ext>
+    </p:extLst>
+  </p:cSld>
+  <p:clrMapOvr>
+    <a:masterClrMapping/>
+  </p:clrMapOvr>
+</p:sld>
+</file>
+
+<file path=ppt/slides/slide18.xml><?xml version="1.0" encoding="utf-8"?>
+<p:sld xmlns:a="http://schemas.openxmlformats.org/drawingml/2006/main" xmlns:r="http://schemas.openxmlformats.org/officeDocument/2006/relationships" xmlns:p="http://schemas.openxmlformats.org/presentationml/2006/main">
+  <p:cSld>
+    <p:spTree>
+      <p:nvGrpSpPr>
+        <p:cNvPr id="1" name=""/>
+        <p:cNvGrpSpPr/>
+        <p:nvPr/>
+      </p:nvGrpSpPr>
+      <p:grpSpPr>
+        <a:xfrm>
+          <a:off x="0" y="0"/>
+          <a:ext cx="0" cy="0"/>
+          <a:chOff x="0" y="0"/>
+          <a:chExt cx="0" cy="0"/>
+        </a:xfrm>
+      </p:grpSpPr>
+      <p:sp>
+        <p:nvSpPr>
+          <p:cNvPr id="2" name="Title 1">
+            <a:extLst>
+              <a:ext uri="{FF2B5EF4-FFF2-40B4-BE49-F238E27FC236}">
+                <a16:creationId xmlns:a16="http://schemas.microsoft.com/office/drawing/2014/main" id="{8DE592AC-DACC-4F50-8BB3-E1A01DED7F8A}"/>
+              </a:ext>
+            </a:extLst>
+          </p:cNvPr>
+          <p:cNvSpPr>
+            <a:spLocks noGrp="1"/>
+          </p:cNvSpPr>
+          <p:nvPr>
+            <p:ph type="title"/>
+          </p:nvPr>
+        </p:nvSpPr>
+        <p:spPr/>
+        <p:txBody>
+          <a:bodyPr/>
+          <a:lstStyle/>
+          <a:p>
+            <a:r>
+              <a:rPr lang="en-US"/>
+              <a:t>Related work</a:t>
+            </a:r>
+          </a:p>
+        </p:txBody>
+      </p:sp>
+      <p:sp>
+        <p:nvSpPr>
+          <p:cNvPr id="3" name="Content Placeholder 2">
+            <a:extLst>
+              <a:ext uri="{FF2B5EF4-FFF2-40B4-BE49-F238E27FC236}">
+                <a16:creationId xmlns:a16="http://schemas.microsoft.com/office/drawing/2014/main" id="{FD4E8737-2663-449A-B8A9-C7FB63348628}"/>
+              </a:ext>
+            </a:extLst>
+          </p:cNvPr>
+          <p:cNvSpPr>
+            <a:spLocks noGrp="1"/>
+          </p:cNvSpPr>
+          <p:nvPr>
+            <p:ph idx="1"/>
+          </p:nvPr>
+        </p:nvSpPr>
+        <p:spPr/>
+        <p:txBody>
+          <a:bodyPr/>
+          <a:lstStyle/>
+          <a:p>
+            <a:endParaRPr lang="en-US"/>
+          </a:p>
+        </p:txBody>
+      </p:sp>
+      <p:sp>
+        <p:nvSpPr>
+          <p:cNvPr id="4" name="Footer Placeholder 3">
+            <a:extLst>
+              <a:ext uri="{FF2B5EF4-FFF2-40B4-BE49-F238E27FC236}">
+                <a16:creationId xmlns:a16="http://schemas.microsoft.com/office/drawing/2014/main" id="{2451DA5F-869C-49B7-9B03-4FB9274CFDB1}"/>
+              </a:ext>
+            </a:extLst>
+          </p:cNvPr>
+          <p:cNvSpPr>
+            <a:spLocks noGrp="1"/>
+          </p:cNvSpPr>
+          <p:nvPr>
+            <p:ph type="ftr" sz="quarter" idx="11"/>
+          </p:nvPr>
+        </p:nvSpPr>
+        <p:spPr/>
+        <p:txBody>
+          <a:bodyPr/>
+          <a:lstStyle/>
+          <a:p>
+            <a:r>
+              <a:rPr lang="en-US"/>
+              <a:t>Ho Chi Minh University of Technology and Education</a:t>
+            </a:r>
+          </a:p>
+        </p:txBody>
+      </p:sp>
+      <p:sp>
+        <p:nvSpPr>
+          <p:cNvPr id="5" name="Slide Number Placeholder 4">
+            <a:extLst>
+              <a:ext uri="{FF2B5EF4-FFF2-40B4-BE49-F238E27FC236}">
+                <a16:creationId xmlns:a16="http://schemas.microsoft.com/office/drawing/2014/main" id="{77540A15-5385-4B3E-98B4-1701495BA608}"/>
+              </a:ext>
+            </a:extLst>
+          </p:cNvPr>
+          <p:cNvSpPr>
+            <a:spLocks noGrp="1"/>
+          </p:cNvSpPr>
+          <p:nvPr>
+            <p:ph type="sldNum" sz="quarter" idx="12"/>
+          </p:nvPr>
+        </p:nvSpPr>
+        <p:spPr/>
+        <p:txBody>
+          <a:bodyPr/>
+          <a:lstStyle/>
+          <a:p>
+            <a:pPr marL="0" marR="0" lvl="0" indent="0" algn="r" defTabSz="457200" rtl="0" eaLnBrk="1" fontAlgn="auto" latinLnBrk="0" hangingPunct="1">
+              <a:lnSpc>
+                <a:spcPct val="100000"/>
+              </a:lnSpc>
+              <a:spcBef>
+                <a:spcPts val="0"/>
+              </a:spcBef>
+              <a:spcAft>
+                <a:spcPts val="0"/>
+              </a:spcAft>
+              <a:buClrTx/>
+              <a:buSzTx/>
+              <a:buFontTx/>
+              <a:buNone/>
+              <a:tabLst/>
+              <a:defRPr/>
+            </a:pPr>
+            <a:fld id="{69E57DC2-970A-4B3E-BB1C-7A09969E49DF}" type="slidenum">
+              <a:rPr kumimoji="0" lang="en-US" sz="1200" b="0" i="0" u="none" strike="noStrike" kern="1200" cap="none" spc="0" normalizeH="0" baseline="0" noProof="0" smtClean="0">
+                <a:ln>
+                  <a:noFill/>
+                </a:ln>
+                <a:solidFill>
+                  <a:srgbClr val="191B0E"/>
+                </a:solidFill>
+                <a:effectLst/>
+                <a:uLnTx/>
+                <a:uFillTx/>
+                <a:latin typeface="Arial" panose="020B0604020202020204" pitchFamily="34" charset="0"/>
+                <a:ea typeface="+mn-ea"/>
+                <a:cs typeface="Arial" panose="020B0604020202020204" pitchFamily="34" charset="0"/>
+              </a:rPr>
+              <a:pPr marL="0" marR="0" lvl="0" indent="0" algn="r" defTabSz="457200" rtl="0" eaLnBrk="1" fontAlgn="auto" latinLnBrk="0" hangingPunct="1">
+                <a:lnSpc>
+                  <a:spcPct val="100000"/>
+                </a:lnSpc>
+                <a:spcBef>
+                  <a:spcPts val="0"/>
+                </a:spcBef>
+                <a:spcAft>
+                  <a:spcPts val="0"/>
+                </a:spcAft>
+                <a:buClrTx/>
+                <a:buSzTx/>
+                <a:buFontTx/>
+                <a:buNone/>
+                <a:tabLst/>
+                <a:defRPr/>
+              </a:pPr>
+              <a:t>18</a:t>
+            </a:fld>
+            <a:endParaRPr kumimoji="0" lang="en-US" sz="1200" b="0" i="0" u="none" strike="noStrike" kern="1200" cap="none" spc="0" normalizeH="0" baseline="0" noProof="0">
+              <a:ln>
+                <a:noFill/>
+              </a:ln>
+              <a:solidFill>
+                <a:srgbClr val="191B0E"/>
+              </a:solidFill>
+              <a:effectLst/>
+              <a:uLnTx/>
+              <a:uFillTx/>
+              <a:latin typeface="Arial" panose="020B0604020202020204" pitchFamily="34" charset="0"/>
+              <a:ea typeface="+mn-ea"/>
+              <a:cs typeface="Arial" panose="020B0604020202020204" pitchFamily="34" charset="0"/>
+            </a:endParaRPr>
+          </a:p>
+        </p:txBody>
+      </p:sp>
+      <p:sp>
+        <p:nvSpPr>
+          <p:cNvPr id="6" name="Picture Placeholder 5">
+            <a:extLst>
+              <a:ext uri="{FF2B5EF4-FFF2-40B4-BE49-F238E27FC236}">
+                <a16:creationId xmlns:a16="http://schemas.microsoft.com/office/drawing/2014/main" id="{86BB6EF1-ECEB-433C-B054-74EBCDDF43EB}"/>
+              </a:ext>
+            </a:extLst>
+          </p:cNvPr>
+          <p:cNvSpPr>
+            <a:spLocks noGrp="1"/>
+          </p:cNvSpPr>
+          <p:nvPr>
+            <p:ph type="pic" sz="quarter" idx="13"/>
+          </p:nvPr>
+        </p:nvSpPr>
+        <p:spPr/>
+      </p:sp>
+    </p:spTree>
+    <p:extLst>
+      <p:ext uri="{BB962C8B-B14F-4D97-AF65-F5344CB8AC3E}">
+        <p14:creationId xmlns:p14="http://schemas.microsoft.com/office/powerpoint/2010/main" val="4087236110"/>
+      </p:ext>
+    </p:extLst>
+  </p:cSld>
+  <p:clrMapOvr>
+    <a:masterClrMapping/>
+  </p:clrMapOvr>
+</p:sld>
+</file>
+
+<file path=ppt/slides/slide19.xml><?xml version="1.0" encoding="utf-8"?>
+<p:sld xmlns:a="http://schemas.openxmlformats.org/drawingml/2006/main" xmlns:r="http://schemas.openxmlformats.org/officeDocument/2006/relationships" xmlns:p="http://schemas.openxmlformats.org/presentationml/2006/main">
+  <p:cSld>
+    <p:spTree>
+      <p:nvGrpSpPr>
+        <p:cNvPr id="1" name=""/>
+        <p:cNvGrpSpPr/>
+        <p:nvPr/>
+      </p:nvGrpSpPr>
+      <p:grpSpPr>
+        <a:xfrm>
+          <a:off x="0" y="0"/>
+          <a:ext cx="0" cy="0"/>
+          <a:chOff x="0" y="0"/>
+          <a:chExt cx="0" cy="0"/>
+        </a:xfrm>
+      </p:grpSpPr>
+      <p:sp>
+        <p:nvSpPr>
+          <p:cNvPr id="2" name="Title 1">
+            <a:extLst>
+              <a:ext uri="{FF2B5EF4-FFF2-40B4-BE49-F238E27FC236}">
+                <a16:creationId xmlns:a16="http://schemas.microsoft.com/office/drawing/2014/main" id="{83D5EF7C-F768-416D-A178-1EBE8476EA2D}"/>
+              </a:ext>
+            </a:extLst>
+          </p:cNvPr>
+          <p:cNvSpPr>
+            <a:spLocks noGrp="1"/>
+          </p:cNvSpPr>
+          <p:nvPr>
+            <p:ph type="title"/>
+          </p:nvPr>
+        </p:nvSpPr>
+        <p:spPr/>
+        <p:txBody>
+          <a:bodyPr/>
+          <a:lstStyle/>
+          <a:p>
+            <a:r>
+              <a:rPr lang="en-US"/>
+              <a:t>Flickr8k Dataset</a:t>
+            </a:r>
+          </a:p>
+        </p:txBody>
+      </p:sp>
+      <p:sp>
+        <p:nvSpPr>
+          <p:cNvPr id="6" name="Content Placeholder 5">
+            <a:extLst>
+              <a:ext uri="{FF2B5EF4-FFF2-40B4-BE49-F238E27FC236}">
+                <a16:creationId xmlns:a16="http://schemas.microsoft.com/office/drawing/2014/main" id="{AAB986E5-29CE-4FC4-B3FC-E0F262D27258}"/>
+              </a:ext>
+            </a:extLst>
+          </p:cNvPr>
+          <p:cNvSpPr>
+            <a:spLocks noGrp="1"/>
+          </p:cNvSpPr>
+          <p:nvPr>
+            <p:ph idx="1"/>
+          </p:nvPr>
+        </p:nvSpPr>
+        <p:spPr/>
+        <p:txBody>
+          <a:bodyPr>
+            <a:normAutofit/>
+          </a:bodyPr>
+          <a:lstStyle/>
+          <a:p>
+            <a:r>
+              <a:rPr lang="en-US"/>
+              <a:t>Dataset consisting of </a:t>
+            </a:r>
+            <a:r>
+              <a:rPr lang="en-US" b="1"/>
+              <a:t>8,000 images </a:t>
+            </a:r>
+            <a:r>
+              <a:rPr lang="en-US"/>
+              <a:t>that are each paired with </a:t>
+            </a:r>
+            <a:r>
+              <a:rPr lang="en-US" b="1"/>
+              <a:t>five different captions </a:t>
+            </a:r>
+            <a:r>
+              <a:rPr lang="en-US"/>
+              <a:t>which provide clear descriptions of the salient entities and events.</a:t>
+            </a:r>
+          </a:p>
+        </p:txBody>
+      </p:sp>
+      <p:sp>
+        <p:nvSpPr>
+          <p:cNvPr id="4" name="Footer Placeholder 3">
+            <a:extLst>
+              <a:ext uri="{FF2B5EF4-FFF2-40B4-BE49-F238E27FC236}">
+                <a16:creationId xmlns:a16="http://schemas.microsoft.com/office/drawing/2014/main" id="{AA15A1E0-B0D3-45F3-BE8D-5F6C9C67AC7A}"/>
+              </a:ext>
+            </a:extLst>
+          </p:cNvPr>
+          <p:cNvSpPr>
+            <a:spLocks noGrp="1"/>
+          </p:cNvSpPr>
+          <p:nvPr>
+            <p:ph type="ftr" sz="quarter" idx="11"/>
+          </p:nvPr>
+        </p:nvSpPr>
+        <p:spPr/>
+        <p:txBody>
+          <a:bodyPr/>
+          <a:lstStyle/>
+          <a:p>
+            <a:r>
+              <a:rPr lang="en-US"/>
+              <a:t>Ho Chi Minh University of Technology and Education</a:t>
+            </a:r>
+          </a:p>
+        </p:txBody>
+      </p:sp>
+      <p:sp>
+        <p:nvSpPr>
+          <p:cNvPr id="5" name="Slide Number Placeholder 4">
+            <a:extLst>
+              <a:ext uri="{FF2B5EF4-FFF2-40B4-BE49-F238E27FC236}">
+                <a16:creationId xmlns:a16="http://schemas.microsoft.com/office/drawing/2014/main" id="{67967A7C-8B5D-4CE5-ABA4-3C31E327F330}"/>
+              </a:ext>
+            </a:extLst>
+          </p:cNvPr>
+          <p:cNvSpPr>
+            <a:spLocks noGrp="1"/>
+          </p:cNvSpPr>
+          <p:nvPr>
+            <p:ph type="sldNum" sz="quarter" idx="12"/>
+          </p:nvPr>
+        </p:nvSpPr>
+        <p:spPr/>
+        <p:txBody>
+          <a:bodyPr/>
+          <a:lstStyle/>
+          <a:p>
+            <a:fld id="{69E57DC2-970A-4B3E-BB1C-7A09969E49DF}" type="slidenum">
+              <a:rPr lang="en-US" smtClean="0"/>
+              <a:t>19</a:t>
+            </a:fld>
+            <a:endParaRPr lang="en-US"/>
+          </a:p>
+        </p:txBody>
+      </p:sp>
+      <p:pic>
+        <p:nvPicPr>
+          <p:cNvPr id="9" name="Picture Placeholder 8">
+            <a:extLst>
+              <a:ext uri="{FF2B5EF4-FFF2-40B4-BE49-F238E27FC236}">
+                <a16:creationId xmlns:a16="http://schemas.microsoft.com/office/drawing/2014/main" id="{C2689924-1823-4409-8459-EEE9B4B77052}"/>
+              </a:ext>
+            </a:extLst>
+          </p:cNvPr>
+          <p:cNvPicPr>
+            <a:picLocks noGrp="1" noChangeAspect="1"/>
+          </p:cNvPicPr>
+          <p:nvPr>
+            <p:ph type="pic" sz="quarter" idx="13"/>
+          </p:nvPr>
+        </p:nvPicPr>
+        <p:blipFill rotWithShape="1">
+          <a:blip r:embed="rId2"/>
+          <a:srcRect l="24385" r="25876" b="4832"/>
+          <a:stretch/>
+        </p:blipFill>
+        <p:spPr>
+          <a:xfrm>
+            <a:off x="7325607" y="891077"/>
+            <a:ext cx="4123055" cy="4931229"/>
+          </a:xfrm>
+        </p:spPr>
+      </p:pic>
+    </p:spTree>
+    <p:extLst>
+      <p:ext uri="{BB962C8B-B14F-4D97-AF65-F5344CB8AC3E}">
+        <p14:creationId xmlns:p14="http://schemas.microsoft.com/office/powerpoint/2010/main" val="2219005252"/>
       </p:ext>
     </p:extLst>
   </p:cSld>
@@ -6540,7 +8468,7 @@
           <a:p>
             <a:r>
               <a:rPr lang="en-US"/>
-              <a:t>Tổng quan</a:t>
+              <a:t>Overview</a:t>
             </a:r>
           </a:p>
         </p:txBody>
@@ -6561,7 +8489,12 @@
             <p:ph idx="1"/>
           </p:nvPr>
         </p:nvSpPr>
-        <p:spPr/>
+        <p:spPr>
+          <a:xfrm>
+            <a:off x="1371600" y="1847461"/>
+            <a:ext cx="9601200" cy="4019939"/>
+          </a:xfrm>
+        </p:spPr>
         <p:txBody>
           <a:bodyPr>
             <a:normAutofit/>
@@ -6570,49 +8503,55 @@
           <a:p>
             <a:r>
               <a:rPr lang="en-US"/>
-              <a:t>Giới thiệu</a:t>
-            </a:r>
-          </a:p>
-          <a:p>
-            <a:r>
-              <a:rPr lang="en-US"/>
-              <a:t>Các nghiên cứu gần đây</a:t>
-            </a:r>
-          </a:p>
-          <a:p>
-            <a:r>
-              <a:rPr lang="en-US"/>
-              <a:t>Kiến trúc</a:t>
-            </a:r>
-          </a:p>
-          <a:p>
-            <a:r>
-              <a:rPr lang="en-US"/>
-              <a:t>Tập dữ liệu Flickr8k</a:t>
-            </a:r>
-          </a:p>
-          <a:p>
-            <a:r>
-              <a:rPr lang="en-US"/>
-              <a:t>Huấn luyện</a:t>
-            </a:r>
-          </a:p>
-          <a:p>
-            <a:r>
-              <a:rPr lang="en-US"/>
-              <a:t>Đánh giá</a:t>
-            </a:r>
-          </a:p>
-          <a:p>
-            <a:r>
-              <a:rPr lang="en-US"/>
-              <a:t>Thử thách</a:t>
-            </a:r>
-          </a:p>
-          <a:p>
-            <a:r>
-              <a:rPr lang="en-US"/>
-              <a:t>Feature works</a:t>
+              <a:t>Introduction</a:t>
+            </a:r>
+          </a:p>
+          <a:p>
+            <a:r>
+              <a:rPr lang="en-US"/>
+              <a:t>Related work</a:t>
+            </a:r>
+          </a:p>
+          <a:p>
+            <a:r>
+              <a:rPr lang="en-US"/>
+              <a:t>Architecture</a:t>
+            </a:r>
+          </a:p>
+          <a:p>
+            <a:r>
+              <a:rPr lang="en-US"/>
+              <a:t>Dataset</a:t>
+            </a:r>
+          </a:p>
+          <a:p>
+            <a:r>
+              <a:rPr lang="en-US"/>
+              <a:t>Training</a:t>
+            </a:r>
+          </a:p>
+          <a:p>
+            <a:r>
+              <a:rPr lang="en-US"/>
+              <a:t>Evaluation</a:t>
+            </a:r>
+          </a:p>
+          <a:p>
+            <a:r>
+              <a:rPr lang="en-US"/>
+              <a:t>Challenges</a:t>
+            </a:r>
+          </a:p>
+          <a:p>
+            <a:r>
+              <a:rPr lang="en-US"/>
+              <a:t>Future work</a:t>
+            </a:r>
+          </a:p>
+          <a:p>
+            <a:r>
+              <a:rPr lang="en-US"/>
+              <a:t>References</a:t>
             </a:r>
           </a:p>
         </p:txBody>
@@ -6639,10 +8578,9 @@
           <a:lstStyle/>
           <a:p>
             <a:r>
-              <a:rPr lang="vi-VN"/>
-              <a:t>Đại học Sư phạm Kỹ thuật thành phố Hồ Chí Minh</a:t>
-            </a:r>
-            <a:endParaRPr lang="en-US"/>
+              <a:rPr lang="en-US"/>
+              <a:t>Ho Chi Minh University of Technology and Education</a:t>
+            </a:r>
           </a:p>
         </p:txBody>
       </p:sp>
@@ -6679,6 +8617,346 @@
     <p:extLst>
       <p:ext uri="{BB962C8B-B14F-4D97-AF65-F5344CB8AC3E}">
         <p14:creationId xmlns:p14="http://schemas.microsoft.com/office/powerpoint/2010/main" val="680522853"/>
+      </p:ext>
+    </p:extLst>
+  </p:cSld>
+  <p:clrMapOvr>
+    <a:masterClrMapping/>
+  </p:clrMapOvr>
+</p:sld>
+</file>
+
+<file path=ppt/slides/slide20.xml><?xml version="1.0" encoding="utf-8"?>
+<p:sld xmlns:a="http://schemas.openxmlformats.org/drawingml/2006/main" xmlns:r="http://schemas.openxmlformats.org/officeDocument/2006/relationships" xmlns:p="http://schemas.openxmlformats.org/presentationml/2006/main">
+  <p:cSld>
+    <p:spTree>
+      <p:nvGrpSpPr>
+        <p:cNvPr id="1" name=""/>
+        <p:cNvGrpSpPr/>
+        <p:nvPr/>
+      </p:nvGrpSpPr>
+      <p:grpSpPr>
+        <a:xfrm>
+          <a:off x="0" y="0"/>
+          <a:ext cx="0" cy="0"/>
+          <a:chOff x="0" y="0"/>
+          <a:chExt cx="0" cy="0"/>
+        </a:xfrm>
+      </p:grpSpPr>
+      <p:sp>
+        <p:nvSpPr>
+          <p:cNvPr id="7" name="Title 6">
+            <a:extLst>
+              <a:ext uri="{FF2B5EF4-FFF2-40B4-BE49-F238E27FC236}">
+                <a16:creationId xmlns:a16="http://schemas.microsoft.com/office/drawing/2014/main" id="{2ABCF356-5C84-4101-AE09-2A92407EC396}"/>
+              </a:ext>
+            </a:extLst>
+          </p:cNvPr>
+          <p:cNvSpPr>
+            <a:spLocks noGrp="1"/>
+          </p:cNvSpPr>
+          <p:nvPr>
+            <p:ph type="title"/>
+          </p:nvPr>
+        </p:nvSpPr>
+        <p:spPr/>
+        <p:txBody>
+          <a:bodyPr/>
+          <a:lstStyle/>
+          <a:p>
+            <a:r>
+              <a:rPr lang="en-US"/>
+              <a:t>Challenges</a:t>
+            </a:r>
+          </a:p>
+        </p:txBody>
+      </p:sp>
+      <p:sp>
+        <p:nvSpPr>
+          <p:cNvPr id="8" name="Content Placeholder 7">
+            <a:extLst>
+              <a:ext uri="{FF2B5EF4-FFF2-40B4-BE49-F238E27FC236}">
+                <a16:creationId xmlns:a16="http://schemas.microsoft.com/office/drawing/2014/main" id="{E62C4378-4DF3-4873-ADB4-69450C91205D}"/>
+              </a:ext>
+            </a:extLst>
+          </p:cNvPr>
+          <p:cNvSpPr>
+            <a:spLocks noGrp="1"/>
+          </p:cNvSpPr>
+          <p:nvPr>
+            <p:ph idx="1"/>
+          </p:nvPr>
+        </p:nvSpPr>
+        <p:spPr/>
+        <p:txBody>
+          <a:bodyPr/>
+          <a:lstStyle/>
+          <a:p>
+            <a:endParaRPr lang="en-US"/>
+          </a:p>
+        </p:txBody>
+      </p:sp>
+      <p:sp>
+        <p:nvSpPr>
+          <p:cNvPr id="4" name="Footer Placeholder 3">
+            <a:extLst>
+              <a:ext uri="{FF2B5EF4-FFF2-40B4-BE49-F238E27FC236}">
+                <a16:creationId xmlns:a16="http://schemas.microsoft.com/office/drawing/2014/main" id="{04231DB9-F832-43DC-B695-C44231A32878}"/>
+              </a:ext>
+            </a:extLst>
+          </p:cNvPr>
+          <p:cNvSpPr>
+            <a:spLocks noGrp="1"/>
+          </p:cNvSpPr>
+          <p:nvPr>
+            <p:ph type="ftr" sz="quarter" idx="11"/>
+          </p:nvPr>
+        </p:nvSpPr>
+        <p:spPr/>
+        <p:txBody>
+          <a:bodyPr/>
+          <a:lstStyle/>
+          <a:p>
+            <a:r>
+              <a:rPr lang="en-US"/>
+              <a:t>Ho Chi Minh University of Technology and Education</a:t>
+            </a:r>
+          </a:p>
+        </p:txBody>
+      </p:sp>
+      <p:sp>
+        <p:nvSpPr>
+          <p:cNvPr id="5" name="Slide Number Placeholder 4">
+            <a:extLst>
+              <a:ext uri="{FF2B5EF4-FFF2-40B4-BE49-F238E27FC236}">
+                <a16:creationId xmlns:a16="http://schemas.microsoft.com/office/drawing/2014/main" id="{BE20032D-7947-4D69-B1D0-59D2F3ADF5D4}"/>
+              </a:ext>
+            </a:extLst>
+          </p:cNvPr>
+          <p:cNvSpPr>
+            <a:spLocks noGrp="1"/>
+          </p:cNvSpPr>
+          <p:nvPr>
+            <p:ph type="sldNum" sz="quarter" idx="12"/>
+          </p:nvPr>
+        </p:nvSpPr>
+        <p:spPr/>
+        <p:txBody>
+          <a:bodyPr/>
+          <a:lstStyle/>
+          <a:p>
+            <a:pPr marL="0" marR="0" lvl="0" indent="0" algn="r" defTabSz="457200" rtl="0" eaLnBrk="1" fontAlgn="auto" latinLnBrk="0" hangingPunct="1">
+              <a:lnSpc>
+                <a:spcPct val="100000"/>
+              </a:lnSpc>
+              <a:spcBef>
+                <a:spcPts val="0"/>
+              </a:spcBef>
+              <a:spcAft>
+                <a:spcPts val="0"/>
+              </a:spcAft>
+              <a:buClrTx/>
+              <a:buSzTx/>
+              <a:buFontTx/>
+              <a:buNone/>
+              <a:tabLst/>
+              <a:defRPr/>
+            </a:pPr>
+            <a:fld id="{69E57DC2-970A-4B3E-BB1C-7A09969E49DF}" type="slidenum">
+              <a:rPr kumimoji="0" lang="en-US" sz="1200" b="0" i="0" u="none" strike="noStrike" kern="1200" cap="none" spc="0" normalizeH="0" baseline="0" noProof="0" smtClean="0">
+                <a:ln>
+                  <a:noFill/>
+                </a:ln>
+                <a:solidFill>
+                  <a:srgbClr val="191B0E"/>
+                </a:solidFill>
+                <a:effectLst/>
+                <a:uLnTx/>
+                <a:uFillTx/>
+                <a:latin typeface="Arial" panose="020B0604020202020204" pitchFamily="34" charset="0"/>
+                <a:ea typeface="+mn-ea"/>
+                <a:cs typeface="Arial" panose="020B0604020202020204" pitchFamily="34" charset="0"/>
+              </a:rPr>
+              <a:pPr marL="0" marR="0" lvl="0" indent="0" algn="r" defTabSz="457200" rtl="0" eaLnBrk="1" fontAlgn="auto" latinLnBrk="0" hangingPunct="1">
+                <a:lnSpc>
+                  <a:spcPct val="100000"/>
+                </a:lnSpc>
+                <a:spcBef>
+                  <a:spcPts val="0"/>
+                </a:spcBef>
+                <a:spcAft>
+                  <a:spcPts val="0"/>
+                </a:spcAft>
+                <a:buClrTx/>
+                <a:buSzTx/>
+                <a:buFontTx/>
+                <a:buNone/>
+                <a:tabLst/>
+                <a:defRPr/>
+              </a:pPr>
+              <a:t>20</a:t>
+            </a:fld>
+            <a:endParaRPr kumimoji="0" lang="en-US" sz="1200" b="0" i="0" u="none" strike="noStrike" kern="1200" cap="none" spc="0" normalizeH="0" baseline="0" noProof="0">
+              <a:ln>
+                <a:noFill/>
+              </a:ln>
+              <a:solidFill>
+                <a:srgbClr val="191B0E"/>
+              </a:solidFill>
+              <a:effectLst/>
+              <a:uLnTx/>
+              <a:uFillTx/>
+              <a:latin typeface="Arial" panose="020B0604020202020204" pitchFamily="34" charset="0"/>
+              <a:ea typeface="+mn-ea"/>
+              <a:cs typeface="Arial" panose="020B0604020202020204" pitchFamily="34" charset="0"/>
+            </a:endParaRPr>
+          </a:p>
+        </p:txBody>
+      </p:sp>
+    </p:spTree>
+    <p:extLst>
+      <p:ext uri="{BB962C8B-B14F-4D97-AF65-F5344CB8AC3E}">
+        <p14:creationId xmlns:p14="http://schemas.microsoft.com/office/powerpoint/2010/main" val="1459505170"/>
+      </p:ext>
+    </p:extLst>
+  </p:cSld>
+  <p:clrMapOvr>
+    <a:masterClrMapping/>
+  </p:clrMapOvr>
+</p:sld>
+</file>
+
+<file path=ppt/slides/slide21.xml><?xml version="1.0" encoding="utf-8"?>
+<p:sld xmlns:a="http://schemas.openxmlformats.org/drawingml/2006/main" xmlns:r="http://schemas.openxmlformats.org/officeDocument/2006/relationships" xmlns:p="http://schemas.openxmlformats.org/presentationml/2006/main">
+  <p:cSld>
+    <p:spTree>
+      <p:nvGrpSpPr>
+        <p:cNvPr id="1" name=""/>
+        <p:cNvGrpSpPr/>
+        <p:nvPr/>
+      </p:nvGrpSpPr>
+      <p:grpSpPr>
+        <a:xfrm>
+          <a:off x="0" y="0"/>
+          <a:ext cx="0" cy="0"/>
+          <a:chOff x="0" y="0"/>
+          <a:chExt cx="0" cy="0"/>
+        </a:xfrm>
+      </p:grpSpPr>
+      <p:sp>
+        <p:nvSpPr>
+          <p:cNvPr id="2" name="Title 1">
+            <a:extLst>
+              <a:ext uri="{FF2B5EF4-FFF2-40B4-BE49-F238E27FC236}">
+                <a16:creationId xmlns:a16="http://schemas.microsoft.com/office/drawing/2014/main" id="{144A5509-6878-4C39-8972-2EF64BF17E2F}"/>
+              </a:ext>
+            </a:extLst>
+          </p:cNvPr>
+          <p:cNvSpPr>
+            <a:spLocks noGrp="1"/>
+          </p:cNvSpPr>
+          <p:nvPr>
+            <p:ph type="title"/>
+          </p:nvPr>
+        </p:nvSpPr>
+        <p:spPr/>
+        <p:txBody>
+          <a:bodyPr/>
+          <a:lstStyle/>
+          <a:p>
+            <a:r>
+              <a:rPr lang="en-US"/>
+              <a:t>References</a:t>
+            </a:r>
+          </a:p>
+        </p:txBody>
+      </p:sp>
+      <p:sp>
+        <p:nvSpPr>
+          <p:cNvPr id="3" name="Content Placeholder 2">
+            <a:extLst>
+              <a:ext uri="{FF2B5EF4-FFF2-40B4-BE49-F238E27FC236}">
+                <a16:creationId xmlns:a16="http://schemas.microsoft.com/office/drawing/2014/main" id="{4BA87E11-325D-4227-955D-12525E26D770}"/>
+              </a:ext>
+            </a:extLst>
+          </p:cNvPr>
+          <p:cNvSpPr>
+            <a:spLocks noGrp="1"/>
+          </p:cNvSpPr>
+          <p:nvPr>
+            <p:ph idx="1"/>
+          </p:nvPr>
+        </p:nvSpPr>
+        <p:spPr/>
+        <p:txBody>
+          <a:bodyPr/>
+          <a:lstStyle/>
+          <a:p>
+            <a:endParaRPr lang="en-US"/>
+          </a:p>
+        </p:txBody>
+      </p:sp>
+      <p:sp>
+        <p:nvSpPr>
+          <p:cNvPr id="4" name="Footer Placeholder 3">
+            <a:extLst>
+              <a:ext uri="{FF2B5EF4-FFF2-40B4-BE49-F238E27FC236}">
+                <a16:creationId xmlns:a16="http://schemas.microsoft.com/office/drawing/2014/main" id="{997705B1-F82D-4A18-BDC0-12709CEA85A6}"/>
+              </a:ext>
+            </a:extLst>
+          </p:cNvPr>
+          <p:cNvSpPr>
+            <a:spLocks noGrp="1"/>
+          </p:cNvSpPr>
+          <p:nvPr>
+            <p:ph type="ftr" sz="quarter" idx="11"/>
+          </p:nvPr>
+        </p:nvSpPr>
+        <p:spPr/>
+        <p:txBody>
+          <a:bodyPr/>
+          <a:lstStyle/>
+          <a:p>
+            <a:r>
+              <a:rPr lang="en-US"/>
+              <a:t>Ho Chi Minh University of Technology and Education</a:t>
+            </a:r>
+          </a:p>
+        </p:txBody>
+      </p:sp>
+      <p:sp>
+        <p:nvSpPr>
+          <p:cNvPr id="5" name="Slide Number Placeholder 4">
+            <a:extLst>
+              <a:ext uri="{FF2B5EF4-FFF2-40B4-BE49-F238E27FC236}">
+                <a16:creationId xmlns:a16="http://schemas.microsoft.com/office/drawing/2014/main" id="{88D98AA8-6CAB-4F3C-BEFD-CED8C22C7833}"/>
+              </a:ext>
+            </a:extLst>
+          </p:cNvPr>
+          <p:cNvSpPr>
+            <a:spLocks noGrp="1"/>
+          </p:cNvSpPr>
+          <p:nvPr>
+            <p:ph type="sldNum" sz="quarter" idx="12"/>
+          </p:nvPr>
+        </p:nvSpPr>
+        <p:spPr/>
+        <p:txBody>
+          <a:bodyPr/>
+          <a:lstStyle/>
+          <a:p>
+            <a:fld id="{69E57DC2-970A-4B3E-BB1C-7A09969E49DF}" type="slidenum">
+              <a:rPr lang="en-US" smtClean="0"/>
+              <a:t>21</a:t>
+            </a:fld>
+            <a:endParaRPr lang="en-US"/>
+          </a:p>
+        </p:txBody>
+      </p:sp>
+    </p:spTree>
+    <p:extLst>
+      <p:ext uri="{BB962C8B-B14F-4D97-AF65-F5344CB8AC3E}">
+        <p14:creationId xmlns:p14="http://schemas.microsoft.com/office/powerpoint/2010/main" val="3990626404"/>
       </p:ext>
     </p:extLst>
   </p:cSld>
@@ -6728,7 +9006,7 @@
           <a:p>
             <a:r>
               <a:rPr lang="en-US"/>
-              <a:t>Giới thiệu</a:t>
+              <a:t>Introduction</a:t>
             </a:r>
           </a:p>
         </p:txBody>
@@ -6752,51 +9030,73 @@
         <p:spPr/>
         <p:txBody>
           <a:bodyPr>
-            <a:normAutofit/>
+            <a:normAutofit fontScale="92500" lnSpcReduction="10000"/>
           </a:bodyPr>
           <a:lstStyle/>
           <a:p>
             <a:r>
-              <a:rPr lang="en-US"/>
-              <a:t>Mô tả ảnh: từ một bức ảnh cho tr</a:t>
-            </a:r>
-            <a:r>
-              <a:rPr lang="vi-VN"/>
-              <a:t>ư</a:t>
-            </a:r>
-            <a:r>
-              <a:rPr lang="en-US"/>
-              <a:t>ớc sinh ra một câu mô tả nội dung.</a:t>
-            </a:r>
-          </a:p>
-          <a:p>
-            <a:r>
-              <a:rPr lang="vi-VN"/>
-              <a:t>Một mô hình </a:t>
-            </a:r>
-            <a:r>
-              <a:rPr lang="en-US"/>
-              <a:t>nh</a:t>
-            </a:r>
-            <a:r>
-              <a:rPr lang="vi-VN"/>
-              <a:t>ư</a:t>
-            </a:r>
-            <a:r>
-              <a:rPr lang="en-US"/>
-              <a:t> vậy đòi hỏi phải </a:t>
-            </a:r>
-            <a:r>
-              <a:rPr lang="vi-VN"/>
-              <a:t>đủ mạnh để xác định được những đối tượng nào có bên trong hình ảnh mà còn phải nắm bắt và diễn tả được các mối quan hệ của các đối tượng đó bằng ngôn ngữ tự nhiên.</a:t>
-            </a:r>
+              <a:rPr lang="en-US" b="1"/>
+              <a:t>Image captioning </a:t>
+            </a:r>
+            <a:r>
+              <a:rPr lang="en-US"/>
+              <a:t>is the process of generating textual description of an image.</a:t>
+            </a:r>
+          </a:p>
+          <a:p>
+            <a:r>
+              <a:rPr lang="en-US"/>
+              <a:t>It uses both </a:t>
+            </a:r>
+            <a:r>
+              <a:rPr lang="en-US" b="1"/>
+              <a:t>Natural Language Processing</a:t>
+            </a:r>
+            <a:r>
+              <a:rPr lang="en-US"/>
+              <a:t> and </a:t>
+            </a:r>
+            <a:r>
+              <a:rPr lang="en-US" b="1"/>
+              <a:t>Computer Vision</a:t>
+            </a:r>
+            <a:r>
+              <a:rPr lang="en-US"/>
+              <a:t> to generate the captions.</a:t>
+            </a:r>
+          </a:p>
+          <a:p>
+            <a:r>
+              <a:rPr lang="en-US"/>
+              <a:t>Caption generation models be powerful enough to solve the computer vision challenges of determining </a:t>
+            </a:r>
+            <a:r>
+              <a:rPr lang="en-US" b="1"/>
+              <a:t>which objects are in</a:t>
+            </a:r>
+            <a:br>
+              <a:rPr lang="en-US" b="1"/>
+            </a:br>
+            <a:r>
+              <a:rPr lang="en-US" b="1"/>
+              <a:t>an image</a:t>
+            </a:r>
+            <a:r>
+              <a:rPr lang="en-US"/>
+              <a:t>, but they must also be capable of capturing and expressing </a:t>
+            </a:r>
+            <a:r>
+              <a:rPr lang="en-US" b="1"/>
+              <a:t>their relationships </a:t>
+            </a:r>
+            <a:r>
+              <a:rPr lang="en-US"/>
+              <a:t>in a natural language.</a:t>
+            </a:r>
+            <a:br>
+              <a:rPr lang="en-US"/>
+            </a:br>
             <a:endParaRPr lang="en-US"/>
-          </a:p>
-          <a:p>
-            <a:r>
-              <a:rPr lang="en-US"/>
-              <a:t>Mô hình phải bắt chước được khả năng tuyệt vời của con người đó là nén một lượng lớn thông tin thành ngôn ngữ và mô tả một cách trực quan, nổi bật.</a:t>
-            </a:r>
           </a:p>
         </p:txBody>
       </p:sp>
@@ -6822,10 +9122,9 @@
           <a:lstStyle/>
           <a:p>
             <a:r>
-              <a:rPr lang="vi-VN"/>
-              <a:t>Đại học Sư phạm Kỹ thuật thành phố Hồ Chí Minh</a:t>
-            </a:r>
-            <a:endParaRPr lang="en-US"/>
+              <a:rPr lang="en-US"/>
+              <a:t>Ho Chi Minh University of Technology and Education</a:t>
+            </a:r>
           </a:p>
         </p:txBody>
       </p:sp>
@@ -6942,7 +9241,7 @@
           <a:p>
             <a:r>
               <a:rPr lang="en-US"/>
-              <a:t>Các nghiên cứu gần đây</a:t>
+              <a:t>Related work</a:t>
             </a:r>
           </a:p>
         </p:txBody>
@@ -6965,50 +9264,52 @@
         </p:nvSpPr>
         <p:spPr/>
         <p:txBody>
-          <a:bodyPr/>
+          <a:bodyPr>
+            <a:normAutofit/>
+          </a:bodyPr>
           <a:lstStyle/>
           <a:p>
             <a:r>
               <a:rPr lang="en-US"/>
-              <a:t>Các mô hình tr</a:t>
-            </a:r>
-            <a:r>
-              <a:rPr lang="vi-VN"/>
-              <a:t>ư</a:t>
-            </a:r>
-            <a:r>
-              <a:rPr lang="en-US"/>
-              <a:t>ớc đây th</a:t>
-            </a:r>
-            <a:r>
-              <a:rPr lang="vi-VN"/>
-              <a:t>ư</a:t>
-            </a:r>
-            <a:r>
-              <a:rPr lang="en-US"/>
-              <a:t>ờng sử dụng các neural network theo cấu trúc encoder-decoder để tạo ra câu mô tả.</a:t>
-            </a:r>
-          </a:p>
-          <a:p>
-            <a:r>
-              <a:rPr lang="en-US"/>
-              <a:t>Mô hình Show and tell của Google sử dụng các thông tin đ</a:t>
-            </a:r>
-            <a:r>
-              <a:rPr lang="vi-VN"/>
-              <a:t>ư</a:t>
-            </a:r>
-            <a:r>
-              <a:rPr lang="en-US"/>
-              <a:t>ợc trích xuất từ một mạng Convolutional Neural Net (CNN) nh</a:t>
-            </a:r>
-            <a:r>
-              <a:rPr lang="vi-VN"/>
-              <a:t>ư</a:t>
-            </a:r>
-            <a:r>
-              <a:rPr lang="en-US"/>
-              <a:t> một encoder và một mạng Recurrent Neural Network (RNN) để sinh ra các câu mô tả.</a:t>
+              <a:t>Recent work has significantly improved the quality of caption generation using </a:t>
+            </a:r>
+            <a:r>
+              <a:rPr lang="en-US" b="1"/>
+              <a:t>encoder</a:t>
+            </a:r>
+            <a:r>
+              <a:rPr lang="en-US"/>
+              <a:t> – </a:t>
+            </a:r>
+            <a:r>
+              <a:rPr lang="en-US" b="1"/>
+              <a:t>decoder</a:t>
+            </a:r>
+            <a:r>
+              <a:rPr lang="en-US"/>
+              <a:t> framework.</a:t>
+            </a:r>
+          </a:p>
+          <a:p>
+            <a:r>
+              <a:rPr lang="en-US"/>
+              <a:t>Google Show and Tell using a combination of </a:t>
+            </a:r>
+            <a:r>
+              <a:rPr lang="en-US" b="1"/>
+              <a:t>convolutional neural networks </a:t>
+            </a:r>
+            <a:r>
+              <a:rPr lang="en-US"/>
+              <a:t>(CNN) to obtain vectorial representation of images and </a:t>
+            </a:r>
+            <a:r>
+              <a:rPr lang="en-US" b="1"/>
+              <a:t>recurrent neural networks </a:t>
+            </a:r>
+            <a:r>
+              <a:rPr lang="en-US"/>
+              <a:t>(RNN) to decode those representations into natural language sentences.</a:t>
             </a:r>
           </a:p>
         </p:txBody>
@@ -7034,54 +9335,10 @@
           <a:bodyPr/>
           <a:lstStyle/>
           <a:p>
-            <a:pPr marL="0" marR="0" lvl="0" indent="0" algn="l" defTabSz="457200" rtl="0" eaLnBrk="1" fontAlgn="auto" latinLnBrk="0" hangingPunct="1">
-              <a:lnSpc>
-                <a:spcPct val="100000"/>
-              </a:lnSpc>
-              <a:spcBef>
-                <a:spcPts val="0"/>
-              </a:spcBef>
-              <a:spcAft>
-                <a:spcPts val="0"/>
-              </a:spcAft>
-              <a:buClrTx/>
-              <a:buSzTx/>
-              <a:buFontTx/>
-              <a:buNone/>
-              <a:tabLst/>
-              <a:defRPr/>
-            </a:pPr>
-            <a:r>
-              <a:rPr kumimoji="0" lang="vi-VN" sz="1200" b="0" i="0" u="none" strike="noStrike" kern="1200" cap="none" spc="0" normalizeH="0" baseline="0" noProof="0">
-                <a:ln>
-                  <a:noFill/>
-                </a:ln>
-                <a:solidFill>
-                  <a:srgbClr val="191B0E"/>
-                </a:solidFill>
-                <a:effectLst/>
-                <a:uLnTx/>
-                <a:uFillTx/>
-                <a:latin typeface="Arial" panose="020B0604020202020204" pitchFamily="34" charset="0"/>
-                <a:ea typeface="+mn-ea"/>
-                <a:cs typeface="Arial" panose="020B0604020202020204" pitchFamily="34" charset="0"/>
-              </a:rPr>
-              <a:t>Đại học Sư phạm Kỹ thuật thành phố Hồ Chí Minh</a:t>
-            </a:r>
-            <a:endParaRPr kumimoji="0" lang="en-US" sz="1200" b="0" i="0" u="none" strike="noStrike" kern="1200" cap="none" spc="0" normalizeH="0" baseline="0" noProof="0">
-              <a:ln>
-                <a:noFill/>
-              </a:ln>
-              <a:solidFill>
-                <a:srgbClr val="191B0E"/>
-              </a:solidFill>
-              <a:effectLst/>
-              <a:uLnTx/>
-              <a:uFillTx/>
-              <a:latin typeface="Arial" panose="020B0604020202020204" pitchFamily="34" charset="0"/>
-              <a:ea typeface="+mn-ea"/>
-              <a:cs typeface="Arial" panose="020B0604020202020204" pitchFamily="34" charset="0"/>
-            </a:endParaRPr>
+            <a:r>
+              <a:rPr lang="en-US"/>
+              <a:t>Ho Chi Minh University of Technology and Education</a:t>
+            </a:r>
           </a:p>
         </p:txBody>
       </p:sp>
@@ -7258,7 +9515,7 @@
           <a:p>
             <a:r>
               <a:rPr lang="en-US"/>
-              <a:t>Kiến trúc</a:t>
+              <a:t>Architecture</a:t>
             </a:r>
           </a:p>
         </p:txBody>
@@ -7290,44 +9547,32 @@
           <a:lstStyle/>
           <a:p>
             <a:r>
-              <a:rPr lang="en-US"/>
-              <a:t>Encoder: Một mạng CNN đã đ</a:t>
-            </a:r>
-            <a:r>
-              <a:rPr lang="vi-VN"/>
-              <a:t>ư</a:t>
-            </a:r>
-            <a:r>
-              <a:rPr lang="en-US"/>
-              <a:t>ợc huấn luyện trên tập dữ liệu hình ảnh cho các tác vụ phân loại hoặc nhận diện vật thể.</a:t>
-            </a:r>
-          </a:p>
-          <a:p>
-            <a:r>
-              <a:rPr lang="en-US"/>
-              <a:t>Attention model: Một mạng Feedforward Neural Network (FNN) lấy dữ liệu từ feature map của CNN để thực hiện c</a:t>
-            </a:r>
-            <a:r>
-              <a:rPr lang="vi-VN"/>
-              <a:t>ơ</a:t>
-            </a:r>
-            <a:r>
-              <a:rPr lang="en-US"/>
-              <a:t> chế “attention” cho ra context vector.</a:t>
-            </a:r>
-          </a:p>
-          <a:p>
-            <a:r>
-              <a:rPr lang="en-US"/>
-              <a:t>Decoder: Một Language model đã đ</a:t>
-            </a:r>
-            <a:r>
-              <a:rPr lang="vi-VN"/>
-              <a:t>ư</a:t>
-            </a:r>
-            <a:r>
-              <a:rPr lang="en-US"/>
-              <a:t>ợc train (RNN) chịu trách nhiệm giải mã context vector thành câu mô tả.</a:t>
+              <a:rPr lang="en-US" b="1"/>
+              <a:t>Encoder</a:t>
+            </a:r>
+            <a:r>
+              <a:rPr lang="en-US"/>
+              <a:t>: A CNN has been trained for recognition task such as image classification, object detection, ...</a:t>
+            </a:r>
+          </a:p>
+          <a:p>
+            <a:r>
+              <a:rPr lang="en-US" b="1"/>
+              <a:t>Attention model</a:t>
+            </a:r>
+            <a:r>
+              <a:rPr lang="en-US"/>
+              <a:t>: A feedforward neural network for implementing attention mechanism.</a:t>
+            </a:r>
+          </a:p>
+          <a:p>
+            <a:r>
+              <a:rPr lang="en-US" b="1"/>
+              <a:t>Decoder</a:t>
+            </a:r>
+            <a:r>
+              <a:rPr lang="en-US"/>
+              <a:t>: A language model based on RNN.</a:t>
             </a:r>
           </a:p>
         </p:txBody>
@@ -7353,54 +9598,10 @@
           <a:bodyPr/>
           <a:lstStyle/>
           <a:p>
-            <a:pPr marL="0" marR="0" lvl="0" indent="0" algn="l" defTabSz="457200" rtl="0" eaLnBrk="1" fontAlgn="auto" latinLnBrk="0" hangingPunct="1">
-              <a:lnSpc>
-                <a:spcPct val="100000"/>
-              </a:lnSpc>
-              <a:spcBef>
-                <a:spcPts val="0"/>
-              </a:spcBef>
-              <a:spcAft>
-                <a:spcPts val="0"/>
-              </a:spcAft>
-              <a:buClrTx/>
-              <a:buSzTx/>
-              <a:buFontTx/>
-              <a:buNone/>
-              <a:tabLst/>
-              <a:defRPr/>
-            </a:pPr>
-            <a:r>
-              <a:rPr kumimoji="0" lang="vi-VN" sz="1200" b="0" i="0" u="none" strike="noStrike" kern="1200" cap="none" spc="0" normalizeH="0" baseline="0" noProof="0">
-                <a:ln>
-                  <a:noFill/>
-                </a:ln>
-                <a:solidFill>
-                  <a:srgbClr val="191B0E"/>
-                </a:solidFill>
-                <a:effectLst/>
-                <a:uLnTx/>
-                <a:uFillTx/>
-                <a:latin typeface="Arial" panose="020B0604020202020204" pitchFamily="34" charset="0"/>
-                <a:ea typeface="+mn-ea"/>
-                <a:cs typeface="Arial" panose="020B0604020202020204" pitchFamily="34" charset="0"/>
-              </a:rPr>
-              <a:t>Đại học Sư phạm Kỹ thuật thành phố Hồ Chí Minh</a:t>
-            </a:r>
-            <a:endParaRPr kumimoji="0" lang="en-US" sz="1200" b="0" i="0" u="none" strike="noStrike" kern="1200" cap="none" spc="0" normalizeH="0" baseline="0" noProof="0">
-              <a:ln>
-                <a:noFill/>
-              </a:ln>
-              <a:solidFill>
-                <a:srgbClr val="191B0E"/>
-              </a:solidFill>
-              <a:effectLst/>
-              <a:uLnTx/>
-              <a:uFillTx/>
-              <a:latin typeface="Arial" panose="020B0604020202020204" pitchFamily="34" charset="0"/>
-              <a:ea typeface="+mn-ea"/>
-              <a:cs typeface="Arial" panose="020B0604020202020204" pitchFamily="34" charset="0"/>
-            </a:endParaRPr>
+            <a:r>
+              <a:rPr lang="en-US"/>
+              <a:t>Ho Chi Minh University of Technology and Education</a:t>
+            </a:r>
           </a:p>
         </p:txBody>
       </p:sp>
@@ -7606,51 +9807,27 @@
               <a:p>
                 <a:r>
                   <a:rPr lang="en-US"/>
-                  <a:t>Encoder sử dụng mạng VGG16 đ</a:t>
-                </a:r>
-                <a:r>
-                  <a:rPr lang="vi-VN"/>
-                  <a:t>ư</a:t>
-                </a:r>
-                <a:r>
-                  <a:rPr lang="en-US"/>
-                  <a:t>ợc huấn luyện trên tập dữ liệu ImageNet.</a:t>
+                  <a:t>Using VGG16 network as the encoder.</a:t>
                 </a:r>
               </a:p>
               <a:p>
                 <a:r>
                   <a:rPr lang="en-US"/>
-                  <a:t>Feature map đ</a:t>
+                  <a:t>Extract features from 4</a:t>
                 </a:r>
                 <a:r>
-                  <a:rPr lang="vi-VN"/>
-                  <a:t>ư</a:t>
+                  <a:rPr lang="en-US" baseline="30000"/>
+                  <a:t>th</a:t>
                 </a:r>
                 <a:r>
                   <a:rPr lang="en-US"/>
-                  <a:t>ợc lấy từ lớp convolutional thứ 4 với chiều dữ liệu 14x14x512</a:t>
+                  <a:t> convolutional layer with shape 14x14x512</a:t>
                 </a:r>
               </a:p>
               <a:p>
                 <a:r>
                   <a:rPr lang="en-US"/>
-                  <a:t>Feature map đ</a:t>
-                </a:r>
-                <a:r>
-                  <a:rPr lang="vi-VN"/>
-                  <a:t>ư</a:t>
-                </a:r>
-                <a:r>
-                  <a:rPr lang="en-US"/>
-                  <a:t>ợc tách thành bộ vector t</a:t>
-                </a:r>
-                <a:r>
-                  <a:rPr lang="vi-VN"/>
-                  <a:t>ư</a:t>
-                </a:r>
-                <a:r>
-                  <a:rPr lang="en-US"/>
-                  <a:t>ơng ứng với từng phần của hình ảnh:</a:t>
+                  <a:t>Feature map produces a set of feature vectors, each of which is representation corresponding to a part of the image:</a:t>
                 </a:r>
                 <a:endParaRPr lang="en-US" i="1"/>
               </a:p>
@@ -7836,7 +10013,7 @@
               <a:blipFill>
                 <a:blip r:embed="rId2"/>
                 <a:stretch>
-                  <a:fillRect l="-944" t="-1190" r="-2204"/>
+                  <a:fillRect l="-944" t="-1190"/>
                 </a:stretch>
               </a:blipFill>
             </p:spPr>
@@ -7877,10 +10054,9 @@
           <a:lstStyle/>
           <a:p>
             <a:r>
-              <a:rPr lang="vi-VN"/>
-              <a:t>Đại học Sư phạm Kỹ thuật thành phố Hồ Chí Minh</a:t>
-            </a:r>
-            <a:endParaRPr lang="en-US"/>
+              <a:rPr lang="en-US"/>
+              <a:t>Ho Chi Minh University of Technology and Education</a:t>
+            </a:r>
           </a:p>
         </p:txBody>
       </p:sp>
@@ -8074,21 +10250,13 @@
             </p:spPr>
             <p:txBody>
               <a:bodyPr>
-                <a:normAutofit/>
+                <a:normAutofit lnSpcReduction="10000"/>
               </a:bodyPr>
               <a:lstStyle/>
               <a:p>
                 <a:r>
                   <a:rPr lang="en-US"/>
-                  <a:t>Mạng RNN với các đ</a:t>
-                </a:r>
-                <a:r>
-                  <a:rPr lang="vi-VN"/>
-                  <a:t>ơ</a:t>
-                </a:r>
-                <a:r>
-                  <a:rPr lang="en-US"/>
-                  <a:t>n vị Long-short term memory (LSTM):</a:t>
+                  <a:t>A RNN uses Long-short term memory (LSTM) units:</a:t>
                 </a:r>
               </a:p>
               <a:p>
@@ -9571,7 +11739,7 @@
                 </a14:m>
                 <a:r>
                   <a:rPr lang="en-US"/>
-                  <a:t> lần lượt là cổng forget, cổng input, cổng output, memory và hidden state của đơn vị LSTM.</a:t>
+                  <a:t> are the forget gate, input gate, output gate, memory and hidden state of the LSTM, respectively.</a:t>
                 </a:r>
               </a:p>
               <a:p>
@@ -9652,15 +11820,15 @@
                   </m:oMath>
                 </a14:m>
                 <a:r>
+                  <a:rPr lang="en-US"/>
+                  <a:t> obtained from </a:t>
+                </a:r>
+                <a:r>
                   <a:rPr lang="en-US" b="0"/>
-                  <a:t> từ attention model.</a:t>
+                  <a:t>attention model.</a:t>
                 </a:r>
               </a:p>
               <a:p>
-                <a:r>
-                  <a:rPr lang="en-US"/>
-                  <a:t>Word embeding matrix </a:t>
-                </a:r>
                 <a14:m>
                   <m:oMath xmlns:m="http://schemas.openxmlformats.org/officeDocument/2006/math">
                     <m:r>
@@ -9728,7 +11896,7 @@
                 </a14:m>
                 <a:r>
                   <a:rPr lang="en-US" b="0"/>
-                  <a:t> và one-hot vector của từ trước đó </a:t>
+                  <a:t> is an embedding matrix and </a:t>
                 </a:r>
                 <a14:m>
                   <m:oMath xmlns:m="http://schemas.openxmlformats.org/officeDocument/2006/math">
@@ -9779,7 +11947,7 @@
                 </a14:m>
                 <a:r>
                   <a:rPr lang="en-US" b="0"/>
-                  <a:t>.</a:t>
+                  <a:t> is an one-hot vector representation of previously generated word.</a:t>
                 </a:r>
               </a:p>
               <a:p>
@@ -9816,7 +11984,7 @@
               <a:blipFill>
                 <a:blip r:embed="rId2"/>
                 <a:stretch>
-                  <a:fillRect l="-944" t="-863"/>
+                  <a:fillRect l="-944" t="-1480" r="-2099" b="-1356"/>
                 </a:stretch>
               </a:blipFill>
             </p:spPr>
@@ -9856,54 +12024,10 @@
           <a:bodyPr/>
           <a:lstStyle/>
           <a:p>
-            <a:pPr marL="0" marR="0" lvl="0" indent="0" algn="l" defTabSz="457200" rtl="0" eaLnBrk="1" fontAlgn="auto" latinLnBrk="0" hangingPunct="1">
-              <a:lnSpc>
-                <a:spcPct val="100000"/>
-              </a:lnSpc>
-              <a:spcBef>
-                <a:spcPts val="0"/>
-              </a:spcBef>
-              <a:spcAft>
-                <a:spcPts val="0"/>
-              </a:spcAft>
-              <a:buClrTx/>
-              <a:buSzTx/>
-              <a:buFontTx/>
-              <a:buNone/>
-              <a:tabLst/>
-              <a:defRPr/>
-            </a:pPr>
-            <a:r>
-              <a:rPr kumimoji="0" lang="vi-VN" sz="1200" b="0" i="0" u="none" strike="noStrike" kern="1200" cap="none" spc="0" normalizeH="0" baseline="0" noProof="0">
-                <a:ln>
-                  <a:noFill/>
-                </a:ln>
-                <a:solidFill>
-                  <a:srgbClr val="191B0E"/>
-                </a:solidFill>
-                <a:effectLst/>
-                <a:uLnTx/>
-                <a:uFillTx/>
-                <a:latin typeface="Arial" panose="020B0604020202020204" pitchFamily="34" charset="0"/>
-                <a:ea typeface="+mn-ea"/>
-                <a:cs typeface="Arial" panose="020B0604020202020204" pitchFamily="34" charset="0"/>
-              </a:rPr>
-              <a:t>Đại học Sư phạm Kỹ thuật thành phố Hồ Chí Minh</a:t>
-            </a:r>
-            <a:endParaRPr kumimoji="0" lang="en-US" sz="1200" b="0" i="0" u="none" strike="noStrike" kern="1200" cap="none" spc="0" normalizeH="0" baseline="0" noProof="0">
-              <a:ln>
-                <a:noFill/>
-              </a:ln>
-              <a:solidFill>
-                <a:srgbClr val="191B0E"/>
-              </a:solidFill>
-              <a:effectLst/>
-              <a:uLnTx/>
-              <a:uFillTx/>
-              <a:latin typeface="Arial" panose="020B0604020202020204" pitchFamily="34" charset="0"/>
-              <a:ea typeface="+mn-ea"/>
-              <a:cs typeface="Arial" panose="020B0604020202020204" pitchFamily="34" charset="0"/>
-            </a:endParaRPr>
+            <a:r>
+              <a:rPr lang="en-US"/>
+              <a:t>Ho Chi Minh University of Technology and Education</a:t>
+            </a:r>
           </a:p>
         </p:txBody>
       </p:sp>
@@ -10105,12 +12229,14 @@
             </p:nvSpPr>
             <p:spPr/>
             <p:txBody>
-              <a:bodyPr/>
+              <a:bodyPr>
+                <a:normAutofit/>
+              </a:bodyPr>
               <a:lstStyle/>
               <a:p>
                 <a:r>
                   <a:rPr lang="en-US"/>
-                  <a:t>Giá trị khởi tạo của memory và hidden state được ước lượng thông qua hai mạng FNN (</a:t>
+                  <a:t>The initial memory state and hidden state of the LSTM are predicted by an average of the annotation vectors fed through two separate FNN (</a:t>
                 </a:r>
                 <a14:m>
                   <m:oMath xmlns:m="http://schemas.openxmlformats.org/officeDocument/2006/math">
@@ -10200,8 +12326,14 @@
                 </a14:m>
                 <a:r>
                   <a:rPr lang="en-US"/>
-                  <a:t>) với giá trị đầu vào là trung bình cộng của bộ vector trích xuất từ lớp convolutional:</a:t>
+                  <a:t>):</a:t>
                 </a:r>
+              </a:p>
+              <a:p>
+                <a:pPr marL="0" indent="0">
+                  <a:buNone/>
+                </a:pPr>
+                <a:endParaRPr lang="en-US"/>
               </a:p>
               <a:p>
                 <a:pPr marL="0" indent="0">
@@ -10609,54 +12741,10 @@
           <a:bodyPr/>
           <a:lstStyle/>
           <a:p>
-            <a:pPr marL="0" marR="0" lvl="0" indent="0" algn="l" defTabSz="457200" rtl="0" eaLnBrk="1" fontAlgn="auto" latinLnBrk="0" hangingPunct="1">
-              <a:lnSpc>
-                <a:spcPct val="100000"/>
-              </a:lnSpc>
-              <a:spcBef>
-                <a:spcPts val="0"/>
-              </a:spcBef>
-              <a:spcAft>
-                <a:spcPts val="0"/>
-              </a:spcAft>
-              <a:buClrTx/>
-              <a:buSzTx/>
-              <a:buFontTx/>
-              <a:buNone/>
-              <a:tabLst/>
-              <a:defRPr/>
-            </a:pPr>
-            <a:r>
-              <a:rPr kumimoji="0" lang="vi-VN" sz="1200" b="0" i="0" u="none" strike="noStrike" kern="1200" cap="none" spc="0" normalizeH="0" baseline="0" noProof="0">
-                <a:ln>
-                  <a:noFill/>
-                </a:ln>
-                <a:solidFill>
-                  <a:srgbClr val="191B0E"/>
-                </a:solidFill>
-                <a:effectLst/>
-                <a:uLnTx/>
-                <a:uFillTx/>
-                <a:latin typeface="Arial" panose="020B0604020202020204" pitchFamily="34" charset="0"/>
-                <a:ea typeface="+mn-ea"/>
-                <a:cs typeface="Arial" panose="020B0604020202020204" pitchFamily="34" charset="0"/>
-              </a:rPr>
-              <a:t>Đại học Sư phạm Kỹ thuật thành phố Hồ Chí Minh</a:t>
-            </a:r>
-            <a:endParaRPr kumimoji="0" lang="en-US" sz="1200" b="0" i="0" u="none" strike="noStrike" kern="1200" cap="none" spc="0" normalizeH="0" baseline="0" noProof="0">
-              <a:ln>
-                <a:noFill/>
-              </a:ln>
-              <a:solidFill>
-                <a:srgbClr val="191B0E"/>
-              </a:solidFill>
-              <a:effectLst/>
-              <a:uLnTx/>
-              <a:uFillTx/>
-              <a:latin typeface="Arial" panose="020B0604020202020204" pitchFamily="34" charset="0"/>
-              <a:ea typeface="+mn-ea"/>
-              <a:cs typeface="Arial" panose="020B0604020202020204" pitchFamily="34" charset="0"/>
-            </a:endParaRPr>
+            <a:r>
+              <a:rPr lang="en-US"/>
+              <a:t>Ho Chi Minh University of Technology and Education</a:t>
+            </a:r>
           </a:p>
         </p:txBody>
       </p:sp>
@@ -10827,24 +12915,24 @@
             </p:nvSpPr>
             <p:spPr>
               <a:xfrm>
-                <a:off x="1371600" y="1940764"/>
-                <a:ext cx="9601200" cy="4231436"/>
+                <a:off x="1371600" y="1509204"/>
+                <a:ext cx="9601200" cy="4944182"/>
               </a:xfrm>
             </p:spPr>
             <p:txBody>
               <a:bodyPr>
-                <a:normAutofit/>
+                <a:normAutofit fontScale="92500" lnSpcReduction="20000"/>
               </a:bodyPr>
               <a:lstStyle/>
               <a:p>
                 <a:r>
                   <a:rPr lang="en-US"/>
-                  <a:t>Ở mỗi thời điểm </a:t>
+                  <a:t>At each time step </a:t>
                 </a:r>
                 <a14:m>
                   <m:oMath xmlns:m="http://schemas.openxmlformats.org/officeDocument/2006/math">
                     <m:r>
-                      <a:rPr lang="en-US" b="0" i="1" smtClean="0">
+                      <a:rPr lang="en-US" i="1">
                         <a:latin typeface="Cambria Math" panose="02040503050406030204" pitchFamily="18" charset="0"/>
                       </a:rPr>
                       <m:t>𝑡</m:t>
@@ -10853,7 +12941,7 @@
                 </a14:m>
                 <a:r>
                   <a:rPr lang="en-US"/>
-                  <a:t> trong quá trình tạo ra câu mô tả, một context vector </a:t>
+                  <a:t> of the output  word sequence, a context vector </a:t>
                 </a:r>
                 <a14:m>
                   <m:oMath xmlns:m="http://schemas.openxmlformats.org/officeDocument/2006/math">
@@ -10898,7 +12986,7 @@
                 </a14:m>
                 <a:r>
                   <a:rPr lang="en-US"/>
-                  <a:t> được tính dựa trên bộ vector </a:t>
+                  <a:t> is computed based on the set of feature vectors </a:t>
                 </a:r>
                 <a14:m>
                   <m:oMath xmlns:m="http://schemas.openxmlformats.org/officeDocument/2006/math">
@@ -11049,13 +13137,80 @@
                 </a14:m>
                 <a:r>
                   <a:rPr lang="en-US"/>
-                  <a:t> từ encoder.</a:t>
+                  <a:t> extracted from decoder.</a:t>
                 </a:r>
               </a:p>
               <a:p>
                 <a:r>
                   <a:rPr lang="en-US"/>
-                  <a:t>Đối với từng vector </a:t>
+                  <a:t>For each location </a:t>
+                </a:r>
+                <a14:m>
+                  <m:oMath xmlns:m="http://schemas.openxmlformats.org/officeDocument/2006/math">
+                    <m:r>
+                      <a:rPr lang="en-US" i="1" smtClean="0">
+                        <a:latin typeface="Cambria Math" panose="02040503050406030204" pitchFamily="18" charset="0"/>
+                      </a:rPr>
+                      <m:t>𝑖</m:t>
+                    </m:r>
+                  </m:oMath>
+                </a14:m>
+                <a:r>
+                  <a:rPr lang="en-US"/>
+                  <a:t>, the mechanism generates a positive weight </a:t>
+                </a:r>
+                <a14:m>
+                  <m:oMath xmlns:m="http://schemas.openxmlformats.org/officeDocument/2006/math">
+                    <m:sSub>
+                      <m:sSubPr>
+                        <m:ctrlPr>
+                          <a:rPr lang="en-US" i="1">
+                            <a:latin typeface="Cambria Math" panose="02040503050406030204" pitchFamily="18" charset="0"/>
+                          </a:rPr>
+                        </m:ctrlPr>
+                      </m:sSubPr>
+                      <m:e>
+                        <m:r>
+                          <a:rPr lang="en-US" i="1">
+                            <a:latin typeface="Cambria Math" panose="02040503050406030204" pitchFamily="18" charset="0"/>
+                          </a:rPr>
+                          <m:t>𝛼</m:t>
+                        </m:r>
+                      </m:e>
+                      <m:sub>
+                        <m:r>
+                          <a:rPr lang="en-US" i="1">
+                            <a:latin typeface="Cambria Math" panose="02040503050406030204" pitchFamily="18" charset="0"/>
+                          </a:rPr>
+                          <m:t>𝑖</m:t>
+                        </m:r>
+                      </m:sub>
+                    </m:sSub>
+                    <m:r>
+                      <a:rPr lang="en-US" i="1">
+                        <a:latin typeface="Cambria Math" panose="02040503050406030204" pitchFamily="18" charset="0"/>
+                      </a:rPr>
+                      <m:t> </m:t>
+                    </m:r>
+                  </m:oMath>
+                </a14:m>
+                <a:r>
+                  <a:rPr lang="en-US"/>
+                  <a:t>which can be interpreted either as the relative importance to give to location </a:t>
+                </a:r>
+                <a14:m>
+                  <m:oMath xmlns:m="http://schemas.openxmlformats.org/officeDocument/2006/math">
+                    <m:r>
+                      <a:rPr lang="en-US" i="1" smtClean="0">
+                        <a:latin typeface="Cambria Math" panose="02040503050406030204" pitchFamily="18" charset="0"/>
+                      </a:rPr>
+                      <m:t>𝑖</m:t>
+                    </m:r>
+                  </m:oMath>
+                </a14:m>
+                <a:r>
+                  <a:rPr lang="en-US"/>
+                  <a:t> in blending the </a:t>
                 </a:r>
                 <a14:m>
                   <m:oMath xmlns:m="http://schemas.openxmlformats.org/officeDocument/2006/math">
@@ -11088,7 +13243,13 @@
                 </a14:m>
                 <a:r>
                   <a:rPr lang="en-US"/>
-                  <a:t>, mô hình tính toán ra một trọng số dương </a:t>
+                  <a:t>’s together.</a:t>
+                </a:r>
+              </a:p>
+              <a:p>
+                <a:r>
+                  <a:rPr lang="en-US"/>
+                  <a:t>The weight </a:t>
                 </a:r>
                 <a14:m>
                   <m:oMath xmlns:m="http://schemas.openxmlformats.org/officeDocument/2006/math">
@@ -11117,11 +13278,17 @@
                         </m:r>
                       </m:sub>
                     </m:sSub>
+                    <m:r>
+                      <a:rPr lang="en-US" i="1">
+                        <a:latin typeface="Cambria Math" panose="02040503050406030204" pitchFamily="18" charset="0"/>
+                      </a:rPr>
+                      <m:t> </m:t>
+                    </m:r>
                   </m:oMath>
                 </a14:m>
                 <a:r>
                   <a:rPr lang="en-US"/>
-                  <a:t> tương ứng với tầm quan trọng, ảnh hưởng mà vector </a:t>
+                  <a:t>of each annotation vector </a:t>
                 </a:r>
                 <a14:m>
                   <m:oMath xmlns:m="http://schemas.openxmlformats.org/officeDocument/2006/math">
@@ -11153,55 +13320,16 @@
                   </m:oMath>
                 </a14:m>
                 <a:r>
-                  <a:rPr lang="en-US"/>
-                  <a:t> được “chú ý” ở thời điểm </a:t>
+                  <a:rPr lang="en-US" i="1"/>
+                  <a:t> </a:t>
                 </a:r>
-                <a14:m>
-                  <m:oMath xmlns:m="http://schemas.openxmlformats.org/officeDocument/2006/math">
-                    <m:r>
-                      <a:rPr lang="en-US" b="0" i="1" smtClean="0">
-                        <a:latin typeface="Cambria Math" panose="02040503050406030204" pitchFamily="18" charset="0"/>
-                      </a:rPr>
-                      <m:t>𝑡</m:t>
-                    </m:r>
-                  </m:oMath>
-                </a14:m>
                 <a:r>
                   <a:rPr lang="en-US"/>
-                  <a:t>. Trọng số </a:t>
+                  <a:t>is computed by an </a:t>
                 </a:r>
-                <a14:m>
-                  <m:oMath xmlns:m="http://schemas.openxmlformats.org/officeDocument/2006/math">
-                    <m:sSub>
-                      <m:sSubPr>
-                        <m:ctrlPr>
-                          <a:rPr lang="en-US" i="1">
-                            <a:latin typeface="Cambria Math" panose="02040503050406030204" pitchFamily="18" charset="0"/>
-                          </a:rPr>
-                        </m:ctrlPr>
-                      </m:sSubPr>
-                      <m:e>
-                        <m:r>
-                          <a:rPr lang="en-US" i="1">
-                            <a:latin typeface="Cambria Math" panose="02040503050406030204" pitchFamily="18" charset="0"/>
-                          </a:rPr>
-                          <m:t>𝛼</m:t>
-                        </m:r>
-                      </m:e>
-                      <m:sub>
-                        <m:r>
-                          <a:rPr lang="en-US" i="1">
-                            <a:latin typeface="Cambria Math" panose="02040503050406030204" pitchFamily="18" charset="0"/>
-                          </a:rPr>
-                          <m:t>𝑖</m:t>
-                        </m:r>
-                      </m:sub>
-                    </m:sSub>
-                  </m:oMath>
-                </a14:m>
                 <a:r>
-                  <a:rPr lang="en-US"/>
-                  <a:t> được ước lượng bằng một mạng FNN (</a:t>
+                  <a:rPr lang="en-US" i="1"/>
+                  <a:t>attention model </a:t>
                 </a:r>
                 <a14:m>
                   <m:oMath xmlns:m="http://schemas.openxmlformats.org/officeDocument/2006/math">
@@ -11234,40 +13362,7 @@
                 </a14:m>
                 <a:r>
                   <a:rPr lang="en-US"/>
-                  <a:t>) với dữ liệu đầu vào là vector </a:t>
-                </a:r>
-                <a14:m>
-                  <m:oMath xmlns:m="http://schemas.openxmlformats.org/officeDocument/2006/math">
-                    <m:sSub>
-                      <m:sSubPr>
-                        <m:ctrlPr>
-                          <a:rPr lang="en-US" i="1">
-                            <a:latin typeface="Cambria Math" panose="02040503050406030204" pitchFamily="18" charset="0"/>
-                          </a:rPr>
-                        </m:ctrlPr>
-                      </m:sSubPr>
-                      <m:e>
-                        <m:r>
-                          <a:rPr lang="en-US" b="1" i="1">
-                            <a:latin typeface="Cambria Math" panose="02040503050406030204" pitchFamily="18" charset="0"/>
-                          </a:rPr>
-                          <m:t>𝒂</m:t>
-                        </m:r>
-                      </m:e>
-                      <m:sub>
-                        <m:r>
-                          <a:rPr lang="en-US" i="1">
-                            <a:latin typeface="Cambria Math" panose="02040503050406030204" pitchFamily="18" charset="0"/>
-                          </a:rPr>
-                          <m:t>𝑖</m:t>
-                        </m:r>
-                      </m:sub>
-                    </m:sSub>
-                  </m:oMath>
-                </a14:m>
-                <a:r>
-                  <a:rPr lang="en-US"/>
-                  <a:t> và giá trị hidden state trước đó </a:t>
+                  <a:t> for which we use a FNN conditioned on the previous hidden state </a:t>
                 </a:r>
                 <a14:m>
                   <m:oMath xmlns:m="http://schemas.openxmlformats.org/officeDocument/2006/math">
@@ -11302,12 +13397,18 @@
                         </m:r>
                       </m:sub>
                     </m:sSub>
+                    <m:r>
+                      <a:rPr lang="en-US" b="0" i="0" smtClean="0">
+                        <a:latin typeface="Cambria Math" panose="02040503050406030204" pitchFamily="18" charset="0"/>
+                      </a:rPr>
+                      <m:t>.</m:t>
+                    </m:r>
                   </m:oMath>
                 </a14:m>
-                <a:r>
-                  <a:rPr lang="en-US"/>
-                  <a:t>.</a:t>
-                </a:r>
+                <a:endParaRPr lang="en-US"/>
+              </a:p>
+              <a:p>
+                <a:endParaRPr lang="en-US"/>
               </a:p>
               <a:p>
                 <a:pPr marL="0" indent="0">
@@ -11449,6 +13550,26 @@
                         </m:e>
                       </m:d>
                     </m:oMath>
+                  </m:oMathPara>
+                </a14:m>
+                <a:endParaRPr lang="en-US" i="1">
+                  <a:latin typeface="Cambria Math" panose="02040503050406030204" pitchFamily="18" charset="0"/>
+                </a:endParaRPr>
+              </a:p>
+              <a:p>
+                <a:pPr marL="0" indent="0">
+                  <a:buNone/>
+                </a:pPr>
+                <a:br>
+                  <a:rPr lang="en-US" i="1">
+                    <a:latin typeface="Cambria Math" panose="02040503050406030204" pitchFamily="18" charset="0"/>
+                  </a:rPr>
+                </a:br>
+                <a14:m>
+                  <m:oMathPara xmlns:m="http://schemas.openxmlformats.org/officeDocument/2006/math">
+                    <m:oMathParaPr>
+                      <m:jc m:val="centerGroup"/>
+                    </m:oMathParaPr>
                     <m:oMath xmlns:m="http://schemas.openxmlformats.org/officeDocument/2006/math">
                       <m:sSub>
                         <m:sSubPr>
@@ -11627,15 +13748,56 @@
               <a:p>
                 <a:r>
                   <a:rPr lang="en-US"/>
-                  <a:t>Từ đó context vector đ</a:t>
+                  <a:t>Once the weights (which sum to one) are computed, the context vector </a:t>
                 </a:r>
+                <a14:m>
+                  <m:oMath xmlns:m="http://schemas.openxmlformats.org/officeDocument/2006/math">
+                    <m:sSub>
+                      <m:sSubPr>
+                        <m:ctrlPr>
+                          <a:rPr lang="en-US" i="1">
+                            <a:latin typeface="Cambria Math" panose="02040503050406030204" pitchFamily="18" charset="0"/>
+                          </a:rPr>
+                        </m:ctrlPr>
+                      </m:sSubPr>
+                      <m:e>
+                        <m:acc>
+                          <m:accPr>
+                            <m:chr m:val="̂"/>
+                            <m:ctrlPr>
+                              <a:rPr lang="en-US" i="1">
+                                <a:latin typeface="Cambria Math" panose="02040503050406030204" pitchFamily="18" charset="0"/>
+                              </a:rPr>
+                            </m:ctrlPr>
+                          </m:accPr>
+                          <m:e>
+                            <m:r>
+                              <a:rPr lang="en-US" b="1" i="1">
+                                <a:latin typeface="Cambria Math" panose="02040503050406030204" pitchFamily="18" charset="0"/>
+                              </a:rPr>
+                              <m:t>𝒛</m:t>
+                            </m:r>
+                          </m:e>
+                        </m:acc>
+                      </m:e>
+                      <m:sub>
+                        <m:r>
+                          <a:rPr lang="en-US" i="1">
+                            <a:latin typeface="Cambria Math" panose="02040503050406030204" pitchFamily="18" charset="0"/>
+                          </a:rPr>
+                          <m:t>𝑡</m:t>
+                        </m:r>
+                      </m:sub>
+                    </m:sSub>
+                  </m:oMath>
+                </a14:m>
                 <a:r>
-                  <a:rPr lang="vi-VN"/>
-                  <a:t>ư</a:t>
+                  <a:rPr lang="en-US" i="1"/>
+                  <a:t> </a:t>
                 </a:r>
                 <a:r>
                   <a:rPr lang="en-US"/>
-                  <a:t>ợc tính bằng công thức:</a:t>
+                  <a:t>is computed by:</a:t>
                 </a:r>
               </a:p>
               <a:p>
@@ -11694,7 +13856,7 @@
                       <m:nary>
                         <m:naryPr>
                           <m:chr m:val="∑"/>
-                          <m:limLoc m:val="undOvr"/>
+                          <m:limLoc m:val="subSup"/>
                           <m:ctrlPr>
                             <a:rPr lang="en-US" i="1">
                               <a:latin typeface="Cambria Math" panose="02040503050406030204" pitchFamily="18" charset="0"/>
@@ -11703,16 +13865,13 @@
                         </m:naryPr>
                         <m:sub>
                           <m:r>
+                            <m:rPr>
+                              <m:brk m:alnAt="25"/>
+                            </m:rPr>
                             <a:rPr lang="en-US" i="1">
                               <a:latin typeface="Cambria Math" panose="02040503050406030204" pitchFamily="18" charset="0"/>
                             </a:rPr>
                             <m:t>𝑖</m:t>
-                          </m:r>
-                          <m:r>
-                            <a:rPr lang="en-US" i="1">
-                              <a:latin typeface="Cambria Math" panose="02040503050406030204" pitchFamily="18" charset="0"/>
-                            </a:rPr>
-                            <m:t>=1</m:t>
                           </m:r>
                         </m:sub>
                         <m:sup>
@@ -11812,13 +13971,13 @@
             </p:nvSpPr>
             <p:spPr>
               <a:xfrm>
-                <a:off x="1371600" y="1940764"/>
-                <a:ext cx="9601200" cy="4231436"/>
+                <a:off x="1371600" y="1509204"/>
+                <a:ext cx="9601200" cy="4944182"/>
               </a:xfrm>
               <a:blipFill>
                 <a:blip r:embed="rId2"/>
                 <a:stretch>
-                  <a:fillRect l="-571" t="-1007"/>
+                  <a:fillRect l="-508" t="-2219"/>
                 </a:stretch>
               </a:blipFill>
             </p:spPr>
@@ -11858,54 +14017,10 @@
           <a:bodyPr/>
           <a:lstStyle/>
           <a:p>
-            <a:pPr marL="0" marR="0" lvl="0" indent="0" algn="l" defTabSz="457200" rtl="0" eaLnBrk="1" fontAlgn="auto" latinLnBrk="0" hangingPunct="1">
-              <a:lnSpc>
-                <a:spcPct val="100000"/>
-              </a:lnSpc>
-              <a:spcBef>
-                <a:spcPts val="0"/>
-              </a:spcBef>
-              <a:spcAft>
-                <a:spcPts val="0"/>
-              </a:spcAft>
-              <a:buClrTx/>
-              <a:buSzTx/>
-              <a:buFontTx/>
-              <a:buNone/>
-              <a:tabLst/>
-              <a:defRPr/>
-            </a:pPr>
-            <a:r>
-              <a:rPr kumimoji="0" lang="vi-VN" sz="1200" b="0" i="0" u="none" strike="noStrike" kern="1200" cap="none" spc="0" normalizeH="0" baseline="0" noProof="0">
-                <a:ln>
-                  <a:noFill/>
-                </a:ln>
-                <a:solidFill>
-                  <a:srgbClr val="191B0E"/>
-                </a:solidFill>
-                <a:effectLst/>
-                <a:uLnTx/>
-                <a:uFillTx/>
-                <a:latin typeface="Arial" panose="020B0604020202020204" pitchFamily="34" charset="0"/>
-                <a:ea typeface="+mn-ea"/>
-                <a:cs typeface="Arial" panose="020B0604020202020204" pitchFamily="34" charset="0"/>
-              </a:rPr>
-              <a:t>Đại học Sư phạm Kỹ thuật thành phố Hồ Chí Minh</a:t>
-            </a:r>
-            <a:endParaRPr kumimoji="0" lang="en-US" sz="1200" b="0" i="0" u="none" strike="noStrike" kern="1200" cap="none" spc="0" normalizeH="0" baseline="0" noProof="0">
-              <a:ln>
-                <a:noFill/>
-              </a:ln>
-              <a:solidFill>
-                <a:srgbClr val="191B0E"/>
-              </a:solidFill>
-              <a:effectLst/>
-              <a:uLnTx/>
-              <a:uFillTx/>
-              <a:latin typeface="Arial" panose="020B0604020202020204" pitchFamily="34" charset="0"/>
-              <a:ea typeface="+mn-ea"/>
-              <a:cs typeface="Arial" panose="020B0604020202020204" pitchFamily="34" charset="0"/>
-            </a:endParaRPr>
+            <a:r>
+              <a:rPr lang="en-US"/>
+              <a:t>Ho Chi Minh University of Technology and Education</a:t>
+            </a:r>
           </a:p>
         </p:txBody>
       </p:sp>

--- a/presentation.pptx
+++ b/presentation.pptx
@@ -5,10 +5,10 @@
     <p:sldMasterId id="2147483648" r:id="rId1"/>
   </p:sldMasterIdLst>
   <p:notesMasterIdLst>
-    <p:notesMasterId r:id="rId23"/>
+    <p:notesMasterId r:id="rId24"/>
   </p:notesMasterIdLst>
   <p:handoutMasterIdLst>
-    <p:handoutMasterId r:id="rId24"/>
+    <p:handoutMasterId r:id="rId25"/>
   </p:handoutMasterIdLst>
   <p:sldIdLst>
     <p:sldId id="256" r:id="rId2"/>
@@ -20,18 +20,19 @@
     <p:sldId id="263" r:id="rId8"/>
     <p:sldId id="264" r:id="rId9"/>
     <p:sldId id="262" r:id="rId10"/>
-    <p:sldId id="271" r:id="rId11"/>
-    <p:sldId id="273" r:id="rId12"/>
-    <p:sldId id="266" r:id="rId13"/>
-    <p:sldId id="274" r:id="rId14"/>
-    <p:sldId id="267" r:id="rId15"/>
-    <p:sldId id="275" r:id="rId16"/>
-    <p:sldId id="276" r:id="rId17"/>
-    <p:sldId id="268" r:id="rId18"/>
-    <p:sldId id="272" r:id="rId19"/>
-    <p:sldId id="265" r:id="rId20"/>
-    <p:sldId id="270" r:id="rId21"/>
-    <p:sldId id="269" r:id="rId22"/>
+    <p:sldId id="265" r:id="rId11"/>
+    <p:sldId id="271" r:id="rId12"/>
+    <p:sldId id="273" r:id="rId13"/>
+    <p:sldId id="266" r:id="rId14"/>
+    <p:sldId id="274" r:id="rId15"/>
+    <p:sldId id="267" r:id="rId16"/>
+    <p:sldId id="275" r:id="rId17"/>
+    <p:sldId id="276" r:id="rId18"/>
+    <p:sldId id="277" r:id="rId19"/>
+    <p:sldId id="268" r:id="rId20"/>
+    <p:sldId id="269" r:id="rId21"/>
+    <p:sldId id="272" r:id="rId22"/>
+    <p:sldId id="270" r:id="rId23"/>
   </p:sldIdLst>
   <p:sldSz cx="12192000" cy="6858000"/>
   <p:notesSz cx="6858000" cy="9144000"/>
@@ -144,6 +145,7 @@
             <p14:sldId id="263"/>
             <p14:sldId id="264"/>
             <p14:sldId id="262"/>
+            <p14:sldId id="265"/>
             <p14:sldId id="271"/>
             <p14:sldId id="273"/>
             <p14:sldId id="266"/>
@@ -151,15 +153,15 @@
             <p14:sldId id="267"/>
             <p14:sldId id="275"/>
             <p14:sldId id="276"/>
+            <p14:sldId id="277"/>
             <p14:sldId id="268"/>
+            <p14:sldId id="269"/>
           </p14:sldIdLst>
         </p14:section>
         <p14:section name="WIP" id="{B24BC9DF-86AB-4A43-B418-39264E38472B}">
           <p14:sldIdLst>
             <p14:sldId id="272"/>
-            <p14:sldId id="265"/>
             <p14:sldId id="270"/>
-            <p14:sldId id="269"/>
           </p14:sldIdLst>
         </p14:section>
       </p14:sectionLst>
@@ -1407,6 +1409,208 @@
       </pc:sldMasterChg>
     </pc:docChg>
   </pc:docChgLst>
+  <pc:docChgLst>
+    <pc:chgData name="Lyo Nguyễn" userId="6265a5ad646d5517" providerId="LiveId" clId="{A37A2FAB-C039-442A-99B0-202D4F7489D5}"/>
+    <pc:docChg chg="undo custSel modSld sldOrd">
+      <pc:chgData name="Lyo Nguyễn" userId="6265a5ad646d5517" providerId="LiveId" clId="{A37A2FAB-C039-442A-99B0-202D4F7489D5}" dt="2018-11-11T07:09:05.389" v="566" actId="20577"/>
+      <pc:docMkLst>
+        <pc:docMk/>
+      </pc:docMkLst>
+      <pc:sldChg chg="modSp">
+        <pc:chgData name="Lyo Nguyễn" userId="6265a5ad646d5517" providerId="LiveId" clId="{A37A2FAB-C039-442A-99B0-202D4F7489D5}" dt="2018-11-11T07:09:05.389" v="566" actId="20577"/>
+        <pc:sldMkLst>
+          <pc:docMk/>
+          <pc:sldMk cId="680522853" sldId="257"/>
+        </pc:sldMkLst>
+        <pc:spChg chg="mod">
+          <ac:chgData name="Lyo Nguyễn" userId="6265a5ad646d5517" providerId="LiveId" clId="{A37A2FAB-C039-442A-99B0-202D4F7489D5}" dt="2018-11-11T07:09:05.389" v="566" actId="20577"/>
+          <ac:spMkLst>
+            <pc:docMk/>
+            <pc:sldMk cId="680522853" sldId="257"/>
+            <ac:spMk id="3" creationId="{E8B7A255-3CCC-4074-A67F-5D3967856A77}"/>
+          </ac:spMkLst>
+        </pc:spChg>
+      </pc:sldChg>
+      <pc:sldChg chg="ord">
+        <pc:chgData name="Lyo Nguyễn" userId="6265a5ad646d5517" providerId="LiveId" clId="{A37A2FAB-C039-442A-99B0-202D4F7489D5}" dt="2018-11-11T06:37:56.563" v="0"/>
+        <pc:sldMkLst>
+          <pc:docMk/>
+          <pc:sldMk cId="2219005252" sldId="265"/>
+        </pc:sldMkLst>
+      </pc:sldChg>
+      <pc:sldChg chg="modSp">
+        <pc:chgData name="Lyo Nguyễn" userId="6265a5ad646d5517" providerId="LiveId" clId="{A37A2FAB-C039-442A-99B0-202D4F7489D5}" dt="2018-11-11T07:01:20.411" v="491" actId="20577"/>
+        <pc:sldMkLst>
+          <pc:docMk/>
+          <pc:sldMk cId="3939415803" sldId="267"/>
+        </pc:sldMkLst>
+        <pc:spChg chg="mod">
+          <ac:chgData name="Lyo Nguyễn" userId="6265a5ad646d5517" providerId="LiveId" clId="{A37A2FAB-C039-442A-99B0-202D4F7489D5}" dt="2018-11-11T07:01:20.411" v="491" actId="20577"/>
+          <ac:spMkLst>
+            <pc:docMk/>
+            <pc:sldMk cId="3939415803" sldId="267"/>
+            <ac:spMk id="2" creationId="{6DBE88A1-E480-47C2-846F-41294045AAE4}"/>
+          </ac:spMkLst>
+        </pc:spChg>
+      </pc:sldChg>
+      <pc:sldChg chg="modSp ord">
+        <pc:chgData name="Lyo Nguyễn" userId="6265a5ad646d5517" providerId="LiveId" clId="{A37A2FAB-C039-442A-99B0-202D4F7489D5}" dt="2018-11-11T07:08:38.049" v="565" actId="20577"/>
+        <pc:sldMkLst>
+          <pc:docMk/>
+          <pc:sldMk cId="3990626404" sldId="269"/>
+        </pc:sldMkLst>
+        <pc:spChg chg="mod">
+          <ac:chgData name="Lyo Nguyễn" userId="6265a5ad646d5517" providerId="LiveId" clId="{A37A2FAB-C039-442A-99B0-202D4F7489D5}" dt="2018-11-11T07:08:38.049" v="565" actId="20577"/>
+          <ac:spMkLst>
+            <pc:docMk/>
+            <pc:sldMk cId="3990626404" sldId="269"/>
+            <ac:spMk id="3" creationId="{4BA87E11-325D-4227-955D-12525E26D770}"/>
+          </ac:spMkLst>
+        </pc:spChg>
+      </pc:sldChg>
+      <pc:sldChg chg="modSp">
+        <pc:chgData name="Lyo Nguyễn" userId="6265a5ad646d5517" providerId="LiveId" clId="{A37A2FAB-C039-442A-99B0-202D4F7489D5}" dt="2018-11-11T06:58:26.708" v="454" actId="20577"/>
+        <pc:sldMkLst>
+          <pc:docMk/>
+          <pc:sldMk cId="1682451747" sldId="275"/>
+        </pc:sldMkLst>
+        <pc:spChg chg="mod">
+          <ac:chgData name="Lyo Nguyễn" userId="6265a5ad646d5517" providerId="LiveId" clId="{A37A2FAB-C039-442A-99B0-202D4F7489D5}" dt="2018-11-11T06:58:26.708" v="454" actId="20577"/>
+          <ac:spMkLst>
+            <pc:docMk/>
+            <pc:sldMk cId="1682451747" sldId="275"/>
+            <ac:spMk id="2" creationId="{F58C4021-B47E-4307-ADC1-DAEB660662EF}"/>
+          </ac:spMkLst>
+        </pc:spChg>
+      </pc:sldChg>
+      <pc:sldChg chg="modSp">
+        <pc:chgData name="Lyo Nguyễn" userId="6265a5ad646d5517" providerId="LiveId" clId="{A37A2FAB-C039-442A-99B0-202D4F7489D5}" dt="2018-11-11T06:58:38.260" v="472" actId="1076"/>
+        <pc:sldMkLst>
+          <pc:docMk/>
+          <pc:sldMk cId="1329851625" sldId="276"/>
+        </pc:sldMkLst>
+        <pc:spChg chg="mod">
+          <ac:chgData name="Lyo Nguyễn" userId="6265a5ad646d5517" providerId="LiveId" clId="{A37A2FAB-C039-442A-99B0-202D4F7489D5}" dt="2018-11-11T06:58:38.260" v="472" actId="1076"/>
+          <ac:spMkLst>
+            <pc:docMk/>
+            <pc:sldMk cId="1329851625" sldId="276"/>
+            <ac:spMk id="2" creationId="{CA7B9D2D-CAF0-426D-9C04-EF86EDCF2DB8}"/>
+          </ac:spMkLst>
+        </pc:spChg>
+      </pc:sldChg>
+      <pc:sldChg chg="addSp delSp modSp">
+        <pc:chgData name="Lyo Nguyễn" userId="6265a5ad646d5517" providerId="LiveId" clId="{A37A2FAB-C039-442A-99B0-202D4F7489D5}" dt="2018-11-11T07:03:29.670" v="512" actId="20577"/>
+        <pc:sldMkLst>
+          <pc:docMk/>
+          <pc:sldMk cId="2374502986" sldId="277"/>
+        </pc:sldMkLst>
+        <pc:spChg chg="mod">
+          <ac:chgData name="Lyo Nguyễn" userId="6265a5ad646d5517" providerId="LiveId" clId="{A37A2FAB-C039-442A-99B0-202D4F7489D5}" dt="2018-11-11T06:44:00.803" v="153" actId="20577"/>
+          <ac:spMkLst>
+            <pc:docMk/>
+            <pc:sldMk cId="2374502986" sldId="277"/>
+            <ac:spMk id="2" creationId="{00000000-0000-0000-0000-000000000000}"/>
+          </ac:spMkLst>
+        </pc:spChg>
+        <pc:spChg chg="del">
+          <ac:chgData name="Lyo Nguyễn" userId="6265a5ad646d5517" providerId="LiveId" clId="{A37A2FAB-C039-442A-99B0-202D4F7489D5}" dt="2018-11-11T06:39:39.316" v="1" actId="478"/>
+          <ac:spMkLst>
+            <pc:docMk/>
+            <pc:sldMk cId="2374502986" sldId="277"/>
+            <ac:spMk id="6" creationId="{00000000-0000-0000-0000-000000000000}"/>
+          </ac:spMkLst>
+        </pc:spChg>
+        <pc:spChg chg="add del mod">
+          <ac:chgData name="Lyo Nguyễn" userId="6265a5ad646d5517" providerId="LiveId" clId="{A37A2FAB-C039-442A-99B0-202D4F7489D5}" dt="2018-11-11T06:43:51.048" v="142" actId="478"/>
+          <ac:spMkLst>
+            <pc:docMk/>
+            <pc:sldMk cId="2374502986" sldId="277"/>
+            <ac:spMk id="8" creationId="{A4C33763-36B9-45FC-929F-E3FCDA77A577}"/>
+          </ac:spMkLst>
+        </pc:spChg>
+        <pc:spChg chg="add mod">
+          <ac:chgData name="Lyo Nguyễn" userId="6265a5ad646d5517" providerId="LiveId" clId="{A37A2FAB-C039-442A-99B0-202D4F7489D5}" dt="2018-11-11T06:57:57.460" v="443" actId="1076"/>
+          <ac:spMkLst>
+            <pc:docMk/>
+            <pc:sldMk cId="2374502986" sldId="277"/>
+            <ac:spMk id="9" creationId="{CBCD9CC4-D1FB-4310-AF0B-8A4D2F76706D}"/>
+          </ac:spMkLst>
+        </pc:spChg>
+        <pc:spChg chg="add del">
+          <ac:chgData name="Lyo Nguyễn" userId="6265a5ad646d5517" providerId="LiveId" clId="{A37A2FAB-C039-442A-99B0-202D4F7489D5}" dt="2018-11-11T06:56:12.948" v="399"/>
+          <ac:spMkLst>
+            <pc:docMk/>
+            <pc:sldMk cId="2374502986" sldId="277"/>
+            <ac:spMk id="12" creationId="{39004004-58BC-4E40-9286-13369A6CCF40}"/>
+          </ac:spMkLst>
+        </pc:spChg>
+        <pc:spChg chg="add del">
+          <ac:chgData name="Lyo Nguyễn" userId="6265a5ad646d5517" providerId="LiveId" clId="{A37A2FAB-C039-442A-99B0-202D4F7489D5}" dt="2018-11-11T06:56:47.888" v="411"/>
+          <ac:spMkLst>
+            <pc:docMk/>
+            <pc:sldMk cId="2374502986" sldId="277"/>
+            <ac:spMk id="14" creationId="{475820BE-1C32-4A77-88A0-50AE1EACD2A3}"/>
+          </ac:spMkLst>
+        </pc:spChg>
+        <pc:spChg chg="add del">
+          <ac:chgData name="Lyo Nguyễn" userId="6265a5ad646d5517" providerId="LiveId" clId="{A37A2FAB-C039-442A-99B0-202D4F7489D5}" dt="2018-11-11T06:57:33.345" v="427"/>
+          <ac:spMkLst>
+            <pc:docMk/>
+            <pc:sldMk cId="2374502986" sldId="277"/>
+            <ac:spMk id="16" creationId="{1C58E6C4-9A3A-4A25-8473-4321AA50ED4A}"/>
+          </ac:spMkLst>
+        </pc:spChg>
+        <pc:spChg chg="add del">
+          <ac:chgData name="Lyo Nguyễn" userId="6265a5ad646d5517" providerId="LiveId" clId="{A37A2FAB-C039-442A-99B0-202D4F7489D5}" dt="2018-11-11T06:57:36.086" v="429"/>
+          <ac:spMkLst>
+            <pc:docMk/>
+            <pc:sldMk cId="2374502986" sldId="277"/>
+            <ac:spMk id="17" creationId="{FAD75F5D-F5F3-4E12-87B9-5FA3D14D2F71}"/>
+          </ac:spMkLst>
+        </pc:spChg>
+        <pc:graphicFrameChg chg="add mod modGraphic">
+          <ac:chgData name="Lyo Nguyễn" userId="6265a5ad646d5517" providerId="LiveId" clId="{A37A2FAB-C039-442A-99B0-202D4F7489D5}" dt="2018-11-11T07:03:29.670" v="512" actId="20577"/>
+          <ac:graphicFrameMkLst>
+            <pc:docMk/>
+            <pc:sldMk cId="2374502986" sldId="277"/>
+            <ac:graphicFrameMk id="3" creationId="{E43B7DAE-E64A-446F-93FC-55AA613BAB94}"/>
+          </ac:graphicFrameMkLst>
+        </pc:graphicFrameChg>
+        <pc:graphicFrameChg chg="add del">
+          <ac:chgData name="Lyo Nguyễn" userId="6265a5ad646d5517" providerId="LiveId" clId="{A37A2FAB-C039-442A-99B0-202D4F7489D5}" dt="2018-11-11T06:56:12.948" v="399"/>
+          <ac:graphicFrameMkLst>
+            <pc:docMk/>
+            <pc:sldMk cId="2374502986" sldId="277"/>
+            <ac:graphicFrameMk id="10" creationId="{61CEA8D0-C18F-429E-B712-7C5A6C217903}"/>
+          </ac:graphicFrameMkLst>
+        </pc:graphicFrameChg>
+        <pc:graphicFrameChg chg="del">
+          <ac:chgData name="Lyo Nguyễn" userId="6265a5ad646d5517" providerId="LiveId" clId="{A37A2FAB-C039-442A-99B0-202D4F7489D5}" dt="2018-11-11T06:43:48.054" v="141" actId="478"/>
+          <ac:graphicFrameMkLst>
+            <pc:docMk/>
+            <pc:sldMk cId="2374502986" sldId="277"/>
+            <ac:graphicFrameMk id="11" creationId="{00000000-0000-0000-0000-000000000000}"/>
+          </ac:graphicFrameMkLst>
+        </pc:graphicFrameChg>
+        <pc:graphicFrameChg chg="add del">
+          <ac:chgData name="Lyo Nguyễn" userId="6265a5ad646d5517" providerId="LiveId" clId="{A37A2FAB-C039-442A-99B0-202D4F7489D5}" dt="2018-11-11T06:56:47.888" v="411"/>
+          <ac:graphicFrameMkLst>
+            <pc:docMk/>
+            <pc:sldMk cId="2374502986" sldId="277"/>
+            <ac:graphicFrameMk id="13" creationId="{B2E7CB01-96F3-4FE9-AB57-A73179199F6F}"/>
+          </ac:graphicFrameMkLst>
+        </pc:graphicFrameChg>
+        <pc:graphicFrameChg chg="add del">
+          <ac:chgData name="Lyo Nguyễn" userId="6265a5ad646d5517" providerId="LiveId" clId="{A37A2FAB-C039-442A-99B0-202D4F7489D5}" dt="2018-11-11T06:57:33.345" v="427"/>
+          <ac:graphicFrameMkLst>
+            <pc:docMk/>
+            <pc:sldMk cId="2374502986" sldId="277"/>
+            <ac:graphicFrameMk id="15" creationId="{DC769F62-C10E-480A-B2CF-642373580914}"/>
+          </ac:graphicFrameMkLst>
+        </pc:graphicFrameChg>
+      </pc:sldChg>
+    </pc:docChg>
+  </pc:docChgLst>
 </pc:chgInfo>
 </file>
 
@@ -1504,7 +1708,7 @@
           <a:p>
             <a:fld id="{D6147D93-A8E2-456C-AA1B-408479C8DD1F}" type="datetimeFigureOut">
               <a:rPr lang="en-US" smtClean="0"/>
-              <a:t>31-Oct-18</a:t>
+              <a:t>11-Nov-18</a:t>
             </a:fld>
             <a:endParaRPr lang="en-US"/>
           </a:p>
@@ -1681,7 +1885,7 @@
           <a:p>
             <a:fld id="{B01ACF5F-EBBD-4B3D-B5CD-FA43CA348E40}" type="datetimeFigureOut">
               <a:rPr lang="en-US" smtClean="0"/>
-              <a:t>30-Oct-18</a:t>
+              <a:t>11-Nov-18</a:t>
             </a:fld>
             <a:endParaRPr lang="en-US"/>
           </a:p>
@@ -2284,7 +2488,7 @@
           <a:p>
             <a:fld id="{54A9FF1C-3F9C-4009-8F70-4E6E907343D3}" type="datetime1">
               <a:rPr lang="en-US" smtClean="0"/>
-              <a:t>30-Oct-18</a:t>
+              <a:t>11-Nov-18</a:t>
             </a:fld>
             <a:endParaRPr lang="en-US"/>
           </a:p>
@@ -2761,7 +2965,7 @@
           <a:p>
             <a:fld id="{F83C8BBB-3807-48C2-B309-0409D0C827B0}" type="datetime1">
               <a:rPr lang="en-US" smtClean="0"/>
-              <a:t>30-Oct-18</a:t>
+              <a:t>11-Nov-18</a:t>
             </a:fld>
             <a:endParaRPr lang="en-US"/>
           </a:p>
@@ -2999,7 +3203,7 @@
           <a:p>
             <a:fld id="{7F6F3F03-DC69-4758-8847-E65C8E67C9E5}" type="datetime1">
               <a:rPr lang="en-US" smtClean="0"/>
-              <a:t>30-Oct-18</a:t>
+              <a:t>11-Nov-18</a:t>
             </a:fld>
             <a:endParaRPr lang="en-US"/>
           </a:p>
@@ -3181,7 +3385,7 @@
           <a:p>
             <a:fld id="{5FEB175B-51D6-4DD1-9D94-C09E8B6F7D98}" type="datetime1">
               <a:rPr lang="en-US" smtClean="0"/>
-              <a:t>30-Oct-18</a:t>
+              <a:t>11-Nov-18</a:t>
             </a:fld>
             <a:endParaRPr lang="en-US"/>
           </a:p>
@@ -3352,7 +3556,7 @@
           <a:p>
             <a:fld id="{F98D8A0F-328F-4D26-826E-0829A4061CED}" type="datetime1">
               <a:rPr lang="en-US" smtClean="0"/>
-              <a:t>30-Oct-18</a:t>
+              <a:t>11-Nov-18</a:t>
             </a:fld>
             <a:endParaRPr lang="en-US"/>
           </a:p>
@@ -3576,7 +3780,7 @@
                 <a:tabLst/>
                 <a:defRPr/>
               </a:pPr>
-              <a:t>30-Oct-18</a:t>
+              <a:t>11-Nov-18</a:t>
             </a:fld>
             <a:endParaRPr kumimoji="0" lang="en-US" sz="1200" b="0" i="0" u="none" strike="noStrike" kern="1200" cap="none" spc="0" normalizeH="0" baseline="0" noProof="0">
               <a:ln>
@@ -3963,7 +4167,7 @@
           <a:p>
             <a:fld id="{3C14CD21-8426-493F-BFDC-F41841B82A6D}" type="datetime1">
               <a:rPr lang="en-US" smtClean="0"/>
-              <a:t>30-Oct-18</a:t>
+              <a:t>11-Nov-18</a:t>
             </a:fld>
             <a:endParaRPr lang="en-US"/>
           </a:p>
@@ -4355,7 +4559,7 @@
           <a:p>
             <a:fld id="{BEE0EC9F-89AE-4DEA-A3A4-990676041FBE}" type="datetime1">
               <a:rPr lang="en-US" smtClean="0"/>
-              <a:t>30-Oct-18</a:t>
+              <a:t>11-Nov-18</a:t>
             </a:fld>
             <a:endParaRPr lang="en-US"/>
           </a:p>
@@ -4834,7 +5038,7 @@
           <a:p>
             <a:fld id="{3D79E89C-B127-4A12-BC9B-76027AC62090}" type="datetime1">
               <a:rPr lang="en-US" smtClean="0"/>
-              <a:t>30-Oct-18</a:t>
+              <a:t>11-Nov-18</a:t>
             </a:fld>
             <a:endParaRPr lang="en-US"/>
           </a:p>
@@ -4954,7 +5158,7 @@
           <a:p>
             <a:fld id="{F2588842-8899-4504-B9C3-5EF51C240BF3}" type="datetime1">
               <a:rPr lang="en-US" smtClean="0"/>
-              <a:t>30-Oct-18</a:t>
+              <a:t>11-Nov-18</a:t>
             </a:fld>
             <a:endParaRPr lang="en-US"/>
           </a:p>
@@ -5051,7 +5255,7 @@
           <a:p>
             <a:fld id="{8B565DDA-9A87-4C7C-8FEE-BFA91BDDC2B0}" type="datetime1">
               <a:rPr lang="en-US" smtClean="0"/>
-              <a:t>30-Oct-18</a:t>
+              <a:t>11-Nov-18</a:t>
             </a:fld>
             <a:endParaRPr lang="en-US"/>
           </a:p>
@@ -5399,7 +5603,7 @@
           <a:p>
             <a:fld id="{2167AF99-787A-4967-9604-A13162BD44E0}" type="datetime1">
               <a:rPr lang="en-US" smtClean="0"/>
-              <a:t>30-Oct-18</a:t>
+              <a:t>11-Nov-18</a:t>
             </a:fld>
             <a:endParaRPr lang="en-US"/>
           </a:p>
@@ -5677,7 +5881,7 @@
           <a:p>
             <a:fld id="{AE5B5A36-10B2-4423-B551-341A6B58D5B9}" type="datetime1">
               <a:rPr lang="en-US" smtClean="0"/>
-              <a:t>30-Oct-18</a:t>
+              <a:t>11-Nov-18</a:t>
             </a:fld>
             <a:endParaRPr lang="en-US"/>
           </a:p>
@@ -6325,7 +6529,7 @@
           <p:cNvPr id="2" name="Title 1">
             <a:extLst>
               <a:ext uri="{FF2B5EF4-FFF2-40B4-BE49-F238E27FC236}">
-                <a16:creationId xmlns:a16="http://schemas.microsoft.com/office/drawing/2014/main" id="{7A1B0B56-8AE2-42C1-BA09-3B962C13B7CB}"/>
+                <a16:creationId xmlns:a16="http://schemas.microsoft.com/office/drawing/2014/main" id="{83D5EF7C-F768-416D-A178-1EBE8476EA2D}"/>
               </a:ext>
             </a:extLst>
           </p:cNvPr>
@@ -6343,17 +6547,17 @@
           <a:p>
             <a:r>
               <a:rPr lang="en-US"/>
-              <a:t>Etsy Dataset</a:t>
+              <a:t>Flickr8k Dataset</a:t>
             </a:r>
           </a:p>
         </p:txBody>
       </p:sp>
       <p:sp>
         <p:nvSpPr>
-          <p:cNvPr id="3" name="Content Placeholder 2">
+          <p:cNvPr id="6" name="Content Placeholder 5">
             <a:extLst>
               <a:ext uri="{FF2B5EF4-FFF2-40B4-BE49-F238E27FC236}">
-                <a16:creationId xmlns:a16="http://schemas.microsoft.com/office/drawing/2014/main" id="{0FC6A03C-B9BD-4064-949C-2F81B977CE6D}"/>
+                <a16:creationId xmlns:a16="http://schemas.microsoft.com/office/drawing/2014/main" id="{AAB986E5-29CE-4FC4-B3FC-E0F262D27258}"/>
               </a:ext>
             </a:extLst>
           </p:cNvPr>
@@ -6366,16 +6570,18 @@
         </p:nvSpPr>
         <p:spPr/>
         <p:txBody>
-          <a:bodyPr/>
+          <a:bodyPr>
+            <a:normAutofit/>
+          </a:bodyPr>
           <a:lstStyle/>
           <a:p>
             <a:r>
               <a:rPr lang="en-US"/>
-              <a:t>A fashion dataset consisting of </a:t>
+              <a:t>Dataset consisting of </a:t>
             </a:r>
             <a:r>
               <a:rPr lang="en-US" b="1"/>
-              <a:t>5,000 images </a:t>
+              <a:t>8,000 images </a:t>
             </a:r>
             <a:r>
               <a:rPr lang="en-US"/>
@@ -6383,17 +6589,11 @@
             </a:r>
             <a:r>
               <a:rPr lang="en-US" b="1"/>
-              <a:t>three different captions </a:t>
-            </a:r>
-            <a:r>
-              <a:rPr lang="en-US"/>
-              <a:t>which provide clear descriptions of the types, styles and attributes.</a:t>
-            </a:r>
-          </a:p>
-          <a:p>
-            <a:r>
-              <a:rPr lang="en-US"/>
-              <a:t>Dataset comes with 3000 images for training, 1000 validation and 1000 testing.</a:t>
+              <a:t>five different captions </a:t>
+            </a:r>
+            <a:r>
+              <a:rPr lang="en-US"/>
+              <a:t>which provide clear descriptions of the salient entities and events.</a:t>
             </a:r>
           </a:p>
         </p:txBody>
@@ -6403,7 +6603,7 @@
           <p:cNvPr id="4" name="Footer Placeholder 3">
             <a:extLst>
               <a:ext uri="{FF2B5EF4-FFF2-40B4-BE49-F238E27FC236}">
-                <a16:creationId xmlns:a16="http://schemas.microsoft.com/office/drawing/2014/main" id="{70708D30-D9E1-4D46-8A6F-39C8D9C6DF1B}"/>
+                <a16:creationId xmlns:a16="http://schemas.microsoft.com/office/drawing/2014/main" id="{AA15A1E0-B0D3-45F3-BE8D-5F6C9C67AC7A}"/>
               </a:ext>
             </a:extLst>
           </p:cNvPr>
@@ -6431,7 +6631,7 @@
           <p:cNvPr id="5" name="Slide Number Placeholder 4">
             <a:extLst>
               <a:ext uri="{FF2B5EF4-FFF2-40B4-BE49-F238E27FC236}">
-                <a16:creationId xmlns:a16="http://schemas.microsoft.com/office/drawing/2014/main" id="{AEFA3E9E-4DBB-448E-8CBD-423C6D30E78A}"/>
+                <a16:creationId xmlns:a16="http://schemas.microsoft.com/office/drawing/2014/main" id="{67967A7C-8B5D-4CE5-ABA4-3C31E327F330}"/>
               </a:ext>
             </a:extLst>
           </p:cNvPr>
@@ -6447,80 +6647,20 @@
           <a:bodyPr/>
           <a:lstStyle/>
           <a:p>
-            <a:pPr marL="0" marR="0" lvl="0" indent="0" algn="r" defTabSz="457200" rtl="0" eaLnBrk="1" fontAlgn="auto" latinLnBrk="0" hangingPunct="1">
-              <a:lnSpc>
-                <a:spcPct val="100000"/>
-              </a:lnSpc>
-              <a:spcBef>
-                <a:spcPts val="0"/>
-              </a:spcBef>
-              <a:spcAft>
-                <a:spcPts val="0"/>
-              </a:spcAft>
-              <a:buClrTx/>
-              <a:buSzTx/>
-              <a:buFontTx/>
-              <a:buNone/>
-              <a:tabLst/>
-              <a:defRPr/>
-            </a:pPr>
             <a:fld id="{69E57DC2-970A-4B3E-BB1C-7A09969E49DF}" type="slidenum">
-              <a:rPr kumimoji="0" lang="en-US" sz="1200" b="0" i="0" u="none" strike="noStrike" kern="1200" cap="none" spc="0" normalizeH="0" baseline="0" noProof="0" smtClean="0">
-                <a:ln>
-                  <a:noFill/>
-                </a:ln>
-                <a:solidFill>
-                  <a:srgbClr val="191B0E"/>
-                </a:solidFill>
-                <a:effectLst/>
-                <a:uLnTx/>
-                <a:uFillTx/>
-                <a:latin typeface="Arial" panose="020B0604020202020204" pitchFamily="34" charset="0"/>
-                <a:ea typeface="+mn-ea"/>
-                <a:cs typeface="Arial" panose="020B0604020202020204" pitchFamily="34" charset="0"/>
-              </a:rPr>
-              <a:pPr marL="0" marR="0" lvl="0" indent="0" algn="r" defTabSz="457200" rtl="0" eaLnBrk="1" fontAlgn="auto" latinLnBrk="0" hangingPunct="1">
-                <a:lnSpc>
-                  <a:spcPct val="100000"/>
-                </a:lnSpc>
-                <a:spcBef>
-                  <a:spcPts val="0"/>
-                </a:spcBef>
-                <a:spcAft>
-                  <a:spcPts val="0"/>
-                </a:spcAft>
-                <a:buClrTx/>
-                <a:buSzTx/>
-                <a:buFontTx/>
-                <a:buNone/>
-                <a:tabLst/>
-                <a:defRPr/>
-              </a:pPr>
+              <a:rPr lang="en-US" smtClean="0"/>
               <a:t>10</a:t>
             </a:fld>
-            <a:endParaRPr kumimoji="0" lang="en-US" sz="1200" b="0" i="0" u="none" strike="noStrike" kern="1200" cap="none" spc="0" normalizeH="0" baseline="0" noProof="0">
-              <a:ln>
-                <a:noFill/>
-              </a:ln>
-              <a:solidFill>
-                <a:srgbClr val="191B0E"/>
-              </a:solidFill>
-              <a:effectLst/>
-              <a:uLnTx/>
-              <a:uFillTx/>
-              <a:latin typeface="Arial" panose="020B0604020202020204" pitchFamily="34" charset="0"/>
-              <a:ea typeface="+mn-ea"/>
-              <a:cs typeface="Arial" panose="020B0604020202020204" pitchFamily="34" charset="0"/>
-            </a:endParaRPr>
+            <a:endParaRPr lang="en-US"/>
           </a:p>
         </p:txBody>
       </p:sp>
       <p:pic>
         <p:nvPicPr>
-          <p:cNvPr id="7" name="Picture Placeholder 6">
+          <p:cNvPr id="9" name="Picture Placeholder 8">
             <a:extLst>
               <a:ext uri="{FF2B5EF4-FFF2-40B4-BE49-F238E27FC236}">
-                <a16:creationId xmlns:a16="http://schemas.microsoft.com/office/drawing/2014/main" id="{E8810BB1-5ADB-4F02-8CEC-83F600216FF3}"/>
+                <a16:creationId xmlns:a16="http://schemas.microsoft.com/office/drawing/2014/main" id="{C2689924-1823-4409-8459-EEE9B4B77052}"/>
               </a:ext>
             </a:extLst>
           </p:cNvPr>
@@ -6533,23 +6673,20 @@
         </p:nvPicPr>
         <p:blipFill rotWithShape="1">
           <a:blip r:embed="rId2"/>
-          <a:srcRect l="4993" r="7135"/>
+          <a:srcRect l="24385" r="25876" b="4832"/>
           <a:stretch/>
         </p:blipFill>
         <p:spPr>
           <a:xfrm>
-            <a:off x="7297614" y="685800"/>
-            <a:ext cx="4246685" cy="5181600"/>
+            <a:off x="7325607" y="891077"/>
+            <a:ext cx="4123055" cy="4931229"/>
           </a:xfrm>
-          <a:prstGeom prst="rect">
-            <a:avLst/>
-          </a:prstGeom>
         </p:spPr>
       </p:pic>
     </p:spTree>
     <p:extLst>
       <p:ext uri="{BB962C8B-B14F-4D97-AF65-F5344CB8AC3E}">
-        <p14:creationId xmlns:p14="http://schemas.microsoft.com/office/powerpoint/2010/main" val="2946892101"/>
+        <p14:creationId xmlns:p14="http://schemas.microsoft.com/office/powerpoint/2010/main" val="2219005252"/>
       </p:ext>
     </p:extLst>
   </p:cSld>
@@ -6581,7 +6718,7 @@
           <p:cNvPr id="2" name="Title 1">
             <a:extLst>
               <a:ext uri="{FF2B5EF4-FFF2-40B4-BE49-F238E27FC236}">
-                <a16:creationId xmlns:a16="http://schemas.microsoft.com/office/drawing/2014/main" id="{409DA698-6FD9-4A74-BA88-D86F44006BDA}"/>
+                <a16:creationId xmlns:a16="http://schemas.microsoft.com/office/drawing/2014/main" id="{7A1B0B56-8AE2-42C1-BA09-3B962C13B7CB}"/>
               </a:ext>
             </a:extLst>
           </p:cNvPr>
@@ -6599,17 +6736,17 @@
           <a:p>
             <a:r>
               <a:rPr lang="en-US"/>
-              <a:t>Model</a:t>
+              <a:t>Etsy Dataset</a:t>
             </a:r>
           </a:p>
         </p:txBody>
       </p:sp>
       <p:sp>
         <p:nvSpPr>
-          <p:cNvPr id="4" name="Footer Placeholder 3">
+          <p:cNvPr id="3" name="Content Placeholder 2">
             <a:extLst>
               <a:ext uri="{FF2B5EF4-FFF2-40B4-BE49-F238E27FC236}">
-                <a16:creationId xmlns:a16="http://schemas.microsoft.com/office/drawing/2014/main" id="{D833FE09-BBCB-4CE6-94D3-A29B7109E34C}"/>
+                <a16:creationId xmlns:a16="http://schemas.microsoft.com/office/drawing/2014/main" id="{0FC6A03C-B9BD-4064-949C-2F81B977CE6D}"/>
               </a:ext>
             </a:extLst>
           </p:cNvPr>
@@ -6617,7 +6754,7 @@
             <a:spLocks noGrp="1"/>
           </p:cNvSpPr>
           <p:nvPr>
-            <p:ph type="ftr" sz="quarter" idx="11"/>
+            <p:ph idx="1"/>
           </p:nvPr>
         </p:nvSpPr>
         <p:spPr/>
@@ -6627,6 +6764,56 @@
           <a:p>
             <a:r>
               <a:rPr lang="en-US"/>
+              <a:t>A fashion dataset consisting of </a:t>
+            </a:r>
+            <a:r>
+              <a:rPr lang="en-US" b="1"/>
+              <a:t>5,000 images </a:t>
+            </a:r>
+            <a:r>
+              <a:rPr lang="en-US"/>
+              <a:t>that are each paired with </a:t>
+            </a:r>
+            <a:r>
+              <a:rPr lang="en-US" b="1"/>
+              <a:t>three different captions </a:t>
+            </a:r>
+            <a:r>
+              <a:rPr lang="en-US"/>
+              <a:t>which provide clear descriptions of the types, styles and attributes.</a:t>
+            </a:r>
+          </a:p>
+          <a:p>
+            <a:r>
+              <a:rPr lang="en-US"/>
+              <a:t>Dataset comes with 3000 images for training, 1000 validation and 1000 testing.</a:t>
+            </a:r>
+          </a:p>
+        </p:txBody>
+      </p:sp>
+      <p:sp>
+        <p:nvSpPr>
+          <p:cNvPr id="4" name="Footer Placeholder 3">
+            <a:extLst>
+              <a:ext uri="{FF2B5EF4-FFF2-40B4-BE49-F238E27FC236}">
+                <a16:creationId xmlns:a16="http://schemas.microsoft.com/office/drawing/2014/main" id="{70708D30-D9E1-4D46-8A6F-39C8D9C6DF1B}"/>
+              </a:ext>
+            </a:extLst>
+          </p:cNvPr>
+          <p:cNvSpPr>
+            <a:spLocks noGrp="1"/>
+          </p:cNvSpPr>
+          <p:nvPr>
+            <p:ph type="ftr" sz="quarter" idx="11"/>
+          </p:nvPr>
+        </p:nvSpPr>
+        <p:spPr/>
+        <p:txBody>
+          <a:bodyPr/>
+          <a:lstStyle/>
+          <a:p>
+            <a:r>
+              <a:rPr lang="en-US"/>
               <a:t>Ho Chi Minh University of Technology and Education</a:t>
             </a:r>
           </a:p>
@@ -6637,7 +6824,7 @@
           <p:cNvPr id="5" name="Slide Number Placeholder 4">
             <a:extLst>
               <a:ext uri="{FF2B5EF4-FFF2-40B4-BE49-F238E27FC236}">
-                <a16:creationId xmlns:a16="http://schemas.microsoft.com/office/drawing/2014/main" id="{5CD1D02A-7D79-47ED-8B1C-E31BA50018F4}"/>
+                <a16:creationId xmlns:a16="http://schemas.microsoft.com/office/drawing/2014/main" id="{AEFA3E9E-4DBB-448E-8CBD-423C6D30E78A}"/>
               </a:ext>
             </a:extLst>
           </p:cNvPr>
@@ -6723,28 +6910,29 @@
       </p:sp>
       <p:pic>
         <p:nvPicPr>
-          <p:cNvPr id="14" name="Picture 13">
+          <p:cNvPr id="7" name="Picture Placeholder 6">
             <a:extLst>
               <a:ext uri="{FF2B5EF4-FFF2-40B4-BE49-F238E27FC236}">
-                <a16:creationId xmlns:a16="http://schemas.microsoft.com/office/drawing/2014/main" id="{57ED351F-C527-4866-9318-9AE1BD89889E}"/>
+                <a16:creationId xmlns:a16="http://schemas.microsoft.com/office/drawing/2014/main" id="{E8810BB1-5ADB-4F02-8CEC-83F600216FF3}"/>
               </a:ext>
             </a:extLst>
           </p:cNvPr>
           <p:cNvPicPr>
-            <a:picLocks noChangeAspect="1"/>
+            <a:picLocks noGrp="1" noChangeAspect="1"/>
           </p:cNvPicPr>
-          <p:nvPr/>
+          <p:nvPr>
+            <p:ph type="pic" sz="quarter" idx="13"/>
+          </p:nvPr>
         </p:nvPicPr>
-        <p:blipFill>
+        <p:blipFill rotWithShape="1">
           <a:blip r:embed="rId2"/>
-          <a:stretch>
-            <a:fillRect/>
-          </a:stretch>
+          <a:srcRect l="4993" r="7135"/>
+          <a:stretch/>
         </p:blipFill>
         <p:spPr>
           <a:xfrm>
-            <a:off x="710855" y="1428654"/>
-            <a:ext cx="11481145" cy="4652549"/>
+            <a:off x="7297614" y="685800"/>
+            <a:ext cx="4246685" cy="5181600"/>
           </a:xfrm>
           <a:prstGeom prst="rect">
             <a:avLst/>
@@ -6754,7 +6942,7 @@
     </p:spTree>
     <p:extLst>
       <p:ext uri="{BB962C8B-B14F-4D97-AF65-F5344CB8AC3E}">
-        <p14:creationId xmlns:p14="http://schemas.microsoft.com/office/powerpoint/2010/main" val="3892178651"/>
+        <p14:creationId xmlns:p14="http://schemas.microsoft.com/office/powerpoint/2010/main" val="2946892101"/>
       </p:ext>
     </p:extLst>
   </p:cSld>
@@ -6786,7 +6974,7 @@
           <p:cNvPr id="2" name="Title 1">
             <a:extLst>
               <a:ext uri="{FF2B5EF4-FFF2-40B4-BE49-F238E27FC236}">
-                <a16:creationId xmlns:a16="http://schemas.microsoft.com/office/drawing/2014/main" id="{786B237E-0529-4F2C-8000-01DAA4C2B73F}"/>
+                <a16:creationId xmlns:a16="http://schemas.microsoft.com/office/drawing/2014/main" id="{409DA698-6FD9-4A74-BA88-D86F44006BDA}"/>
               </a:ext>
             </a:extLst>
           </p:cNvPr>
@@ -6804,17 +6992,17 @@
           <a:p>
             <a:r>
               <a:rPr lang="en-US"/>
-              <a:t>Training</a:t>
+              <a:t>Model</a:t>
             </a:r>
           </a:p>
         </p:txBody>
       </p:sp>
       <p:sp>
         <p:nvSpPr>
-          <p:cNvPr id="3" name="Content Placeholder 2">
+          <p:cNvPr id="4" name="Footer Placeholder 3">
             <a:extLst>
               <a:ext uri="{FF2B5EF4-FFF2-40B4-BE49-F238E27FC236}">
-                <a16:creationId xmlns:a16="http://schemas.microsoft.com/office/drawing/2014/main" id="{A528CFD0-D699-46E1-956B-18994D91810E}"/>
+                <a16:creationId xmlns:a16="http://schemas.microsoft.com/office/drawing/2014/main" id="{D833FE09-BBCB-4CE6-94D3-A29B7109E34C}"/>
               </a:ext>
             </a:extLst>
           </p:cNvPr>
@@ -6822,92 +7010,6 @@
             <a:spLocks noGrp="1"/>
           </p:cNvSpPr>
           <p:nvPr>
-            <p:ph idx="1"/>
-          </p:nvPr>
-        </p:nvSpPr>
-        <p:spPr>
-          <a:xfrm>
-            <a:off x="1371600" y="1899825"/>
-            <a:ext cx="9601200" cy="4065233"/>
-          </a:xfrm>
-        </p:spPr>
-        <p:txBody>
-          <a:bodyPr>
-            <a:normAutofit/>
-          </a:bodyPr>
-          <a:lstStyle/>
-          <a:p>
-            <a:r>
-              <a:rPr lang="en-US"/>
-              <a:t>Cross entropy loss</a:t>
-            </a:r>
-          </a:p>
-          <a:p>
-            <a:r>
-              <a:rPr lang="en-US"/>
-              <a:t>Adam optimizer</a:t>
-            </a:r>
-          </a:p>
-          <a:p>
-            <a:r>
-              <a:rPr lang="en-US"/>
-              <a:t>Learning rate decay</a:t>
-            </a:r>
-          </a:p>
-          <a:p>
-            <a:r>
-              <a:rPr lang="en-US"/>
-              <a:t>Batch size 32</a:t>
-            </a:r>
-          </a:p>
-          <a:p>
-            <a:r>
-              <a:rPr lang="en-US"/>
-              <a:t>Input Normalization</a:t>
-            </a:r>
-          </a:p>
-          <a:p>
-            <a:r>
-              <a:rPr lang="en-US"/>
-              <a:t>Image Distortion</a:t>
-            </a:r>
-          </a:p>
-          <a:p>
-            <a:r>
-              <a:rPr lang="en-US"/>
-              <a:t>Dropout Regularization</a:t>
-            </a:r>
-          </a:p>
-          <a:p>
-            <a:r>
-              <a:rPr lang="en-US"/>
-              <a:t>L2 Regularization</a:t>
-            </a:r>
-          </a:p>
-          <a:p>
-            <a:r>
-              <a:rPr lang="en-US"/>
-              <a:t>Clip gradient</a:t>
-            </a:r>
-          </a:p>
-          <a:p>
-            <a:endParaRPr lang="en-US"/>
-          </a:p>
-        </p:txBody>
-      </p:sp>
-      <p:sp>
-        <p:nvSpPr>
-          <p:cNvPr id="4" name="Footer Placeholder 3">
-            <a:extLst>
-              <a:ext uri="{FF2B5EF4-FFF2-40B4-BE49-F238E27FC236}">
-                <a16:creationId xmlns:a16="http://schemas.microsoft.com/office/drawing/2014/main" id="{43980689-766F-4E26-9F83-AE5EFA7C61A6}"/>
-              </a:ext>
-            </a:extLst>
-          </p:cNvPr>
-          <p:cNvSpPr>
-            <a:spLocks noGrp="1"/>
-          </p:cNvSpPr>
-          <p:nvPr>
             <p:ph type="ftr" sz="quarter" idx="11"/>
           </p:nvPr>
         </p:nvSpPr>
@@ -6928,7 +7030,7 @@
           <p:cNvPr id="5" name="Slide Number Placeholder 4">
             <a:extLst>
               <a:ext uri="{FF2B5EF4-FFF2-40B4-BE49-F238E27FC236}">
-                <a16:creationId xmlns:a16="http://schemas.microsoft.com/office/drawing/2014/main" id="{BBDF3531-7AB0-4AB8-9B25-722FEE7D7993}"/>
+                <a16:creationId xmlns:a16="http://schemas.microsoft.com/office/drawing/2014/main" id="{5CD1D02A-7D79-47ED-8B1C-E31BA50018F4}"/>
               </a:ext>
             </a:extLst>
           </p:cNvPr>
@@ -7012,10 +7114,40 @@
           </a:p>
         </p:txBody>
       </p:sp>
+      <p:pic>
+        <p:nvPicPr>
+          <p:cNvPr id="14" name="Picture 13">
+            <a:extLst>
+              <a:ext uri="{FF2B5EF4-FFF2-40B4-BE49-F238E27FC236}">
+                <a16:creationId xmlns:a16="http://schemas.microsoft.com/office/drawing/2014/main" id="{57ED351F-C527-4866-9318-9AE1BD89889E}"/>
+              </a:ext>
+            </a:extLst>
+          </p:cNvPr>
+          <p:cNvPicPr>
+            <a:picLocks noChangeAspect="1"/>
+          </p:cNvPicPr>
+          <p:nvPr/>
+        </p:nvPicPr>
+        <p:blipFill>
+          <a:blip r:embed="rId2"/>
+          <a:stretch>
+            <a:fillRect/>
+          </a:stretch>
+        </p:blipFill>
+        <p:spPr>
+          <a:xfrm>
+            <a:off x="710855" y="1428654"/>
+            <a:ext cx="11481145" cy="4652549"/>
+          </a:xfrm>
+          <a:prstGeom prst="rect">
+            <a:avLst/>
+          </a:prstGeom>
+        </p:spPr>
+      </p:pic>
     </p:spTree>
     <p:extLst>
       <p:ext uri="{BB962C8B-B14F-4D97-AF65-F5344CB8AC3E}">
-        <p14:creationId xmlns:p14="http://schemas.microsoft.com/office/powerpoint/2010/main" val="3159845993"/>
+        <p14:creationId xmlns:p14="http://schemas.microsoft.com/office/powerpoint/2010/main" val="3892178651"/>
       </p:ext>
     </p:extLst>
   </p:cSld>
@@ -7047,7 +7179,7 @@
           <p:cNvPr id="2" name="Title 1">
             <a:extLst>
               <a:ext uri="{FF2B5EF4-FFF2-40B4-BE49-F238E27FC236}">
-                <a16:creationId xmlns:a16="http://schemas.microsoft.com/office/drawing/2014/main" id="{CAF35485-FB8A-4B49-AF86-336ADF38D9E8}"/>
+                <a16:creationId xmlns:a16="http://schemas.microsoft.com/office/drawing/2014/main" id="{786B237E-0529-4F2C-8000-01DAA4C2B73F}"/>
               </a:ext>
             </a:extLst>
           </p:cNvPr>
@@ -7065,17 +7197,17 @@
           <a:p>
             <a:r>
               <a:rPr lang="en-US"/>
-              <a:t>Prediction</a:t>
+              <a:t>Training</a:t>
             </a:r>
           </a:p>
         </p:txBody>
       </p:sp>
       <p:sp>
         <p:nvSpPr>
-          <p:cNvPr id="6" name="Content Placeholder 5">
+          <p:cNvPr id="3" name="Content Placeholder 2">
             <a:extLst>
               <a:ext uri="{FF2B5EF4-FFF2-40B4-BE49-F238E27FC236}">
-                <a16:creationId xmlns:a16="http://schemas.microsoft.com/office/drawing/2014/main" id="{05DBF8C5-A6FC-4A46-9E4B-CB1447EABB41}"/>
+                <a16:creationId xmlns:a16="http://schemas.microsoft.com/office/drawing/2014/main" id="{A528CFD0-D699-46E1-956B-18994D91810E}"/>
               </a:ext>
             </a:extLst>
           </p:cNvPr>
@@ -7086,37 +7218,73 @@
             <p:ph idx="1"/>
           </p:nvPr>
         </p:nvSpPr>
-        <p:spPr/>
+        <p:spPr>
+          <a:xfrm>
+            <a:off x="1371600" y="1899825"/>
+            <a:ext cx="9601200" cy="4065233"/>
+          </a:xfrm>
+        </p:spPr>
         <p:txBody>
-          <a:bodyPr/>
+          <a:bodyPr>
+            <a:normAutofit/>
+          </a:bodyPr>
           <a:lstStyle/>
           <a:p>
             <a:r>
               <a:rPr lang="en-US"/>
-              <a:t>At the prediction, generating caption using </a:t>
-            </a:r>
-            <a:r>
-              <a:rPr lang="en-US" b="1"/>
-              <a:t>beam search </a:t>
-            </a:r>
-            <a:r>
-              <a:rPr lang="en-US"/>
-              <a:t>to find </a:t>
-            </a:r>
-            <a:r>
-              <a:rPr lang="en-US" b="1"/>
-              <a:t>high-probability caption</a:t>
-            </a:r>
-            <a:r>
-              <a:rPr lang="en-US"/>
-              <a:t>.</a:t>
-            </a:r>
-          </a:p>
-          <a:p>
-            <a:r>
-              <a:rPr lang="en-US"/>
-              <a:t>Beam search is an optimization of best-first search that reduces its memory requirements, only a predetermined number of best partial solutions are kept as candidates in beam search.</a:t>
-            </a:r>
+              <a:t>Cross entropy loss</a:t>
+            </a:r>
+          </a:p>
+          <a:p>
+            <a:r>
+              <a:rPr lang="en-US"/>
+              <a:t>Adam optimizer</a:t>
+            </a:r>
+          </a:p>
+          <a:p>
+            <a:r>
+              <a:rPr lang="en-US"/>
+              <a:t>Learning rate decay</a:t>
+            </a:r>
+          </a:p>
+          <a:p>
+            <a:r>
+              <a:rPr lang="en-US"/>
+              <a:t>Batch size 32</a:t>
+            </a:r>
+          </a:p>
+          <a:p>
+            <a:r>
+              <a:rPr lang="en-US"/>
+              <a:t>Input Normalization</a:t>
+            </a:r>
+          </a:p>
+          <a:p>
+            <a:r>
+              <a:rPr lang="en-US"/>
+              <a:t>Image Distortion</a:t>
+            </a:r>
+          </a:p>
+          <a:p>
+            <a:r>
+              <a:rPr lang="en-US"/>
+              <a:t>Dropout Regularization</a:t>
+            </a:r>
+          </a:p>
+          <a:p>
+            <a:r>
+              <a:rPr lang="en-US"/>
+              <a:t>L2 Regularization</a:t>
+            </a:r>
+          </a:p>
+          <a:p>
+            <a:r>
+              <a:rPr lang="en-US"/>
+              <a:t>Clip gradient</a:t>
+            </a:r>
+          </a:p>
+          <a:p>
+            <a:endParaRPr lang="en-US"/>
           </a:p>
         </p:txBody>
       </p:sp>
@@ -7125,7 +7293,7 @@
           <p:cNvPr id="4" name="Footer Placeholder 3">
             <a:extLst>
               <a:ext uri="{FF2B5EF4-FFF2-40B4-BE49-F238E27FC236}">
-                <a16:creationId xmlns:a16="http://schemas.microsoft.com/office/drawing/2014/main" id="{0B6D3677-56F2-4B24-97F5-ADAEFB3A17A8}"/>
+                <a16:creationId xmlns:a16="http://schemas.microsoft.com/office/drawing/2014/main" id="{43980689-766F-4E26-9F83-AE5EFA7C61A6}"/>
               </a:ext>
             </a:extLst>
           </p:cNvPr>
@@ -7153,300 +7321,7 @@
           <p:cNvPr id="5" name="Slide Number Placeholder 4">
             <a:extLst>
               <a:ext uri="{FF2B5EF4-FFF2-40B4-BE49-F238E27FC236}">
-                <a16:creationId xmlns:a16="http://schemas.microsoft.com/office/drawing/2014/main" id="{56B6057E-B21C-4862-9F15-A466F5C141F0}"/>
-              </a:ext>
-            </a:extLst>
-          </p:cNvPr>
-          <p:cNvSpPr>
-            <a:spLocks noGrp="1"/>
-          </p:cNvSpPr>
-          <p:nvPr>
-            <p:ph type="sldNum" sz="quarter" idx="12"/>
-          </p:nvPr>
-        </p:nvSpPr>
-        <p:spPr/>
-        <p:txBody>
-          <a:bodyPr/>
-          <a:lstStyle/>
-          <a:p>
-            <a:fld id="{69E57DC2-970A-4B3E-BB1C-7A09969E49DF}" type="slidenum">
-              <a:rPr lang="en-US" smtClean="0"/>
-              <a:t>13</a:t>
-            </a:fld>
-            <a:endParaRPr lang="en-US"/>
-          </a:p>
-        </p:txBody>
-      </p:sp>
-      <p:pic>
-        <p:nvPicPr>
-          <p:cNvPr id="9" name="Picture Placeholder 8">
-            <a:extLst>
-              <a:ext uri="{FF2B5EF4-FFF2-40B4-BE49-F238E27FC236}">
-                <a16:creationId xmlns:a16="http://schemas.microsoft.com/office/drawing/2014/main" id="{B225BEAC-A01E-461A-AD8F-3B9C2B05D5BF}"/>
-              </a:ext>
-            </a:extLst>
-          </p:cNvPr>
-          <p:cNvPicPr>
-            <a:picLocks noGrp="1" noChangeAspect="1"/>
-          </p:cNvPicPr>
-          <p:nvPr>
-            <p:ph type="pic" sz="quarter" idx="13"/>
-          </p:nvPr>
-        </p:nvPicPr>
-        <p:blipFill rotWithShape="1">
-          <a:blip r:embed="rId2"/>
-          <a:srcRect l="94" t="-18934" r="-184" b="-13118"/>
-          <a:stretch/>
-        </p:blipFill>
-        <p:spPr>
-          <a:xfrm>
-            <a:off x="7297614" y="685800"/>
-            <a:ext cx="4740506" cy="5181600"/>
-          </a:xfrm>
-        </p:spPr>
-      </p:pic>
-    </p:spTree>
-    <p:extLst>
-      <p:ext uri="{BB962C8B-B14F-4D97-AF65-F5344CB8AC3E}">
-        <p14:creationId xmlns:p14="http://schemas.microsoft.com/office/powerpoint/2010/main" val="2668322821"/>
-      </p:ext>
-    </p:extLst>
-  </p:cSld>
-  <p:clrMapOvr>
-    <a:masterClrMapping/>
-  </p:clrMapOvr>
-</p:sld>
-</file>
-
-<file path=ppt/slides/slide14.xml><?xml version="1.0" encoding="utf-8"?>
-<p:sld xmlns:a="http://schemas.openxmlformats.org/drawingml/2006/main" xmlns:r="http://schemas.openxmlformats.org/officeDocument/2006/relationships" xmlns:p="http://schemas.openxmlformats.org/presentationml/2006/main">
-  <p:cSld>
-    <p:spTree>
-      <p:nvGrpSpPr>
-        <p:cNvPr id="1" name=""/>
-        <p:cNvGrpSpPr/>
-        <p:nvPr/>
-      </p:nvGrpSpPr>
-      <p:grpSpPr>
-        <a:xfrm>
-          <a:off x="0" y="0"/>
-          <a:ext cx="0" cy="0"/>
-          <a:chOff x="0" y="0"/>
-          <a:chExt cx="0" cy="0"/>
-        </a:xfrm>
-      </p:grpSpPr>
-      <p:sp>
-        <p:nvSpPr>
-          <p:cNvPr id="2" name="Title 1">
-            <a:extLst>
-              <a:ext uri="{FF2B5EF4-FFF2-40B4-BE49-F238E27FC236}">
-                <a16:creationId xmlns:a16="http://schemas.microsoft.com/office/drawing/2014/main" id="{6DBE88A1-E480-47C2-846F-41294045AAE4}"/>
-              </a:ext>
-            </a:extLst>
-          </p:cNvPr>
-          <p:cNvSpPr>
-            <a:spLocks noGrp="1"/>
-          </p:cNvSpPr>
-          <p:nvPr>
-            <p:ph type="title"/>
-          </p:nvPr>
-        </p:nvSpPr>
-        <p:spPr>
-          <a:xfrm>
-            <a:off x="1371601" y="90993"/>
-            <a:ext cx="5811714" cy="1485900"/>
-          </a:xfrm>
-        </p:spPr>
-        <p:txBody>
-          <a:bodyPr/>
-          <a:lstStyle/>
-          <a:p>
-            <a:r>
-              <a:rPr lang="en-US"/>
-              <a:t>Evaluation</a:t>
-            </a:r>
-          </a:p>
-        </p:txBody>
-      </p:sp>
-      <p:sp>
-        <p:nvSpPr>
-          <p:cNvPr id="4" name="Footer Placeholder 3">
-            <a:extLst>
-              <a:ext uri="{FF2B5EF4-FFF2-40B4-BE49-F238E27FC236}">
-                <a16:creationId xmlns:a16="http://schemas.microsoft.com/office/drawing/2014/main" id="{0E14B12E-A325-4570-A0F3-FC9B253151AF}"/>
-              </a:ext>
-            </a:extLst>
-          </p:cNvPr>
-          <p:cNvSpPr>
-            <a:spLocks noGrp="1"/>
-          </p:cNvSpPr>
-          <p:nvPr>
-            <p:ph type="ftr" sz="quarter" idx="11"/>
-          </p:nvPr>
-        </p:nvSpPr>
-        <p:spPr/>
-        <p:txBody>
-          <a:bodyPr/>
-          <a:lstStyle/>
-          <a:p>
-            <a:r>
-              <a:rPr lang="en-US"/>
-              <a:t>Ho Chi Minh University of Technology and Education</a:t>
-            </a:r>
-          </a:p>
-        </p:txBody>
-      </p:sp>
-      <p:sp>
-        <p:nvSpPr>
-          <p:cNvPr id="5" name="Slide Number Placeholder 4">
-            <a:extLst>
-              <a:ext uri="{FF2B5EF4-FFF2-40B4-BE49-F238E27FC236}">
-                <a16:creationId xmlns:a16="http://schemas.microsoft.com/office/drawing/2014/main" id="{5AE5467F-BB49-4F74-8D57-DED4AA8D1C28}"/>
-              </a:ext>
-            </a:extLst>
-          </p:cNvPr>
-          <p:cNvSpPr>
-            <a:spLocks noGrp="1"/>
-          </p:cNvSpPr>
-          <p:nvPr>
-            <p:ph type="sldNum" sz="quarter" idx="12"/>
-          </p:nvPr>
-        </p:nvSpPr>
-        <p:spPr/>
-        <p:txBody>
-          <a:bodyPr/>
-          <a:lstStyle/>
-          <a:p>
-            <a:fld id="{69E57DC2-970A-4B3E-BB1C-7A09969E49DF}" type="slidenum">
-              <a:rPr lang="en-US" smtClean="0"/>
-              <a:t>14</a:t>
-            </a:fld>
-            <a:endParaRPr lang="en-US"/>
-          </a:p>
-        </p:txBody>
-      </p:sp>
-      <p:pic>
-        <p:nvPicPr>
-          <p:cNvPr id="26" name="Picture 25">
-            <a:extLst>
-              <a:ext uri="{FF2B5EF4-FFF2-40B4-BE49-F238E27FC236}">
-                <a16:creationId xmlns:a16="http://schemas.microsoft.com/office/drawing/2014/main" id="{262F80A8-4D47-4C7C-8D54-49A82D43E39A}"/>
-              </a:ext>
-            </a:extLst>
-          </p:cNvPr>
-          <p:cNvPicPr>
-            <a:picLocks noChangeAspect="1"/>
-          </p:cNvPicPr>
-          <p:nvPr/>
-        </p:nvPicPr>
-        <p:blipFill>
-          <a:blip r:embed="rId2"/>
-          <a:stretch>
-            <a:fillRect/>
-          </a:stretch>
-        </p:blipFill>
-        <p:spPr>
-          <a:xfrm>
-            <a:off x="727969" y="719091"/>
-            <a:ext cx="11468590" cy="5734295"/>
-          </a:xfrm>
-          <a:prstGeom prst="rect">
-            <a:avLst/>
-          </a:prstGeom>
-        </p:spPr>
-      </p:pic>
-    </p:spTree>
-    <p:extLst>
-      <p:ext uri="{BB962C8B-B14F-4D97-AF65-F5344CB8AC3E}">
-        <p14:creationId xmlns:p14="http://schemas.microsoft.com/office/powerpoint/2010/main" val="3939415803"/>
-      </p:ext>
-    </p:extLst>
-  </p:cSld>
-  <p:clrMapOvr>
-    <a:masterClrMapping/>
-  </p:clrMapOvr>
-</p:sld>
-</file>
-
-<file path=ppt/slides/slide15.xml><?xml version="1.0" encoding="utf-8"?>
-<p:sld xmlns:a="http://schemas.openxmlformats.org/drawingml/2006/main" xmlns:r="http://schemas.openxmlformats.org/officeDocument/2006/relationships" xmlns:p="http://schemas.openxmlformats.org/presentationml/2006/main">
-  <p:cSld>
-    <p:spTree>
-      <p:nvGrpSpPr>
-        <p:cNvPr id="1" name=""/>
-        <p:cNvGrpSpPr/>
-        <p:nvPr/>
-      </p:nvGrpSpPr>
-      <p:grpSpPr>
-        <a:xfrm>
-          <a:off x="0" y="0"/>
-          <a:ext cx="0" cy="0"/>
-          <a:chOff x="0" y="0"/>
-          <a:chExt cx="0" cy="0"/>
-        </a:xfrm>
-      </p:grpSpPr>
-      <p:sp>
-        <p:nvSpPr>
-          <p:cNvPr id="2" name="Title 1">
-            <a:extLst>
-              <a:ext uri="{FF2B5EF4-FFF2-40B4-BE49-F238E27FC236}">
-                <a16:creationId xmlns:a16="http://schemas.microsoft.com/office/drawing/2014/main" id="{F58C4021-B47E-4307-ADC1-DAEB660662EF}"/>
-              </a:ext>
-            </a:extLst>
-          </p:cNvPr>
-          <p:cNvSpPr>
-            <a:spLocks noGrp="1"/>
-          </p:cNvSpPr>
-          <p:nvPr>
-            <p:ph type="title"/>
-          </p:nvPr>
-        </p:nvSpPr>
-        <p:spPr/>
-        <p:txBody>
-          <a:bodyPr/>
-          <a:lstStyle/>
-          <a:p>
-            <a:r>
-              <a:rPr lang="en-US"/>
-              <a:t>Evaluation</a:t>
-            </a:r>
-          </a:p>
-        </p:txBody>
-      </p:sp>
-      <p:sp>
-        <p:nvSpPr>
-          <p:cNvPr id="4" name="Footer Placeholder 3">
-            <a:extLst>
-              <a:ext uri="{FF2B5EF4-FFF2-40B4-BE49-F238E27FC236}">
-                <a16:creationId xmlns:a16="http://schemas.microsoft.com/office/drawing/2014/main" id="{0BF90B8E-DACC-4418-BE98-AFC57AE46AF5}"/>
-              </a:ext>
-            </a:extLst>
-          </p:cNvPr>
-          <p:cNvSpPr>
-            <a:spLocks noGrp="1"/>
-          </p:cNvSpPr>
-          <p:nvPr>
-            <p:ph type="ftr" sz="quarter" idx="11"/>
-          </p:nvPr>
-        </p:nvSpPr>
-        <p:spPr/>
-        <p:txBody>
-          <a:bodyPr/>
-          <a:lstStyle/>
-          <a:p>
-            <a:r>
-              <a:rPr lang="en-US"/>
-              <a:t>Ho Chi Minh University of Technology and Education</a:t>
-            </a:r>
-          </a:p>
-        </p:txBody>
-      </p:sp>
-      <p:sp>
-        <p:nvSpPr>
-          <p:cNvPr id="5" name="Slide Number Placeholder 4">
-            <a:extLst>
-              <a:ext uri="{FF2B5EF4-FFF2-40B4-BE49-F238E27FC236}">
-                <a16:creationId xmlns:a16="http://schemas.microsoft.com/office/drawing/2014/main" id="{FED65D28-F74F-455C-AACB-1859E5F0047A}"/>
+                <a16:creationId xmlns:a16="http://schemas.microsoft.com/office/drawing/2014/main" id="{BBDF3531-7AB0-4AB8-9B25-722FEE7D7993}"/>
               </a:ext>
             </a:extLst>
           </p:cNvPr>
@@ -7511,7 +7386,7 @@
                 <a:tabLst/>
                 <a:defRPr/>
               </a:pPr>
-              <a:t>15</a:t>
+              <a:t>13</a:t>
             </a:fld>
             <a:endParaRPr kumimoji="0" lang="en-US" sz="1200" b="0" i="0" u="none" strike="noStrike" kern="1200" cap="none" spc="0" normalizeH="0" baseline="0" noProof="0">
               <a:ln>
@@ -7530,12 +7405,325 @@
           </a:p>
         </p:txBody>
       </p:sp>
+    </p:spTree>
+    <p:extLst>
+      <p:ext uri="{BB962C8B-B14F-4D97-AF65-F5344CB8AC3E}">
+        <p14:creationId xmlns:p14="http://schemas.microsoft.com/office/powerpoint/2010/main" val="3159845993"/>
+      </p:ext>
+    </p:extLst>
+  </p:cSld>
+  <p:clrMapOvr>
+    <a:masterClrMapping/>
+  </p:clrMapOvr>
+</p:sld>
+</file>
+
+<file path=ppt/slides/slide14.xml><?xml version="1.0" encoding="utf-8"?>
+<p:sld xmlns:a="http://schemas.openxmlformats.org/drawingml/2006/main" xmlns:r="http://schemas.openxmlformats.org/officeDocument/2006/relationships" xmlns:p="http://schemas.openxmlformats.org/presentationml/2006/main">
+  <p:cSld>
+    <p:spTree>
+      <p:nvGrpSpPr>
+        <p:cNvPr id="1" name=""/>
+        <p:cNvGrpSpPr/>
+        <p:nvPr/>
+      </p:nvGrpSpPr>
+      <p:grpSpPr>
+        <a:xfrm>
+          <a:off x="0" y="0"/>
+          <a:ext cx="0" cy="0"/>
+          <a:chOff x="0" y="0"/>
+          <a:chExt cx="0" cy="0"/>
+        </a:xfrm>
+      </p:grpSpPr>
+      <p:sp>
+        <p:nvSpPr>
+          <p:cNvPr id="2" name="Title 1">
+            <a:extLst>
+              <a:ext uri="{FF2B5EF4-FFF2-40B4-BE49-F238E27FC236}">
+                <a16:creationId xmlns:a16="http://schemas.microsoft.com/office/drawing/2014/main" id="{CAF35485-FB8A-4B49-AF86-336ADF38D9E8}"/>
+              </a:ext>
+            </a:extLst>
+          </p:cNvPr>
+          <p:cNvSpPr>
+            <a:spLocks noGrp="1"/>
+          </p:cNvSpPr>
+          <p:nvPr>
+            <p:ph type="title"/>
+          </p:nvPr>
+        </p:nvSpPr>
+        <p:spPr/>
+        <p:txBody>
+          <a:bodyPr/>
+          <a:lstStyle/>
+          <a:p>
+            <a:r>
+              <a:rPr lang="en-US"/>
+              <a:t>Prediction</a:t>
+            </a:r>
+          </a:p>
+        </p:txBody>
+      </p:sp>
+      <p:sp>
+        <p:nvSpPr>
+          <p:cNvPr id="6" name="Content Placeholder 5">
+            <a:extLst>
+              <a:ext uri="{FF2B5EF4-FFF2-40B4-BE49-F238E27FC236}">
+                <a16:creationId xmlns:a16="http://schemas.microsoft.com/office/drawing/2014/main" id="{05DBF8C5-A6FC-4A46-9E4B-CB1447EABB41}"/>
+              </a:ext>
+            </a:extLst>
+          </p:cNvPr>
+          <p:cNvSpPr>
+            <a:spLocks noGrp="1"/>
+          </p:cNvSpPr>
+          <p:nvPr>
+            <p:ph idx="1"/>
+          </p:nvPr>
+        </p:nvSpPr>
+        <p:spPr/>
+        <p:txBody>
+          <a:bodyPr/>
+          <a:lstStyle/>
+          <a:p>
+            <a:r>
+              <a:rPr lang="en-US"/>
+              <a:t>At the prediction, generating caption using </a:t>
+            </a:r>
+            <a:r>
+              <a:rPr lang="en-US" b="1"/>
+              <a:t>beam search </a:t>
+            </a:r>
+            <a:r>
+              <a:rPr lang="en-US"/>
+              <a:t>to find </a:t>
+            </a:r>
+            <a:r>
+              <a:rPr lang="en-US" b="1"/>
+              <a:t>high-probability caption</a:t>
+            </a:r>
+            <a:r>
+              <a:rPr lang="en-US"/>
+              <a:t>.</a:t>
+            </a:r>
+          </a:p>
+          <a:p>
+            <a:r>
+              <a:rPr lang="en-US"/>
+              <a:t>Beam search is an optimization of best-first search that reduces its memory requirements, only a predetermined number of best partial solutions are kept as candidates in beam search.</a:t>
+            </a:r>
+          </a:p>
+        </p:txBody>
+      </p:sp>
+      <p:sp>
+        <p:nvSpPr>
+          <p:cNvPr id="4" name="Footer Placeholder 3">
+            <a:extLst>
+              <a:ext uri="{FF2B5EF4-FFF2-40B4-BE49-F238E27FC236}">
+                <a16:creationId xmlns:a16="http://schemas.microsoft.com/office/drawing/2014/main" id="{0B6D3677-56F2-4B24-97F5-ADAEFB3A17A8}"/>
+              </a:ext>
+            </a:extLst>
+          </p:cNvPr>
+          <p:cNvSpPr>
+            <a:spLocks noGrp="1"/>
+          </p:cNvSpPr>
+          <p:nvPr>
+            <p:ph type="ftr" sz="quarter" idx="11"/>
+          </p:nvPr>
+        </p:nvSpPr>
+        <p:spPr/>
+        <p:txBody>
+          <a:bodyPr/>
+          <a:lstStyle/>
+          <a:p>
+            <a:r>
+              <a:rPr lang="en-US"/>
+              <a:t>Ho Chi Minh University of Technology and Education</a:t>
+            </a:r>
+          </a:p>
+        </p:txBody>
+      </p:sp>
+      <p:sp>
+        <p:nvSpPr>
+          <p:cNvPr id="5" name="Slide Number Placeholder 4">
+            <a:extLst>
+              <a:ext uri="{FF2B5EF4-FFF2-40B4-BE49-F238E27FC236}">
+                <a16:creationId xmlns:a16="http://schemas.microsoft.com/office/drawing/2014/main" id="{56B6057E-B21C-4862-9F15-A466F5C141F0}"/>
+              </a:ext>
+            </a:extLst>
+          </p:cNvPr>
+          <p:cNvSpPr>
+            <a:spLocks noGrp="1"/>
+          </p:cNvSpPr>
+          <p:nvPr>
+            <p:ph type="sldNum" sz="quarter" idx="12"/>
+          </p:nvPr>
+        </p:nvSpPr>
+        <p:spPr/>
+        <p:txBody>
+          <a:bodyPr/>
+          <a:lstStyle/>
+          <a:p>
+            <a:fld id="{69E57DC2-970A-4B3E-BB1C-7A09969E49DF}" type="slidenum">
+              <a:rPr lang="en-US" smtClean="0"/>
+              <a:t>14</a:t>
+            </a:fld>
+            <a:endParaRPr lang="en-US"/>
+          </a:p>
+        </p:txBody>
+      </p:sp>
       <p:pic>
         <p:nvPicPr>
-          <p:cNvPr id="7" name="Picture 6">
+          <p:cNvPr id="9" name="Picture Placeholder 8">
             <a:extLst>
               <a:ext uri="{FF2B5EF4-FFF2-40B4-BE49-F238E27FC236}">
-                <a16:creationId xmlns:a16="http://schemas.microsoft.com/office/drawing/2014/main" id="{A2996C78-F9F3-4CB7-A323-12684DB1304D}"/>
+                <a16:creationId xmlns:a16="http://schemas.microsoft.com/office/drawing/2014/main" id="{B225BEAC-A01E-461A-AD8F-3B9C2B05D5BF}"/>
+              </a:ext>
+            </a:extLst>
+          </p:cNvPr>
+          <p:cNvPicPr>
+            <a:picLocks noGrp="1" noChangeAspect="1"/>
+          </p:cNvPicPr>
+          <p:nvPr>
+            <p:ph type="pic" sz="quarter" idx="13"/>
+          </p:nvPr>
+        </p:nvPicPr>
+        <p:blipFill rotWithShape="1">
+          <a:blip r:embed="rId2"/>
+          <a:srcRect l="94" t="-18934" r="-184" b="-13118"/>
+          <a:stretch/>
+        </p:blipFill>
+        <p:spPr>
+          <a:xfrm>
+            <a:off x="7297614" y="685800"/>
+            <a:ext cx="4740506" cy="5181600"/>
+          </a:xfrm>
+        </p:spPr>
+      </p:pic>
+    </p:spTree>
+    <p:extLst>
+      <p:ext uri="{BB962C8B-B14F-4D97-AF65-F5344CB8AC3E}">
+        <p14:creationId xmlns:p14="http://schemas.microsoft.com/office/powerpoint/2010/main" val="2668322821"/>
+      </p:ext>
+    </p:extLst>
+  </p:cSld>
+  <p:clrMapOvr>
+    <a:masterClrMapping/>
+  </p:clrMapOvr>
+</p:sld>
+</file>
+
+<file path=ppt/slides/slide15.xml><?xml version="1.0" encoding="utf-8"?>
+<p:sld xmlns:a="http://schemas.openxmlformats.org/drawingml/2006/main" xmlns:r="http://schemas.openxmlformats.org/officeDocument/2006/relationships" xmlns:p="http://schemas.openxmlformats.org/presentationml/2006/main">
+  <p:cSld>
+    <p:spTree>
+      <p:nvGrpSpPr>
+        <p:cNvPr id="1" name=""/>
+        <p:cNvGrpSpPr/>
+        <p:nvPr/>
+      </p:nvGrpSpPr>
+      <p:grpSpPr>
+        <a:xfrm>
+          <a:off x="0" y="0"/>
+          <a:ext cx="0" cy="0"/>
+          <a:chOff x="0" y="0"/>
+          <a:chExt cx="0" cy="0"/>
+        </a:xfrm>
+      </p:grpSpPr>
+      <p:sp>
+        <p:nvSpPr>
+          <p:cNvPr id="2" name="Title 1">
+            <a:extLst>
+              <a:ext uri="{FF2B5EF4-FFF2-40B4-BE49-F238E27FC236}">
+                <a16:creationId xmlns:a16="http://schemas.microsoft.com/office/drawing/2014/main" id="{6DBE88A1-E480-47C2-846F-41294045AAE4}"/>
+              </a:ext>
+            </a:extLst>
+          </p:cNvPr>
+          <p:cNvSpPr>
+            <a:spLocks noGrp="1"/>
+          </p:cNvSpPr>
+          <p:nvPr>
+            <p:ph type="title"/>
+          </p:nvPr>
+        </p:nvSpPr>
+        <p:spPr>
+          <a:xfrm>
+            <a:off x="1371601" y="90993"/>
+            <a:ext cx="5811714" cy="1485900"/>
+          </a:xfrm>
+        </p:spPr>
+        <p:txBody>
+          <a:bodyPr/>
+          <a:lstStyle/>
+          <a:p>
+            <a:r>
+              <a:rPr lang="en-US"/>
+              <a:t>Etsy evaluation</a:t>
+            </a:r>
+          </a:p>
+        </p:txBody>
+      </p:sp>
+      <p:sp>
+        <p:nvSpPr>
+          <p:cNvPr id="4" name="Footer Placeholder 3">
+            <a:extLst>
+              <a:ext uri="{FF2B5EF4-FFF2-40B4-BE49-F238E27FC236}">
+                <a16:creationId xmlns:a16="http://schemas.microsoft.com/office/drawing/2014/main" id="{0E14B12E-A325-4570-A0F3-FC9B253151AF}"/>
+              </a:ext>
+            </a:extLst>
+          </p:cNvPr>
+          <p:cNvSpPr>
+            <a:spLocks noGrp="1"/>
+          </p:cNvSpPr>
+          <p:nvPr>
+            <p:ph type="ftr" sz="quarter" idx="11"/>
+          </p:nvPr>
+        </p:nvSpPr>
+        <p:spPr/>
+        <p:txBody>
+          <a:bodyPr/>
+          <a:lstStyle/>
+          <a:p>
+            <a:r>
+              <a:rPr lang="en-US"/>
+              <a:t>Ho Chi Minh University of Technology and Education</a:t>
+            </a:r>
+          </a:p>
+        </p:txBody>
+      </p:sp>
+      <p:sp>
+        <p:nvSpPr>
+          <p:cNvPr id="5" name="Slide Number Placeholder 4">
+            <a:extLst>
+              <a:ext uri="{FF2B5EF4-FFF2-40B4-BE49-F238E27FC236}">
+                <a16:creationId xmlns:a16="http://schemas.microsoft.com/office/drawing/2014/main" id="{5AE5467F-BB49-4F74-8D57-DED4AA8D1C28}"/>
+              </a:ext>
+            </a:extLst>
+          </p:cNvPr>
+          <p:cNvSpPr>
+            <a:spLocks noGrp="1"/>
+          </p:cNvSpPr>
+          <p:nvPr>
+            <p:ph type="sldNum" sz="quarter" idx="12"/>
+          </p:nvPr>
+        </p:nvSpPr>
+        <p:spPr/>
+        <p:txBody>
+          <a:bodyPr/>
+          <a:lstStyle/>
+          <a:p>
+            <a:fld id="{69E57DC2-970A-4B3E-BB1C-7A09969E49DF}" type="slidenum">
+              <a:rPr lang="en-US" smtClean="0"/>
+              <a:t>15</a:t>
+            </a:fld>
+            <a:endParaRPr lang="en-US"/>
+          </a:p>
+        </p:txBody>
+      </p:sp>
+      <p:pic>
+        <p:nvPicPr>
+          <p:cNvPr id="26" name="Picture 25">
+            <a:extLst>
+              <a:ext uri="{FF2B5EF4-FFF2-40B4-BE49-F238E27FC236}">
+                <a16:creationId xmlns:a16="http://schemas.microsoft.com/office/drawing/2014/main" id="{262F80A8-4D47-4C7C-8D54-49A82D43E39A}"/>
               </a:ext>
             </a:extLst>
           </p:cNvPr>
@@ -7552,8 +7740,8 @@
         </p:blipFill>
         <p:spPr>
           <a:xfrm>
-            <a:off x="1371601" y="1373757"/>
-            <a:ext cx="10435700" cy="5079629"/>
+            <a:off x="727969" y="719091"/>
+            <a:ext cx="11468590" cy="5734295"/>
           </a:xfrm>
           <a:prstGeom prst="rect">
             <a:avLst/>
@@ -7563,7 +7751,7 @@
     </p:spTree>
     <p:extLst>
       <p:ext uri="{BB962C8B-B14F-4D97-AF65-F5344CB8AC3E}">
-        <p14:creationId xmlns:p14="http://schemas.microsoft.com/office/powerpoint/2010/main" val="1682451747"/>
+        <p14:creationId xmlns:p14="http://schemas.microsoft.com/office/powerpoint/2010/main" val="3939415803"/>
       </p:ext>
     </p:extLst>
   </p:cSld>
@@ -7595,7 +7783,7 @@
           <p:cNvPr id="2" name="Title 1">
             <a:extLst>
               <a:ext uri="{FF2B5EF4-FFF2-40B4-BE49-F238E27FC236}">
-                <a16:creationId xmlns:a16="http://schemas.microsoft.com/office/drawing/2014/main" id="{CA7B9D2D-CAF0-426D-9C04-EF86EDCF2DB8}"/>
+                <a16:creationId xmlns:a16="http://schemas.microsoft.com/office/drawing/2014/main" id="{F58C4021-B47E-4307-ADC1-DAEB660662EF}"/>
               </a:ext>
             </a:extLst>
           </p:cNvPr>
@@ -7613,7 +7801,7 @@
           <a:p>
             <a:r>
               <a:rPr lang="en-US"/>
-              <a:t>Evaluation</a:t>
+              <a:t>Good predictions</a:t>
             </a:r>
           </a:p>
         </p:txBody>
@@ -7623,7 +7811,7 @@
           <p:cNvPr id="4" name="Footer Placeholder 3">
             <a:extLst>
               <a:ext uri="{FF2B5EF4-FFF2-40B4-BE49-F238E27FC236}">
-                <a16:creationId xmlns:a16="http://schemas.microsoft.com/office/drawing/2014/main" id="{8B5FC521-E422-44A6-A581-6C4D3807A83D}"/>
+                <a16:creationId xmlns:a16="http://schemas.microsoft.com/office/drawing/2014/main" id="{0BF90B8E-DACC-4418-BE98-AFC57AE46AF5}"/>
               </a:ext>
             </a:extLst>
           </p:cNvPr>
@@ -7651,7 +7839,7 @@
           <p:cNvPr id="5" name="Slide Number Placeholder 4">
             <a:extLst>
               <a:ext uri="{FF2B5EF4-FFF2-40B4-BE49-F238E27FC236}">
-                <a16:creationId xmlns:a16="http://schemas.microsoft.com/office/drawing/2014/main" id="{E704470B-CDE3-47D0-8C3D-635A7AB442C7}"/>
+                <a16:creationId xmlns:a16="http://schemas.microsoft.com/office/drawing/2014/main" id="{FED65D28-F74F-455C-AACB-1859E5F0047A}"/>
               </a:ext>
             </a:extLst>
           </p:cNvPr>
@@ -7737,10 +7925,10 @@
       </p:sp>
       <p:pic>
         <p:nvPicPr>
-          <p:cNvPr id="8" name="Picture 7">
+          <p:cNvPr id="7" name="Picture 6">
             <a:extLst>
               <a:ext uri="{FF2B5EF4-FFF2-40B4-BE49-F238E27FC236}">
-                <a16:creationId xmlns:a16="http://schemas.microsoft.com/office/drawing/2014/main" id="{D684529E-7FDF-4AF3-803A-407A8E6CC340}"/>
+                <a16:creationId xmlns:a16="http://schemas.microsoft.com/office/drawing/2014/main" id="{A2996C78-F9F3-4CB7-A323-12684DB1304D}"/>
               </a:ext>
             </a:extLst>
           </p:cNvPr>
@@ -7757,8 +7945,8 @@
         </p:blipFill>
         <p:spPr>
           <a:xfrm>
-            <a:off x="1371601" y="1227580"/>
-            <a:ext cx="10036205" cy="5225806"/>
+            <a:off x="1371601" y="1373757"/>
+            <a:ext cx="10435700" cy="5079629"/>
           </a:xfrm>
           <a:prstGeom prst="rect">
             <a:avLst/>
@@ -7768,7 +7956,7 @@
     </p:spTree>
     <p:extLst>
       <p:ext uri="{BB962C8B-B14F-4D97-AF65-F5344CB8AC3E}">
-        <p14:creationId xmlns:p14="http://schemas.microsoft.com/office/powerpoint/2010/main" val="1329851625"/>
+        <p14:creationId xmlns:p14="http://schemas.microsoft.com/office/powerpoint/2010/main" val="1682451747"/>
       </p:ext>
     </p:extLst>
   </p:cSld>
@@ -7800,7 +7988,7 @@
           <p:cNvPr id="2" name="Title 1">
             <a:extLst>
               <a:ext uri="{FF2B5EF4-FFF2-40B4-BE49-F238E27FC236}">
-                <a16:creationId xmlns:a16="http://schemas.microsoft.com/office/drawing/2014/main" id="{29F7495C-8848-477C-A949-CFCB957F2740}"/>
+                <a16:creationId xmlns:a16="http://schemas.microsoft.com/office/drawing/2014/main" id="{CA7B9D2D-CAF0-426D-9C04-EF86EDCF2DB8}"/>
               </a:ext>
             </a:extLst>
           </p:cNvPr>
@@ -7811,24 +7999,29 @@
             <p:ph type="title"/>
           </p:nvPr>
         </p:nvSpPr>
-        <p:spPr/>
+        <p:spPr>
+          <a:xfrm>
+            <a:off x="1371601" y="484630"/>
+            <a:ext cx="5811714" cy="1485900"/>
+          </a:xfrm>
+        </p:spPr>
         <p:txBody>
           <a:bodyPr/>
           <a:lstStyle/>
           <a:p>
             <a:r>
               <a:rPr lang="en-US"/>
-              <a:t>Future work</a:t>
+              <a:t>Bad predictions</a:t>
             </a:r>
           </a:p>
         </p:txBody>
       </p:sp>
       <p:sp>
         <p:nvSpPr>
-          <p:cNvPr id="7" name="Content Placeholder 6">
+          <p:cNvPr id="4" name="Footer Placeholder 3">
             <a:extLst>
               <a:ext uri="{FF2B5EF4-FFF2-40B4-BE49-F238E27FC236}">
-                <a16:creationId xmlns:a16="http://schemas.microsoft.com/office/drawing/2014/main" id="{4632AF70-85C8-436E-A67C-8D2A95CDA42D}"/>
+                <a16:creationId xmlns:a16="http://schemas.microsoft.com/office/drawing/2014/main" id="{8B5FC521-E422-44A6-A581-6C4D3807A83D}"/>
               </a:ext>
             </a:extLst>
           </p:cNvPr>
@@ -7836,43 +8029,6 @@
             <a:spLocks noGrp="1"/>
           </p:cNvSpPr>
           <p:nvPr>
-            <p:ph idx="1"/>
-          </p:nvPr>
-        </p:nvSpPr>
-        <p:spPr>
-          <a:xfrm>
-            <a:off x="1371600" y="2286000"/>
-            <a:ext cx="4724400" cy="3581400"/>
-          </a:xfrm>
-        </p:spPr>
-        <p:txBody>
-          <a:bodyPr/>
-          <a:lstStyle/>
-          <a:p>
-            <a:r>
-              <a:rPr lang="en-US"/>
-              <a:t>Constrained beam search: caption images containing previously unseen objects by incorporating semantic attributes (i.e., image tags) during RNN decoding.</a:t>
-            </a:r>
-            <a:br>
-              <a:rPr lang="en-US"/>
-            </a:br>
-            <a:endParaRPr lang="en-US"/>
-          </a:p>
-        </p:txBody>
-      </p:sp>
-      <p:sp>
-        <p:nvSpPr>
-          <p:cNvPr id="4" name="Footer Placeholder 3">
-            <a:extLst>
-              <a:ext uri="{FF2B5EF4-FFF2-40B4-BE49-F238E27FC236}">
-                <a16:creationId xmlns:a16="http://schemas.microsoft.com/office/drawing/2014/main" id="{EF6BEE92-21CB-4911-BE16-60419AC3D056}"/>
-              </a:ext>
-            </a:extLst>
-          </p:cNvPr>
-          <p:cNvSpPr>
-            <a:spLocks noGrp="1"/>
-          </p:cNvSpPr>
-          <p:nvPr>
             <p:ph type="ftr" sz="quarter" idx="11"/>
           </p:nvPr>
         </p:nvSpPr>
@@ -7893,7 +8049,7 @@
           <p:cNvPr id="5" name="Slide Number Placeholder 4">
             <a:extLst>
               <a:ext uri="{FF2B5EF4-FFF2-40B4-BE49-F238E27FC236}">
-                <a16:creationId xmlns:a16="http://schemas.microsoft.com/office/drawing/2014/main" id="{39683ED3-4BB2-4F9F-B9B3-A3F60D88E549}"/>
+                <a16:creationId xmlns:a16="http://schemas.microsoft.com/office/drawing/2014/main" id="{E704470B-CDE3-47D0-8C3D-635A7AB442C7}"/>
               </a:ext>
             </a:extLst>
           </p:cNvPr>
@@ -7979,29 +8135,28 @@
       </p:sp>
       <p:pic>
         <p:nvPicPr>
-          <p:cNvPr id="6" name="Picture Placeholder 5">
+          <p:cNvPr id="8" name="Picture 7">
             <a:extLst>
               <a:ext uri="{FF2B5EF4-FFF2-40B4-BE49-F238E27FC236}">
-                <a16:creationId xmlns:a16="http://schemas.microsoft.com/office/drawing/2014/main" id="{2ECF5B08-D60A-4BAA-AE93-5F9428D663CD}"/>
+                <a16:creationId xmlns:a16="http://schemas.microsoft.com/office/drawing/2014/main" id="{D684529E-7FDF-4AF3-803A-407A8E6CC340}"/>
               </a:ext>
             </a:extLst>
           </p:cNvPr>
           <p:cNvPicPr>
-            <a:picLocks noGrp="1" noChangeAspect="1"/>
+            <a:picLocks noChangeAspect="1"/>
           </p:cNvPicPr>
-          <p:nvPr>
-            <p:ph type="pic" sz="quarter" idx="13"/>
-          </p:nvPr>
+          <p:nvPr/>
         </p:nvPicPr>
-        <p:blipFill rotWithShape="1">
+        <p:blipFill>
           <a:blip r:embed="rId2"/>
-          <a:srcRect l="-2481" t="-12005" r="-8776"/>
-          <a:stretch/>
+          <a:stretch>
+            <a:fillRect/>
+          </a:stretch>
         </p:blipFill>
         <p:spPr>
           <a:xfrm>
-            <a:off x="6033979" y="685800"/>
-            <a:ext cx="6640498" cy="5181600"/>
+            <a:off x="1371601" y="1227580"/>
+            <a:ext cx="10036205" cy="5225806"/>
           </a:xfrm>
           <a:prstGeom prst="rect">
             <a:avLst/>
@@ -8011,7 +8166,7 @@
     </p:spTree>
     <p:extLst>
       <p:ext uri="{BB962C8B-B14F-4D97-AF65-F5344CB8AC3E}">
-        <p14:creationId xmlns:p14="http://schemas.microsoft.com/office/powerpoint/2010/main" val="3038482617"/>
+        <p14:creationId xmlns:p14="http://schemas.microsoft.com/office/powerpoint/2010/main" val="1329851625"/>
       </p:ext>
     </p:extLst>
   </p:cSld>
@@ -8040,13 +8195,7 @@
       </p:grpSpPr>
       <p:sp>
         <p:nvSpPr>
-          <p:cNvPr id="2" name="Title 1">
-            <a:extLst>
-              <a:ext uri="{FF2B5EF4-FFF2-40B4-BE49-F238E27FC236}">
-                <a16:creationId xmlns:a16="http://schemas.microsoft.com/office/drawing/2014/main" id="{8DE592AC-DACC-4F50-8BB3-E1A01DED7F8A}"/>
-              </a:ext>
-            </a:extLst>
-          </p:cNvPr>
+          <p:cNvPr id="2" name="Title 1"/>
           <p:cNvSpPr>
             <a:spLocks noGrp="1"/>
           </p:cNvSpPr>
@@ -8061,25 +8210,20 @@
           <a:p>
             <a:r>
               <a:rPr lang="en-US"/>
-              <a:t>Related work</a:t>
-            </a:r>
+              <a:t>Evaluation</a:t>
+            </a:r>
+            <a:endParaRPr lang="en-US" dirty="0"/>
           </a:p>
         </p:txBody>
       </p:sp>
       <p:sp>
         <p:nvSpPr>
-          <p:cNvPr id="3" name="Content Placeholder 2">
-            <a:extLst>
-              <a:ext uri="{FF2B5EF4-FFF2-40B4-BE49-F238E27FC236}">
-                <a16:creationId xmlns:a16="http://schemas.microsoft.com/office/drawing/2014/main" id="{FD4E8737-2663-449A-B8A9-C7FB63348628}"/>
-              </a:ext>
-            </a:extLst>
-          </p:cNvPr>
+          <p:cNvPr id="4" name="Footer Placeholder 3"/>
           <p:cNvSpPr>
             <a:spLocks noGrp="1"/>
           </p:cNvSpPr>
           <p:nvPr>
-            <p:ph idx="1"/>
+            <p:ph type="ftr" sz="quarter" idx="11"/>
           </p:nvPr>
         </p:nvSpPr>
         <p:spPr/>
@@ -8087,47 +8231,16 @@
           <a:bodyPr/>
           <a:lstStyle/>
           <a:p>
-            <a:endParaRPr lang="en-US"/>
+            <a:r>
+              <a:rPr lang="en-US"/>
+              <a:t>Ho Chi Minh University of Technology and Education</a:t>
+            </a:r>
           </a:p>
         </p:txBody>
       </p:sp>
       <p:sp>
         <p:nvSpPr>
-          <p:cNvPr id="4" name="Footer Placeholder 3">
-            <a:extLst>
-              <a:ext uri="{FF2B5EF4-FFF2-40B4-BE49-F238E27FC236}">
-                <a16:creationId xmlns:a16="http://schemas.microsoft.com/office/drawing/2014/main" id="{2451DA5F-869C-49B7-9B03-4FB9274CFDB1}"/>
-              </a:ext>
-            </a:extLst>
-          </p:cNvPr>
-          <p:cNvSpPr>
-            <a:spLocks noGrp="1"/>
-          </p:cNvSpPr>
-          <p:nvPr>
-            <p:ph type="ftr" sz="quarter" idx="11"/>
-          </p:nvPr>
-        </p:nvSpPr>
-        <p:spPr/>
-        <p:txBody>
-          <a:bodyPr/>
-          <a:lstStyle/>
-          <a:p>
-            <a:r>
-              <a:rPr lang="en-US"/>
-              <a:t>Ho Chi Minh University of Technology and Education</a:t>
-            </a:r>
-          </a:p>
-        </p:txBody>
-      </p:sp>
-      <p:sp>
-        <p:nvSpPr>
-          <p:cNvPr id="5" name="Slide Number Placeholder 4">
-            <a:extLst>
-              <a:ext uri="{FF2B5EF4-FFF2-40B4-BE49-F238E27FC236}">
-                <a16:creationId xmlns:a16="http://schemas.microsoft.com/office/drawing/2014/main" id="{77540A15-5385-4B3E-98B4-1701495BA608}"/>
-              </a:ext>
-            </a:extLst>
-          </p:cNvPr>
+          <p:cNvPr id="5" name="Slide Number Placeholder 4"/>
           <p:cNvSpPr>
             <a:spLocks noGrp="1"/>
           </p:cNvSpPr>
@@ -8208,28 +8321,811 @@
           </a:p>
         </p:txBody>
       </p:sp>
-      <p:sp>
-        <p:nvSpPr>
-          <p:cNvPr id="6" name="Picture Placeholder 5">
+      <p:graphicFrame>
+        <p:nvGraphicFramePr>
+          <p:cNvPr id="3" name="Table 2">
             <a:extLst>
               <a:ext uri="{FF2B5EF4-FFF2-40B4-BE49-F238E27FC236}">
-                <a16:creationId xmlns:a16="http://schemas.microsoft.com/office/drawing/2014/main" id="{86BB6EF1-ECEB-433C-B054-74EBCDDF43EB}"/>
+                <a16:creationId xmlns:a16="http://schemas.microsoft.com/office/drawing/2014/main" id="{E43B7DAE-E64A-446F-93FC-55AA613BAB94}"/>
               </a:ext>
             </a:extLst>
           </p:cNvPr>
-          <p:cNvSpPr>
-            <a:spLocks noGrp="1"/>
-          </p:cNvSpPr>
-          <p:nvPr>
-            <p:ph type="pic" sz="quarter" idx="13"/>
-          </p:nvPr>
-        </p:nvSpPr>
-        <p:spPr/>
+          <p:cNvGraphicFramePr>
+            <a:graphicFrameLocks noGrp="1"/>
+          </p:cNvGraphicFramePr>
+          <p:nvPr>
+            <p:extLst>
+              <p:ext uri="{D42A27DB-BD31-4B8C-83A1-F6EECF244321}">
+                <p14:modId xmlns:p14="http://schemas.microsoft.com/office/powerpoint/2010/main" val="3680258764"/>
+              </p:ext>
+            </p:extLst>
+          </p:nvPr>
+        </p:nvGraphicFramePr>
+        <p:xfrm>
+          <a:off x="1096183" y="1585582"/>
+          <a:ext cx="10520040" cy="3150656"/>
+        </p:xfrm>
+        <a:graphic>
+          <a:graphicData uri="http://schemas.openxmlformats.org/drawingml/2006/table">
+            <a:tbl>
+              <a:tblPr firstRow="1" bandRow="1">
+                <a:tableStyleId>{5C22544A-7EE6-4342-B048-85BDC9FD1C3A}</a:tableStyleId>
+              </a:tblPr>
+              <a:tblGrid>
+                <a:gridCol w="1046038">
+                  <a:extLst>
+                    <a:ext uri="{9D8B030D-6E8A-4147-A177-3AD203B41FA5}">
+                      <a16:colId xmlns:a16="http://schemas.microsoft.com/office/drawing/2014/main" val="3248176253"/>
+                    </a:ext>
+                  </a:extLst>
+                </a:gridCol>
+                <a:gridCol w="1844334">
+                  <a:extLst>
+                    <a:ext uri="{9D8B030D-6E8A-4147-A177-3AD203B41FA5}">
+                      <a16:colId xmlns:a16="http://schemas.microsoft.com/office/drawing/2014/main" val="3270506708"/>
+                    </a:ext>
+                  </a:extLst>
+                </a:gridCol>
+                <a:gridCol w="1101094">
+                  <a:extLst>
+                    <a:ext uri="{9D8B030D-6E8A-4147-A177-3AD203B41FA5}">
+                      <a16:colId xmlns:a16="http://schemas.microsoft.com/office/drawing/2014/main" val="56501342"/>
+                    </a:ext>
+                  </a:extLst>
+                </a:gridCol>
+                <a:gridCol w="1073568">
+                  <a:extLst>
+                    <a:ext uri="{9D8B030D-6E8A-4147-A177-3AD203B41FA5}">
+                      <a16:colId xmlns:a16="http://schemas.microsoft.com/office/drawing/2014/main" val="1074267445"/>
+                    </a:ext>
+                  </a:extLst>
+                </a:gridCol>
+                <a:gridCol w="1146974">
+                  <a:extLst>
+                    <a:ext uri="{9D8B030D-6E8A-4147-A177-3AD203B41FA5}">
+                      <a16:colId xmlns:a16="http://schemas.microsoft.com/office/drawing/2014/main" val="1798048413"/>
+                    </a:ext>
+                  </a:extLst>
+                </a:gridCol>
+                <a:gridCol w="1091918">
+                  <a:extLst>
+                    <a:ext uri="{9D8B030D-6E8A-4147-A177-3AD203B41FA5}">
+                      <a16:colId xmlns:a16="http://schemas.microsoft.com/office/drawing/2014/main" val="1215371505"/>
+                    </a:ext>
+                  </a:extLst>
+                </a:gridCol>
+                <a:gridCol w="1330489">
+                  <a:extLst>
+                    <a:ext uri="{9D8B030D-6E8A-4147-A177-3AD203B41FA5}">
+                      <a16:colId xmlns:a16="http://schemas.microsoft.com/office/drawing/2014/main" val="1252409306"/>
+                    </a:ext>
+                  </a:extLst>
+                </a:gridCol>
+                <a:gridCol w="890051">
+                  <a:extLst>
+                    <a:ext uri="{9D8B030D-6E8A-4147-A177-3AD203B41FA5}">
+                      <a16:colId xmlns:a16="http://schemas.microsoft.com/office/drawing/2014/main" val="2007819657"/>
+                    </a:ext>
+                  </a:extLst>
+                </a:gridCol>
+                <a:gridCol w="995574">
+                  <a:extLst>
+                    <a:ext uri="{9D8B030D-6E8A-4147-A177-3AD203B41FA5}">
+                      <a16:colId xmlns:a16="http://schemas.microsoft.com/office/drawing/2014/main" val="2955617368"/>
+                    </a:ext>
+                  </a:extLst>
+                </a:gridCol>
+              </a:tblGrid>
+              <a:tr h="602771">
+                <a:tc>
+                  <a:txBody>
+                    <a:bodyPr/>
+                    <a:lstStyle/>
+                    <a:p>
+                      <a:pPr algn="ctr"/>
+                      <a:r>
+                        <a:rPr lang="en-US"/>
+                        <a:t>Dataset</a:t>
+                      </a:r>
+                    </a:p>
+                  </a:txBody>
+                  <a:tcPr anchor="ctr"/>
+                </a:tc>
+                <a:tc>
+                  <a:txBody>
+                    <a:bodyPr/>
+                    <a:lstStyle/>
+                    <a:p>
+                      <a:pPr algn="ctr"/>
+                      <a:r>
+                        <a:rPr lang="en-US"/>
+                        <a:t>Model</a:t>
+                      </a:r>
+                    </a:p>
+                  </a:txBody>
+                  <a:tcPr anchor="ctr"/>
+                </a:tc>
+                <a:tc>
+                  <a:txBody>
+                    <a:bodyPr/>
+                    <a:lstStyle/>
+                    <a:p>
+                      <a:pPr algn="ctr"/>
+                      <a:r>
+                        <a:rPr lang="en-US"/>
+                        <a:t>Bleu-1</a:t>
+                      </a:r>
+                    </a:p>
+                  </a:txBody>
+                  <a:tcPr anchor="ctr"/>
+                </a:tc>
+                <a:tc>
+                  <a:txBody>
+                    <a:bodyPr/>
+                    <a:lstStyle/>
+                    <a:p>
+                      <a:pPr algn="ctr"/>
+                      <a:r>
+                        <a:rPr lang="en-US"/>
+                        <a:t>Bleu-2</a:t>
+                      </a:r>
+                    </a:p>
+                  </a:txBody>
+                  <a:tcPr anchor="ctr"/>
+                </a:tc>
+                <a:tc>
+                  <a:txBody>
+                    <a:bodyPr/>
+                    <a:lstStyle/>
+                    <a:p>
+                      <a:pPr algn="ctr"/>
+                      <a:r>
+                        <a:rPr lang="en-US"/>
+                        <a:t>Bleu-3</a:t>
+                      </a:r>
+                    </a:p>
+                  </a:txBody>
+                  <a:tcPr anchor="ctr"/>
+                </a:tc>
+                <a:tc>
+                  <a:txBody>
+                    <a:bodyPr/>
+                    <a:lstStyle/>
+                    <a:p>
+                      <a:pPr algn="ctr"/>
+                      <a:r>
+                        <a:rPr lang="en-US"/>
+                        <a:t>Bleu-4</a:t>
+                      </a:r>
+                    </a:p>
+                  </a:txBody>
+                  <a:tcPr anchor="ctr"/>
+                </a:tc>
+                <a:tc>
+                  <a:txBody>
+                    <a:bodyPr/>
+                    <a:lstStyle/>
+                    <a:p>
+                      <a:pPr algn="ctr"/>
+                      <a:r>
+                        <a:rPr lang="en-US"/>
+                        <a:t>ROUGE-L</a:t>
+                      </a:r>
+                    </a:p>
+                  </a:txBody>
+                  <a:tcPr anchor="ctr"/>
+                </a:tc>
+                <a:tc>
+                  <a:txBody>
+                    <a:bodyPr/>
+                    <a:lstStyle/>
+                    <a:p>
+                      <a:pPr algn="ctr"/>
+                      <a:r>
+                        <a:rPr lang="en-US"/>
+                        <a:t>CIDEr</a:t>
+                      </a:r>
+                    </a:p>
+                  </a:txBody>
+                  <a:tcPr anchor="ctr"/>
+                </a:tc>
+                <a:tc>
+                  <a:txBody>
+                    <a:bodyPr/>
+                    <a:lstStyle/>
+                    <a:p>
+                      <a:pPr algn="ctr"/>
+                      <a:r>
+                        <a:rPr lang="en-US"/>
+                        <a:t>SPICE</a:t>
+                      </a:r>
+                    </a:p>
+                  </a:txBody>
+                  <a:tcPr anchor="ctr"/>
+                </a:tc>
+                <a:extLst>
+                  <a:ext uri="{0D108BD9-81ED-4DB2-BD59-A6C34878D82A}">
+                    <a16:rowId xmlns:a16="http://schemas.microsoft.com/office/drawing/2014/main" val="767159534"/>
+                  </a:ext>
+                </a:extLst>
+              </a:tr>
+              <a:tr h="631219">
+                <a:tc rowSpan="3">
+                  <a:txBody>
+                    <a:bodyPr/>
+                    <a:lstStyle/>
+                    <a:p>
+                      <a:pPr algn="ctr"/>
+                      <a:r>
+                        <a:rPr lang="en-US"/>
+                        <a:t>Flick8k</a:t>
+                      </a:r>
+                    </a:p>
+                  </a:txBody>
+                  <a:tcPr anchor="ctr"/>
+                </a:tc>
+                <a:tc>
+                  <a:txBody>
+                    <a:bodyPr/>
+                    <a:lstStyle/>
+                    <a:p>
+                      <a:pPr algn="ctr"/>
+                      <a:r>
+                        <a:rPr lang="en-US"/>
+                        <a:t>Google NIC(1)</a:t>
+                      </a:r>
+                    </a:p>
+                  </a:txBody>
+                  <a:tcPr anchor="ctr"/>
+                </a:tc>
+                <a:tc>
+                  <a:txBody>
+                    <a:bodyPr/>
+                    <a:lstStyle/>
+                    <a:p>
+                      <a:pPr algn="ctr"/>
+                      <a:r>
+                        <a:rPr lang="en-US"/>
+                        <a:t>0.630</a:t>
+                      </a:r>
+                    </a:p>
+                  </a:txBody>
+                  <a:tcPr anchor="ctr"/>
+                </a:tc>
+                <a:tc>
+                  <a:txBody>
+                    <a:bodyPr/>
+                    <a:lstStyle/>
+                    <a:p>
+                      <a:pPr algn="ctr"/>
+                      <a:r>
+                        <a:rPr lang="en-US"/>
+                        <a:t>0.410</a:t>
+                      </a:r>
+                    </a:p>
+                  </a:txBody>
+                  <a:tcPr anchor="ctr"/>
+                </a:tc>
+                <a:tc>
+                  <a:txBody>
+                    <a:bodyPr/>
+                    <a:lstStyle/>
+                    <a:p>
+                      <a:pPr algn="ctr"/>
+                      <a:r>
+                        <a:rPr lang="en-US"/>
+                        <a:t>0.270</a:t>
+                      </a:r>
+                    </a:p>
+                  </a:txBody>
+                  <a:tcPr anchor="ctr"/>
+                </a:tc>
+                <a:tc>
+                  <a:txBody>
+                    <a:bodyPr/>
+                    <a:lstStyle/>
+                    <a:p>
+                      <a:pPr algn="ctr"/>
+                      <a:r>
+                        <a:rPr lang="en-US"/>
+                        <a:t>-</a:t>
+                      </a:r>
+                    </a:p>
+                  </a:txBody>
+                  <a:tcPr anchor="ctr"/>
+                </a:tc>
+                <a:tc>
+                  <a:txBody>
+                    <a:bodyPr/>
+                    <a:lstStyle/>
+                    <a:p>
+                      <a:pPr algn="ctr"/>
+                      <a:r>
+                        <a:rPr lang="en-US"/>
+                        <a:t>-</a:t>
+                      </a:r>
+                    </a:p>
+                  </a:txBody>
+                  <a:tcPr anchor="ctr"/>
+                </a:tc>
+                <a:tc>
+                  <a:txBody>
+                    <a:bodyPr/>
+                    <a:lstStyle/>
+                    <a:p>
+                      <a:pPr algn="ctr"/>
+                      <a:r>
+                        <a:rPr lang="en-US"/>
+                        <a:t>-</a:t>
+                      </a:r>
+                    </a:p>
+                  </a:txBody>
+                  <a:tcPr anchor="ctr"/>
+                </a:tc>
+                <a:tc>
+                  <a:txBody>
+                    <a:bodyPr/>
+                    <a:lstStyle/>
+                    <a:p>
+                      <a:pPr algn="ctr"/>
+                      <a:r>
+                        <a:rPr lang="en-US"/>
+                        <a:t>-</a:t>
+                      </a:r>
+                    </a:p>
+                  </a:txBody>
+                  <a:tcPr anchor="ctr"/>
+                </a:tc>
+                <a:extLst>
+                  <a:ext uri="{0D108BD9-81ED-4DB2-BD59-A6C34878D82A}">
+                    <a16:rowId xmlns:a16="http://schemas.microsoft.com/office/drawing/2014/main" val="178106568"/>
+                  </a:ext>
+                </a:extLst>
+              </a:tr>
+              <a:tr h="602771">
+                <a:tc vMerge="1">
+                  <a:txBody>
+                    <a:bodyPr/>
+                    <a:lstStyle/>
+                    <a:p>
+                      <a:endParaRPr lang="en-US"/>
+                    </a:p>
+                  </a:txBody>
+                  <a:tcPr/>
+                </a:tc>
+                <a:tc>
+                  <a:txBody>
+                    <a:bodyPr/>
+                    <a:lstStyle/>
+                    <a:p>
+                      <a:pPr algn="ctr"/>
+                      <a:r>
+                        <a:rPr lang="en-US"/>
+                        <a:t>Soft-attention(2)</a:t>
+                      </a:r>
+                    </a:p>
+                  </a:txBody>
+                  <a:tcPr anchor="ctr"/>
+                </a:tc>
+                <a:tc>
+                  <a:txBody>
+                    <a:bodyPr/>
+                    <a:lstStyle/>
+                    <a:p>
+                      <a:pPr algn="ctr"/>
+                      <a:r>
+                        <a:rPr lang="en-US" b="1"/>
+                        <a:t>0.670</a:t>
+                      </a:r>
+                    </a:p>
+                  </a:txBody>
+                  <a:tcPr anchor="ctr"/>
+                </a:tc>
+                <a:tc>
+                  <a:txBody>
+                    <a:bodyPr/>
+                    <a:lstStyle/>
+                    <a:p>
+                      <a:pPr algn="ctr"/>
+                      <a:r>
+                        <a:rPr lang="en-US"/>
+                        <a:t>0.448</a:t>
+                      </a:r>
+                    </a:p>
+                  </a:txBody>
+                  <a:tcPr anchor="ctr"/>
+                </a:tc>
+                <a:tc>
+                  <a:txBody>
+                    <a:bodyPr/>
+                    <a:lstStyle/>
+                    <a:p>
+                      <a:pPr algn="ctr"/>
+                      <a:r>
+                        <a:rPr lang="en-US"/>
+                        <a:t>0.299</a:t>
+                      </a:r>
+                    </a:p>
+                  </a:txBody>
+                  <a:tcPr anchor="ctr"/>
+                </a:tc>
+                <a:tc>
+                  <a:txBody>
+                    <a:bodyPr/>
+                    <a:lstStyle/>
+                    <a:p>
+                      <a:pPr algn="ctr"/>
+                      <a:r>
+                        <a:rPr lang="en-US"/>
+                        <a:t>0.195</a:t>
+                      </a:r>
+                    </a:p>
+                  </a:txBody>
+                  <a:tcPr anchor="ctr"/>
+                </a:tc>
+                <a:tc>
+                  <a:txBody>
+                    <a:bodyPr/>
+                    <a:lstStyle/>
+                    <a:p>
+                      <a:pPr algn="ctr"/>
+                      <a:r>
+                        <a:rPr lang="en-US"/>
+                        <a:t>-</a:t>
+                      </a:r>
+                    </a:p>
+                  </a:txBody>
+                  <a:tcPr anchor="ctr"/>
+                </a:tc>
+                <a:tc>
+                  <a:txBody>
+                    <a:bodyPr/>
+                    <a:lstStyle/>
+                    <a:p>
+                      <a:pPr algn="ctr"/>
+                      <a:r>
+                        <a:rPr lang="en-US"/>
+                        <a:t>-</a:t>
+                      </a:r>
+                    </a:p>
+                  </a:txBody>
+                  <a:tcPr anchor="ctr"/>
+                </a:tc>
+                <a:tc>
+                  <a:txBody>
+                    <a:bodyPr/>
+                    <a:lstStyle/>
+                    <a:p>
+                      <a:pPr algn="ctr"/>
+                      <a:r>
+                        <a:rPr lang="en-US"/>
+                        <a:t>-</a:t>
+                      </a:r>
+                    </a:p>
+                  </a:txBody>
+                  <a:tcPr anchor="ctr"/>
+                </a:tc>
+                <a:extLst>
+                  <a:ext uri="{0D108BD9-81ED-4DB2-BD59-A6C34878D82A}">
+                    <a16:rowId xmlns:a16="http://schemas.microsoft.com/office/drawing/2014/main" val="1148683518"/>
+                  </a:ext>
+                </a:extLst>
+              </a:tr>
+              <a:tr h="711124">
+                <a:tc vMerge="1">
+                  <a:txBody>
+                    <a:bodyPr/>
+                    <a:lstStyle/>
+                    <a:p>
+                      <a:endParaRPr lang="en-US"/>
+                    </a:p>
+                  </a:txBody>
+                  <a:tcPr/>
+                </a:tc>
+                <a:tc>
+                  <a:txBody>
+                    <a:bodyPr/>
+                    <a:lstStyle/>
+                    <a:p>
+                      <a:pPr algn="ctr"/>
+                      <a:r>
+                        <a:rPr lang="en-US"/>
+                        <a:t>Our model</a:t>
+                      </a:r>
+                    </a:p>
+                  </a:txBody>
+                  <a:tcPr anchor="ctr"/>
+                </a:tc>
+                <a:tc>
+                  <a:txBody>
+                    <a:bodyPr/>
+                    <a:lstStyle/>
+                    <a:p>
+                      <a:pPr algn="ctr"/>
+                      <a:r>
+                        <a:rPr lang="en-US"/>
+                        <a:t>0.663</a:t>
+                      </a:r>
+                    </a:p>
+                  </a:txBody>
+                  <a:tcPr anchor="ctr"/>
+                </a:tc>
+                <a:tc>
+                  <a:txBody>
+                    <a:bodyPr/>
+                    <a:lstStyle/>
+                    <a:p>
+                      <a:pPr algn="ctr"/>
+                      <a:r>
+                        <a:rPr lang="en-US" b="1"/>
+                        <a:t>0.491</a:t>
+                      </a:r>
+                    </a:p>
+                  </a:txBody>
+                  <a:tcPr anchor="ctr"/>
+                </a:tc>
+                <a:tc>
+                  <a:txBody>
+                    <a:bodyPr/>
+                    <a:lstStyle/>
+                    <a:p>
+                      <a:pPr algn="ctr"/>
+                      <a:r>
+                        <a:rPr lang="en-US" b="1"/>
+                        <a:t>0.350</a:t>
+                      </a:r>
+                    </a:p>
+                  </a:txBody>
+                  <a:tcPr anchor="ctr"/>
+                </a:tc>
+                <a:tc>
+                  <a:txBody>
+                    <a:bodyPr/>
+                    <a:lstStyle/>
+                    <a:p>
+                      <a:pPr algn="ctr"/>
+                      <a:r>
+                        <a:rPr lang="en-US" b="1"/>
+                        <a:t>0.245</a:t>
+                      </a:r>
+                    </a:p>
+                  </a:txBody>
+                  <a:tcPr anchor="ctr"/>
+                </a:tc>
+                <a:tc>
+                  <a:txBody>
+                    <a:bodyPr/>
+                    <a:lstStyle/>
+                    <a:p>
+                      <a:pPr algn="ctr"/>
+                      <a:r>
+                        <a:rPr lang="en-US"/>
+                        <a:t>-</a:t>
+                      </a:r>
+                    </a:p>
+                  </a:txBody>
+                  <a:tcPr anchor="ctr"/>
+                </a:tc>
+                <a:tc>
+                  <a:txBody>
+                    <a:bodyPr/>
+                    <a:lstStyle/>
+                    <a:p>
+                      <a:pPr algn="ctr"/>
+                      <a:r>
+                        <a:rPr lang="en-US"/>
+                        <a:t>-</a:t>
+                      </a:r>
+                    </a:p>
+                  </a:txBody>
+                  <a:tcPr anchor="ctr"/>
+                </a:tc>
+                <a:tc>
+                  <a:txBody>
+                    <a:bodyPr/>
+                    <a:lstStyle/>
+                    <a:p>
+                      <a:pPr algn="ctr"/>
+                      <a:r>
+                        <a:rPr lang="en-US"/>
+                        <a:t>-</a:t>
+                      </a:r>
+                    </a:p>
+                  </a:txBody>
+                  <a:tcPr anchor="ctr"/>
+                </a:tc>
+                <a:extLst>
+                  <a:ext uri="{0D108BD9-81ED-4DB2-BD59-A6C34878D82A}">
+                    <a16:rowId xmlns:a16="http://schemas.microsoft.com/office/drawing/2014/main" val="3796676044"/>
+                  </a:ext>
+                </a:extLst>
+              </a:tr>
+              <a:tr h="602771">
+                <a:tc>
+                  <a:txBody>
+                    <a:bodyPr/>
+                    <a:lstStyle/>
+                    <a:p>
+                      <a:pPr algn="ctr"/>
+                      <a:r>
+                        <a:rPr lang="en-US"/>
+                        <a:t>Etsy</a:t>
+                      </a:r>
+                    </a:p>
+                  </a:txBody>
+                  <a:tcPr anchor="ctr"/>
+                </a:tc>
+                <a:tc>
+                  <a:txBody>
+                    <a:bodyPr/>
+                    <a:lstStyle/>
+                    <a:p>
+                      <a:pPr algn="ctr"/>
+                      <a:r>
+                        <a:rPr lang="en-US"/>
+                        <a:t>Our model</a:t>
+                      </a:r>
+                    </a:p>
+                  </a:txBody>
+                  <a:tcPr anchor="ctr"/>
+                </a:tc>
+                <a:tc>
+                  <a:txBody>
+                    <a:bodyPr/>
+                    <a:lstStyle/>
+                    <a:p>
+                      <a:pPr algn="ctr"/>
+                      <a:r>
+                        <a:rPr lang="en-US"/>
+                        <a:t>0.469</a:t>
+                      </a:r>
+                    </a:p>
+                  </a:txBody>
+                  <a:tcPr anchor="ctr"/>
+                </a:tc>
+                <a:tc>
+                  <a:txBody>
+                    <a:bodyPr/>
+                    <a:lstStyle/>
+                    <a:p>
+                      <a:pPr algn="ctr"/>
+                      <a:r>
+                        <a:rPr lang="en-US"/>
+                        <a:t>0.344</a:t>
+                      </a:r>
+                    </a:p>
+                  </a:txBody>
+                  <a:tcPr anchor="ctr"/>
+                </a:tc>
+                <a:tc>
+                  <a:txBody>
+                    <a:bodyPr/>
+                    <a:lstStyle/>
+                    <a:p>
+                      <a:pPr algn="ctr"/>
+                      <a:r>
+                        <a:rPr lang="en-US"/>
+                        <a:t>0.269</a:t>
+                      </a:r>
+                    </a:p>
+                  </a:txBody>
+                  <a:tcPr anchor="ctr"/>
+                </a:tc>
+                <a:tc>
+                  <a:txBody>
+                    <a:bodyPr/>
+                    <a:lstStyle/>
+                    <a:p>
+                      <a:pPr algn="ctr"/>
+                      <a:r>
+                        <a:rPr lang="en-US"/>
+                        <a:t>0.222</a:t>
+                      </a:r>
+                    </a:p>
+                  </a:txBody>
+                  <a:tcPr anchor="ctr"/>
+                </a:tc>
+                <a:tc>
+                  <a:txBody>
+                    <a:bodyPr/>
+                    <a:lstStyle/>
+                    <a:p>
+                      <a:pPr algn="ctr"/>
+                      <a:r>
+                        <a:rPr lang="en-US"/>
+                        <a:t>0.457</a:t>
+                      </a:r>
+                    </a:p>
+                  </a:txBody>
+                  <a:tcPr anchor="ctr"/>
+                </a:tc>
+                <a:tc>
+                  <a:txBody>
+                    <a:bodyPr/>
+                    <a:lstStyle/>
+                    <a:p>
+                      <a:pPr algn="ctr"/>
+                      <a:r>
+                        <a:rPr lang="en-US"/>
+                        <a:t>1.284</a:t>
+                      </a:r>
+                    </a:p>
+                  </a:txBody>
+                  <a:tcPr anchor="ctr"/>
+                </a:tc>
+                <a:tc>
+                  <a:txBody>
+                    <a:bodyPr/>
+                    <a:lstStyle/>
+                    <a:p>
+                      <a:pPr algn="ctr"/>
+                      <a:r>
+                        <a:rPr lang="en-US"/>
+                        <a:t>0.259</a:t>
+                      </a:r>
+                    </a:p>
+                  </a:txBody>
+                  <a:tcPr anchor="ctr"/>
+                </a:tc>
+                <a:extLst>
+                  <a:ext uri="{0D108BD9-81ED-4DB2-BD59-A6C34878D82A}">
+                    <a16:rowId xmlns:a16="http://schemas.microsoft.com/office/drawing/2014/main" val="2993498765"/>
+                  </a:ext>
+                </a:extLst>
+              </a:tr>
+            </a:tbl>
+          </a:graphicData>
+        </a:graphic>
+      </p:graphicFrame>
+      <p:sp>
+        <p:nvSpPr>
+          <p:cNvPr id="9" name="TextBox 8">
+            <a:extLst>
+              <a:ext uri="{FF2B5EF4-FFF2-40B4-BE49-F238E27FC236}">
+                <a16:creationId xmlns:a16="http://schemas.microsoft.com/office/drawing/2014/main" id="{CBCD9CC4-D1FB-4310-AF0B-8A4D2F76706D}"/>
+              </a:ext>
+            </a:extLst>
+          </p:cNvPr>
+          <p:cNvSpPr txBox="1"/>
+          <p:nvPr/>
+        </p:nvSpPr>
+        <p:spPr>
+          <a:xfrm>
+            <a:off x="2493510" y="5373184"/>
+            <a:ext cx="7725385" cy="923330"/>
+          </a:xfrm>
+          <a:prstGeom prst="rect">
+            <a:avLst/>
+          </a:prstGeom>
+          <a:noFill/>
+        </p:spPr>
+        <p:txBody>
+          <a:bodyPr wrap="none" rtlCol="0">
+            <a:spAutoFit/>
+          </a:bodyPr>
+          <a:lstStyle/>
+          <a:p>
+            <a:r>
+              <a:rPr lang="en-US"/>
+              <a:t>(1): Vinyals et al. Show and tell: A neural image caption generator, 2014.</a:t>
+            </a:r>
+          </a:p>
+          <a:p>
+            <a:r>
+              <a:rPr lang="en-US"/>
+              <a:t>(2): Kelvin Xu et al. Show and tell: A neural image caption generator, 2015.</a:t>
+            </a:r>
+            <a:br>
+              <a:rPr lang="en-US"/>
+            </a:br>
+            <a:endParaRPr lang="en-US"/>
+          </a:p>
+        </p:txBody>
       </p:sp>
     </p:spTree>
     <p:extLst>
       <p:ext uri="{BB962C8B-B14F-4D97-AF65-F5344CB8AC3E}">
-        <p14:creationId xmlns:p14="http://schemas.microsoft.com/office/powerpoint/2010/main" val="4087236110"/>
+        <p14:creationId xmlns:p14="http://schemas.microsoft.com/office/powerpoint/2010/main" val="2374502986"/>
       </p:ext>
     </p:extLst>
   </p:cSld>
@@ -8261,7 +9157,7 @@
           <p:cNvPr id="2" name="Title 1">
             <a:extLst>
               <a:ext uri="{FF2B5EF4-FFF2-40B4-BE49-F238E27FC236}">
-                <a16:creationId xmlns:a16="http://schemas.microsoft.com/office/drawing/2014/main" id="{83D5EF7C-F768-416D-A178-1EBE8476EA2D}"/>
+                <a16:creationId xmlns:a16="http://schemas.microsoft.com/office/drawing/2014/main" id="{29F7495C-8848-477C-A949-CFCB957F2740}"/>
               </a:ext>
             </a:extLst>
           </p:cNvPr>
@@ -8279,17 +9175,17 @@
           <a:p>
             <a:r>
               <a:rPr lang="en-US"/>
-              <a:t>Flickr8k Dataset</a:t>
+              <a:t>Future work</a:t>
             </a:r>
           </a:p>
         </p:txBody>
       </p:sp>
       <p:sp>
         <p:nvSpPr>
-          <p:cNvPr id="6" name="Content Placeholder 5">
+          <p:cNvPr id="7" name="Content Placeholder 6">
             <a:extLst>
               <a:ext uri="{FF2B5EF4-FFF2-40B4-BE49-F238E27FC236}">
-                <a16:creationId xmlns:a16="http://schemas.microsoft.com/office/drawing/2014/main" id="{AAB986E5-29CE-4FC4-B3FC-E0F262D27258}"/>
+                <a16:creationId xmlns:a16="http://schemas.microsoft.com/office/drawing/2014/main" id="{4632AF70-85C8-436E-A67C-8D2A95CDA42D}"/>
               </a:ext>
             </a:extLst>
           </p:cNvPr>
@@ -8300,33 +9196,24 @@
             <p:ph idx="1"/>
           </p:nvPr>
         </p:nvSpPr>
-        <p:spPr/>
+        <p:spPr>
+          <a:xfrm>
+            <a:off x="1371600" y="2286000"/>
+            <a:ext cx="4724400" cy="3581400"/>
+          </a:xfrm>
+        </p:spPr>
         <p:txBody>
-          <a:bodyPr>
-            <a:normAutofit/>
-          </a:bodyPr>
+          <a:bodyPr/>
           <a:lstStyle/>
           <a:p>
             <a:r>
               <a:rPr lang="en-US"/>
-              <a:t>Dataset consisting of </a:t>
-            </a:r>
-            <a:r>
-              <a:rPr lang="en-US" b="1"/>
-              <a:t>8,000 images </a:t>
-            </a:r>
-            <a:r>
-              <a:rPr lang="en-US"/>
-              <a:t>that are each paired with </a:t>
-            </a:r>
-            <a:r>
-              <a:rPr lang="en-US" b="1"/>
-              <a:t>five different captions </a:t>
-            </a:r>
-            <a:r>
-              <a:rPr lang="en-US"/>
-              <a:t>which provide clear descriptions of the salient entities and events.</a:t>
-            </a:r>
+              <a:t>Constrained beam search: caption images containing previously unseen objects by incorporating semantic attributes (i.e., image tags) during RNN decoding.</a:t>
+            </a:r>
+            <a:br>
+              <a:rPr lang="en-US"/>
+            </a:br>
+            <a:endParaRPr lang="en-US"/>
           </a:p>
         </p:txBody>
       </p:sp>
@@ -8335,7 +9222,7 @@
           <p:cNvPr id="4" name="Footer Placeholder 3">
             <a:extLst>
               <a:ext uri="{FF2B5EF4-FFF2-40B4-BE49-F238E27FC236}">
-                <a16:creationId xmlns:a16="http://schemas.microsoft.com/office/drawing/2014/main" id="{AA15A1E0-B0D3-45F3-BE8D-5F6C9C67AC7A}"/>
+                <a16:creationId xmlns:a16="http://schemas.microsoft.com/office/drawing/2014/main" id="{EF6BEE92-21CB-4911-BE16-60419AC3D056}"/>
               </a:ext>
             </a:extLst>
           </p:cNvPr>
@@ -8363,373 +9250,7 @@
           <p:cNvPr id="5" name="Slide Number Placeholder 4">
             <a:extLst>
               <a:ext uri="{FF2B5EF4-FFF2-40B4-BE49-F238E27FC236}">
-                <a16:creationId xmlns:a16="http://schemas.microsoft.com/office/drawing/2014/main" id="{67967A7C-8B5D-4CE5-ABA4-3C31E327F330}"/>
-              </a:ext>
-            </a:extLst>
-          </p:cNvPr>
-          <p:cNvSpPr>
-            <a:spLocks noGrp="1"/>
-          </p:cNvSpPr>
-          <p:nvPr>
-            <p:ph type="sldNum" sz="quarter" idx="12"/>
-          </p:nvPr>
-        </p:nvSpPr>
-        <p:spPr/>
-        <p:txBody>
-          <a:bodyPr/>
-          <a:lstStyle/>
-          <a:p>
-            <a:fld id="{69E57DC2-970A-4B3E-BB1C-7A09969E49DF}" type="slidenum">
-              <a:rPr lang="en-US" smtClean="0"/>
-              <a:t>19</a:t>
-            </a:fld>
-            <a:endParaRPr lang="en-US"/>
-          </a:p>
-        </p:txBody>
-      </p:sp>
-      <p:pic>
-        <p:nvPicPr>
-          <p:cNvPr id="9" name="Picture Placeholder 8">
-            <a:extLst>
-              <a:ext uri="{FF2B5EF4-FFF2-40B4-BE49-F238E27FC236}">
-                <a16:creationId xmlns:a16="http://schemas.microsoft.com/office/drawing/2014/main" id="{C2689924-1823-4409-8459-EEE9B4B77052}"/>
-              </a:ext>
-            </a:extLst>
-          </p:cNvPr>
-          <p:cNvPicPr>
-            <a:picLocks noGrp="1" noChangeAspect="1"/>
-          </p:cNvPicPr>
-          <p:nvPr>
-            <p:ph type="pic" sz="quarter" idx="13"/>
-          </p:nvPr>
-        </p:nvPicPr>
-        <p:blipFill rotWithShape="1">
-          <a:blip r:embed="rId2"/>
-          <a:srcRect l="24385" r="25876" b="4832"/>
-          <a:stretch/>
-        </p:blipFill>
-        <p:spPr>
-          <a:xfrm>
-            <a:off x="7325607" y="891077"/>
-            <a:ext cx="4123055" cy="4931229"/>
-          </a:xfrm>
-        </p:spPr>
-      </p:pic>
-    </p:spTree>
-    <p:extLst>
-      <p:ext uri="{BB962C8B-B14F-4D97-AF65-F5344CB8AC3E}">
-        <p14:creationId xmlns:p14="http://schemas.microsoft.com/office/powerpoint/2010/main" val="2219005252"/>
-      </p:ext>
-    </p:extLst>
-  </p:cSld>
-  <p:clrMapOvr>
-    <a:masterClrMapping/>
-  </p:clrMapOvr>
-</p:sld>
-</file>
-
-<file path=ppt/slides/slide2.xml><?xml version="1.0" encoding="utf-8"?>
-<p:sld xmlns:a="http://schemas.openxmlformats.org/drawingml/2006/main" xmlns:r="http://schemas.openxmlformats.org/officeDocument/2006/relationships" xmlns:p="http://schemas.openxmlformats.org/presentationml/2006/main">
-  <p:cSld>
-    <p:spTree>
-      <p:nvGrpSpPr>
-        <p:cNvPr id="1" name=""/>
-        <p:cNvGrpSpPr/>
-        <p:nvPr/>
-      </p:nvGrpSpPr>
-      <p:grpSpPr>
-        <a:xfrm>
-          <a:off x="0" y="0"/>
-          <a:ext cx="0" cy="0"/>
-          <a:chOff x="0" y="0"/>
-          <a:chExt cx="0" cy="0"/>
-        </a:xfrm>
-      </p:grpSpPr>
-      <p:sp>
-        <p:nvSpPr>
-          <p:cNvPr id="2" name="Title 1">
-            <a:extLst>
-              <a:ext uri="{FF2B5EF4-FFF2-40B4-BE49-F238E27FC236}">
-                <a16:creationId xmlns:a16="http://schemas.microsoft.com/office/drawing/2014/main" id="{DD8C2572-D32E-4DA3-81B4-89F7EBD4C5C7}"/>
-              </a:ext>
-            </a:extLst>
-          </p:cNvPr>
-          <p:cNvSpPr>
-            <a:spLocks noGrp="1"/>
-          </p:cNvSpPr>
-          <p:nvPr>
-            <p:ph type="title"/>
-          </p:nvPr>
-        </p:nvSpPr>
-        <p:spPr/>
-        <p:txBody>
-          <a:bodyPr/>
-          <a:lstStyle/>
-          <a:p>
-            <a:r>
-              <a:rPr lang="en-US"/>
-              <a:t>Overview</a:t>
-            </a:r>
-          </a:p>
-        </p:txBody>
-      </p:sp>
-      <p:sp>
-        <p:nvSpPr>
-          <p:cNvPr id="3" name="Content Placeholder 2">
-            <a:extLst>
-              <a:ext uri="{FF2B5EF4-FFF2-40B4-BE49-F238E27FC236}">
-                <a16:creationId xmlns:a16="http://schemas.microsoft.com/office/drawing/2014/main" id="{E8B7A255-3CCC-4074-A67F-5D3967856A77}"/>
-              </a:ext>
-            </a:extLst>
-          </p:cNvPr>
-          <p:cNvSpPr>
-            <a:spLocks noGrp="1"/>
-          </p:cNvSpPr>
-          <p:nvPr>
-            <p:ph idx="1"/>
-          </p:nvPr>
-        </p:nvSpPr>
-        <p:spPr>
-          <a:xfrm>
-            <a:off x="1371600" y="1847461"/>
-            <a:ext cx="9601200" cy="4019939"/>
-          </a:xfrm>
-        </p:spPr>
-        <p:txBody>
-          <a:bodyPr>
-            <a:normAutofit/>
-          </a:bodyPr>
-          <a:lstStyle/>
-          <a:p>
-            <a:r>
-              <a:rPr lang="en-US"/>
-              <a:t>Introduction</a:t>
-            </a:r>
-          </a:p>
-          <a:p>
-            <a:r>
-              <a:rPr lang="en-US"/>
-              <a:t>Related work</a:t>
-            </a:r>
-          </a:p>
-          <a:p>
-            <a:r>
-              <a:rPr lang="en-US"/>
-              <a:t>Architecture</a:t>
-            </a:r>
-          </a:p>
-          <a:p>
-            <a:r>
-              <a:rPr lang="en-US"/>
-              <a:t>Dataset</a:t>
-            </a:r>
-          </a:p>
-          <a:p>
-            <a:r>
-              <a:rPr lang="en-US"/>
-              <a:t>Training</a:t>
-            </a:r>
-          </a:p>
-          <a:p>
-            <a:r>
-              <a:rPr lang="en-US"/>
-              <a:t>Evaluation</a:t>
-            </a:r>
-          </a:p>
-          <a:p>
-            <a:r>
-              <a:rPr lang="en-US"/>
-              <a:t>Challenges</a:t>
-            </a:r>
-          </a:p>
-          <a:p>
-            <a:r>
-              <a:rPr lang="en-US"/>
-              <a:t>Future work</a:t>
-            </a:r>
-          </a:p>
-          <a:p>
-            <a:r>
-              <a:rPr lang="en-US"/>
-              <a:t>References</a:t>
-            </a:r>
-          </a:p>
-        </p:txBody>
-      </p:sp>
-      <p:sp>
-        <p:nvSpPr>
-          <p:cNvPr id="6" name="Footer Placeholder 5">
-            <a:extLst>
-              <a:ext uri="{FF2B5EF4-FFF2-40B4-BE49-F238E27FC236}">
-                <a16:creationId xmlns:a16="http://schemas.microsoft.com/office/drawing/2014/main" id="{6EC6B209-0E24-4225-A5AE-57A8DF0C4F3D}"/>
-              </a:ext>
-            </a:extLst>
-          </p:cNvPr>
-          <p:cNvSpPr>
-            <a:spLocks noGrp="1"/>
-          </p:cNvSpPr>
-          <p:nvPr>
-            <p:ph type="ftr" sz="quarter" idx="11"/>
-          </p:nvPr>
-        </p:nvSpPr>
-        <p:spPr/>
-        <p:txBody>
-          <a:bodyPr/>
-          <a:lstStyle/>
-          <a:p>
-            <a:r>
-              <a:rPr lang="en-US"/>
-              <a:t>Ho Chi Minh University of Technology and Education</a:t>
-            </a:r>
-          </a:p>
-        </p:txBody>
-      </p:sp>
-      <p:sp>
-        <p:nvSpPr>
-          <p:cNvPr id="7" name="Slide Number Placeholder 6">
-            <a:extLst>
-              <a:ext uri="{FF2B5EF4-FFF2-40B4-BE49-F238E27FC236}">
-                <a16:creationId xmlns:a16="http://schemas.microsoft.com/office/drawing/2014/main" id="{533E9DC2-3ED6-4FE2-BB80-1E9EB841F47B}"/>
-              </a:ext>
-            </a:extLst>
-          </p:cNvPr>
-          <p:cNvSpPr>
-            <a:spLocks noGrp="1"/>
-          </p:cNvSpPr>
-          <p:nvPr>
-            <p:ph type="sldNum" sz="quarter" idx="12"/>
-          </p:nvPr>
-        </p:nvSpPr>
-        <p:spPr/>
-        <p:txBody>
-          <a:bodyPr/>
-          <a:lstStyle/>
-          <a:p>
-            <a:fld id="{69E57DC2-970A-4B3E-BB1C-7A09969E49DF}" type="slidenum">
-              <a:rPr lang="en-US" smtClean="0"/>
-              <a:t>2</a:t>
-            </a:fld>
-            <a:endParaRPr lang="en-US"/>
-          </a:p>
-        </p:txBody>
-      </p:sp>
-    </p:spTree>
-    <p:extLst>
-      <p:ext uri="{BB962C8B-B14F-4D97-AF65-F5344CB8AC3E}">
-        <p14:creationId xmlns:p14="http://schemas.microsoft.com/office/powerpoint/2010/main" val="680522853"/>
-      </p:ext>
-    </p:extLst>
-  </p:cSld>
-  <p:clrMapOvr>
-    <a:masterClrMapping/>
-  </p:clrMapOvr>
-</p:sld>
-</file>
-
-<file path=ppt/slides/slide20.xml><?xml version="1.0" encoding="utf-8"?>
-<p:sld xmlns:a="http://schemas.openxmlformats.org/drawingml/2006/main" xmlns:r="http://schemas.openxmlformats.org/officeDocument/2006/relationships" xmlns:p="http://schemas.openxmlformats.org/presentationml/2006/main">
-  <p:cSld>
-    <p:spTree>
-      <p:nvGrpSpPr>
-        <p:cNvPr id="1" name=""/>
-        <p:cNvGrpSpPr/>
-        <p:nvPr/>
-      </p:nvGrpSpPr>
-      <p:grpSpPr>
-        <a:xfrm>
-          <a:off x="0" y="0"/>
-          <a:ext cx="0" cy="0"/>
-          <a:chOff x="0" y="0"/>
-          <a:chExt cx="0" cy="0"/>
-        </a:xfrm>
-      </p:grpSpPr>
-      <p:sp>
-        <p:nvSpPr>
-          <p:cNvPr id="7" name="Title 6">
-            <a:extLst>
-              <a:ext uri="{FF2B5EF4-FFF2-40B4-BE49-F238E27FC236}">
-                <a16:creationId xmlns:a16="http://schemas.microsoft.com/office/drawing/2014/main" id="{2ABCF356-5C84-4101-AE09-2A92407EC396}"/>
-              </a:ext>
-            </a:extLst>
-          </p:cNvPr>
-          <p:cNvSpPr>
-            <a:spLocks noGrp="1"/>
-          </p:cNvSpPr>
-          <p:nvPr>
-            <p:ph type="title"/>
-          </p:nvPr>
-        </p:nvSpPr>
-        <p:spPr/>
-        <p:txBody>
-          <a:bodyPr/>
-          <a:lstStyle/>
-          <a:p>
-            <a:r>
-              <a:rPr lang="en-US"/>
-              <a:t>Challenges</a:t>
-            </a:r>
-          </a:p>
-        </p:txBody>
-      </p:sp>
-      <p:sp>
-        <p:nvSpPr>
-          <p:cNvPr id="8" name="Content Placeholder 7">
-            <a:extLst>
-              <a:ext uri="{FF2B5EF4-FFF2-40B4-BE49-F238E27FC236}">
-                <a16:creationId xmlns:a16="http://schemas.microsoft.com/office/drawing/2014/main" id="{E62C4378-4DF3-4873-ADB4-69450C91205D}"/>
-              </a:ext>
-            </a:extLst>
-          </p:cNvPr>
-          <p:cNvSpPr>
-            <a:spLocks noGrp="1"/>
-          </p:cNvSpPr>
-          <p:nvPr>
-            <p:ph idx="1"/>
-          </p:nvPr>
-        </p:nvSpPr>
-        <p:spPr/>
-        <p:txBody>
-          <a:bodyPr/>
-          <a:lstStyle/>
-          <a:p>
-            <a:endParaRPr lang="en-US"/>
-          </a:p>
-        </p:txBody>
-      </p:sp>
-      <p:sp>
-        <p:nvSpPr>
-          <p:cNvPr id="4" name="Footer Placeholder 3">
-            <a:extLst>
-              <a:ext uri="{FF2B5EF4-FFF2-40B4-BE49-F238E27FC236}">
-                <a16:creationId xmlns:a16="http://schemas.microsoft.com/office/drawing/2014/main" id="{04231DB9-F832-43DC-B695-C44231A32878}"/>
-              </a:ext>
-            </a:extLst>
-          </p:cNvPr>
-          <p:cNvSpPr>
-            <a:spLocks noGrp="1"/>
-          </p:cNvSpPr>
-          <p:nvPr>
-            <p:ph type="ftr" sz="quarter" idx="11"/>
-          </p:nvPr>
-        </p:nvSpPr>
-        <p:spPr/>
-        <p:txBody>
-          <a:bodyPr/>
-          <a:lstStyle/>
-          <a:p>
-            <a:r>
-              <a:rPr lang="en-US"/>
-              <a:t>Ho Chi Minh University of Technology and Education</a:t>
-            </a:r>
-          </a:p>
-        </p:txBody>
-      </p:sp>
-      <p:sp>
-        <p:nvSpPr>
-          <p:cNvPr id="5" name="Slide Number Placeholder 4">
-            <a:extLst>
-              <a:ext uri="{FF2B5EF4-FFF2-40B4-BE49-F238E27FC236}">
-                <a16:creationId xmlns:a16="http://schemas.microsoft.com/office/drawing/2014/main" id="{BE20032D-7947-4D69-B1D0-59D2F3ADF5D4}"/>
+                <a16:creationId xmlns:a16="http://schemas.microsoft.com/office/drawing/2014/main" id="{39683ED3-4BB2-4F9F-B9B3-A3F60D88E549}"/>
               </a:ext>
             </a:extLst>
           </p:cNvPr>
@@ -8794,7 +9315,7 @@
                 <a:tabLst/>
                 <a:defRPr/>
               </a:pPr>
-              <a:t>20</a:t>
+              <a:t>19</a:t>
             </a:fld>
             <a:endParaRPr kumimoji="0" lang="en-US" sz="1200" b="0" i="0" u="none" strike="noStrike" kern="1200" cap="none" spc="0" normalizeH="0" baseline="0" noProof="0">
               <a:ln>
@@ -8813,10 +9334,442 @@
           </a:p>
         </p:txBody>
       </p:sp>
+      <p:pic>
+        <p:nvPicPr>
+          <p:cNvPr id="6" name="Picture Placeholder 5">
+            <a:extLst>
+              <a:ext uri="{FF2B5EF4-FFF2-40B4-BE49-F238E27FC236}">
+                <a16:creationId xmlns:a16="http://schemas.microsoft.com/office/drawing/2014/main" id="{2ECF5B08-D60A-4BAA-AE93-5F9428D663CD}"/>
+              </a:ext>
+            </a:extLst>
+          </p:cNvPr>
+          <p:cNvPicPr>
+            <a:picLocks noGrp="1" noChangeAspect="1"/>
+          </p:cNvPicPr>
+          <p:nvPr>
+            <p:ph type="pic" sz="quarter" idx="13"/>
+          </p:nvPr>
+        </p:nvPicPr>
+        <p:blipFill rotWithShape="1">
+          <a:blip r:embed="rId2"/>
+          <a:srcRect l="-2481" t="-12005" r="-8776"/>
+          <a:stretch/>
+        </p:blipFill>
+        <p:spPr>
+          <a:xfrm>
+            <a:off x="6033979" y="685800"/>
+            <a:ext cx="6640498" cy="5181600"/>
+          </a:xfrm>
+          <a:prstGeom prst="rect">
+            <a:avLst/>
+          </a:prstGeom>
+        </p:spPr>
+      </p:pic>
     </p:spTree>
     <p:extLst>
       <p:ext uri="{BB962C8B-B14F-4D97-AF65-F5344CB8AC3E}">
-        <p14:creationId xmlns:p14="http://schemas.microsoft.com/office/powerpoint/2010/main" val="1459505170"/>
+        <p14:creationId xmlns:p14="http://schemas.microsoft.com/office/powerpoint/2010/main" val="3038482617"/>
+      </p:ext>
+    </p:extLst>
+  </p:cSld>
+  <p:clrMapOvr>
+    <a:masterClrMapping/>
+  </p:clrMapOvr>
+</p:sld>
+</file>
+
+<file path=ppt/slides/slide2.xml><?xml version="1.0" encoding="utf-8"?>
+<p:sld xmlns:a="http://schemas.openxmlformats.org/drawingml/2006/main" xmlns:r="http://schemas.openxmlformats.org/officeDocument/2006/relationships" xmlns:p="http://schemas.openxmlformats.org/presentationml/2006/main">
+  <p:cSld>
+    <p:spTree>
+      <p:nvGrpSpPr>
+        <p:cNvPr id="1" name=""/>
+        <p:cNvGrpSpPr/>
+        <p:nvPr/>
+      </p:nvGrpSpPr>
+      <p:grpSpPr>
+        <a:xfrm>
+          <a:off x="0" y="0"/>
+          <a:ext cx="0" cy="0"/>
+          <a:chOff x="0" y="0"/>
+          <a:chExt cx="0" cy="0"/>
+        </a:xfrm>
+      </p:grpSpPr>
+      <p:sp>
+        <p:nvSpPr>
+          <p:cNvPr id="2" name="Title 1">
+            <a:extLst>
+              <a:ext uri="{FF2B5EF4-FFF2-40B4-BE49-F238E27FC236}">
+                <a16:creationId xmlns:a16="http://schemas.microsoft.com/office/drawing/2014/main" id="{DD8C2572-D32E-4DA3-81B4-89F7EBD4C5C7}"/>
+              </a:ext>
+            </a:extLst>
+          </p:cNvPr>
+          <p:cNvSpPr>
+            <a:spLocks noGrp="1"/>
+          </p:cNvSpPr>
+          <p:nvPr>
+            <p:ph type="title"/>
+          </p:nvPr>
+        </p:nvSpPr>
+        <p:spPr/>
+        <p:txBody>
+          <a:bodyPr/>
+          <a:lstStyle/>
+          <a:p>
+            <a:r>
+              <a:rPr lang="en-US"/>
+              <a:t>Overview</a:t>
+            </a:r>
+          </a:p>
+        </p:txBody>
+      </p:sp>
+      <p:sp>
+        <p:nvSpPr>
+          <p:cNvPr id="3" name="Content Placeholder 2">
+            <a:extLst>
+              <a:ext uri="{FF2B5EF4-FFF2-40B4-BE49-F238E27FC236}">
+                <a16:creationId xmlns:a16="http://schemas.microsoft.com/office/drawing/2014/main" id="{E8B7A255-3CCC-4074-A67F-5D3967856A77}"/>
+              </a:ext>
+            </a:extLst>
+          </p:cNvPr>
+          <p:cNvSpPr>
+            <a:spLocks noGrp="1"/>
+          </p:cNvSpPr>
+          <p:nvPr>
+            <p:ph idx="1"/>
+          </p:nvPr>
+        </p:nvSpPr>
+        <p:spPr>
+          <a:xfrm>
+            <a:off x="1371600" y="1847461"/>
+            <a:ext cx="9601200" cy="4019939"/>
+          </a:xfrm>
+        </p:spPr>
+        <p:txBody>
+          <a:bodyPr>
+            <a:normAutofit/>
+          </a:bodyPr>
+          <a:lstStyle/>
+          <a:p>
+            <a:r>
+              <a:rPr lang="en-US"/>
+              <a:t>Introduction</a:t>
+            </a:r>
+          </a:p>
+          <a:p>
+            <a:r>
+              <a:rPr lang="en-US"/>
+              <a:t>Related work</a:t>
+            </a:r>
+          </a:p>
+          <a:p>
+            <a:r>
+              <a:rPr lang="en-US"/>
+              <a:t>Architecture</a:t>
+            </a:r>
+          </a:p>
+          <a:p>
+            <a:r>
+              <a:rPr lang="en-US"/>
+              <a:t>Dataset</a:t>
+            </a:r>
+          </a:p>
+          <a:p>
+            <a:r>
+              <a:rPr lang="en-US"/>
+              <a:t>Training</a:t>
+            </a:r>
+          </a:p>
+          <a:p>
+            <a:r>
+              <a:rPr lang="en-US"/>
+              <a:t>Evaluation</a:t>
+            </a:r>
+          </a:p>
+          <a:p>
+            <a:r>
+              <a:rPr lang="en-US"/>
+              <a:t>Future work</a:t>
+            </a:r>
+          </a:p>
+          <a:p>
+            <a:r>
+              <a:rPr lang="en-US"/>
+              <a:t>References</a:t>
+            </a:r>
+          </a:p>
+        </p:txBody>
+      </p:sp>
+      <p:sp>
+        <p:nvSpPr>
+          <p:cNvPr id="6" name="Footer Placeholder 5">
+            <a:extLst>
+              <a:ext uri="{FF2B5EF4-FFF2-40B4-BE49-F238E27FC236}">
+                <a16:creationId xmlns:a16="http://schemas.microsoft.com/office/drawing/2014/main" id="{6EC6B209-0E24-4225-A5AE-57A8DF0C4F3D}"/>
+              </a:ext>
+            </a:extLst>
+          </p:cNvPr>
+          <p:cNvSpPr>
+            <a:spLocks noGrp="1"/>
+          </p:cNvSpPr>
+          <p:nvPr>
+            <p:ph type="ftr" sz="quarter" idx="11"/>
+          </p:nvPr>
+        </p:nvSpPr>
+        <p:spPr/>
+        <p:txBody>
+          <a:bodyPr/>
+          <a:lstStyle/>
+          <a:p>
+            <a:r>
+              <a:rPr lang="en-US"/>
+              <a:t>Ho Chi Minh University of Technology and Education</a:t>
+            </a:r>
+          </a:p>
+        </p:txBody>
+      </p:sp>
+      <p:sp>
+        <p:nvSpPr>
+          <p:cNvPr id="7" name="Slide Number Placeholder 6">
+            <a:extLst>
+              <a:ext uri="{FF2B5EF4-FFF2-40B4-BE49-F238E27FC236}">
+                <a16:creationId xmlns:a16="http://schemas.microsoft.com/office/drawing/2014/main" id="{533E9DC2-3ED6-4FE2-BB80-1E9EB841F47B}"/>
+              </a:ext>
+            </a:extLst>
+          </p:cNvPr>
+          <p:cNvSpPr>
+            <a:spLocks noGrp="1"/>
+          </p:cNvSpPr>
+          <p:nvPr>
+            <p:ph type="sldNum" sz="quarter" idx="12"/>
+          </p:nvPr>
+        </p:nvSpPr>
+        <p:spPr/>
+        <p:txBody>
+          <a:bodyPr/>
+          <a:lstStyle/>
+          <a:p>
+            <a:fld id="{69E57DC2-970A-4B3E-BB1C-7A09969E49DF}" type="slidenum">
+              <a:rPr lang="en-US" smtClean="0"/>
+              <a:t>2</a:t>
+            </a:fld>
+            <a:endParaRPr lang="en-US"/>
+          </a:p>
+        </p:txBody>
+      </p:sp>
+    </p:spTree>
+    <p:extLst>
+      <p:ext uri="{BB962C8B-B14F-4D97-AF65-F5344CB8AC3E}">
+        <p14:creationId xmlns:p14="http://schemas.microsoft.com/office/powerpoint/2010/main" val="680522853"/>
+      </p:ext>
+    </p:extLst>
+  </p:cSld>
+  <p:clrMapOvr>
+    <a:masterClrMapping/>
+  </p:clrMapOvr>
+</p:sld>
+</file>
+
+<file path=ppt/slides/slide20.xml><?xml version="1.0" encoding="utf-8"?>
+<p:sld xmlns:a="http://schemas.openxmlformats.org/drawingml/2006/main" xmlns:r="http://schemas.openxmlformats.org/officeDocument/2006/relationships" xmlns:p="http://schemas.openxmlformats.org/presentationml/2006/main">
+  <p:cSld>
+    <p:spTree>
+      <p:nvGrpSpPr>
+        <p:cNvPr id="1" name=""/>
+        <p:cNvGrpSpPr/>
+        <p:nvPr/>
+      </p:nvGrpSpPr>
+      <p:grpSpPr>
+        <a:xfrm>
+          <a:off x="0" y="0"/>
+          <a:ext cx="0" cy="0"/>
+          <a:chOff x="0" y="0"/>
+          <a:chExt cx="0" cy="0"/>
+        </a:xfrm>
+      </p:grpSpPr>
+      <p:sp>
+        <p:nvSpPr>
+          <p:cNvPr id="2" name="Title 1">
+            <a:extLst>
+              <a:ext uri="{FF2B5EF4-FFF2-40B4-BE49-F238E27FC236}">
+                <a16:creationId xmlns:a16="http://schemas.microsoft.com/office/drawing/2014/main" id="{144A5509-6878-4C39-8972-2EF64BF17E2F}"/>
+              </a:ext>
+            </a:extLst>
+          </p:cNvPr>
+          <p:cNvSpPr>
+            <a:spLocks noGrp="1"/>
+          </p:cNvSpPr>
+          <p:nvPr>
+            <p:ph type="title"/>
+          </p:nvPr>
+        </p:nvSpPr>
+        <p:spPr/>
+        <p:txBody>
+          <a:bodyPr/>
+          <a:lstStyle/>
+          <a:p>
+            <a:r>
+              <a:rPr lang="en-US"/>
+              <a:t>References</a:t>
+            </a:r>
+          </a:p>
+        </p:txBody>
+      </p:sp>
+      <p:sp>
+        <p:nvSpPr>
+          <p:cNvPr id="3" name="Content Placeholder 2">
+            <a:extLst>
+              <a:ext uri="{FF2B5EF4-FFF2-40B4-BE49-F238E27FC236}">
+                <a16:creationId xmlns:a16="http://schemas.microsoft.com/office/drawing/2014/main" id="{4BA87E11-325D-4227-955D-12525E26D770}"/>
+              </a:ext>
+            </a:extLst>
+          </p:cNvPr>
+          <p:cNvSpPr>
+            <a:spLocks noGrp="1"/>
+          </p:cNvSpPr>
+          <p:nvPr>
+            <p:ph idx="1"/>
+          </p:nvPr>
+        </p:nvSpPr>
+        <p:spPr>
+          <a:xfrm>
+            <a:off x="1371600" y="1518082"/>
+            <a:ext cx="9601200" cy="4935303"/>
+          </a:xfrm>
+        </p:spPr>
+        <p:txBody>
+          <a:bodyPr>
+            <a:normAutofit/>
+          </a:bodyPr>
+          <a:lstStyle/>
+          <a:p>
+            <a:r>
+              <a:rPr lang="en-US"/>
+              <a:t>Kelvin Xu, Jimmy Ba, Ryan Kiros, Kyunghyun Cho, Aaron Courville, Ruslan Salakhutdinov, Richard Zemel, Yoshua Bengio. (2015). Show, Attend and Tell: Neural Image Caption with Generation with Visual Attention.</a:t>
+            </a:r>
+          </a:p>
+          <a:p>
+            <a:r>
+              <a:rPr lang="en-US"/>
+              <a:t>Bahdanau, Dzmitry, Cho, Kyunghyun, Bengio, &amp; Yoshua. (September 2014). Neural machine translation by jointly learning to align and translate. </a:t>
+            </a:r>
+            <a:r>
+              <a:rPr lang="en-US" i="1"/>
+              <a:t>arXiv:1409.0473</a:t>
+            </a:r>
+            <a:r>
+              <a:rPr lang="en-US"/>
+              <a:t>.</a:t>
+            </a:r>
+          </a:p>
+          <a:p>
+            <a:r>
+              <a:rPr lang="en-US"/>
+              <a:t>Hochreiter, S., &amp; Schmidhuber, J. (1997). Long short-term memory. </a:t>
+            </a:r>
+            <a:r>
+              <a:rPr lang="en-US" i="1"/>
+              <a:t>Neural Computation</a:t>
+            </a:r>
+            <a:r>
+              <a:rPr lang="en-US"/>
+              <a:t>, 9(8):1735–1780.</a:t>
+            </a:r>
+          </a:p>
+          <a:p>
+            <a:r>
+              <a:rPr lang="en-US"/>
+              <a:t>Pascanu, Razvan, Gulcehre, Caglar, Cho, Kyunghyun, . . . Yoshua. (2014). How to construct deep recurrent neural networks. </a:t>
+            </a:r>
+            <a:r>
+              <a:rPr lang="en-US" i="1"/>
+              <a:t>ICLR</a:t>
+            </a:r>
+            <a:r>
+              <a:rPr lang="en-US"/>
+              <a:t>.</a:t>
+            </a:r>
+          </a:p>
+          <a:p>
+            <a:r>
+              <a:rPr lang="en-US"/>
+              <a:t>Vinyals, Oriol, Toshev, Alexander, Bengio, Samy, and Erhan,</a:t>
+            </a:r>
+            <a:br>
+              <a:rPr lang="en-US"/>
+            </a:br>
+            <a:r>
+              <a:rPr lang="en-US"/>
+              <a:t>Dumitru. Show and tell: A neural image caption generator. November 2014. </a:t>
+            </a:r>
+            <a:br>
+              <a:rPr lang="en-US"/>
+            </a:br>
+            <a:endParaRPr lang="en-US" dirty="0"/>
+          </a:p>
+        </p:txBody>
+      </p:sp>
+      <p:sp>
+        <p:nvSpPr>
+          <p:cNvPr id="4" name="Footer Placeholder 3">
+            <a:extLst>
+              <a:ext uri="{FF2B5EF4-FFF2-40B4-BE49-F238E27FC236}">
+                <a16:creationId xmlns:a16="http://schemas.microsoft.com/office/drawing/2014/main" id="{997705B1-F82D-4A18-BDC0-12709CEA85A6}"/>
+              </a:ext>
+            </a:extLst>
+          </p:cNvPr>
+          <p:cNvSpPr>
+            <a:spLocks noGrp="1"/>
+          </p:cNvSpPr>
+          <p:nvPr>
+            <p:ph type="ftr" sz="quarter" idx="11"/>
+          </p:nvPr>
+        </p:nvSpPr>
+        <p:spPr/>
+        <p:txBody>
+          <a:bodyPr/>
+          <a:lstStyle/>
+          <a:p>
+            <a:r>
+              <a:rPr lang="en-US"/>
+              <a:t>Ho Chi Minh University of Technology and Education</a:t>
+            </a:r>
+          </a:p>
+        </p:txBody>
+      </p:sp>
+      <p:sp>
+        <p:nvSpPr>
+          <p:cNvPr id="5" name="Slide Number Placeholder 4">
+            <a:extLst>
+              <a:ext uri="{FF2B5EF4-FFF2-40B4-BE49-F238E27FC236}">
+                <a16:creationId xmlns:a16="http://schemas.microsoft.com/office/drawing/2014/main" id="{88D98AA8-6CAB-4F3C-BEFD-CED8C22C7833}"/>
+              </a:ext>
+            </a:extLst>
+          </p:cNvPr>
+          <p:cNvSpPr>
+            <a:spLocks noGrp="1"/>
+          </p:cNvSpPr>
+          <p:nvPr>
+            <p:ph type="sldNum" sz="quarter" idx="12"/>
+          </p:nvPr>
+        </p:nvSpPr>
+        <p:spPr/>
+        <p:txBody>
+          <a:bodyPr/>
+          <a:lstStyle/>
+          <a:p>
+            <a:fld id="{69E57DC2-970A-4B3E-BB1C-7A09969E49DF}" type="slidenum">
+              <a:rPr lang="en-US" smtClean="0"/>
+              <a:t>20</a:t>
+            </a:fld>
+            <a:endParaRPr lang="en-US"/>
+          </a:p>
+        </p:txBody>
+      </p:sp>
+    </p:spTree>
+    <p:extLst>
+      <p:ext uri="{BB962C8B-B14F-4D97-AF65-F5344CB8AC3E}">
+        <p14:creationId xmlns:p14="http://schemas.microsoft.com/office/powerpoint/2010/main" val="3990626404"/>
       </p:ext>
     </p:extLst>
   </p:cSld>
@@ -8848,7 +9801,7 @@
           <p:cNvPr id="2" name="Title 1">
             <a:extLst>
               <a:ext uri="{FF2B5EF4-FFF2-40B4-BE49-F238E27FC236}">
-                <a16:creationId xmlns:a16="http://schemas.microsoft.com/office/drawing/2014/main" id="{144A5509-6878-4C39-8972-2EF64BF17E2F}"/>
+                <a16:creationId xmlns:a16="http://schemas.microsoft.com/office/drawing/2014/main" id="{8DE592AC-DACC-4F50-8BB3-E1A01DED7F8A}"/>
               </a:ext>
             </a:extLst>
           </p:cNvPr>
@@ -8866,7 +9819,7 @@
           <a:p>
             <a:r>
               <a:rPr lang="en-US"/>
-              <a:t>References</a:t>
+              <a:t>Related work</a:t>
             </a:r>
           </a:p>
         </p:txBody>
@@ -8876,7 +9829,7 @@
           <p:cNvPr id="3" name="Content Placeholder 2">
             <a:extLst>
               <a:ext uri="{FF2B5EF4-FFF2-40B4-BE49-F238E27FC236}">
-                <a16:creationId xmlns:a16="http://schemas.microsoft.com/office/drawing/2014/main" id="{4BA87E11-325D-4227-955D-12525E26D770}"/>
+                <a16:creationId xmlns:a16="http://schemas.microsoft.com/office/drawing/2014/main" id="{FD4E8737-2663-449A-B8A9-C7FB63348628}"/>
               </a:ext>
             </a:extLst>
           </p:cNvPr>
@@ -8887,12 +9840,32 @@
             <p:ph idx="1"/>
           </p:nvPr>
         </p:nvSpPr>
-        <p:spPr/>
+        <p:spPr>
+          <a:xfrm>
+            <a:off x="1371599" y="2286000"/>
+            <a:ext cx="10091651" cy="3581400"/>
+          </a:xfrm>
+        </p:spPr>
         <p:txBody>
           <a:bodyPr/>
           <a:lstStyle/>
           <a:p>
-            <a:endParaRPr lang="en-US"/>
+            <a:r>
+              <a:rPr lang="en-US" dirty="0"/>
+              <a:t>Recently, several methods have been proposed for generating image descriptions:</a:t>
+            </a:r>
+          </a:p>
+          <a:p>
+            <a:r>
+              <a:rPr lang="en-US" dirty="0"/>
+              <a:t>The first approach to use neural networks for caption generation using a multimodal log-bilinear model that was biased by features from the image</a:t>
+            </a:r>
+          </a:p>
+          <a:p>
+            <a:r>
+              <a:rPr lang="en-US" dirty="0"/>
+              <a:t>The second approach to see the image at each time step of the output word sequence only show the image to the RNN at the beginning</a:t>
+            </a:r>
           </a:p>
         </p:txBody>
       </p:sp>
@@ -8901,7 +9874,7 @@
           <p:cNvPr id="4" name="Footer Placeholder 3">
             <a:extLst>
               <a:ext uri="{FF2B5EF4-FFF2-40B4-BE49-F238E27FC236}">
-                <a16:creationId xmlns:a16="http://schemas.microsoft.com/office/drawing/2014/main" id="{997705B1-F82D-4A18-BDC0-12709CEA85A6}"/>
+                <a16:creationId xmlns:a16="http://schemas.microsoft.com/office/drawing/2014/main" id="{2451DA5F-869C-49B7-9B03-4FB9274CFDB1}"/>
               </a:ext>
             </a:extLst>
           </p:cNvPr>
@@ -8929,7 +9902,7 @@
           <p:cNvPr id="5" name="Slide Number Placeholder 4">
             <a:extLst>
               <a:ext uri="{FF2B5EF4-FFF2-40B4-BE49-F238E27FC236}">
-                <a16:creationId xmlns:a16="http://schemas.microsoft.com/office/drawing/2014/main" id="{88D98AA8-6CAB-4F3C-BEFD-CED8C22C7833}"/>
+                <a16:creationId xmlns:a16="http://schemas.microsoft.com/office/drawing/2014/main" id="{77540A15-5385-4B3E-98B4-1701495BA608}"/>
               </a:ext>
             </a:extLst>
           </p:cNvPr>
@@ -8945,18 +9918,301 @@
           <a:bodyPr/>
           <a:lstStyle/>
           <a:p>
+            <a:pPr marL="0" marR="0" lvl="0" indent="0" algn="r" defTabSz="457200" rtl="0" eaLnBrk="1" fontAlgn="auto" latinLnBrk="0" hangingPunct="1">
+              <a:lnSpc>
+                <a:spcPct val="100000"/>
+              </a:lnSpc>
+              <a:spcBef>
+                <a:spcPts val="0"/>
+              </a:spcBef>
+              <a:spcAft>
+                <a:spcPts val="0"/>
+              </a:spcAft>
+              <a:buClrTx/>
+              <a:buSzTx/>
+              <a:buFontTx/>
+              <a:buNone/>
+              <a:tabLst/>
+              <a:defRPr/>
+            </a:pPr>
             <a:fld id="{69E57DC2-970A-4B3E-BB1C-7A09969E49DF}" type="slidenum">
-              <a:rPr lang="en-US" smtClean="0"/>
+              <a:rPr kumimoji="0" lang="en-US" sz="1200" b="0" i="0" u="none" strike="noStrike" kern="1200" cap="none" spc="0" normalizeH="0" baseline="0" noProof="0" smtClean="0">
+                <a:ln>
+                  <a:noFill/>
+                </a:ln>
+                <a:solidFill>
+                  <a:srgbClr val="191B0E"/>
+                </a:solidFill>
+                <a:effectLst/>
+                <a:uLnTx/>
+                <a:uFillTx/>
+                <a:latin typeface="Arial" panose="020B0604020202020204" pitchFamily="34" charset="0"/>
+                <a:ea typeface="+mn-ea"/>
+                <a:cs typeface="Arial" panose="020B0604020202020204" pitchFamily="34" charset="0"/>
+              </a:rPr>
+              <a:pPr marL="0" marR="0" lvl="0" indent="0" algn="r" defTabSz="457200" rtl="0" eaLnBrk="1" fontAlgn="auto" latinLnBrk="0" hangingPunct="1">
+                <a:lnSpc>
+                  <a:spcPct val="100000"/>
+                </a:lnSpc>
+                <a:spcBef>
+                  <a:spcPts val="0"/>
+                </a:spcBef>
+                <a:spcAft>
+                  <a:spcPts val="0"/>
+                </a:spcAft>
+                <a:buClrTx/>
+                <a:buSzTx/>
+                <a:buFontTx/>
+                <a:buNone/>
+                <a:tabLst/>
+                <a:defRPr/>
+              </a:pPr>
               <a:t>21</a:t>
             </a:fld>
-            <a:endParaRPr lang="en-US"/>
+            <a:endParaRPr kumimoji="0" lang="en-US" sz="1200" b="0" i="0" u="none" strike="noStrike" kern="1200" cap="none" spc="0" normalizeH="0" baseline="0" noProof="0">
+              <a:ln>
+                <a:noFill/>
+              </a:ln>
+              <a:solidFill>
+                <a:srgbClr val="191B0E"/>
+              </a:solidFill>
+              <a:effectLst/>
+              <a:uLnTx/>
+              <a:uFillTx/>
+              <a:latin typeface="Arial" panose="020B0604020202020204" pitchFamily="34" charset="0"/>
+              <a:ea typeface="+mn-ea"/>
+              <a:cs typeface="Arial" panose="020B0604020202020204" pitchFamily="34" charset="0"/>
+            </a:endParaRPr>
           </a:p>
         </p:txBody>
+      </p:sp>
+      <p:sp>
+        <p:nvSpPr>
+          <p:cNvPr id="6" name="Picture Placeholder 5">
+            <a:extLst>
+              <a:ext uri="{FF2B5EF4-FFF2-40B4-BE49-F238E27FC236}">
+                <a16:creationId xmlns:a16="http://schemas.microsoft.com/office/drawing/2014/main" id="{86BB6EF1-ECEB-433C-B054-74EBCDDF43EB}"/>
+              </a:ext>
+            </a:extLst>
+          </p:cNvPr>
+          <p:cNvSpPr>
+            <a:spLocks noGrp="1"/>
+          </p:cNvSpPr>
+          <p:nvPr>
+            <p:ph type="pic" sz="quarter" idx="13"/>
+          </p:nvPr>
+        </p:nvSpPr>
+        <p:spPr>
+          <a:xfrm>
+            <a:off x="11587942" y="5777344"/>
+            <a:ext cx="147550" cy="156557"/>
+          </a:xfrm>
+        </p:spPr>
       </p:sp>
     </p:spTree>
     <p:extLst>
       <p:ext uri="{BB962C8B-B14F-4D97-AF65-F5344CB8AC3E}">
-        <p14:creationId xmlns:p14="http://schemas.microsoft.com/office/powerpoint/2010/main" val="3990626404"/>
+        <p14:creationId xmlns:p14="http://schemas.microsoft.com/office/powerpoint/2010/main" val="4087236110"/>
+      </p:ext>
+    </p:extLst>
+  </p:cSld>
+  <p:clrMapOvr>
+    <a:masterClrMapping/>
+  </p:clrMapOvr>
+</p:sld>
+</file>
+
+<file path=ppt/slides/slide22.xml><?xml version="1.0" encoding="utf-8"?>
+<p:sld xmlns:a="http://schemas.openxmlformats.org/drawingml/2006/main" xmlns:r="http://schemas.openxmlformats.org/officeDocument/2006/relationships" xmlns:p="http://schemas.openxmlformats.org/presentationml/2006/main">
+  <p:cSld>
+    <p:spTree>
+      <p:nvGrpSpPr>
+        <p:cNvPr id="1" name=""/>
+        <p:cNvGrpSpPr/>
+        <p:nvPr/>
+      </p:nvGrpSpPr>
+      <p:grpSpPr>
+        <a:xfrm>
+          <a:off x="0" y="0"/>
+          <a:ext cx="0" cy="0"/>
+          <a:chOff x="0" y="0"/>
+          <a:chExt cx="0" cy="0"/>
+        </a:xfrm>
+      </p:grpSpPr>
+      <p:sp>
+        <p:nvSpPr>
+          <p:cNvPr id="7" name="Title 6">
+            <a:extLst>
+              <a:ext uri="{FF2B5EF4-FFF2-40B4-BE49-F238E27FC236}">
+                <a16:creationId xmlns:a16="http://schemas.microsoft.com/office/drawing/2014/main" id="{2ABCF356-5C84-4101-AE09-2A92407EC396}"/>
+              </a:ext>
+            </a:extLst>
+          </p:cNvPr>
+          <p:cNvSpPr>
+            <a:spLocks noGrp="1"/>
+          </p:cNvSpPr>
+          <p:nvPr>
+            <p:ph type="title"/>
+          </p:nvPr>
+        </p:nvSpPr>
+        <p:spPr/>
+        <p:txBody>
+          <a:bodyPr/>
+          <a:lstStyle/>
+          <a:p>
+            <a:r>
+              <a:rPr lang="en-US"/>
+              <a:t>Challenges</a:t>
+            </a:r>
+          </a:p>
+        </p:txBody>
+      </p:sp>
+      <p:sp>
+        <p:nvSpPr>
+          <p:cNvPr id="8" name="Content Placeholder 7">
+            <a:extLst>
+              <a:ext uri="{FF2B5EF4-FFF2-40B4-BE49-F238E27FC236}">
+                <a16:creationId xmlns:a16="http://schemas.microsoft.com/office/drawing/2014/main" id="{E62C4378-4DF3-4873-ADB4-69450C91205D}"/>
+              </a:ext>
+            </a:extLst>
+          </p:cNvPr>
+          <p:cNvSpPr>
+            <a:spLocks noGrp="1"/>
+          </p:cNvSpPr>
+          <p:nvPr>
+            <p:ph idx="1"/>
+          </p:nvPr>
+        </p:nvSpPr>
+        <p:spPr/>
+        <p:txBody>
+          <a:bodyPr/>
+          <a:lstStyle/>
+          <a:p>
+            <a:endParaRPr lang="en-US"/>
+          </a:p>
+        </p:txBody>
+      </p:sp>
+      <p:sp>
+        <p:nvSpPr>
+          <p:cNvPr id="4" name="Footer Placeholder 3">
+            <a:extLst>
+              <a:ext uri="{FF2B5EF4-FFF2-40B4-BE49-F238E27FC236}">
+                <a16:creationId xmlns:a16="http://schemas.microsoft.com/office/drawing/2014/main" id="{04231DB9-F832-43DC-B695-C44231A32878}"/>
+              </a:ext>
+            </a:extLst>
+          </p:cNvPr>
+          <p:cNvSpPr>
+            <a:spLocks noGrp="1"/>
+          </p:cNvSpPr>
+          <p:nvPr>
+            <p:ph type="ftr" sz="quarter" idx="11"/>
+          </p:nvPr>
+        </p:nvSpPr>
+        <p:spPr/>
+        <p:txBody>
+          <a:bodyPr/>
+          <a:lstStyle/>
+          <a:p>
+            <a:r>
+              <a:rPr lang="en-US"/>
+              <a:t>Ho Chi Minh University of Technology and Education</a:t>
+            </a:r>
+          </a:p>
+        </p:txBody>
+      </p:sp>
+      <p:sp>
+        <p:nvSpPr>
+          <p:cNvPr id="5" name="Slide Number Placeholder 4">
+            <a:extLst>
+              <a:ext uri="{FF2B5EF4-FFF2-40B4-BE49-F238E27FC236}">
+                <a16:creationId xmlns:a16="http://schemas.microsoft.com/office/drawing/2014/main" id="{BE20032D-7947-4D69-B1D0-59D2F3ADF5D4}"/>
+              </a:ext>
+            </a:extLst>
+          </p:cNvPr>
+          <p:cNvSpPr>
+            <a:spLocks noGrp="1"/>
+          </p:cNvSpPr>
+          <p:nvPr>
+            <p:ph type="sldNum" sz="quarter" idx="12"/>
+          </p:nvPr>
+        </p:nvSpPr>
+        <p:spPr/>
+        <p:txBody>
+          <a:bodyPr/>
+          <a:lstStyle/>
+          <a:p>
+            <a:pPr marL="0" marR="0" lvl="0" indent="0" algn="r" defTabSz="457200" rtl="0" eaLnBrk="1" fontAlgn="auto" latinLnBrk="0" hangingPunct="1">
+              <a:lnSpc>
+                <a:spcPct val="100000"/>
+              </a:lnSpc>
+              <a:spcBef>
+                <a:spcPts val="0"/>
+              </a:spcBef>
+              <a:spcAft>
+                <a:spcPts val="0"/>
+              </a:spcAft>
+              <a:buClrTx/>
+              <a:buSzTx/>
+              <a:buFontTx/>
+              <a:buNone/>
+              <a:tabLst/>
+              <a:defRPr/>
+            </a:pPr>
+            <a:fld id="{69E57DC2-970A-4B3E-BB1C-7A09969E49DF}" type="slidenum">
+              <a:rPr kumimoji="0" lang="en-US" sz="1200" b="0" i="0" u="none" strike="noStrike" kern="1200" cap="none" spc="0" normalizeH="0" baseline="0" noProof="0" smtClean="0">
+                <a:ln>
+                  <a:noFill/>
+                </a:ln>
+                <a:solidFill>
+                  <a:srgbClr val="191B0E"/>
+                </a:solidFill>
+                <a:effectLst/>
+                <a:uLnTx/>
+                <a:uFillTx/>
+                <a:latin typeface="Arial" panose="020B0604020202020204" pitchFamily="34" charset="0"/>
+                <a:ea typeface="+mn-ea"/>
+                <a:cs typeface="Arial" panose="020B0604020202020204" pitchFamily="34" charset="0"/>
+              </a:rPr>
+              <a:pPr marL="0" marR="0" lvl="0" indent="0" algn="r" defTabSz="457200" rtl="0" eaLnBrk="1" fontAlgn="auto" latinLnBrk="0" hangingPunct="1">
+                <a:lnSpc>
+                  <a:spcPct val="100000"/>
+                </a:lnSpc>
+                <a:spcBef>
+                  <a:spcPts val="0"/>
+                </a:spcBef>
+                <a:spcAft>
+                  <a:spcPts val="0"/>
+                </a:spcAft>
+                <a:buClrTx/>
+                <a:buSzTx/>
+                <a:buFontTx/>
+                <a:buNone/>
+                <a:tabLst/>
+                <a:defRPr/>
+              </a:pPr>
+              <a:t>22</a:t>
+            </a:fld>
+            <a:endParaRPr kumimoji="0" lang="en-US" sz="1200" b="0" i="0" u="none" strike="noStrike" kern="1200" cap="none" spc="0" normalizeH="0" baseline="0" noProof="0">
+              <a:ln>
+                <a:noFill/>
+              </a:ln>
+              <a:solidFill>
+                <a:srgbClr val="191B0E"/>
+              </a:solidFill>
+              <a:effectLst/>
+              <a:uLnTx/>
+              <a:uFillTx/>
+              <a:latin typeface="Arial" panose="020B0604020202020204" pitchFamily="34" charset="0"/>
+              <a:ea typeface="+mn-ea"/>
+              <a:cs typeface="Arial" panose="020B0604020202020204" pitchFamily="34" charset="0"/>
+            </a:endParaRPr>
+          </a:p>
+        </p:txBody>
+      </p:sp>
+    </p:spTree>
+    <p:extLst>
+      <p:ext uri="{BB962C8B-B14F-4D97-AF65-F5344CB8AC3E}">
+        <p14:creationId xmlns:p14="http://schemas.microsoft.com/office/powerpoint/2010/main" val="1459505170"/>
       </p:ext>
     </p:extLst>
   </p:cSld>
